--- a/Documents/hirojiren_scenario.pptx
+++ b/Documents/hirojiren_scenario.pptx
@@ -6,6 +6,9 @@
   </p:sldMasterIdLst>
   <p:sldIdLst>
     <p:sldId id="256" r:id="rId2"/>
+    <p:sldId id="257" r:id="rId3"/>
+    <p:sldId id="258" r:id="rId4"/>
+    <p:sldId id="259" r:id="rId5"/>
   </p:sldIdLst>
   <p:sldSz cx="12192000" cy="6858000"/>
   <p:notesSz cx="6858000" cy="9144000"/>
@@ -3698,6 +3701,2011 @@
 </p:sld>
 </file>
 
+<file path=ppt/slides/slide2.xml><?xml version="1.0" encoding="utf-8"?>
+<p:sld xmlns:a="http://schemas.openxmlformats.org/drawingml/2006/main" xmlns:r="http://schemas.openxmlformats.org/officeDocument/2006/relationships" xmlns:p="http://schemas.openxmlformats.org/presentationml/2006/main">
+  <p:cSld>
+    <p:spTree>
+      <p:nvGrpSpPr>
+        <p:cNvPr id="1" name=""/>
+        <p:cNvGrpSpPr/>
+        <p:nvPr/>
+      </p:nvGrpSpPr>
+      <p:grpSpPr>
+        <a:xfrm>
+          <a:off x="0" y="0"/>
+          <a:ext cx="0" cy="0"/>
+          <a:chOff x="0" y="0"/>
+          <a:chExt cx="0" cy="0"/>
+        </a:xfrm>
+      </p:grpSpPr>
+      <p:grpSp>
+        <p:nvGrpSpPr>
+          <p:cNvPr id="59" name="グループ化 58">
+            <a:extLst>
+              <a:ext uri="{FF2B5EF4-FFF2-40B4-BE49-F238E27FC236}">
+                <a16:creationId xmlns:a16="http://schemas.microsoft.com/office/drawing/2014/main" id="{CBAD14F2-1CE3-1A4A-AC82-18C05BBA5CBF}"/>
+              </a:ext>
+            </a:extLst>
+          </p:cNvPr>
+          <p:cNvGrpSpPr/>
+          <p:nvPr/>
+        </p:nvGrpSpPr>
+        <p:grpSpPr>
+          <a:xfrm>
+            <a:off x="3588124" y="2221005"/>
+            <a:ext cx="4408394" cy="2431677"/>
+            <a:chOff x="3588124" y="2221005"/>
+            <a:chExt cx="4408394" cy="2431677"/>
+          </a:xfrm>
+        </p:grpSpPr>
+        <p:sp>
+          <p:nvSpPr>
+            <p:cNvPr id="45" name="正方形/長方形 44">
+              <a:extLst>
+                <a:ext uri="{FF2B5EF4-FFF2-40B4-BE49-F238E27FC236}">
+                  <a16:creationId xmlns:a16="http://schemas.microsoft.com/office/drawing/2014/main" id="{F56E5649-D1B1-274E-BD1B-2A237E414AF0}"/>
+                </a:ext>
+              </a:extLst>
+            </p:cNvPr>
+            <p:cNvSpPr/>
+            <p:nvPr/>
+          </p:nvSpPr>
+          <p:spPr>
+            <a:xfrm rot="2708135">
+              <a:off x="4159624" y="1649505"/>
+              <a:ext cx="1497106" cy="2640106"/>
+            </a:xfrm>
+            <a:prstGeom prst="rect">
+              <a:avLst/>
+            </a:prstGeom>
+            <a:solidFill>
+              <a:schemeClr val="bg1">
+                <a:lumMod val="95000"/>
+              </a:schemeClr>
+            </a:solidFill>
+            <a:ln w="12700">
+              <a:solidFill>
+                <a:schemeClr val="tx1"/>
+              </a:solidFill>
+            </a:ln>
+          </p:spPr>
+          <p:style>
+            <a:lnRef idx="2">
+              <a:schemeClr val="accent1">
+                <a:shade val="50000"/>
+              </a:schemeClr>
+            </a:lnRef>
+            <a:fillRef idx="1">
+              <a:schemeClr val="accent1"/>
+            </a:fillRef>
+            <a:effectRef idx="0">
+              <a:schemeClr val="accent1"/>
+            </a:effectRef>
+            <a:fontRef idx="minor">
+              <a:schemeClr val="lt1"/>
+            </a:fontRef>
+          </p:style>
+          <p:txBody>
+            <a:bodyPr rtlCol="0" anchor="ctr"/>
+            <a:lstStyle/>
+            <a:p>
+              <a:pPr algn="ctr"/>
+              <a:endParaRPr kumimoji="1" lang="ja-JP" altLang="en-US"/>
+            </a:p>
+          </p:txBody>
+        </p:sp>
+        <p:sp>
+          <p:nvSpPr>
+            <p:cNvPr id="33" name="正方形/長方形 32">
+              <a:extLst>
+                <a:ext uri="{FF2B5EF4-FFF2-40B4-BE49-F238E27FC236}">
+                  <a16:creationId xmlns:a16="http://schemas.microsoft.com/office/drawing/2014/main" id="{79F2556D-3BF4-0540-AF4B-51FC5A2CB234}"/>
+                </a:ext>
+              </a:extLst>
+            </p:cNvPr>
+            <p:cNvSpPr/>
+            <p:nvPr/>
+          </p:nvSpPr>
+          <p:spPr>
+            <a:xfrm>
+              <a:off x="4714481" y="4231912"/>
+              <a:ext cx="3282037" cy="420770"/>
+            </a:xfrm>
+            <a:prstGeom prst="rect">
+              <a:avLst/>
+            </a:prstGeom>
+            <a:solidFill>
+              <a:schemeClr val="bg1">
+                <a:lumMod val="95000"/>
+              </a:schemeClr>
+            </a:solidFill>
+            <a:ln w="12700">
+              <a:solidFill>
+                <a:schemeClr val="tx1"/>
+              </a:solidFill>
+            </a:ln>
+          </p:spPr>
+          <p:style>
+            <a:lnRef idx="2">
+              <a:schemeClr val="accent1">
+                <a:shade val="50000"/>
+              </a:schemeClr>
+            </a:lnRef>
+            <a:fillRef idx="1">
+              <a:schemeClr val="accent1"/>
+            </a:fillRef>
+            <a:effectRef idx="0">
+              <a:schemeClr val="accent1"/>
+            </a:effectRef>
+            <a:fontRef idx="minor">
+              <a:schemeClr val="lt1"/>
+            </a:fontRef>
+          </p:style>
+          <p:txBody>
+            <a:bodyPr rtlCol="0" anchor="ctr"/>
+            <a:lstStyle/>
+            <a:p>
+              <a:pPr algn="ctr"/>
+              <a:endParaRPr kumimoji="1" lang="ja-JP" altLang="en-US"/>
+            </a:p>
+          </p:txBody>
+        </p:sp>
+      </p:grpSp>
+      <p:sp>
+        <p:nvSpPr>
+          <p:cNvPr id="20" name="片側の 2 つの角を切り取った四角形 19">
+            <a:extLst>
+              <a:ext uri="{FF2B5EF4-FFF2-40B4-BE49-F238E27FC236}">
+                <a16:creationId xmlns:a16="http://schemas.microsoft.com/office/drawing/2014/main" id="{994F6E10-0C0B-E74E-B5BF-07DA3D7A11CF}"/>
+              </a:ext>
+            </a:extLst>
+          </p:cNvPr>
+          <p:cNvSpPr/>
+          <p:nvPr/>
+        </p:nvSpPr>
+        <p:spPr>
+          <a:xfrm flipV="1">
+            <a:off x="2763306" y="4795735"/>
+            <a:ext cx="592737" cy="648205"/>
+          </a:xfrm>
+          <a:prstGeom prst="snip2SameRect">
+            <a:avLst/>
+          </a:prstGeom>
+          <a:solidFill>
+            <a:schemeClr val="accent1">
+              <a:lumMod val="20000"/>
+              <a:lumOff val="80000"/>
+            </a:schemeClr>
+          </a:solidFill>
+          <a:ln w="12700">
+            <a:solidFill>
+              <a:schemeClr val="tx1"/>
+            </a:solidFill>
+          </a:ln>
+        </p:spPr>
+        <p:style>
+          <a:lnRef idx="2">
+            <a:schemeClr val="accent1">
+              <a:shade val="50000"/>
+            </a:schemeClr>
+          </a:lnRef>
+          <a:fillRef idx="1">
+            <a:schemeClr val="accent1"/>
+          </a:fillRef>
+          <a:effectRef idx="0">
+            <a:schemeClr val="accent1"/>
+          </a:effectRef>
+          <a:fontRef idx="minor">
+            <a:schemeClr val="lt1"/>
+          </a:fontRef>
+        </p:style>
+        <p:txBody>
+          <a:bodyPr rtlCol="0" anchor="ctr"/>
+          <a:lstStyle/>
+          <a:p>
+            <a:pPr algn="ctr"/>
+            <a:endParaRPr kumimoji="1" lang="ja-JP" altLang="en-US"/>
+          </a:p>
+        </p:txBody>
+      </p:sp>
+      <p:cxnSp>
+        <p:nvCxnSpPr>
+          <p:cNvPr id="12" name="直線コネクタ 11">
+            <a:extLst>
+              <a:ext uri="{FF2B5EF4-FFF2-40B4-BE49-F238E27FC236}">
+                <a16:creationId xmlns:a16="http://schemas.microsoft.com/office/drawing/2014/main" id="{5A4A64E8-5D1E-7244-9DD0-09862EF77525}"/>
+              </a:ext>
+            </a:extLst>
+          </p:cNvPr>
+          <p:cNvCxnSpPr/>
+          <p:nvPr/>
+        </p:nvCxnSpPr>
+        <p:spPr>
+          <a:xfrm>
+            <a:off x="1682885" y="5992237"/>
+            <a:ext cx="9309370" cy="0"/>
+          </a:xfrm>
+          <a:prstGeom prst="line">
+            <a:avLst/>
+          </a:prstGeom>
+        </p:spPr>
+        <p:style>
+          <a:lnRef idx="1">
+            <a:schemeClr val="accent1"/>
+          </a:lnRef>
+          <a:fillRef idx="0">
+            <a:schemeClr val="accent1"/>
+          </a:fillRef>
+          <a:effectRef idx="0">
+            <a:schemeClr val="accent1"/>
+          </a:effectRef>
+          <a:fontRef idx="minor">
+            <a:schemeClr val="tx1"/>
+          </a:fontRef>
+        </p:style>
+      </p:cxnSp>
+      <p:grpSp>
+        <p:nvGrpSpPr>
+          <p:cNvPr id="29" name="グループ化 28">
+            <a:extLst>
+              <a:ext uri="{FF2B5EF4-FFF2-40B4-BE49-F238E27FC236}">
+                <a16:creationId xmlns:a16="http://schemas.microsoft.com/office/drawing/2014/main" id="{11B7519D-3544-574E-AB7E-85005C12F179}"/>
+              </a:ext>
+            </a:extLst>
+          </p:cNvPr>
+          <p:cNvGrpSpPr/>
+          <p:nvPr/>
+        </p:nvGrpSpPr>
+        <p:grpSpPr>
+          <a:xfrm>
+            <a:off x="2613303" y="5453668"/>
+            <a:ext cx="898381" cy="606663"/>
+            <a:chOff x="4096544" y="1776264"/>
+            <a:chExt cx="576064" cy="504056"/>
+          </a:xfrm>
+        </p:grpSpPr>
+        <p:sp>
+          <p:nvSpPr>
+            <p:cNvPr id="30" name="三角形 29">
+              <a:extLst>
+                <a:ext uri="{FF2B5EF4-FFF2-40B4-BE49-F238E27FC236}">
+                  <a16:creationId xmlns:a16="http://schemas.microsoft.com/office/drawing/2014/main" id="{1EC59E7F-8481-B448-B4D0-2EFB82D94EE8}"/>
+                </a:ext>
+              </a:extLst>
+            </p:cNvPr>
+            <p:cNvSpPr/>
+            <p:nvPr/>
+          </p:nvSpPr>
+          <p:spPr>
+            <a:xfrm>
+              <a:off x="4096544" y="1776264"/>
+              <a:ext cx="576064" cy="360040"/>
+            </a:xfrm>
+            <a:prstGeom prst="triangle">
+              <a:avLst/>
+            </a:prstGeom>
+            <a:solidFill>
+              <a:schemeClr val="bg1"/>
+            </a:solidFill>
+          </p:spPr>
+          <p:style>
+            <a:lnRef idx="2">
+              <a:schemeClr val="accent1">
+                <a:shade val="50000"/>
+              </a:schemeClr>
+            </a:lnRef>
+            <a:fillRef idx="1">
+              <a:schemeClr val="accent1"/>
+            </a:fillRef>
+            <a:effectRef idx="0">
+              <a:schemeClr val="accent1"/>
+            </a:effectRef>
+            <a:fontRef idx="minor">
+              <a:schemeClr val="lt1"/>
+            </a:fontRef>
+          </p:style>
+          <p:txBody>
+            <a:bodyPr rtlCol="0" anchor="ctr"/>
+            <a:lstStyle/>
+            <a:p>
+              <a:pPr algn="ctr"/>
+              <a:endParaRPr kumimoji="1" lang="ja-JP" altLang="en-US"/>
+            </a:p>
+          </p:txBody>
+        </p:sp>
+        <p:sp>
+          <p:nvSpPr>
+            <p:cNvPr id="31" name="円/楕円 30">
+              <a:extLst>
+                <a:ext uri="{FF2B5EF4-FFF2-40B4-BE49-F238E27FC236}">
+                  <a16:creationId xmlns:a16="http://schemas.microsoft.com/office/drawing/2014/main" id="{FA9B417D-32DE-D549-9368-AD00CDC881B6}"/>
+                </a:ext>
+              </a:extLst>
+            </p:cNvPr>
+            <p:cNvSpPr/>
+            <p:nvPr/>
+          </p:nvSpPr>
+          <p:spPr>
+            <a:xfrm>
+              <a:off x="4096544" y="2064296"/>
+              <a:ext cx="576064" cy="216024"/>
+            </a:xfrm>
+            <a:prstGeom prst="ellipse">
+              <a:avLst/>
+            </a:prstGeom>
+          </p:spPr>
+          <p:style>
+            <a:lnRef idx="2">
+              <a:schemeClr val="accent1">
+                <a:shade val="50000"/>
+              </a:schemeClr>
+            </a:lnRef>
+            <a:fillRef idx="1">
+              <a:schemeClr val="accent1"/>
+            </a:fillRef>
+            <a:effectRef idx="0">
+              <a:schemeClr val="accent1"/>
+            </a:effectRef>
+            <a:fontRef idx="minor">
+              <a:schemeClr val="lt1"/>
+            </a:fontRef>
+          </p:style>
+          <p:txBody>
+            <a:bodyPr rtlCol="0" anchor="ctr"/>
+            <a:lstStyle/>
+            <a:p>
+              <a:pPr algn="ctr"/>
+              <a:endParaRPr kumimoji="1" lang="ja-JP" altLang="en-US"/>
+            </a:p>
+          </p:txBody>
+        </p:sp>
+      </p:grpSp>
+      <p:grpSp>
+        <p:nvGrpSpPr>
+          <p:cNvPr id="18" name="グループ化 17">
+            <a:extLst>
+              <a:ext uri="{FF2B5EF4-FFF2-40B4-BE49-F238E27FC236}">
+                <a16:creationId xmlns:a16="http://schemas.microsoft.com/office/drawing/2014/main" id="{A19B65C5-22B9-CD48-9803-FDC51EA6206F}"/>
+              </a:ext>
+            </a:extLst>
+          </p:cNvPr>
+          <p:cNvGrpSpPr/>
+          <p:nvPr/>
+        </p:nvGrpSpPr>
+        <p:grpSpPr>
+          <a:xfrm>
+            <a:off x="3297677" y="3570051"/>
+            <a:ext cx="2412459" cy="2412459"/>
+            <a:chOff x="3297677" y="3570051"/>
+            <a:chExt cx="2412459" cy="2412459"/>
+          </a:xfrm>
+        </p:grpSpPr>
+        <p:sp>
+          <p:nvSpPr>
+            <p:cNvPr id="14" name="円/楕円 13">
+              <a:extLst>
+                <a:ext uri="{FF2B5EF4-FFF2-40B4-BE49-F238E27FC236}">
+                  <a16:creationId xmlns:a16="http://schemas.microsoft.com/office/drawing/2014/main" id="{95BC6E65-A6A6-DA4F-89B6-318AFFF06831}"/>
+                </a:ext>
+              </a:extLst>
+            </p:cNvPr>
+            <p:cNvSpPr/>
+            <p:nvPr/>
+          </p:nvSpPr>
+          <p:spPr>
+            <a:xfrm>
+              <a:off x="4166681" y="4439055"/>
+              <a:ext cx="674450" cy="674450"/>
+            </a:xfrm>
+            <a:prstGeom prst="ellipse">
+              <a:avLst/>
+            </a:prstGeom>
+            <a:solidFill>
+              <a:schemeClr val="bg1">
+                <a:lumMod val="85000"/>
+              </a:schemeClr>
+            </a:solidFill>
+            <a:ln w="12700">
+              <a:solidFill>
+                <a:schemeClr val="tx1"/>
+              </a:solidFill>
+            </a:ln>
+          </p:spPr>
+          <p:style>
+            <a:lnRef idx="2">
+              <a:schemeClr val="accent1">
+                <a:shade val="50000"/>
+              </a:schemeClr>
+            </a:lnRef>
+            <a:fillRef idx="1">
+              <a:schemeClr val="accent1"/>
+            </a:fillRef>
+            <a:effectRef idx="0">
+              <a:schemeClr val="accent1"/>
+            </a:effectRef>
+            <a:fontRef idx="minor">
+              <a:schemeClr val="lt1"/>
+            </a:fontRef>
+          </p:style>
+          <p:txBody>
+            <a:bodyPr rtlCol="0" anchor="ctr"/>
+            <a:lstStyle/>
+            <a:p>
+              <a:pPr algn="ctr"/>
+              <a:endParaRPr kumimoji="1" lang="ja-JP" altLang="en-US"/>
+            </a:p>
+          </p:txBody>
+        </p:sp>
+        <p:grpSp>
+          <p:nvGrpSpPr>
+            <p:cNvPr id="10" name="グループ化 9">
+              <a:extLst>
+                <a:ext uri="{FF2B5EF4-FFF2-40B4-BE49-F238E27FC236}">
+                  <a16:creationId xmlns:a16="http://schemas.microsoft.com/office/drawing/2014/main" id="{101C7940-1F2F-9B46-86F9-5B87F71BEC85}"/>
+                </a:ext>
+              </a:extLst>
+            </p:cNvPr>
+            <p:cNvGrpSpPr/>
+            <p:nvPr/>
+          </p:nvGrpSpPr>
+          <p:grpSpPr>
+            <a:xfrm>
+              <a:off x="3297677" y="3570051"/>
+              <a:ext cx="2412459" cy="2412459"/>
+              <a:chOff x="3297677" y="3570051"/>
+              <a:chExt cx="2412459" cy="2412459"/>
+            </a:xfrm>
+          </p:grpSpPr>
+          <p:sp>
+            <p:nvSpPr>
+              <p:cNvPr id="5" name="円/楕円 4">
+                <a:extLst>
+                  <a:ext uri="{FF2B5EF4-FFF2-40B4-BE49-F238E27FC236}">
+                    <a16:creationId xmlns:a16="http://schemas.microsoft.com/office/drawing/2014/main" id="{FC6F3BDA-439B-414C-B97A-9DD594111347}"/>
+                  </a:ext>
+                </a:extLst>
+              </p:cNvPr>
+              <p:cNvSpPr/>
+              <p:nvPr/>
+            </p:nvSpPr>
+            <p:spPr>
+              <a:xfrm>
+                <a:off x="3297677" y="3570051"/>
+                <a:ext cx="2412459" cy="2412459"/>
+              </a:xfrm>
+              <a:prstGeom prst="ellipse">
+                <a:avLst/>
+              </a:prstGeom>
+              <a:noFill/>
+              <a:ln w="12700">
+                <a:solidFill>
+                  <a:schemeClr val="tx1"/>
+                </a:solidFill>
+              </a:ln>
+            </p:spPr>
+            <p:style>
+              <a:lnRef idx="2">
+                <a:schemeClr val="accent1">
+                  <a:shade val="50000"/>
+                </a:schemeClr>
+              </a:lnRef>
+              <a:fillRef idx="1">
+                <a:schemeClr val="accent1"/>
+              </a:fillRef>
+              <a:effectRef idx="0">
+                <a:schemeClr val="accent1"/>
+              </a:effectRef>
+              <a:fontRef idx="minor">
+                <a:schemeClr val="lt1"/>
+              </a:fontRef>
+            </p:style>
+            <p:txBody>
+              <a:bodyPr rtlCol="0" anchor="ctr"/>
+              <a:lstStyle/>
+              <a:p>
+                <a:pPr algn="ctr"/>
+                <a:endParaRPr kumimoji="1" lang="ja-JP" altLang="en-US"/>
+              </a:p>
+            </p:txBody>
+          </p:sp>
+          <p:cxnSp>
+            <p:nvCxnSpPr>
+              <p:cNvPr id="7" name="直線コネクタ 6">
+                <a:extLst>
+                  <a:ext uri="{FF2B5EF4-FFF2-40B4-BE49-F238E27FC236}">
+                    <a16:creationId xmlns:a16="http://schemas.microsoft.com/office/drawing/2014/main" id="{A02EA583-404A-9E4B-A6B5-7EE81711ADFD}"/>
+                  </a:ext>
+                </a:extLst>
+              </p:cNvPr>
+              <p:cNvCxnSpPr>
+                <a:stCxn id="5" idx="2"/>
+                <a:endCxn id="5" idx="6"/>
+              </p:cNvCxnSpPr>
+              <p:nvPr/>
+            </p:nvCxnSpPr>
+            <p:spPr>
+              <a:xfrm>
+                <a:off x="3297677" y="4776281"/>
+                <a:ext cx="2412459" cy="0"/>
+              </a:xfrm>
+              <a:prstGeom prst="line">
+                <a:avLst/>
+              </a:prstGeom>
+              <a:ln w="12700">
+                <a:solidFill>
+                  <a:schemeClr val="tx1"/>
+                </a:solidFill>
+              </a:ln>
+            </p:spPr>
+            <p:style>
+              <a:lnRef idx="1">
+                <a:schemeClr val="accent1"/>
+              </a:lnRef>
+              <a:fillRef idx="0">
+                <a:schemeClr val="accent1"/>
+              </a:fillRef>
+              <a:effectRef idx="0">
+                <a:schemeClr val="accent1"/>
+              </a:effectRef>
+              <a:fontRef idx="minor">
+                <a:schemeClr val="tx1"/>
+              </a:fontRef>
+            </p:style>
+          </p:cxnSp>
+          <p:cxnSp>
+            <p:nvCxnSpPr>
+              <p:cNvPr id="9" name="直線コネクタ 8">
+                <a:extLst>
+                  <a:ext uri="{FF2B5EF4-FFF2-40B4-BE49-F238E27FC236}">
+                    <a16:creationId xmlns:a16="http://schemas.microsoft.com/office/drawing/2014/main" id="{71EA019B-6F62-1647-B74E-7733CB3104E5}"/>
+                  </a:ext>
+                </a:extLst>
+              </p:cNvPr>
+              <p:cNvCxnSpPr>
+                <a:stCxn id="5" idx="4"/>
+                <a:endCxn id="5" idx="0"/>
+              </p:cNvCxnSpPr>
+              <p:nvPr/>
+            </p:nvCxnSpPr>
+            <p:spPr>
+              <a:xfrm flipV="1">
+                <a:off x="4503907" y="3570051"/>
+                <a:ext cx="0" cy="2412459"/>
+              </a:xfrm>
+              <a:prstGeom prst="line">
+                <a:avLst/>
+              </a:prstGeom>
+              <a:ln w="12700">
+                <a:solidFill>
+                  <a:schemeClr val="tx1"/>
+                </a:solidFill>
+              </a:ln>
+            </p:spPr>
+            <p:style>
+              <a:lnRef idx="1">
+                <a:schemeClr val="accent1"/>
+              </a:lnRef>
+              <a:fillRef idx="0">
+                <a:schemeClr val="accent1"/>
+              </a:fillRef>
+              <a:effectRef idx="0">
+                <a:schemeClr val="accent1"/>
+              </a:effectRef>
+              <a:fontRef idx="minor">
+                <a:schemeClr val="tx1"/>
+              </a:fontRef>
+            </p:style>
+          </p:cxnSp>
+        </p:grpSp>
+      </p:grpSp>
+      <p:grpSp>
+        <p:nvGrpSpPr>
+          <p:cNvPr id="38" name="グループ化 37">
+            <a:extLst>
+              <a:ext uri="{FF2B5EF4-FFF2-40B4-BE49-F238E27FC236}">
+                <a16:creationId xmlns:a16="http://schemas.microsoft.com/office/drawing/2014/main" id="{AB0C279A-ECDD-B44B-9384-4375A465EB70}"/>
+              </a:ext>
+            </a:extLst>
+          </p:cNvPr>
+          <p:cNvGrpSpPr/>
+          <p:nvPr/>
+        </p:nvGrpSpPr>
+        <p:grpSpPr>
+          <a:xfrm>
+            <a:off x="3385226" y="3429000"/>
+            <a:ext cx="674450" cy="674450"/>
+            <a:chOff x="3385226" y="3429000"/>
+            <a:chExt cx="674450" cy="674450"/>
+          </a:xfrm>
+          <a:solidFill>
+            <a:schemeClr val="accent1">
+              <a:lumMod val="20000"/>
+              <a:lumOff val="80000"/>
+            </a:schemeClr>
+          </a:solidFill>
+        </p:grpSpPr>
+        <p:sp>
+          <p:nvSpPr>
+            <p:cNvPr id="17" name="円/楕円 16">
+              <a:extLst>
+                <a:ext uri="{FF2B5EF4-FFF2-40B4-BE49-F238E27FC236}">
+                  <a16:creationId xmlns:a16="http://schemas.microsoft.com/office/drawing/2014/main" id="{C16068F6-A4D1-EC4B-90FC-8043BEBD199F}"/>
+                </a:ext>
+              </a:extLst>
+            </p:cNvPr>
+            <p:cNvSpPr/>
+            <p:nvPr/>
+          </p:nvSpPr>
+          <p:spPr>
+            <a:xfrm>
+              <a:off x="3385226" y="3429000"/>
+              <a:ext cx="674450" cy="674450"/>
+            </a:xfrm>
+            <a:prstGeom prst="ellipse">
+              <a:avLst/>
+            </a:prstGeom>
+            <a:grpFill/>
+            <a:ln w="12700">
+              <a:solidFill>
+                <a:schemeClr val="tx1"/>
+              </a:solidFill>
+            </a:ln>
+          </p:spPr>
+          <p:style>
+            <a:lnRef idx="2">
+              <a:schemeClr val="accent1">
+                <a:shade val="50000"/>
+              </a:schemeClr>
+            </a:lnRef>
+            <a:fillRef idx="1">
+              <a:schemeClr val="accent1"/>
+            </a:fillRef>
+            <a:effectRef idx="0">
+              <a:schemeClr val="accent1"/>
+            </a:effectRef>
+            <a:fontRef idx="minor">
+              <a:schemeClr val="lt1"/>
+            </a:fontRef>
+          </p:style>
+          <p:txBody>
+            <a:bodyPr rtlCol="0" anchor="ctr"/>
+            <a:lstStyle/>
+            <a:p>
+              <a:pPr algn="ctr"/>
+              <a:endParaRPr kumimoji="1" lang="ja-JP" altLang="en-US"/>
+            </a:p>
+          </p:txBody>
+        </p:sp>
+        <p:cxnSp>
+          <p:nvCxnSpPr>
+            <p:cNvPr id="35" name="直線コネクタ 34">
+              <a:extLst>
+                <a:ext uri="{FF2B5EF4-FFF2-40B4-BE49-F238E27FC236}">
+                  <a16:creationId xmlns:a16="http://schemas.microsoft.com/office/drawing/2014/main" id="{47055E78-8374-0342-8953-D075EBACBCB5}"/>
+                </a:ext>
+              </a:extLst>
+            </p:cNvPr>
+            <p:cNvCxnSpPr>
+              <a:stCxn id="17" idx="6"/>
+              <a:endCxn id="17" idx="2"/>
+            </p:cNvCxnSpPr>
+            <p:nvPr/>
+          </p:nvCxnSpPr>
+          <p:spPr>
+            <a:xfrm flipH="1">
+              <a:off x="3385226" y="3766225"/>
+              <a:ext cx="674450" cy="0"/>
+            </a:xfrm>
+            <a:prstGeom prst="line">
+              <a:avLst/>
+            </a:prstGeom>
+            <a:grpFill/>
+            <a:ln w="12700">
+              <a:solidFill>
+                <a:schemeClr val="tx1"/>
+              </a:solidFill>
+            </a:ln>
+          </p:spPr>
+          <p:style>
+            <a:lnRef idx="1">
+              <a:schemeClr val="accent1"/>
+            </a:lnRef>
+            <a:fillRef idx="0">
+              <a:schemeClr val="accent1"/>
+            </a:fillRef>
+            <a:effectRef idx="0">
+              <a:schemeClr val="accent1"/>
+            </a:effectRef>
+            <a:fontRef idx="minor">
+              <a:schemeClr val="tx1"/>
+            </a:fontRef>
+          </p:style>
+        </p:cxnSp>
+        <p:cxnSp>
+          <p:nvCxnSpPr>
+            <p:cNvPr id="37" name="直線コネクタ 36">
+              <a:extLst>
+                <a:ext uri="{FF2B5EF4-FFF2-40B4-BE49-F238E27FC236}">
+                  <a16:creationId xmlns:a16="http://schemas.microsoft.com/office/drawing/2014/main" id="{E20BA8D3-03D0-C64F-97AC-A90F2A6FFD64}"/>
+                </a:ext>
+              </a:extLst>
+            </p:cNvPr>
+            <p:cNvCxnSpPr>
+              <a:endCxn id="17" idx="0"/>
+            </p:cNvCxnSpPr>
+            <p:nvPr/>
+          </p:nvCxnSpPr>
+          <p:spPr>
+            <a:xfrm flipV="1">
+              <a:off x="3715966" y="3429000"/>
+              <a:ext cx="6485" cy="666345"/>
+            </a:xfrm>
+            <a:prstGeom prst="line">
+              <a:avLst/>
+            </a:prstGeom>
+            <a:grpFill/>
+            <a:ln w="12700">
+              <a:solidFill>
+                <a:schemeClr val="tx1"/>
+              </a:solidFill>
+            </a:ln>
+          </p:spPr>
+          <p:style>
+            <a:lnRef idx="1">
+              <a:schemeClr val="accent1"/>
+            </a:lnRef>
+            <a:fillRef idx="0">
+              <a:schemeClr val="accent1"/>
+            </a:fillRef>
+            <a:effectRef idx="0">
+              <a:schemeClr val="accent1"/>
+            </a:effectRef>
+            <a:fontRef idx="minor">
+              <a:schemeClr val="tx1"/>
+            </a:fontRef>
+          </p:style>
+        </p:cxnSp>
+      </p:grpSp>
+      <p:sp>
+        <p:nvSpPr>
+          <p:cNvPr id="32" name="L 字 31">
+            <a:extLst>
+              <a:ext uri="{FF2B5EF4-FFF2-40B4-BE49-F238E27FC236}">
+                <a16:creationId xmlns:a16="http://schemas.microsoft.com/office/drawing/2014/main" id="{32488DE0-CAB9-6746-9A76-087E0ACBFD80}"/>
+              </a:ext>
+            </a:extLst>
+          </p:cNvPr>
+          <p:cNvSpPr/>
+          <p:nvPr/>
+        </p:nvSpPr>
+        <p:spPr>
+          <a:xfrm flipH="1">
+            <a:off x="1649506" y="3880386"/>
+            <a:ext cx="2141993" cy="1381328"/>
+          </a:xfrm>
+          <a:prstGeom prst="corner">
+            <a:avLst>
+              <a:gd name="adj1" fmla="val 9883"/>
+              <a:gd name="adj2" fmla="val 10345"/>
+            </a:avLst>
+          </a:prstGeom>
+          <a:solidFill>
+            <a:schemeClr val="accent1">
+              <a:lumMod val="20000"/>
+              <a:lumOff val="80000"/>
+            </a:schemeClr>
+          </a:solidFill>
+          <a:ln>
+            <a:solidFill>
+              <a:schemeClr val="tx1"/>
+            </a:solidFill>
+          </a:ln>
+        </p:spPr>
+        <p:style>
+          <a:lnRef idx="2">
+            <a:schemeClr val="accent1">
+              <a:shade val="50000"/>
+            </a:schemeClr>
+          </a:lnRef>
+          <a:fillRef idx="1">
+            <a:schemeClr val="accent1"/>
+          </a:fillRef>
+          <a:effectRef idx="0">
+            <a:schemeClr val="accent1"/>
+          </a:effectRef>
+          <a:fontRef idx="minor">
+            <a:schemeClr val="lt1"/>
+          </a:fontRef>
+        </p:style>
+        <p:txBody>
+          <a:bodyPr rtlCol="0" anchor="ctr"/>
+          <a:lstStyle/>
+          <a:p>
+            <a:pPr algn="ctr"/>
+            <a:endParaRPr kumimoji="1" lang="ja-JP" altLang="en-US"/>
+          </a:p>
+        </p:txBody>
+      </p:sp>
+      <p:grpSp>
+        <p:nvGrpSpPr>
+          <p:cNvPr id="47" name="グループ化 46">
+            <a:extLst>
+              <a:ext uri="{FF2B5EF4-FFF2-40B4-BE49-F238E27FC236}">
+                <a16:creationId xmlns:a16="http://schemas.microsoft.com/office/drawing/2014/main" id="{6793783F-6E7C-EF46-B08B-AF8A709B5CE6}"/>
+              </a:ext>
+            </a:extLst>
+          </p:cNvPr>
+          <p:cNvGrpSpPr/>
+          <p:nvPr/>
+        </p:nvGrpSpPr>
+        <p:grpSpPr>
+          <a:xfrm>
+            <a:off x="1568822" y="2102223"/>
+            <a:ext cx="2142566" cy="1326777"/>
+            <a:chOff x="1568822" y="2102223"/>
+            <a:chExt cx="2142566" cy="1326777"/>
+          </a:xfrm>
+        </p:grpSpPr>
+        <p:grpSp>
+          <p:nvGrpSpPr>
+            <p:cNvPr id="44" name="グループ化 43">
+              <a:extLst>
+                <a:ext uri="{FF2B5EF4-FFF2-40B4-BE49-F238E27FC236}">
+                  <a16:creationId xmlns:a16="http://schemas.microsoft.com/office/drawing/2014/main" id="{A855BF42-8B9B-C24F-BDB7-698AC33C537D}"/>
+                </a:ext>
+              </a:extLst>
+            </p:cNvPr>
+            <p:cNvGrpSpPr/>
+            <p:nvPr/>
+          </p:nvGrpSpPr>
+          <p:grpSpPr>
+            <a:xfrm>
+              <a:off x="1568822" y="2102223"/>
+              <a:ext cx="1303967" cy="1326777"/>
+              <a:chOff x="4150657" y="2102223"/>
+              <a:chExt cx="1303967" cy="1326777"/>
+            </a:xfrm>
+          </p:grpSpPr>
+          <p:sp>
+            <p:nvSpPr>
+              <p:cNvPr id="39" name="片側の 2 つの角を切り取った四角形 38">
+                <a:extLst>
+                  <a:ext uri="{FF2B5EF4-FFF2-40B4-BE49-F238E27FC236}">
+                    <a16:creationId xmlns:a16="http://schemas.microsoft.com/office/drawing/2014/main" id="{2DCE4FBB-E173-FC4E-A6E6-B9ACDE105EC8}"/>
+                  </a:ext>
+                </a:extLst>
+              </p:cNvPr>
+              <p:cNvSpPr/>
+              <p:nvPr/>
+            </p:nvSpPr>
+            <p:spPr>
+              <a:xfrm rot="16200000" flipV="1">
+                <a:off x="4834153" y="2500770"/>
+                <a:ext cx="592737" cy="648205"/>
+              </a:xfrm>
+              <a:prstGeom prst="snip2SameRect">
+                <a:avLst/>
+              </a:prstGeom>
+              <a:solidFill>
+                <a:schemeClr val="accent2">
+                  <a:lumMod val="20000"/>
+                  <a:lumOff val="80000"/>
+                </a:schemeClr>
+              </a:solidFill>
+              <a:ln w="12700">
+                <a:solidFill>
+                  <a:schemeClr val="tx1"/>
+                </a:solidFill>
+              </a:ln>
+            </p:spPr>
+            <p:style>
+              <a:lnRef idx="2">
+                <a:schemeClr val="accent1">
+                  <a:shade val="50000"/>
+                </a:schemeClr>
+              </a:lnRef>
+              <a:fillRef idx="1">
+                <a:schemeClr val="accent1"/>
+              </a:fillRef>
+              <a:effectRef idx="0">
+                <a:schemeClr val="accent1"/>
+              </a:effectRef>
+              <a:fontRef idx="minor">
+                <a:schemeClr val="lt1"/>
+              </a:fontRef>
+            </p:style>
+            <p:txBody>
+              <a:bodyPr rtlCol="0" anchor="ctr"/>
+              <a:lstStyle/>
+              <a:p>
+                <a:pPr algn="ctr"/>
+                <a:endParaRPr kumimoji="1" lang="ja-JP" altLang="en-US"/>
+              </a:p>
+            </p:txBody>
+          </p:sp>
+          <p:grpSp>
+            <p:nvGrpSpPr>
+              <p:cNvPr id="43" name="グループ化 42">
+                <a:extLst>
+                  <a:ext uri="{FF2B5EF4-FFF2-40B4-BE49-F238E27FC236}">
+                    <a16:creationId xmlns:a16="http://schemas.microsoft.com/office/drawing/2014/main" id="{F79545D0-B85D-4A45-B41F-BE495556F9AB}"/>
+                  </a:ext>
+                </a:extLst>
+              </p:cNvPr>
+              <p:cNvGrpSpPr/>
+              <p:nvPr/>
+            </p:nvGrpSpPr>
+            <p:grpSpPr>
+              <a:xfrm>
+                <a:off x="4150657" y="2102223"/>
+                <a:ext cx="1120589" cy="1326777"/>
+                <a:chOff x="3774140" y="1452282"/>
+                <a:chExt cx="1120589" cy="1326777"/>
+              </a:xfrm>
+            </p:grpSpPr>
+            <p:sp>
+              <p:nvSpPr>
+                <p:cNvPr id="40" name="円弧 39">
+                  <a:extLst>
+                    <a:ext uri="{FF2B5EF4-FFF2-40B4-BE49-F238E27FC236}">
+                      <a16:creationId xmlns:a16="http://schemas.microsoft.com/office/drawing/2014/main" id="{86D38046-C761-3646-B461-1E3CFB7C8B8A}"/>
+                    </a:ext>
+                  </a:extLst>
+                </p:cNvPr>
+                <p:cNvSpPr/>
+                <p:nvPr/>
+              </p:nvSpPr>
+              <p:spPr>
+                <a:xfrm>
+                  <a:off x="3774140" y="1452282"/>
+                  <a:ext cx="815789" cy="1326777"/>
+                </a:xfrm>
+                <a:prstGeom prst="arc">
+                  <a:avLst>
+                    <a:gd name="adj1" fmla="val 6718735"/>
+                    <a:gd name="adj2" fmla="val 14974613"/>
+                  </a:avLst>
+                </a:prstGeom>
+              </p:spPr>
+              <p:style>
+                <a:lnRef idx="1">
+                  <a:schemeClr val="accent1"/>
+                </a:lnRef>
+                <a:fillRef idx="0">
+                  <a:schemeClr val="accent1"/>
+                </a:fillRef>
+                <a:effectRef idx="0">
+                  <a:schemeClr val="accent1"/>
+                </a:effectRef>
+                <a:fontRef idx="minor">
+                  <a:schemeClr val="tx1"/>
+                </a:fontRef>
+              </p:style>
+              <p:txBody>
+                <a:bodyPr rtlCol="0" anchor="ctr"/>
+                <a:lstStyle/>
+                <a:p>
+                  <a:pPr algn="ctr"/>
+                  <a:endParaRPr kumimoji="1" lang="ja-JP" altLang="en-US"/>
+                </a:p>
+              </p:txBody>
+            </p:sp>
+            <p:sp>
+              <p:nvSpPr>
+                <p:cNvPr id="41" name="円弧 40">
+                  <a:extLst>
+                    <a:ext uri="{FF2B5EF4-FFF2-40B4-BE49-F238E27FC236}">
+                      <a16:creationId xmlns:a16="http://schemas.microsoft.com/office/drawing/2014/main" id="{A164673C-EF62-E240-87CC-4F300A58BF9F}"/>
+                    </a:ext>
+                  </a:extLst>
+                </p:cNvPr>
+                <p:cNvSpPr/>
+                <p:nvPr/>
+              </p:nvSpPr>
+              <p:spPr>
+                <a:xfrm>
+                  <a:off x="3926540" y="1600200"/>
+                  <a:ext cx="815789" cy="1030941"/>
+                </a:xfrm>
+                <a:prstGeom prst="arc">
+                  <a:avLst>
+                    <a:gd name="adj1" fmla="val 6718735"/>
+                    <a:gd name="adj2" fmla="val 14974613"/>
+                  </a:avLst>
+                </a:prstGeom>
+              </p:spPr>
+              <p:style>
+                <a:lnRef idx="1">
+                  <a:schemeClr val="accent1"/>
+                </a:lnRef>
+                <a:fillRef idx="0">
+                  <a:schemeClr val="accent1"/>
+                </a:fillRef>
+                <a:effectRef idx="0">
+                  <a:schemeClr val="accent1"/>
+                </a:effectRef>
+                <a:fontRef idx="minor">
+                  <a:schemeClr val="tx1"/>
+                </a:fontRef>
+              </p:style>
+              <p:txBody>
+                <a:bodyPr rtlCol="0" anchor="ctr"/>
+                <a:lstStyle/>
+                <a:p>
+                  <a:pPr algn="ctr"/>
+                  <a:endParaRPr kumimoji="1" lang="ja-JP" altLang="en-US"/>
+                </a:p>
+              </p:txBody>
+            </p:sp>
+            <p:sp>
+              <p:nvSpPr>
+                <p:cNvPr id="42" name="円弧 41">
+                  <a:extLst>
+                    <a:ext uri="{FF2B5EF4-FFF2-40B4-BE49-F238E27FC236}">
+                      <a16:creationId xmlns:a16="http://schemas.microsoft.com/office/drawing/2014/main" id="{ED505722-AB6D-3E47-BA49-B4536F823129}"/>
+                    </a:ext>
+                  </a:extLst>
+                </p:cNvPr>
+                <p:cNvSpPr/>
+                <p:nvPr/>
+              </p:nvSpPr>
+              <p:spPr>
+                <a:xfrm>
+                  <a:off x="4078940" y="1698811"/>
+                  <a:ext cx="815789" cy="833718"/>
+                </a:xfrm>
+                <a:prstGeom prst="arc">
+                  <a:avLst>
+                    <a:gd name="adj1" fmla="val 6718735"/>
+                    <a:gd name="adj2" fmla="val 14974613"/>
+                  </a:avLst>
+                </a:prstGeom>
+              </p:spPr>
+              <p:style>
+                <a:lnRef idx="1">
+                  <a:schemeClr val="accent1"/>
+                </a:lnRef>
+                <a:fillRef idx="0">
+                  <a:schemeClr val="accent1"/>
+                </a:fillRef>
+                <a:effectRef idx="0">
+                  <a:schemeClr val="accent1"/>
+                </a:effectRef>
+                <a:fontRef idx="minor">
+                  <a:schemeClr val="tx1"/>
+                </a:fontRef>
+              </p:style>
+              <p:txBody>
+                <a:bodyPr rtlCol="0" anchor="ctr"/>
+                <a:lstStyle/>
+                <a:p>
+                  <a:pPr algn="ctr"/>
+                  <a:endParaRPr kumimoji="1" lang="ja-JP" altLang="en-US"/>
+                </a:p>
+              </p:txBody>
+            </p:sp>
+          </p:grpSp>
+        </p:grpSp>
+        <p:sp>
+          <p:nvSpPr>
+            <p:cNvPr id="46" name="正方形/長方形 45">
+              <a:extLst>
+                <a:ext uri="{FF2B5EF4-FFF2-40B4-BE49-F238E27FC236}">
+                  <a16:creationId xmlns:a16="http://schemas.microsoft.com/office/drawing/2014/main" id="{C487CA86-E873-A643-BF93-B2317374DD71}"/>
+                </a:ext>
+              </a:extLst>
+            </p:cNvPr>
+            <p:cNvSpPr/>
+            <p:nvPr/>
+          </p:nvSpPr>
+          <p:spPr>
+            <a:xfrm>
+              <a:off x="2401587" y="3128682"/>
+              <a:ext cx="1309801" cy="127032"/>
+            </a:xfrm>
+            <a:prstGeom prst="rect">
+              <a:avLst/>
+            </a:prstGeom>
+            <a:solidFill>
+              <a:schemeClr val="accent2">
+                <a:lumMod val="20000"/>
+                <a:lumOff val="80000"/>
+              </a:schemeClr>
+            </a:solidFill>
+          </p:spPr>
+          <p:style>
+            <a:lnRef idx="2">
+              <a:schemeClr val="accent1">
+                <a:shade val="50000"/>
+              </a:schemeClr>
+            </a:lnRef>
+            <a:fillRef idx="1">
+              <a:schemeClr val="accent1"/>
+            </a:fillRef>
+            <a:effectRef idx="0">
+              <a:schemeClr val="accent1"/>
+            </a:effectRef>
+            <a:fontRef idx="minor">
+              <a:schemeClr val="lt1"/>
+            </a:fontRef>
+          </p:style>
+          <p:txBody>
+            <a:bodyPr rtlCol="0" anchor="ctr"/>
+            <a:lstStyle/>
+            <a:p>
+              <a:pPr algn="ctr"/>
+              <a:endParaRPr kumimoji="1" lang="ja-JP" altLang="en-US"/>
+            </a:p>
+          </p:txBody>
+        </p:sp>
+      </p:grpSp>
+      <p:grpSp>
+        <p:nvGrpSpPr>
+          <p:cNvPr id="67" name="グループ化 66">
+            <a:extLst>
+              <a:ext uri="{FF2B5EF4-FFF2-40B4-BE49-F238E27FC236}">
+                <a16:creationId xmlns:a16="http://schemas.microsoft.com/office/drawing/2014/main" id="{A5FECC56-0FB4-164D-BD43-B8C72FB2B817}"/>
+              </a:ext>
+            </a:extLst>
+          </p:cNvPr>
+          <p:cNvGrpSpPr/>
+          <p:nvPr/>
+        </p:nvGrpSpPr>
+        <p:grpSpPr>
+          <a:xfrm>
+            <a:off x="5746377" y="4316506"/>
+            <a:ext cx="2580509" cy="1651603"/>
+            <a:chOff x="5746377" y="4316506"/>
+            <a:chExt cx="2580509" cy="1651603"/>
+          </a:xfrm>
+        </p:grpSpPr>
+        <p:grpSp>
+          <p:nvGrpSpPr>
+            <p:cNvPr id="49" name="グループ化 48">
+              <a:extLst>
+                <a:ext uri="{FF2B5EF4-FFF2-40B4-BE49-F238E27FC236}">
+                  <a16:creationId xmlns:a16="http://schemas.microsoft.com/office/drawing/2014/main" id="{E2DE31E5-06AD-6F49-A568-0B7E55B925D3}"/>
+                </a:ext>
+              </a:extLst>
+            </p:cNvPr>
+            <p:cNvGrpSpPr/>
+            <p:nvPr/>
+          </p:nvGrpSpPr>
+          <p:grpSpPr>
+            <a:xfrm>
+              <a:off x="7652436" y="4316506"/>
+              <a:ext cx="674450" cy="674450"/>
+              <a:chOff x="3385226" y="3429000"/>
+              <a:chExt cx="674450" cy="674450"/>
+            </a:xfrm>
+            <a:solidFill>
+              <a:schemeClr val="accent6">
+                <a:lumMod val="20000"/>
+                <a:lumOff val="80000"/>
+              </a:schemeClr>
+            </a:solidFill>
+          </p:grpSpPr>
+          <p:sp>
+            <p:nvSpPr>
+              <p:cNvPr id="50" name="円/楕円 49">
+                <a:extLst>
+                  <a:ext uri="{FF2B5EF4-FFF2-40B4-BE49-F238E27FC236}">
+                    <a16:creationId xmlns:a16="http://schemas.microsoft.com/office/drawing/2014/main" id="{CB07BC6C-F1FD-484C-8FA0-49EB093AED70}"/>
+                  </a:ext>
+                </a:extLst>
+              </p:cNvPr>
+              <p:cNvSpPr/>
+              <p:nvPr/>
+            </p:nvSpPr>
+            <p:spPr>
+              <a:xfrm>
+                <a:off x="3385226" y="3429000"/>
+                <a:ext cx="674450" cy="674450"/>
+              </a:xfrm>
+              <a:prstGeom prst="ellipse">
+                <a:avLst/>
+              </a:prstGeom>
+              <a:grpFill/>
+              <a:ln w="12700">
+                <a:solidFill>
+                  <a:schemeClr val="tx1"/>
+                </a:solidFill>
+              </a:ln>
+            </p:spPr>
+            <p:style>
+              <a:lnRef idx="2">
+                <a:schemeClr val="accent1">
+                  <a:shade val="50000"/>
+                </a:schemeClr>
+              </a:lnRef>
+              <a:fillRef idx="1">
+                <a:schemeClr val="accent1"/>
+              </a:fillRef>
+              <a:effectRef idx="0">
+                <a:schemeClr val="accent1"/>
+              </a:effectRef>
+              <a:fontRef idx="minor">
+                <a:schemeClr val="lt1"/>
+              </a:fontRef>
+            </p:style>
+            <p:txBody>
+              <a:bodyPr rtlCol="0" anchor="ctr"/>
+              <a:lstStyle/>
+              <a:p>
+                <a:pPr algn="ctr"/>
+                <a:endParaRPr kumimoji="1" lang="ja-JP" altLang="en-US"/>
+              </a:p>
+            </p:txBody>
+          </p:sp>
+          <p:cxnSp>
+            <p:nvCxnSpPr>
+              <p:cNvPr id="51" name="直線コネクタ 50">
+                <a:extLst>
+                  <a:ext uri="{FF2B5EF4-FFF2-40B4-BE49-F238E27FC236}">
+                    <a16:creationId xmlns:a16="http://schemas.microsoft.com/office/drawing/2014/main" id="{ABC6D782-BE7F-C245-8D32-AB9CBD827AAB}"/>
+                  </a:ext>
+                </a:extLst>
+              </p:cNvPr>
+              <p:cNvCxnSpPr>
+                <a:stCxn id="50" idx="6"/>
+                <a:endCxn id="50" idx="2"/>
+              </p:cNvCxnSpPr>
+              <p:nvPr/>
+            </p:nvCxnSpPr>
+            <p:spPr>
+              <a:xfrm flipH="1">
+                <a:off x="3385226" y="3766225"/>
+                <a:ext cx="674450" cy="0"/>
+              </a:xfrm>
+              <a:prstGeom prst="line">
+                <a:avLst/>
+              </a:prstGeom>
+              <a:grpFill/>
+              <a:ln w="12700">
+                <a:solidFill>
+                  <a:schemeClr val="tx1"/>
+                </a:solidFill>
+              </a:ln>
+            </p:spPr>
+            <p:style>
+              <a:lnRef idx="1">
+                <a:schemeClr val="accent1"/>
+              </a:lnRef>
+              <a:fillRef idx="0">
+                <a:schemeClr val="accent1"/>
+              </a:fillRef>
+              <a:effectRef idx="0">
+                <a:schemeClr val="accent1"/>
+              </a:effectRef>
+              <a:fontRef idx="minor">
+                <a:schemeClr val="tx1"/>
+              </a:fontRef>
+            </p:style>
+          </p:cxnSp>
+          <p:cxnSp>
+            <p:nvCxnSpPr>
+              <p:cNvPr id="52" name="直線コネクタ 51">
+                <a:extLst>
+                  <a:ext uri="{FF2B5EF4-FFF2-40B4-BE49-F238E27FC236}">
+                    <a16:creationId xmlns:a16="http://schemas.microsoft.com/office/drawing/2014/main" id="{74D4EFDB-2EDC-E945-9102-FF205236DD78}"/>
+                  </a:ext>
+                </a:extLst>
+              </p:cNvPr>
+              <p:cNvCxnSpPr>
+                <a:endCxn id="50" idx="0"/>
+              </p:cNvCxnSpPr>
+              <p:nvPr/>
+            </p:nvCxnSpPr>
+            <p:spPr>
+              <a:xfrm flipV="1">
+                <a:off x="3715966" y="3429000"/>
+                <a:ext cx="6485" cy="666345"/>
+              </a:xfrm>
+              <a:prstGeom prst="line">
+                <a:avLst/>
+              </a:prstGeom>
+              <a:grpFill/>
+              <a:ln w="12700">
+                <a:solidFill>
+                  <a:schemeClr val="tx1"/>
+                </a:solidFill>
+              </a:ln>
+            </p:spPr>
+            <p:style>
+              <a:lnRef idx="1">
+                <a:schemeClr val="accent1"/>
+              </a:lnRef>
+              <a:fillRef idx="0">
+                <a:schemeClr val="accent1"/>
+              </a:fillRef>
+              <a:effectRef idx="0">
+                <a:schemeClr val="accent1"/>
+              </a:effectRef>
+              <a:fontRef idx="minor">
+                <a:schemeClr val="tx1"/>
+              </a:fontRef>
+            </p:style>
+          </p:cxnSp>
+        </p:grpSp>
+        <p:sp>
+          <p:nvSpPr>
+            <p:cNvPr id="60" name="正方形/長方形 59">
+              <a:extLst>
+                <a:ext uri="{FF2B5EF4-FFF2-40B4-BE49-F238E27FC236}">
+                  <a16:creationId xmlns:a16="http://schemas.microsoft.com/office/drawing/2014/main" id="{484EB7E4-4029-7A4D-879E-B7D88DD2DA1B}"/>
+                </a:ext>
+              </a:extLst>
+            </p:cNvPr>
+            <p:cNvSpPr/>
+            <p:nvPr/>
+          </p:nvSpPr>
+          <p:spPr>
+            <a:xfrm>
+              <a:off x="5746377" y="4831976"/>
+              <a:ext cx="2232212" cy="161365"/>
+            </a:xfrm>
+            <a:prstGeom prst="rect">
+              <a:avLst/>
+            </a:prstGeom>
+            <a:solidFill>
+              <a:schemeClr val="accent6">
+                <a:lumMod val="20000"/>
+                <a:lumOff val="80000"/>
+              </a:schemeClr>
+            </a:solidFill>
+            <a:ln w="12700">
+              <a:solidFill>
+                <a:schemeClr val="tx1"/>
+              </a:solidFill>
+            </a:ln>
+          </p:spPr>
+          <p:style>
+            <a:lnRef idx="2">
+              <a:schemeClr val="accent1">
+                <a:shade val="50000"/>
+              </a:schemeClr>
+            </a:lnRef>
+            <a:fillRef idx="1">
+              <a:schemeClr val="accent1"/>
+            </a:fillRef>
+            <a:effectRef idx="0">
+              <a:schemeClr val="accent1"/>
+            </a:effectRef>
+            <a:fontRef idx="minor">
+              <a:schemeClr val="lt1"/>
+            </a:fontRef>
+          </p:style>
+          <p:txBody>
+            <a:bodyPr rtlCol="0" anchor="ctr"/>
+            <a:lstStyle/>
+            <a:p>
+              <a:pPr algn="ctr"/>
+              <a:endParaRPr kumimoji="1" lang="ja-JP" altLang="en-US"/>
+            </a:p>
+          </p:txBody>
+        </p:sp>
+        <p:grpSp>
+          <p:nvGrpSpPr>
+            <p:cNvPr id="66" name="グループ化 65">
+              <a:extLst>
+                <a:ext uri="{FF2B5EF4-FFF2-40B4-BE49-F238E27FC236}">
+                  <a16:creationId xmlns:a16="http://schemas.microsoft.com/office/drawing/2014/main" id="{584A2695-63B3-F84D-8157-BADBC276CC8A}"/>
+                </a:ext>
+              </a:extLst>
+            </p:cNvPr>
+            <p:cNvGrpSpPr/>
+            <p:nvPr/>
+          </p:nvGrpSpPr>
+          <p:grpSpPr>
+            <a:xfrm>
+              <a:off x="6585635" y="4993341"/>
+              <a:ext cx="674450" cy="974768"/>
+              <a:chOff x="6585635" y="4993341"/>
+              <a:chExt cx="674450" cy="974768"/>
+            </a:xfrm>
+          </p:grpSpPr>
+          <p:grpSp>
+            <p:nvGrpSpPr>
+              <p:cNvPr id="61" name="グループ化 60">
+                <a:extLst>
+                  <a:ext uri="{FF2B5EF4-FFF2-40B4-BE49-F238E27FC236}">
+                    <a16:creationId xmlns:a16="http://schemas.microsoft.com/office/drawing/2014/main" id="{13ABB243-0EE3-6449-B162-4D1737DBF78B}"/>
+                  </a:ext>
+                </a:extLst>
+              </p:cNvPr>
+              <p:cNvGrpSpPr/>
+              <p:nvPr/>
+            </p:nvGrpSpPr>
+            <p:grpSpPr>
+              <a:xfrm>
+                <a:off x="6585635" y="5293659"/>
+                <a:ext cx="674450" cy="674450"/>
+                <a:chOff x="3385226" y="3429000"/>
+                <a:chExt cx="674450" cy="674450"/>
+              </a:xfrm>
+              <a:solidFill>
+                <a:schemeClr val="accent6">
+                  <a:lumMod val="20000"/>
+                  <a:lumOff val="80000"/>
+                </a:schemeClr>
+              </a:solidFill>
+            </p:grpSpPr>
+            <p:sp>
+              <p:nvSpPr>
+                <p:cNvPr id="62" name="円/楕円 61">
+                  <a:extLst>
+                    <a:ext uri="{FF2B5EF4-FFF2-40B4-BE49-F238E27FC236}">
+                      <a16:creationId xmlns:a16="http://schemas.microsoft.com/office/drawing/2014/main" id="{CBAA3278-E88D-9648-9780-A971C0C07152}"/>
+                    </a:ext>
+                  </a:extLst>
+                </p:cNvPr>
+                <p:cNvSpPr/>
+                <p:nvPr/>
+              </p:nvSpPr>
+              <p:spPr>
+                <a:xfrm>
+                  <a:off x="3385226" y="3429000"/>
+                  <a:ext cx="674450" cy="674450"/>
+                </a:xfrm>
+                <a:prstGeom prst="ellipse">
+                  <a:avLst/>
+                </a:prstGeom>
+                <a:grpFill/>
+                <a:ln w="12700">
+                  <a:solidFill>
+                    <a:schemeClr val="tx1"/>
+                  </a:solidFill>
+                </a:ln>
+              </p:spPr>
+              <p:style>
+                <a:lnRef idx="2">
+                  <a:schemeClr val="accent1">
+                    <a:shade val="50000"/>
+                  </a:schemeClr>
+                </a:lnRef>
+                <a:fillRef idx="1">
+                  <a:schemeClr val="accent1"/>
+                </a:fillRef>
+                <a:effectRef idx="0">
+                  <a:schemeClr val="accent1"/>
+                </a:effectRef>
+                <a:fontRef idx="minor">
+                  <a:schemeClr val="lt1"/>
+                </a:fontRef>
+              </p:style>
+              <p:txBody>
+                <a:bodyPr rtlCol="0" anchor="ctr"/>
+                <a:lstStyle/>
+                <a:p>
+                  <a:pPr algn="ctr"/>
+                  <a:endParaRPr kumimoji="1" lang="ja-JP" altLang="en-US"/>
+                </a:p>
+              </p:txBody>
+            </p:sp>
+            <p:cxnSp>
+              <p:nvCxnSpPr>
+                <p:cNvPr id="63" name="直線コネクタ 62">
+                  <a:extLst>
+                    <a:ext uri="{FF2B5EF4-FFF2-40B4-BE49-F238E27FC236}">
+                      <a16:creationId xmlns:a16="http://schemas.microsoft.com/office/drawing/2014/main" id="{9E5F0E71-BEEE-D94D-9AC7-420D6A526C09}"/>
+                    </a:ext>
+                  </a:extLst>
+                </p:cNvPr>
+                <p:cNvCxnSpPr>
+                  <a:stCxn id="62" idx="6"/>
+                  <a:endCxn id="62" idx="2"/>
+                </p:cNvCxnSpPr>
+                <p:nvPr/>
+              </p:nvCxnSpPr>
+              <p:spPr>
+                <a:xfrm flipH="1">
+                  <a:off x="3385226" y="3766225"/>
+                  <a:ext cx="674450" cy="0"/>
+                </a:xfrm>
+                <a:prstGeom prst="line">
+                  <a:avLst/>
+                </a:prstGeom>
+                <a:grpFill/>
+                <a:ln w="12700">
+                  <a:solidFill>
+                    <a:schemeClr val="tx1"/>
+                  </a:solidFill>
+                </a:ln>
+              </p:spPr>
+              <p:style>
+                <a:lnRef idx="1">
+                  <a:schemeClr val="accent1"/>
+                </a:lnRef>
+                <a:fillRef idx="0">
+                  <a:schemeClr val="accent1"/>
+                </a:fillRef>
+                <a:effectRef idx="0">
+                  <a:schemeClr val="accent1"/>
+                </a:effectRef>
+                <a:fontRef idx="minor">
+                  <a:schemeClr val="tx1"/>
+                </a:fontRef>
+              </p:style>
+            </p:cxnSp>
+            <p:cxnSp>
+              <p:nvCxnSpPr>
+                <p:cNvPr id="64" name="直線コネクタ 63">
+                  <a:extLst>
+                    <a:ext uri="{FF2B5EF4-FFF2-40B4-BE49-F238E27FC236}">
+                      <a16:creationId xmlns:a16="http://schemas.microsoft.com/office/drawing/2014/main" id="{87363DFF-DE64-6549-B31E-770E70ED8452}"/>
+                    </a:ext>
+                  </a:extLst>
+                </p:cNvPr>
+                <p:cNvCxnSpPr>
+                  <a:endCxn id="62" idx="0"/>
+                </p:cNvCxnSpPr>
+                <p:nvPr/>
+              </p:nvCxnSpPr>
+              <p:spPr>
+                <a:xfrm flipV="1">
+                  <a:off x="3715966" y="3429000"/>
+                  <a:ext cx="6485" cy="666345"/>
+                </a:xfrm>
+                <a:prstGeom prst="line">
+                  <a:avLst/>
+                </a:prstGeom>
+                <a:grpFill/>
+                <a:ln w="12700">
+                  <a:solidFill>
+                    <a:schemeClr val="tx1"/>
+                  </a:solidFill>
+                </a:ln>
+              </p:spPr>
+              <p:style>
+                <a:lnRef idx="1">
+                  <a:schemeClr val="accent1"/>
+                </a:lnRef>
+                <a:fillRef idx="0">
+                  <a:schemeClr val="accent1"/>
+                </a:fillRef>
+                <a:effectRef idx="0">
+                  <a:schemeClr val="accent1"/>
+                </a:effectRef>
+                <a:fontRef idx="minor">
+                  <a:schemeClr val="tx1"/>
+                </a:fontRef>
+              </p:style>
+            </p:cxnSp>
+          </p:grpSp>
+          <p:sp>
+            <p:nvSpPr>
+              <p:cNvPr id="65" name="正方形/長方形 64">
+                <a:extLst>
+                  <a:ext uri="{FF2B5EF4-FFF2-40B4-BE49-F238E27FC236}">
+                    <a16:creationId xmlns:a16="http://schemas.microsoft.com/office/drawing/2014/main" id="{6B1B71B7-BEB8-C44B-9119-0D075BA00B82}"/>
+                  </a:ext>
+                </a:extLst>
+              </p:cNvPr>
+              <p:cNvSpPr/>
+              <p:nvPr/>
+            </p:nvSpPr>
+            <p:spPr>
+              <a:xfrm rot="16200000">
+                <a:off x="6609095" y="5233147"/>
+                <a:ext cx="627530" cy="147918"/>
+              </a:xfrm>
+              <a:prstGeom prst="rect">
+                <a:avLst/>
+              </a:prstGeom>
+              <a:solidFill>
+                <a:schemeClr val="accent6">
+                  <a:lumMod val="20000"/>
+                  <a:lumOff val="80000"/>
+                </a:schemeClr>
+              </a:solidFill>
+              <a:ln w="12700">
+                <a:solidFill>
+                  <a:schemeClr val="tx1"/>
+                </a:solidFill>
+              </a:ln>
+            </p:spPr>
+            <p:style>
+              <a:lnRef idx="2">
+                <a:schemeClr val="accent1">
+                  <a:shade val="50000"/>
+                </a:schemeClr>
+              </a:lnRef>
+              <a:fillRef idx="1">
+                <a:schemeClr val="accent1"/>
+              </a:fillRef>
+              <a:effectRef idx="0">
+                <a:schemeClr val="accent1"/>
+              </a:effectRef>
+              <a:fontRef idx="minor">
+                <a:schemeClr val="lt1"/>
+              </a:fontRef>
+            </p:style>
+            <p:txBody>
+              <a:bodyPr rtlCol="0" anchor="ctr"/>
+              <a:lstStyle/>
+              <a:p>
+                <a:pPr algn="ctr"/>
+                <a:endParaRPr kumimoji="1" lang="ja-JP" altLang="en-US"/>
+              </a:p>
+            </p:txBody>
+          </p:sp>
+        </p:grpSp>
+      </p:grpSp>
+      <p:sp>
+        <p:nvSpPr>
+          <p:cNvPr id="68" name="正方形/長方形 67">
+            <a:extLst>
+              <a:ext uri="{FF2B5EF4-FFF2-40B4-BE49-F238E27FC236}">
+                <a16:creationId xmlns:a16="http://schemas.microsoft.com/office/drawing/2014/main" id="{352CE438-4AF5-C841-B571-13EE86D45C3F}"/>
+              </a:ext>
+            </a:extLst>
+          </p:cNvPr>
+          <p:cNvSpPr/>
+          <p:nvPr/>
+        </p:nvSpPr>
+        <p:spPr>
+          <a:xfrm>
+            <a:off x="0" y="0"/>
+            <a:ext cx="12192000" cy="448235"/>
+          </a:xfrm>
+          <a:prstGeom prst="rect">
+            <a:avLst/>
+          </a:prstGeom>
+          <a:solidFill>
+            <a:schemeClr val="accent1">
+              <a:lumMod val="20000"/>
+              <a:lumOff val="80000"/>
+            </a:schemeClr>
+          </a:solidFill>
+          <a:ln>
+            <a:noFill/>
+          </a:ln>
+        </p:spPr>
+        <p:style>
+          <a:lnRef idx="2">
+            <a:schemeClr val="accent1">
+              <a:shade val="50000"/>
+            </a:schemeClr>
+          </a:lnRef>
+          <a:fillRef idx="1">
+            <a:schemeClr val="accent1"/>
+          </a:fillRef>
+          <a:effectRef idx="0">
+            <a:schemeClr val="accent1"/>
+          </a:effectRef>
+          <a:fontRef idx="minor">
+            <a:schemeClr val="lt1"/>
+          </a:fontRef>
+        </p:style>
+        <p:txBody>
+          <a:bodyPr rtlCol="0" anchor="ctr"/>
+          <a:lstStyle/>
+          <a:p>
+            <a:r>
+              <a:rPr kumimoji="1" lang="ja-JP" altLang="en-US">
+                <a:solidFill>
+                  <a:schemeClr val="tx1"/>
+                </a:solidFill>
+              </a:rPr>
+              <a:t>走行体の図</a:t>
+            </a:r>
+          </a:p>
+        </p:txBody>
+      </p:sp>
+      <p:sp>
+        <p:nvSpPr>
+          <p:cNvPr id="69" name="円弧 68">
+            <a:extLst>
+              <a:ext uri="{FF2B5EF4-FFF2-40B4-BE49-F238E27FC236}">
+                <a16:creationId xmlns:a16="http://schemas.microsoft.com/office/drawing/2014/main" id="{E7920B79-D2BB-4E47-9CEB-55FAB9F03C9D}"/>
+              </a:ext>
+            </a:extLst>
+          </p:cNvPr>
+          <p:cNvSpPr/>
+          <p:nvPr/>
+        </p:nvSpPr>
+        <p:spPr>
+          <a:xfrm>
+            <a:off x="2779061" y="2859737"/>
+            <a:ext cx="1837765" cy="1837765"/>
+          </a:xfrm>
+          <a:prstGeom prst="arc">
+            <a:avLst>
+              <a:gd name="adj1" fmla="val 4337217"/>
+              <a:gd name="adj2" fmla="val 11164122"/>
+            </a:avLst>
+          </a:prstGeom>
+          <a:ln>
+            <a:headEnd type="triangle" w="med" len="med"/>
+            <a:tailEnd type="triangle" w="med" len="med"/>
+          </a:ln>
+        </p:spPr>
+        <p:style>
+          <a:lnRef idx="1">
+            <a:schemeClr val="accent1"/>
+          </a:lnRef>
+          <a:fillRef idx="0">
+            <a:schemeClr val="accent1"/>
+          </a:fillRef>
+          <a:effectRef idx="0">
+            <a:schemeClr val="accent1"/>
+          </a:effectRef>
+          <a:fontRef idx="minor">
+            <a:schemeClr val="tx1"/>
+          </a:fontRef>
+        </p:style>
+        <p:txBody>
+          <a:bodyPr rtlCol="0" anchor="ctr"/>
+          <a:lstStyle/>
+          <a:p>
+            <a:pPr algn="ctr"/>
+            <a:endParaRPr kumimoji="1" lang="ja-JP" altLang="en-US"/>
+          </a:p>
+        </p:txBody>
+      </p:sp>
+      <p:sp>
+        <p:nvSpPr>
+          <p:cNvPr id="70" name="円弧 69">
+            <a:extLst>
+              <a:ext uri="{FF2B5EF4-FFF2-40B4-BE49-F238E27FC236}">
+                <a16:creationId xmlns:a16="http://schemas.microsoft.com/office/drawing/2014/main" id="{F1D334A4-1903-124F-A646-A27A694F6F3E}"/>
+              </a:ext>
+            </a:extLst>
+          </p:cNvPr>
+          <p:cNvSpPr/>
+          <p:nvPr/>
+        </p:nvSpPr>
+        <p:spPr>
+          <a:xfrm>
+            <a:off x="7082118" y="3810002"/>
+            <a:ext cx="1837765" cy="1837765"/>
+          </a:xfrm>
+          <a:prstGeom prst="arc">
+            <a:avLst>
+              <a:gd name="adj1" fmla="val 21286009"/>
+              <a:gd name="adj2" fmla="val 11164122"/>
+            </a:avLst>
+          </a:prstGeom>
+          <a:ln>
+            <a:headEnd type="triangle" w="med" len="med"/>
+            <a:tailEnd type="triangle" w="med" len="med"/>
+          </a:ln>
+        </p:spPr>
+        <p:style>
+          <a:lnRef idx="1">
+            <a:schemeClr val="accent1"/>
+          </a:lnRef>
+          <a:fillRef idx="0">
+            <a:schemeClr val="accent1"/>
+          </a:fillRef>
+          <a:effectRef idx="0">
+            <a:schemeClr val="accent1"/>
+          </a:effectRef>
+          <a:fontRef idx="minor">
+            <a:schemeClr val="tx1"/>
+          </a:fontRef>
+        </p:style>
+        <p:txBody>
+          <a:bodyPr rtlCol="0" anchor="ctr"/>
+          <a:lstStyle/>
+          <a:p>
+            <a:pPr algn="ctr"/>
+            <a:endParaRPr kumimoji="1" lang="ja-JP" altLang="en-US"/>
+          </a:p>
+        </p:txBody>
+      </p:sp>
+      <p:sp>
+        <p:nvSpPr>
+          <p:cNvPr id="71" name="円弧 70">
+            <a:extLst>
+              <a:ext uri="{FF2B5EF4-FFF2-40B4-BE49-F238E27FC236}">
+                <a16:creationId xmlns:a16="http://schemas.microsoft.com/office/drawing/2014/main" id="{688202EF-CA42-B947-82D0-DD58D83DCCE1}"/>
+              </a:ext>
+            </a:extLst>
+          </p:cNvPr>
+          <p:cNvSpPr/>
+          <p:nvPr/>
+        </p:nvSpPr>
+        <p:spPr>
+          <a:xfrm>
+            <a:off x="3980330" y="4249274"/>
+            <a:ext cx="1075762" cy="1075762"/>
+          </a:xfrm>
+          <a:prstGeom prst="arc">
+            <a:avLst>
+              <a:gd name="adj1" fmla="val 3731962"/>
+              <a:gd name="adj2" fmla="val 2834782"/>
+            </a:avLst>
+          </a:prstGeom>
+          <a:ln>
+            <a:headEnd type="triangle" w="med" len="med"/>
+            <a:tailEnd type="triangle" w="med" len="med"/>
+          </a:ln>
+        </p:spPr>
+        <p:style>
+          <a:lnRef idx="1">
+            <a:schemeClr val="accent1"/>
+          </a:lnRef>
+          <a:fillRef idx="0">
+            <a:schemeClr val="accent1"/>
+          </a:fillRef>
+          <a:effectRef idx="0">
+            <a:schemeClr val="accent1"/>
+          </a:effectRef>
+          <a:fontRef idx="minor">
+            <a:schemeClr val="tx1"/>
+          </a:fontRef>
+        </p:style>
+        <p:txBody>
+          <a:bodyPr rtlCol="0" anchor="ctr"/>
+          <a:lstStyle/>
+          <a:p>
+            <a:pPr algn="ctr"/>
+            <a:endParaRPr kumimoji="1" lang="ja-JP" altLang="en-US"/>
+          </a:p>
+        </p:txBody>
+      </p:sp>
+    </p:spTree>
+    <p:extLst>
+      <p:ext uri="{BB962C8B-B14F-4D97-AF65-F5344CB8AC3E}">
+        <p14:creationId xmlns:p14="http://schemas.microsoft.com/office/powerpoint/2010/main" val="165515719"/>
+      </p:ext>
+    </p:extLst>
+  </p:cSld>
+  <p:clrMapOvr>
+    <a:masterClrMapping/>
+  </p:clrMapOvr>
+</p:sld>
+</file>
+
+<file path=ppt/slides/slide3.xml><?xml version="1.0" encoding="utf-8"?>
+<p:sld xmlns:a="http://schemas.openxmlformats.org/drawingml/2006/main" xmlns:r="http://schemas.openxmlformats.org/officeDocument/2006/relationships" xmlns:p="http://schemas.openxmlformats.org/presentationml/2006/main">
+  <p:cSld>
+    <p:spTree>
+      <p:nvGrpSpPr>
+        <p:cNvPr id="1" name=""/>
+        <p:cNvGrpSpPr/>
+        <p:nvPr/>
+      </p:nvGrpSpPr>
+      <p:grpSpPr>
+        <a:xfrm>
+          <a:off x="0" y="0"/>
+          <a:ext cx="0" cy="0"/>
+          <a:chOff x="0" y="0"/>
+          <a:chExt cx="0" cy="0"/>
+        </a:xfrm>
+      </p:grpSpPr>
+      <p:pic>
+        <p:nvPicPr>
+          <p:cNvPr id="4" name="図 3">
+            <a:extLst>
+              <a:ext uri="{FF2B5EF4-FFF2-40B4-BE49-F238E27FC236}">
+                <a16:creationId xmlns:a16="http://schemas.microsoft.com/office/drawing/2014/main" id="{B3EE376B-8237-1647-8235-3A65A14B9EEA}"/>
+              </a:ext>
+            </a:extLst>
+          </p:cNvPr>
+          <p:cNvPicPr>
+            <a:picLocks noChangeAspect="1"/>
+          </p:cNvPicPr>
+          <p:nvPr/>
+        </p:nvPicPr>
+        <p:blipFill rotWithShape="1">
+          <a:blip r:embed="rId2"/>
+          <a:srcRect l="50000"/>
+          <a:stretch/>
+        </p:blipFill>
+        <p:spPr>
+          <a:xfrm rot="16200000">
+            <a:off x="1079812" y="860611"/>
+            <a:ext cx="4836893" cy="6858000"/>
+          </a:xfrm>
+          <a:prstGeom prst="rect">
+            <a:avLst/>
+          </a:prstGeom>
+        </p:spPr>
+      </p:pic>
+      <p:pic>
+        <p:nvPicPr>
+          <p:cNvPr id="5" name="図 4">
+            <a:extLst>
+              <a:ext uri="{FF2B5EF4-FFF2-40B4-BE49-F238E27FC236}">
+                <a16:creationId xmlns:a16="http://schemas.microsoft.com/office/drawing/2014/main" id="{A26965DC-C0DC-6143-A6B9-5AEF0A25AA1E}"/>
+              </a:ext>
+            </a:extLst>
+          </p:cNvPr>
+          <p:cNvPicPr>
+            <a:picLocks noChangeAspect="1"/>
+          </p:cNvPicPr>
+          <p:nvPr/>
+        </p:nvPicPr>
+        <p:blipFill rotWithShape="1">
+          <a:blip r:embed="rId2"/>
+          <a:srcRect r="50000"/>
+          <a:stretch/>
+        </p:blipFill>
+        <p:spPr>
+          <a:xfrm rot="10800000">
+            <a:off x="7109012" y="-62753"/>
+            <a:ext cx="4836892" cy="6858000"/>
+          </a:xfrm>
+          <a:prstGeom prst="rect">
+            <a:avLst/>
+          </a:prstGeom>
+        </p:spPr>
+      </p:pic>
+    </p:spTree>
+    <p:extLst>
+      <p:ext uri="{BB962C8B-B14F-4D97-AF65-F5344CB8AC3E}">
+        <p14:creationId xmlns:p14="http://schemas.microsoft.com/office/powerpoint/2010/main" val="3071513097"/>
+      </p:ext>
+    </p:extLst>
+  </p:cSld>
+  <p:clrMapOvr>
+    <a:masterClrMapping/>
+  </p:clrMapOvr>
+</p:sld>
+</file>
+
+<file path=ppt/slides/slide4.xml><?xml version="1.0" encoding="utf-8"?>
+<p:sld xmlns:a="http://schemas.openxmlformats.org/drawingml/2006/main" xmlns:r="http://schemas.openxmlformats.org/officeDocument/2006/relationships" xmlns:p="http://schemas.openxmlformats.org/presentationml/2006/main">
+  <p:cSld>
+    <p:spTree>
+      <p:nvGrpSpPr>
+        <p:cNvPr id="1" name=""/>
+        <p:cNvGrpSpPr/>
+        <p:nvPr/>
+      </p:nvGrpSpPr>
+      <p:grpSpPr>
+        <a:xfrm>
+          <a:off x="0" y="0"/>
+          <a:ext cx="0" cy="0"/>
+          <a:chOff x="0" y="0"/>
+          <a:chExt cx="0" cy="0"/>
+        </a:xfrm>
+      </p:grpSpPr>
+      <p:pic>
+        <p:nvPicPr>
+          <p:cNvPr id="4" name="図 3">
+            <a:extLst>
+              <a:ext uri="{FF2B5EF4-FFF2-40B4-BE49-F238E27FC236}">
+                <a16:creationId xmlns:a16="http://schemas.microsoft.com/office/drawing/2014/main" id="{6366B52D-BB23-4741-AE53-62954BF7BD52}"/>
+              </a:ext>
+            </a:extLst>
+          </p:cNvPr>
+          <p:cNvPicPr>
+            <a:picLocks noChangeAspect="1"/>
+          </p:cNvPicPr>
+          <p:nvPr/>
+        </p:nvPicPr>
+        <p:blipFill>
+          <a:blip r:embed="rId2"/>
+          <a:stretch>
+            <a:fillRect/>
+          </a:stretch>
+        </p:blipFill>
+        <p:spPr>
+          <a:xfrm>
+            <a:off x="863600" y="1581150"/>
+            <a:ext cx="10464800" cy="3695700"/>
+          </a:xfrm>
+          <a:prstGeom prst="rect">
+            <a:avLst/>
+          </a:prstGeom>
+        </p:spPr>
+      </p:pic>
+    </p:spTree>
+    <p:extLst>
+      <p:ext uri="{BB962C8B-B14F-4D97-AF65-F5344CB8AC3E}">
+        <p14:creationId xmlns:p14="http://schemas.microsoft.com/office/powerpoint/2010/main" val="3485646285"/>
+      </p:ext>
+    </p:extLst>
+  </p:cSld>
+  <p:clrMapOvr>
+    <a:masterClrMapping/>
+  </p:clrMapOvr>
+</p:sld>
+</file>
+
 <file path=ppt/theme/theme1.xml><?xml version="1.0" encoding="utf-8"?>
 <a:theme xmlns:a="http://schemas.openxmlformats.org/drawingml/2006/main" name="Office テーマ">
   <a:themeElements>

--- a/Documents/hirojiren_scenario.pptx
+++ b/Documents/hirojiren_scenario.pptx
@@ -6,9 +6,11 @@
   </p:sldMasterIdLst>
   <p:sldIdLst>
     <p:sldId id="256" r:id="rId2"/>
-    <p:sldId id="257" r:id="rId3"/>
-    <p:sldId id="258" r:id="rId4"/>
-    <p:sldId id="259" r:id="rId5"/>
+    <p:sldId id="260" r:id="rId3"/>
+    <p:sldId id="261" r:id="rId4"/>
+    <p:sldId id="262" r:id="rId5"/>
+    <p:sldId id="258" r:id="rId6"/>
+    <p:sldId id="259" r:id="rId7"/>
   </p:sldIdLst>
   <p:sldSz cx="12192000" cy="6858000"/>
   <p:notesSz cx="6858000" cy="9144000"/>
@@ -273,7 +275,7 @@
           <a:p>
             <a:fld id="{F652821D-2172-BB44-A27D-4D545FF2494B}" type="datetimeFigureOut">
               <a:rPr kumimoji="1" lang="ja-JP" altLang="en-US" smtClean="0"/>
-              <a:t>2019/4/11</a:t>
+              <a:t>2019/4/20</a:t>
             </a:fld>
             <a:endParaRPr kumimoji="1" lang="ja-JP" altLang="en-US"/>
           </a:p>
@@ -503,7 +505,7 @@
           <a:p>
             <a:fld id="{F652821D-2172-BB44-A27D-4D545FF2494B}" type="datetimeFigureOut">
               <a:rPr kumimoji="1" lang="ja-JP" altLang="en-US" smtClean="0"/>
-              <a:t>2019/4/11</a:t>
+              <a:t>2019/4/20</a:t>
             </a:fld>
             <a:endParaRPr kumimoji="1" lang="ja-JP" altLang="en-US"/>
           </a:p>
@@ -743,7 +745,7 @@
           <a:p>
             <a:fld id="{F652821D-2172-BB44-A27D-4D545FF2494B}" type="datetimeFigureOut">
               <a:rPr kumimoji="1" lang="ja-JP" altLang="en-US" smtClean="0"/>
-              <a:t>2019/4/11</a:t>
+              <a:t>2019/4/20</a:t>
             </a:fld>
             <a:endParaRPr kumimoji="1" lang="ja-JP" altLang="en-US"/>
           </a:p>
@@ -973,7 +975,7 @@
           <a:p>
             <a:fld id="{F652821D-2172-BB44-A27D-4D545FF2494B}" type="datetimeFigureOut">
               <a:rPr kumimoji="1" lang="ja-JP" altLang="en-US" smtClean="0"/>
-              <a:t>2019/4/11</a:t>
+              <a:t>2019/4/20</a:t>
             </a:fld>
             <a:endParaRPr kumimoji="1" lang="ja-JP" altLang="en-US"/>
           </a:p>
@@ -1248,7 +1250,7 @@
           <a:p>
             <a:fld id="{F652821D-2172-BB44-A27D-4D545FF2494B}" type="datetimeFigureOut">
               <a:rPr kumimoji="1" lang="ja-JP" altLang="en-US" smtClean="0"/>
-              <a:t>2019/4/11</a:t>
+              <a:t>2019/4/20</a:t>
             </a:fld>
             <a:endParaRPr kumimoji="1" lang="ja-JP" altLang="en-US"/>
           </a:p>
@@ -1577,7 +1579,7 @@
           <a:p>
             <a:fld id="{F652821D-2172-BB44-A27D-4D545FF2494B}" type="datetimeFigureOut">
               <a:rPr kumimoji="1" lang="ja-JP" altLang="en-US" smtClean="0"/>
-              <a:t>2019/4/11</a:t>
+              <a:t>2019/4/20</a:t>
             </a:fld>
             <a:endParaRPr kumimoji="1" lang="ja-JP" altLang="en-US"/>
           </a:p>
@@ -2053,7 +2055,7 @@
           <a:p>
             <a:fld id="{F652821D-2172-BB44-A27D-4D545FF2494B}" type="datetimeFigureOut">
               <a:rPr kumimoji="1" lang="ja-JP" altLang="en-US" smtClean="0"/>
-              <a:t>2019/4/11</a:t>
+              <a:t>2019/4/20</a:t>
             </a:fld>
             <a:endParaRPr kumimoji="1" lang="ja-JP" altLang="en-US"/>
           </a:p>
@@ -2194,7 +2196,7 @@
           <a:p>
             <a:fld id="{F652821D-2172-BB44-A27D-4D545FF2494B}" type="datetimeFigureOut">
               <a:rPr kumimoji="1" lang="ja-JP" altLang="en-US" smtClean="0"/>
-              <a:t>2019/4/11</a:t>
+              <a:t>2019/4/20</a:t>
             </a:fld>
             <a:endParaRPr kumimoji="1" lang="ja-JP" altLang="en-US"/>
           </a:p>
@@ -2307,7 +2309,7 @@
           <a:p>
             <a:fld id="{F652821D-2172-BB44-A27D-4D545FF2494B}" type="datetimeFigureOut">
               <a:rPr kumimoji="1" lang="ja-JP" altLang="en-US" smtClean="0"/>
-              <a:t>2019/4/11</a:t>
+              <a:t>2019/4/20</a:t>
             </a:fld>
             <a:endParaRPr kumimoji="1" lang="ja-JP" altLang="en-US"/>
           </a:p>
@@ -2650,7 +2652,7 @@
           <a:p>
             <a:fld id="{F652821D-2172-BB44-A27D-4D545FF2494B}" type="datetimeFigureOut">
               <a:rPr kumimoji="1" lang="ja-JP" altLang="en-US" smtClean="0"/>
-              <a:t>2019/4/11</a:t>
+              <a:t>2019/4/20</a:t>
             </a:fld>
             <a:endParaRPr kumimoji="1" lang="ja-JP" altLang="en-US"/>
           </a:p>
@@ -2938,7 +2940,7 @@
           <a:p>
             <a:fld id="{F652821D-2172-BB44-A27D-4D545FF2494B}" type="datetimeFigureOut">
               <a:rPr kumimoji="1" lang="ja-JP" altLang="en-US" smtClean="0"/>
-              <a:t>2019/4/11</a:t>
+              <a:t>2019/4/20</a:t>
             </a:fld>
             <a:endParaRPr kumimoji="1" lang="ja-JP" altLang="en-US"/>
           </a:p>
@@ -3211,7 +3213,7 @@
           <a:p>
             <a:fld id="{F652821D-2172-BB44-A27D-4D545FF2494B}" type="datetimeFigureOut">
               <a:rPr kumimoji="1" lang="ja-JP" altLang="en-US" smtClean="0"/>
-              <a:t>2019/4/11</a:t>
+              <a:t>2019/4/20</a:t>
             </a:fld>
             <a:endParaRPr kumimoji="1" lang="ja-JP" altLang="en-US"/>
           </a:p>
@@ -3718,145 +3720,12 @@
           <a:chExt cx="0" cy="0"/>
         </a:xfrm>
       </p:grpSpPr>
-      <p:grpSp>
-        <p:nvGrpSpPr>
-          <p:cNvPr id="59" name="グループ化 58">
+      <p:sp>
+        <p:nvSpPr>
+          <p:cNvPr id="4" name="正方形/長方形 3">
             <a:extLst>
               <a:ext uri="{FF2B5EF4-FFF2-40B4-BE49-F238E27FC236}">
-                <a16:creationId xmlns:a16="http://schemas.microsoft.com/office/drawing/2014/main" id="{CBAD14F2-1CE3-1A4A-AC82-18C05BBA5CBF}"/>
-              </a:ext>
-            </a:extLst>
-          </p:cNvPr>
-          <p:cNvGrpSpPr/>
-          <p:nvPr/>
-        </p:nvGrpSpPr>
-        <p:grpSpPr>
-          <a:xfrm>
-            <a:off x="3588124" y="2221005"/>
-            <a:ext cx="4408394" cy="2431677"/>
-            <a:chOff x="3588124" y="2221005"/>
-            <a:chExt cx="4408394" cy="2431677"/>
-          </a:xfrm>
-        </p:grpSpPr>
-        <p:sp>
-          <p:nvSpPr>
-            <p:cNvPr id="45" name="正方形/長方形 44">
-              <a:extLst>
-                <a:ext uri="{FF2B5EF4-FFF2-40B4-BE49-F238E27FC236}">
-                  <a16:creationId xmlns:a16="http://schemas.microsoft.com/office/drawing/2014/main" id="{F56E5649-D1B1-274E-BD1B-2A237E414AF0}"/>
-                </a:ext>
-              </a:extLst>
-            </p:cNvPr>
-            <p:cNvSpPr/>
-            <p:nvPr/>
-          </p:nvSpPr>
-          <p:spPr>
-            <a:xfrm rot="2708135">
-              <a:off x="4159624" y="1649505"/>
-              <a:ext cx="1497106" cy="2640106"/>
-            </a:xfrm>
-            <a:prstGeom prst="rect">
-              <a:avLst/>
-            </a:prstGeom>
-            <a:solidFill>
-              <a:schemeClr val="bg1">
-                <a:lumMod val="95000"/>
-              </a:schemeClr>
-            </a:solidFill>
-            <a:ln w="12700">
-              <a:solidFill>
-                <a:schemeClr val="tx1"/>
-              </a:solidFill>
-            </a:ln>
-          </p:spPr>
-          <p:style>
-            <a:lnRef idx="2">
-              <a:schemeClr val="accent1">
-                <a:shade val="50000"/>
-              </a:schemeClr>
-            </a:lnRef>
-            <a:fillRef idx="1">
-              <a:schemeClr val="accent1"/>
-            </a:fillRef>
-            <a:effectRef idx="0">
-              <a:schemeClr val="accent1"/>
-            </a:effectRef>
-            <a:fontRef idx="minor">
-              <a:schemeClr val="lt1"/>
-            </a:fontRef>
-          </p:style>
-          <p:txBody>
-            <a:bodyPr rtlCol="0" anchor="ctr"/>
-            <a:lstStyle/>
-            <a:p>
-              <a:pPr algn="ctr"/>
-              <a:endParaRPr kumimoji="1" lang="ja-JP" altLang="en-US"/>
-            </a:p>
-          </p:txBody>
-        </p:sp>
-        <p:sp>
-          <p:nvSpPr>
-            <p:cNvPr id="33" name="正方形/長方形 32">
-              <a:extLst>
-                <a:ext uri="{FF2B5EF4-FFF2-40B4-BE49-F238E27FC236}">
-                  <a16:creationId xmlns:a16="http://schemas.microsoft.com/office/drawing/2014/main" id="{79F2556D-3BF4-0540-AF4B-51FC5A2CB234}"/>
-                </a:ext>
-              </a:extLst>
-            </p:cNvPr>
-            <p:cNvSpPr/>
-            <p:nvPr/>
-          </p:nvSpPr>
-          <p:spPr>
-            <a:xfrm>
-              <a:off x="4714481" y="4231912"/>
-              <a:ext cx="3282037" cy="420770"/>
-            </a:xfrm>
-            <a:prstGeom prst="rect">
-              <a:avLst/>
-            </a:prstGeom>
-            <a:solidFill>
-              <a:schemeClr val="bg1">
-                <a:lumMod val="95000"/>
-              </a:schemeClr>
-            </a:solidFill>
-            <a:ln w="12700">
-              <a:solidFill>
-                <a:schemeClr val="tx1"/>
-              </a:solidFill>
-            </a:ln>
-          </p:spPr>
-          <p:style>
-            <a:lnRef idx="2">
-              <a:schemeClr val="accent1">
-                <a:shade val="50000"/>
-              </a:schemeClr>
-            </a:lnRef>
-            <a:fillRef idx="1">
-              <a:schemeClr val="accent1"/>
-            </a:fillRef>
-            <a:effectRef idx="0">
-              <a:schemeClr val="accent1"/>
-            </a:effectRef>
-            <a:fontRef idx="minor">
-              <a:schemeClr val="lt1"/>
-            </a:fontRef>
-          </p:style>
-          <p:txBody>
-            <a:bodyPr rtlCol="0" anchor="ctr"/>
-            <a:lstStyle/>
-            <a:p>
-              <a:pPr algn="ctr"/>
-              <a:endParaRPr kumimoji="1" lang="ja-JP" altLang="en-US"/>
-            </a:p>
-          </p:txBody>
-        </p:sp>
-      </p:grpSp>
-      <p:sp>
-        <p:nvSpPr>
-          <p:cNvPr id="20" name="片側の 2 つの角を切り取った四角形 19">
-            <a:extLst>
-              <a:ext uri="{FF2B5EF4-FFF2-40B4-BE49-F238E27FC236}">
-                <a16:creationId xmlns:a16="http://schemas.microsoft.com/office/drawing/2014/main" id="{994F6E10-0C0B-E74E-B5BF-07DA3D7A11CF}"/>
+                <a16:creationId xmlns:a16="http://schemas.microsoft.com/office/drawing/2014/main" id="{7696FBF1-E71C-DE46-8DD1-AF96809E1A10}"/>
               </a:ext>
             </a:extLst>
           </p:cNvPr>
@@ -3864,11 +3733,11 @@
           <p:nvPr/>
         </p:nvSpPr>
         <p:spPr>
-          <a:xfrm flipV="1">
-            <a:off x="2763306" y="4795735"/>
-            <a:ext cx="592737" cy="648205"/>
+          <a:xfrm>
+            <a:off x="0" y="0"/>
+            <a:ext cx="12192000" cy="448235"/>
           </a:xfrm>
-          <a:prstGeom prst="snip2SameRect">
+          <a:prstGeom prst="rect">
             <a:avLst/>
           </a:prstGeom>
           <a:solidFill>
@@ -3877,7 +3746,71 @@
               <a:lumOff val="80000"/>
             </a:schemeClr>
           </a:solidFill>
-          <a:ln w="12700">
+          <a:ln>
+            <a:noFill/>
+          </a:ln>
+        </p:spPr>
+        <p:style>
+          <a:lnRef idx="2">
+            <a:schemeClr val="accent1">
+              <a:shade val="50000"/>
+            </a:schemeClr>
+          </a:lnRef>
+          <a:fillRef idx="1">
+            <a:schemeClr val="accent1"/>
+          </a:fillRef>
+          <a:effectRef idx="0">
+            <a:schemeClr val="accent1"/>
+          </a:effectRef>
+          <a:fontRef idx="minor">
+            <a:schemeClr val="lt1"/>
+          </a:fontRef>
+        </p:style>
+        <p:txBody>
+          <a:bodyPr rtlCol="0" anchor="ctr"/>
+          <a:lstStyle/>
+          <a:p>
+            <a:r>
+              <a:rPr lang="ja-JP" altLang="en-US">
+                <a:solidFill>
+                  <a:schemeClr val="tx1"/>
+                </a:solidFill>
+              </a:rPr>
+              <a:t>システム</a:t>
+            </a:r>
+            <a:r>
+              <a:rPr kumimoji="1" lang="ja-JP" altLang="en-US">
+                <a:solidFill>
+                  <a:schemeClr val="tx1"/>
+                </a:solidFill>
+              </a:rPr>
+              <a:t>図</a:t>
+            </a:r>
+          </a:p>
+        </p:txBody>
+      </p:sp>
+      <p:sp>
+        <p:nvSpPr>
+          <p:cNvPr id="5" name="円/楕円 4">
+            <a:extLst>
+              <a:ext uri="{FF2B5EF4-FFF2-40B4-BE49-F238E27FC236}">
+                <a16:creationId xmlns:a16="http://schemas.microsoft.com/office/drawing/2014/main" id="{FBFF14A7-C899-7942-B56E-9B504B7EB22B}"/>
+              </a:ext>
+            </a:extLst>
+          </p:cNvPr>
+          <p:cNvSpPr/>
+          <p:nvPr/>
+        </p:nvSpPr>
+        <p:spPr>
+          <a:xfrm>
+            <a:off x="6802244" y="2302726"/>
+            <a:ext cx="1126274" cy="1126274"/>
+          </a:xfrm>
+          <a:prstGeom prst="ellipse">
+            <a:avLst/>
+          </a:prstGeom>
+          <a:noFill/>
+          <a:ln w="38100">
             <a:solidFill>
               <a:schemeClr val="tx1"/>
             </a:solidFill>
@@ -3910,24 +3843,32 @@
       </p:sp>
       <p:cxnSp>
         <p:nvCxnSpPr>
-          <p:cNvPr id="12" name="直線コネクタ 11">
+          <p:cNvPr id="8" name="直線コネクタ 7">
             <a:extLst>
               <a:ext uri="{FF2B5EF4-FFF2-40B4-BE49-F238E27FC236}">
-                <a16:creationId xmlns:a16="http://schemas.microsoft.com/office/drawing/2014/main" id="{5A4A64E8-5D1E-7244-9DD0-09862EF77525}"/>
+                <a16:creationId xmlns:a16="http://schemas.microsoft.com/office/drawing/2014/main" id="{4053D133-3000-3F43-92C8-42B467B4AF68}"/>
               </a:ext>
             </a:extLst>
           </p:cNvPr>
-          <p:cNvCxnSpPr/>
+          <p:cNvCxnSpPr>
+            <a:stCxn id="5" idx="2"/>
+            <a:endCxn id="5" idx="6"/>
+          </p:cNvCxnSpPr>
           <p:nvPr/>
         </p:nvCxnSpPr>
         <p:spPr>
           <a:xfrm>
-            <a:off x="1682885" y="5992237"/>
-            <a:ext cx="9309370" cy="0"/>
+            <a:off x="6802244" y="2865863"/>
+            <a:ext cx="1126274" cy="0"/>
           </a:xfrm>
           <a:prstGeom prst="line">
             <a:avLst/>
           </a:prstGeom>
+          <a:ln>
+            <a:solidFill>
+              <a:schemeClr val="tx1"/>
+            </a:solidFill>
+          </a:ln>
         </p:spPr>
         <p:style>
           <a:lnRef idx="1">
@@ -3944,534 +3885,56 @@
           </a:fontRef>
         </p:style>
       </p:cxnSp>
-      <p:grpSp>
-        <p:nvGrpSpPr>
-          <p:cNvPr id="29" name="グループ化 28">
+      <p:cxnSp>
+        <p:nvCxnSpPr>
+          <p:cNvPr id="10" name="直線コネクタ 9">
             <a:extLst>
               <a:ext uri="{FF2B5EF4-FFF2-40B4-BE49-F238E27FC236}">
-                <a16:creationId xmlns:a16="http://schemas.microsoft.com/office/drawing/2014/main" id="{11B7519D-3544-574E-AB7E-85005C12F179}"/>
+                <a16:creationId xmlns:a16="http://schemas.microsoft.com/office/drawing/2014/main" id="{B4729976-47C2-3448-9FCC-D56C0B04A319}"/>
               </a:ext>
             </a:extLst>
           </p:cNvPr>
-          <p:cNvGrpSpPr/>
+          <p:cNvCxnSpPr>
+            <a:stCxn id="5" idx="0"/>
+            <a:endCxn id="5" idx="4"/>
+          </p:cNvCxnSpPr>
           <p:nvPr/>
-        </p:nvGrpSpPr>
-        <p:grpSpPr>
+        </p:nvCxnSpPr>
+        <p:spPr>
           <a:xfrm>
-            <a:off x="2613303" y="5453668"/>
-            <a:ext cx="898381" cy="606663"/>
-            <a:chOff x="4096544" y="1776264"/>
-            <a:chExt cx="576064" cy="504056"/>
+            <a:off x="7365381" y="2302726"/>
+            <a:ext cx="0" cy="1126274"/>
           </a:xfrm>
-        </p:grpSpPr>
-        <p:sp>
-          <p:nvSpPr>
-            <p:cNvPr id="30" name="三角形 29">
-              <a:extLst>
-                <a:ext uri="{FF2B5EF4-FFF2-40B4-BE49-F238E27FC236}">
-                  <a16:creationId xmlns:a16="http://schemas.microsoft.com/office/drawing/2014/main" id="{1EC59E7F-8481-B448-B4D0-2EFB82D94EE8}"/>
-                </a:ext>
-              </a:extLst>
-            </p:cNvPr>
-            <p:cNvSpPr/>
-            <p:nvPr/>
-          </p:nvSpPr>
-          <p:spPr>
-            <a:xfrm>
-              <a:off x="4096544" y="1776264"/>
-              <a:ext cx="576064" cy="360040"/>
-            </a:xfrm>
-            <a:prstGeom prst="triangle">
-              <a:avLst/>
-            </a:prstGeom>
+          <a:prstGeom prst="line">
+            <a:avLst/>
+          </a:prstGeom>
+          <a:ln>
             <a:solidFill>
-              <a:schemeClr val="bg1"/>
+              <a:schemeClr val="tx1"/>
             </a:solidFill>
-          </p:spPr>
-          <p:style>
-            <a:lnRef idx="2">
-              <a:schemeClr val="accent1">
-                <a:shade val="50000"/>
-              </a:schemeClr>
-            </a:lnRef>
-            <a:fillRef idx="1">
-              <a:schemeClr val="accent1"/>
-            </a:fillRef>
-            <a:effectRef idx="0">
-              <a:schemeClr val="accent1"/>
-            </a:effectRef>
-            <a:fontRef idx="minor">
-              <a:schemeClr val="lt1"/>
-            </a:fontRef>
-          </p:style>
-          <p:txBody>
-            <a:bodyPr rtlCol="0" anchor="ctr"/>
-            <a:lstStyle/>
-            <a:p>
-              <a:pPr algn="ctr"/>
-              <a:endParaRPr kumimoji="1" lang="ja-JP" altLang="en-US"/>
-            </a:p>
-          </p:txBody>
-        </p:sp>
-        <p:sp>
-          <p:nvSpPr>
-            <p:cNvPr id="31" name="円/楕円 30">
-              <a:extLst>
-                <a:ext uri="{FF2B5EF4-FFF2-40B4-BE49-F238E27FC236}">
-                  <a16:creationId xmlns:a16="http://schemas.microsoft.com/office/drawing/2014/main" id="{FA9B417D-32DE-D549-9368-AD00CDC881B6}"/>
-                </a:ext>
-              </a:extLst>
-            </p:cNvPr>
-            <p:cNvSpPr/>
-            <p:nvPr/>
-          </p:nvSpPr>
-          <p:spPr>
-            <a:xfrm>
-              <a:off x="4096544" y="2064296"/>
-              <a:ext cx="576064" cy="216024"/>
-            </a:xfrm>
-            <a:prstGeom prst="ellipse">
-              <a:avLst/>
-            </a:prstGeom>
-          </p:spPr>
-          <p:style>
-            <a:lnRef idx="2">
-              <a:schemeClr val="accent1">
-                <a:shade val="50000"/>
-              </a:schemeClr>
-            </a:lnRef>
-            <a:fillRef idx="1">
-              <a:schemeClr val="accent1"/>
-            </a:fillRef>
-            <a:effectRef idx="0">
-              <a:schemeClr val="accent1"/>
-            </a:effectRef>
-            <a:fontRef idx="minor">
-              <a:schemeClr val="lt1"/>
-            </a:fontRef>
-          </p:style>
-          <p:txBody>
-            <a:bodyPr rtlCol="0" anchor="ctr"/>
-            <a:lstStyle/>
-            <a:p>
-              <a:pPr algn="ctr"/>
-              <a:endParaRPr kumimoji="1" lang="ja-JP" altLang="en-US"/>
-            </a:p>
-          </p:txBody>
-        </p:sp>
-      </p:grpSp>
-      <p:grpSp>
-        <p:nvGrpSpPr>
-          <p:cNvPr id="18" name="グループ化 17">
+          </a:ln>
+        </p:spPr>
+        <p:style>
+          <a:lnRef idx="1">
+            <a:schemeClr val="accent1"/>
+          </a:lnRef>
+          <a:fillRef idx="0">
+            <a:schemeClr val="accent1"/>
+          </a:fillRef>
+          <a:effectRef idx="0">
+            <a:schemeClr val="accent1"/>
+          </a:effectRef>
+          <a:fontRef idx="minor">
+            <a:schemeClr val="tx1"/>
+          </a:fontRef>
+        </p:style>
+      </p:cxnSp>
+      <p:sp>
+        <p:nvSpPr>
+          <p:cNvPr id="12" name="円/楕円 11">
             <a:extLst>
               <a:ext uri="{FF2B5EF4-FFF2-40B4-BE49-F238E27FC236}">
-                <a16:creationId xmlns:a16="http://schemas.microsoft.com/office/drawing/2014/main" id="{A19B65C5-22B9-CD48-9803-FDC51EA6206F}"/>
-              </a:ext>
-            </a:extLst>
-          </p:cNvPr>
-          <p:cNvGrpSpPr/>
-          <p:nvPr/>
-        </p:nvGrpSpPr>
-        <p:grpSpPr>
-          <a:xfrm>
-            <a:off x="3297677" y="3570051"/>
-            <a:ext cx="2412459" cy="2412459"/>
-            <a:chOff x="3297677" y="3570051"/>
-            <a:chExt cx="2412459" cy="2412459"/>
-          </a:xfrm>
-        </p:grpSpPr>
-        <p:sp>
-          <p:nvSpPr>
-            <p:cNvPr id="14" name="円/楕円 13">
-              <a:extLst>
-                <a:ext uri="{FF2B5EF4-FFF2-40B4-BE49-F238E27FC236}">
-                  <a16:creationId xmlns:a16="http://schemas.microsoft.com/office/drawing/2014/main" id="{95BC6E65-A6A6-DA4F-89B6-318AFFF06831}"/>
-                </a:ext>
-              </a:extLst>
-            </p:cNvPr>
-            <p:cNvSpPr/>
-            <p:nvPr/>
-          </p:nvSpPr>
-          <p:spPr>
-            <a:xfrm>
-              <a:off x="4166681" y="4439055"/>
-              <a:ext cx="674450" cy="674450"/>
-            </a:xfrm>
-            <a:prstGeom prst="ellipse">
-              <a:avLst/>
-            </a:prstGeom>
-            <a:solidFill>
-              <a:schemeClr val="bg1">
-                <a:lumMod val="85000"/>
-              </a:schemeClr>
-            </a:solidFill>
-            <a:ln w="12700">
-              <a:solidFill>
-                <a:schemeClr val="tx1"/>
-              </a:solidFill>
-            </a:ln>
-          </p:spPr>
-          <p:style>
-            <a:lnRef idx="2">
-              <a:schemeClr val="accent1">
-                <a:shade val="50000"/>
-              </a:schemeClr>
-            </a:lnRef>
-            <a:fillRef idx="1">
-              <a:schemeClr val="accent1"/>
-            </a:fillRef>
-            <a:effectRef idx="0">
-              <a:schemeClr val="accent1"/>
-            </a:effectRef>
-            <a:fontRef idx="minor">
-              <a:schemeClr val="lt1"/>
-            </a:fontRef>
-          </p:style>
-          <p:txBody>
-            <a:bodyPr rtlCol="0" anchor="ctr"/>
-            <a:lstStyle/>
-            <a:p>
-              <a:pPr algn="ctr"/>
-              <a:endParaRPr kumimoji="1" lang="ja-JP" altLang="en-US"/>
-            </a:p>
-          </p:txBody>
-        </p:sp>
-        <p:grpSp>
-          <p:nvGrpSpPr>
-            <p:cNvPr id="10" name="グループ化 9">
-              <a:extLst>
-                <a:ext uri="{FF2B5EF4-FFF2-40B4-BE49-F238E27FC236}">
-                  <a16:creationId xmlns:a16="http://schemas.microsoft.com/office/drawing/2014/main" id="{101C7940-1F2F-9B46-86F9-5B87F71BEC85}"/>
-                </a:ext>
-              </a:extLst>
-            </p:cNvPr>
-            <p:cNvGrpSpPr/>
-            <p:nvPr/>
-          </p:nvGrpSpPr>
-          <p:grpSpPr>
-            <a:xfrm>
-              <a:off x="3297677" y="3570051"/>
-              <a:ext cx="2412459" cy="2412459"/>
-              <a:chOff x="3297677" y="3570051"/>
-              <a:chExt cx="2412459" cy="2412459"/>
-            </a:xfrm>
-          </p:grpSpPr>
-          <p:sp>
-            <p:nvSpPr>
-              <p:cNvPr id="5" name="円/楕円 4">
-                <a:extLst>
-                  <a:ext uri="{FF2B5EF4-FFF2-40B4-BE49-F238E27FC236}">
-                    <a16:creationId xmlns:a16="http://schemas.microsoft.com/office/drawing/2014/main" id="{FC6F3BDA-439B-414C-B97A-9DD594111347}"/>
-                  </a:ext>
-                </a:extLst>
-              </p:cNvPr>
-              <p:cNvSpPr/>
-              <p:nvPr/>
-            </p:nvSpPr>
-            <p:spPr>
-              <a:xfrm>
-                <a:off x="3297677" y="3570051"/>
-                <a:ext cx="2412459" cy="2412459"/>
-              </a:xfrm>
-              <a:prstGeom prst="ellipse">
-                <a:avLst/>
-              </a:prstGeom>
-              <a:noFill/>
-              <a:ln w="12700">
-                <a:solidFill>
-                  <a:schemeClr val="tx1"/>
-                </a:solidFill>
-              </a:ln>
-            </p:spPr>
-            <p:style>
-              <a:lnRef idx="2">
-                <a:schemeClr val="accent1">
-                  <a:shade val="50000"/>
-                </a:schemeClr>
-              </a:lnRef>
-              <a:fillRef idx="1">
-                <a:schemeClr val="accent1"/>
-              </a:fillRef>
-              <a:effectRef idx="0">
-                <a:schemeClr val="accent1"/>
-              </a:effectRef>
-              <a:fontRef idx="minor">
-                <a:schemeClr val="lt1"/>
-              </a:fontRef>
-            </p:style>
-            <p:txBody>
-              <a:bodyPr rtlCol="0" anchor="ctr"/>
-              <a:lstStyle/>
-              <a:p>
-                <a:pPr algn="ctr"/>
-                <a:endParaRPr kumimoji="1" lang="ja-JP" altLang="en-US"/>
-              </a:p>
-            </p:txBody>
-          </p:sp>
-          <p:cxnSp>
-            <p:nvCxnSpPr>
-              <p:cNvPr id="7" name="直線コネクタ 6">
-                <a:extLst>
-                  <a:ext uri="{FF2B5EF4-FFF2-40B4-BE49-F238E27FC236}">
-                    <a16:creationId xmlns:a16="http://schemas.microsoft.com/office/drawing/2014/main" id="{A02EA583-404A-9E4B-A6B5-7EE81711ADFD}"/>
-                  </a:ext>
-                </a:extLst>
-              </p:cNvPr>
-              <p:cNvCxnSpPr>
-                <a:stCxn id="5" idx="2"/>
-                <a:endCxn id="5" idx="6"/>
-              </p:cNvCxnSpPr>
-              <p:nvPr/>
-            </p:nvCxnSpPr>
-            <p:spPr>
-              <a:xfrm>
-                <a:off x="3297677" y="4776281"/>
-                <a:ext cx="2412459" cy="0"/>
-              </a:xfrm>
-              <a:prstGeom prst="line">
-                <a:avLst/>
-              </a:prstGeom>
-              <a:ln w="12700">
-                <a:solidFill>
-                  <a:schemeClr val="tx1"/>
-                </a:solidFill>
-              </a:ln>
-            </p:spPr>
-            <p:style>
-              <a:lnRef idx="1">
-                <a:schemeClr val="accent1"/>
-              </a:lnRef>
-              <a:fillRef idx="0">
-                <a:schemeClr val="accent1"/>
-              </a:fillRef>
-              <a:effectRef idx="0">
-                <a:schemeClr val="accent1"/>
-              </a:effectRef>
-              <a:fontRef idx="minor">
-                <a:schemeClr val="tx1"/>
-              </a:fontRef>
-            </p:style>
-          </p:cxnSp>
-          <p:cxnSp>
-            <p:nvCxnSpPr>
-              <p:cNvPr id="9" name="直線コネクタ 8">
-                <a:extLst>
-                  <a:ext uri="{FF2B5EF4-FFF2-40B4-BE49-F238E27FC236}">
-                    <a16:creationId xmlns:a16="http://schemas.microsoft.com/office/drawing/2014/main" id="{71EA019B-6F62-1647-B74E-7733CB3104E5}"/>
-                  </a:ext>
-                </a:extLst>
-              </p:cNvPr>
-              <p:cNvCxnSpPr>
-                <a:stCxn id="5" idx="4"/>
-                <a:endCxn id="5" idx="0"/>
-              </p:cNvCxnSpPr>
-              <p:nvPr/>
-            </p:nvCxnSpPr>
-            <p:spPr>
-              <a:xfrm flipV="1">
-                <a:off x="4503907" y="3570051"/>
-                <a:ext cx="0" cy="2412459"/>
-              </a:xfrm>
-              <a:prstGeom prst="line">
-                <a:avLst/>
-              </a:prstGeom>
-              <a:ln w="12700">
-                <a:solidFill>
-                  <a:schemeClr val="tx1"/>
-                </a:solidFill>
-              </a:ln>
-            </p:spPr>
-            <p:style>
-              <a:lnRef idx="1">
-                <a:schemeClr val="accent1"/>
-              </a:lnRef>
-              <a:fillRef idx="0">
-                <a:schemeClr val="accent1"/>
-              </a:fillRef>
-              <a:effectRef idx="0">
-                <a:schemeClr val="accent1"/>
-              </a:effectRef>
-              <a:fontRef idx="minor">
-                <a:schemeClr val="tx1"/>
-              </a:fontRef>
-            </p:style>
-          </p:cxnSp>
-        </p:grpSp>
-      </p:grpSp>
-      <p:grpSp>
-        <p:nvGrpSpPr>
-          <p:cNvPr id="38" name="グループ化 37">
-            <a:extLst>
-              <a:ext uri="{FF2B5EF4-FFF2-40B4-BE49-F238E27FC236}">
-                <a16:creationId xmlns:a16="http://schemas.microsoft.com/office/drawing/2014/main" id="{AB0C279A-ECDD-B44B-9384-4375A465EB70}"/>
-              </a:ext>
-            </a:extLst>
-          </p:cNvPr>
-          <p:cNvGrpSpPr/>
-          <p:nvPr/>
-        </p:nvGrpSpPr>
-        <p:grpSpPr>
-          <a:xfrm>
-            <a:off x="3385226" y="3429000"/>
-            <a:ext cx="674450" cy="674450"/>
-            <a:chOff x="3385226" y="3429000"/>
-            <a:chExt cx="674450" cy="674450"/>
-          </a:xfrm>
-          <a:solidFill>
-            <a:schemeClr val="accent1">
-              <a:lumMod val="20000"/>
-              <a:lumOff val="80000"/>
-            </a:schemeClr>
-          </a:solidFill>
-        </p:grpSpPr>
-        <p:sp>
-          <p:nvSpPr>
-            <p:cNvPr id="17" name="円/楕円 16">
-              <a:extLst>
-                <a:ext uri="{FF2B5EF4-FFF2-40B4-BE49-F238E27FC236}">
-                  <a16:creationId xmlns:a16="http://schemas.microsoft.com/office/drawing/2014/main" id="{C16068F6-A4D1-EC4B-90FC-8043BEBD199F}"/>
-                </a:ext>
-              </a:extLst>
-            </p:cNvPr>
-            <p:cNvSpPr/>
-            <p:nvPr/>
-          </p:nvSpPr>
-          <p:spPr>
-            <a:xfrm>
-              <a:off x="3385226" y="3429000"/>
-              <a:ext cx="674450" cy="674450"/>
-            </a:xfrm>
-            <a:prstGeom prst="ellipse">
-              <a:avLst/>
-            </a:prstGeom>
-            <a:grpFill/>
-            <a:ln w="12700">
-              <a:solidFill>
-                <a:schemeClr val="tx1"/>
-              </a:solidFill>
-            </a:ln>
-          </p:spPr>
-          <p:style>
-            <a:lnRef idx="2">
-              <a:schemeClr val="accent1">
-                <a:shade val="50000"/>
-              </a:schemeClr>
-            </a:lnRef>
-            <a:fillRef idx="1">
-              <a:schemeClr val="accent1"/>
-            </a:fillRef>
-            <a:effectRef idx="0">
-              <a:schemeClr val="accent1"/>
-            </a:effectRef>
-            <a:fontRef idx="minor">
-              <a:schemeClr val="lt1"/>
-            </a:fontRef>
-          </p:style>
-          <p:txBody>
-            <a:bodyPr rtlCol="0" anchor="ctr"/>
-            <a:lstStyle/>
-            <a:p>
-              <a:pPr algn="ctr"/>
-              <a:endParaRPr kumimoji="1" lang="ja-JP" altLang="en-US"/>
-            </a:p>
-          </p:txBody>
-        </p:sp>
-        <p:cxnSp>
-          <p:nvCxnSpPr>
-            <p:cNvPr id="35" name="直線コネクタ 34">
-              <a:extLst>
-                <a:ext uri="{FF2B5EF4-FFF2-40B4-BE49-F238E27FC236}">
-                  <a16:creationId xmlns:a16="http://schemas.microsoft.com/office/drawing/2014/main" id="{47055E78-8374-0342-8953-D075EBACBCB5}"/>
-                </a:ext>
-              </a:extLst>
-            </p:cNvPr>
-            <p:cNvCxnSpPr>
-              <a:stCxn id="17" idx="6"/>
-              <a:endCxn id="17" idx="2"/>
-            </p:cNvCxnSpPr>
-            <p:nvPr/>
-          </p:nvCxnSpPr>
-          <p:spPr>
-            <a:xfrm flipH="1">
-              <a:off x="3385226" y="3766225"/>
-              <a:ext cx="674450" cy="0"/>
-            </a:xfrm>
-            <a:prstGeom prst="line">
-              <a:avLst/>
-            </a:prstGeom>
-            <a:grpFill/>
-            <a:ln w="12700">
-              <a:solidFill>
-                <a:schemeClr val="tx1"/>
-              </a:solidFill>
-            </a:ln>
-          </p:spPr>
-          <p:style>
-            <a:lnRef idx="1">
-              <a:schemeClr val="accent1"/>
-            </a:lnRef>
-            <a:fillRef idx="0">
-              <a:schemeClr val="accent1"/>
-            </a:fillRef>
-            <a:effectRef idx="0">
-              <a:schemeClr val="accent1"/>
-            </a:effectRef>
-            <a:fontRef idx="minor">
-              <a:schemeClr val="tx1"/>
-            </a:fontRef>
-          </p:style>
-        </p:cxnSp>
-        <p:cxnSp>
-          <p:nvCxnSpPr>
-            <p:cNvPr id="37" name="直線コネクタ 36">
-              <a:extLst>
-                <a:ext uri="{FF2B5EF4-FFF2-40B4-BE49-F238E27FC236}">
-                  <a16:creationId xmlns:a16="http://schemas.microsoft.com/office/drawing/2014/main" id="{E20BA8D3-03D0-C64F-97AC-A90F2A6FFD64}"/>
-                </a:ext>
-              </a:extLst>
-            </p:cNvPr>
-            <p:cNvCxnSpPr>
-              <a:endCxn id="17" idx="0"/>
-            </p:cNvCxnSpPr>
-            <p:nvPr/>
-          </p:nvCxnSpPr>
-          <p:spPr>
-            <a:xfrm flipV="1">
-              <a:off x="3715966" y="3429000"/>
-              <a:ext cx="6485" cy="666345"/>
-            </a:xfrm>
-            <a:prstGeom prst="line">
-              <a:avLst/>
-            </a:prstGeom>
-            <a:grpFill/>
-            <a:ln w="12700">
-              <a:solidFill>
-                <a:schemeClr val="tx1"/>
-              </a:solidFill>
-            </a:ln>
-          </p:spPr>
-          <p:style>
-            <a:lnRef idx="1">
-              <a:schemeClr val="accent1"/>
-            </a:lnRef>
-            <a:fillRef idx="0">
-              <a:schemeClr val="accent1"/>
-            </a:fillRef>
-            <a:effectRef idx="0">
-              <a:schemeClr val="accent1"/>
-            </a:effectRef>
-            <a:fontRef idx="minor">
-              <a:schemeClr val="tx1"/>
-            </a:fontRef>
-          </p:style>
-        </p:cxnSp>
-      </p:grpSp>
-      <p:sp>
-        <p:nvSpPr>
-          <p:cNvPr id="32" name="L 字 31">
-            <a:extLst>
-              <a:ext uri="{FF2B5EF4-FFF2-40B4-BE49-F238E27FC236}">
-                <a16:creationId xmlns:a16="http://schemas.microsoft.com/office/drawing/2014/main" id="{32488DE0-CAB9-6746-9A76-087E0ACBFD80}"/>
+                <a16:creationId xmlns:a16="http://schemas.microsoft.com/office/drawing/2014/main" id="{3F117031-87D1-9E46-AEB7-BF7D63EF37CD}"/>
               </a:ext>
             </a:extLst>
           </p:cNvPr>
@@ -4479,23 +3942,15 @@
           <p:nvPr/>
         </p:nvSpPr>
         <p:spPr>
-          <a:xfrm flipH="1">
-            <a:off x="1649506" y="3880386"/>
-            <a:ext cx="2141993" cy="1381328"/>
+          <a:xfrm>
+            <a:off x="8382000" y="2798955"/>
+            <a:ext cx="630045" cy="630045"/>
           </a:xfrm>
-          <a:prstGeom prst="corner">
-            <a:avLst>
-              <a:gd name="adj1" fmla="val 9883"/>
-              <a:gd name="adj2" fmla="val 10345"/>
-            </a:avLst>
+          <a:prstGeom prst="ellipse">
+            <a:avLst/>
           </a:prstGeom>
-          <a:solidFill>
-            <a:schemeClr val="accent1">
-              <a:lumMod val="20000"/>
-              <a:lumOff val="80000"/>
-            </a:schemeClr>
-          </a:solidFill>
-          <a:ln>
+          <a:noFill/>
+          <a:ln w="38100">
             <a:solidFill>
               <a:schemeClr val="tx1"/>
             </a:solidFill>
@@ -4526,811 +3981,215 @@
           </a:p>
         </p:txBody>
       </p:sp>
-      <p:grpSp>
-        <p:nvGrpSpPr>
-          <p:cNvPr id="47" name="グループ化 46">
+      <p:cxnSp>
+        <p:nvCxnSpPr>
+          <p:cNvPr id="13" name="直線コネクタ 12">
             <a:extLst>
               <a:ext uri="{FF2B5EF4-FFF2-40B4-BE49-F238E27FC236}">
-                <a16:creationId xmlns:a16="http://schemas.microsoft.com/office/drawing/2014/main" id="{6793783F-6E7C-EF46-B08B-AF8A709B5CE6}"/>
+                <a16:creationId xmlns:a16="http://schemas.microsoft.com/office/drawing/2014/main" id="{112A9367-5A8E-1945-ACD9-B57DD46B157D}"/>
               </a:ext>
             </a:extLst>
           </p:cNvPr>
-          <p:cNvGrpSpPr/>
+          <p:cNvCxnSpPr>
+            <a:stCxn id="12" idx="2"/>
+            <a:endCxn id="12" idx="6"/>
+          </p:cNvCxnSpPr>
           <p:nvPr/>
-        </p:nvGrpSpPr>
-        <p:grpSpPr>
+        </p:nvCxnSpPr>
+        <p:spPr>
           <a:xfrm>
-            <a:off x="1568822" y="2102223"/>
-            <a:ext cx="2142566" cy="1326777"/>
-            <a:chOff x="1568822" y="2102223"/>
-            <a:chExt cx="2142566" cy="1326777"/>
+            <a:off x="8382000" y="3113978"/>
+            <a:ext cx="630045" cy="0"/>
           </a:xfrm>
-        </p:grpSpPr>
-        <p:grpSp>
-          <p:nvGrpSpPr>
-            <p:cNvPr id="44" name="グループ化 43">
-              <a:extLst>
-                <a:ext uri="{FF2B5EF4-FFF2-40B4-BE49-F238E27FC236}">
-                  <a16:creationId xmlns:a16="http://schemas.microsoft.com/office/drawing/2014/main" id="{A855BF42-8B9B-C24F-BDB7-698AC33C537D}"/>
-                </a:ext>
-              </a:extLst>
-            </p:cNvPr>
-            <p:cNvGrpSpPr/>
-            <p:nvPr/>
-          </p:nvGrpSpPr>
-          <p:grpSpPr>
-            <a:xfrm>
-              <a:off x="1568822" y="2102223"/>
-              <a:ext cx="1303967" cy="1326777"/>
-              <a:chOff x="4150657" y="2102223"/>
-              <a:chExt cx="1303967" cy="1326777"/>
-            </a:xfrm>
-          </p:grpSpPr>
-          <p:sp>
-            <p:nvSpPr>
-              <p:cNvPr id="39" name="片側の 2 つの角を切り取った四角形 38">
-                <a:extLst>
-                  <a:ext uri="{FF2B5EF4-FFF2-40B4-BE49-F238E27FC236}">
-                    <a16:creationId xmlns:a16="http://schemas.microsoft.com/office/drawing/2014/main" id="{2DCE4FBB-E173-FC4E-A6E6-B9ACDE105EC8}"/>
-                  </a:ext>
-                </a:extLst>
-              </p:cNvPr>
-              <p:cNvSpPr/>
-              <p:nvPr/>
-            </p:nvSpPr>
-            <p:spPr>
-              <a:xfrm rot="16200000" flipV="1">
-                <a:off x="4834153" y="2500770"/>
-                <a:ext cx="592737" cy="648205"/>
-              </a:xfrm>
-              <a:prstGeom prst="snip2SameRect">
-                <a:avLst/>
-              </a:prstGeom>
-              <a:solidFill>
-                <a:schemeClr val="accent2">
-                  <a:lumMod val="20000"/>
-                  <a:lumOff val="80000"/>
-                </a:schemeClr>
-              </a:solidFill>
-              <a:ln w="12700">
-                <a:solidFill>
-                  <a:schemeClr val="tx1"/>
-                </a:solidFill>
-              </a:ln>
-            </p:spPr>
-            <p:style>
-              <a:lnRef idx="2">
-                <a:schemeClr val="accent1">
-                  <a:shade val="50000"/>
-                </a:schemeClr>
-              </a:lnRef>
-              <a:fillRef idx="1">
-                <a:schemeClr val="accent1"/>
-              </a:fillRef>
-              <a:effectRef idx="0">
-                <a:schemeClr val="accent1"/>
-              </a:effectRef>
-              <a:fontRef idx="minor">
-                <a:schemeClr val="lt1"/>
-              </a:fontRef>
-            </p:style>
-            <p:txBody>
-              <a:bodyPr rtlCol="0" anchor="ctr"/>
-              <a:lstStyle/>
-              <a:p>
-                <a:pPr algn="ctr"/>
-                <a:endParaRPr kumimoji="1" lang="ja-JP" altLang="en-US"/>
-              </a:p>
-            </p:txBody>
-          </p:sp>
-          <p:grpSp>
-            <p:nvGrpSpPr>
-              <p:cNvPr id="43" name="グループ化 42">
-                <a:extLst>
-                  <a:ext uri="{FF2B5EF4-FFF2-40B4-BE49-F238E27FC236}">
-                    <a16:creationId xmlns:a16="http://schemas.microsoft.com/office/drawing/2014/main" id="{F79545D0-B85D-4A45-B41F-BE495556F9AB}"/>
-                  </a:ext>
-                </a:extLst>
-              </p:cNvPr>
-              <p:cNvGrpSpPr/>
-              <p:nvPr/>
-            </p:nvGrpSpPr>
-            <p:grpSpPr>
-              <a:xfrm>
-                <a:off x="4150657" y="2102223"/>
-                <a:ext cx="1120589" cy="1326777"/>
-                <a:chOff x="3774140" y="1452282"/>
-                <a:chExt cx="1120589" cy="1326777"/>
-              </a:xfrm>
-            </p:grpSpPr>
-            <p:sp>
-              <p:nvSpPr>
-                <p:cNvPr id="40" name="円弧 39">
-                  <a:extLst>
-                    <a:ext uri="{FF2B5EF4-FFF2-40B4-BE49-F238E27FC236}">
-                      <a16:creationId xmlns:a16="http://schemas.microsoft.com/office/drawing/2014/main" id="{86D38046-C761-3646-B461-1E3CFB7C8B8A}"/>
-                    </a:ext>
-                  </a:extLst>
-                </p:cNvPr>
-                <p:cNvSpPr/>
-                <p:nvPr/>
-              </p:nvSpPr>
-              <p:spPr>
-                <a:xfrm>
-                  <a:off x="3774140" y="1452282"/>
-                  <a:ext cx="815789" cy="1326777"/>
-                </a:xfrm>
-                <a:prstGeom prst="arc">
-                  <a:avLst>
-                    <a:gd name="adj1" fmla="val 6718735"/>
-                    <a:gd name="adj2" fmla="val 14974613"/>
-                  </a:avLst>
-                </a:prstGeom>
-              </p:spPr>
-              <p:style>
-                <a:lnRef idx="1">
-                  <a:schemeClr val="accent1"/>
-                </a:lnRef>
-                <a:fillRef idx="0">
-                  <a:schemeClr val="accent1"/>
-                </a:fillRef>
-                <a:effectRef idx="0">
-                  <a:schemeClr val="accent1"/>
-                </a:effectRef>
-                <a:fontRef idx="minor">
-                  <a:schemeClr val="tx1"/>
-                </a:fontRef>
-              </p:style>
-              <p:txBody>
-                <a:bodyPr rtlCol="0" anchor="ctr"/>
-                <a:lstStyle/>
-                <a:p>
-                  <a:pPr algn="ctr"/>
-                  <a:endParaRPr kumimoji="1" lang="ja-JP" altLang="en-US"/>
-                </a:p>
-              </p:txBody>
-            </p:sp>
-            <p:sp>
-              <p:nvSpPr>
-                <p:cNvPr id="41" name="円弧 40">
-                  <a:extLst>
-                    <a:ext uri="{FF2B5EF4-FFF2-40B4-BE49-F238E27FC236}">
-                      <a16:creationId xmlns:a16="http://schemas.microsoft.com/office/drawing/2014/main" id="{A164673C-EF62-E240-87CC-4F300A58BF9F}"/>
-                    </a:ext>
-                  </a:extLst>
-                </p:cNvPr>
-                <p:cNvSpPr/>
-                <p:nvPr/>
-              </p:nvSpPr>
-              <p:spPr>
-                <a:xfrm>
-                  <a:off x="3926540" y="1600200"/>
-                  <a:ext cx="815789" cy="1030941"/>
-                </a:xfrm>
-                <a:prstGeom prst="arc">
-                  <a:avLst>
-                    <a:gd name="adj1" fmla="val 6718735"/>
-                    <a:gd name="adj2" fmla="val 14974613"/>
-                  </a:avLst>
-                </a:prstGeom>
-              </p:spPr>
-              <p:style>
-                <a:lnRef idx="1">
-                  <a:schemeClr val="accent1"/>
-                </a:lnRef>
-                <a:fillRef idx="0">
-                  <a:schemeClr val="accent1"/>
-                </a:fillRef>
-                <a:effectRef idx="0">
-                  <a:schemeClr val="accent1"/>
-                </a:effectRef>
-                <a:fontRef idx="minor">
-                  <a:schemeClr val="tx1"/>
-                </a:fontRef>
-              </p:style>
-              <p:txBody>
-                <a:bodyPr rtlCol="0" anchor="ctr"/>
-                <a:lstStyle/>
-                <a:p>
-                  <a:pPr algn="ctr"/>
-                  <a:endParaRPr kumimoji="1" lang="ja-JP" altLang="en-US"/>
-                </a:p>
-              </p:txBody>
-            </p:sp>
-            <p:sp>
-              <p:nvSpPr>
-                <p:cNvPr id="42" name="円弧 41">
-                  <a:extLst>
-                    <a:ext uri="{FF2B5EF4-FFF2-40B4-BE49-F238E27FC236}">
-                      <a16:creationId xmlns:a16="http://schemas.microsoft.com/office/drawing/2014/main" id="{ED505722-AB6D-3E47-BA49-B4536F823129}"/>
-                    </a:ext>
-                  </a:extLst>
-                </p:cNvPr>
-                <p:cNvSpPr/>
-                <p:nvPr/>
-              </p:nvSpPr>
-              <p:spPr>
-                <a:xfrm>
-                  <a:off x="4078940" y="1698811"/>
-                  <a:ext cx="815789" cy="833718"/>
-                </a:xfrm>
-                <a:prstGeom prst="arc">
-                  <a:avLst>
-                    <a:gd name="adj1" fmla="val 6718735"/>
-                    <a:gd name="adj2" fmla="val 14974613"/>
-                  </a:avLst>
-                </a:prstGeom>
-              </p:spPr>
-              <p:style>
-                <a:lnRef idx="1">
-                  <a:schemeClr val="accent1"/>
-                </a:lnRef>
-                <a:fillRef idx="0">
-                  <a:schemeClr val="accent1"/>
-                </a:fillRef>
-                <a:effectRef idx="0">
-                  <a:schemeClr val="accent1"/>
-                </a:effectRef>
-                <a:fontRef idx="minor">
-                  <a:schemeClr val="tx1"/>
-                </a:fontRef>
-              </p:style>
-              <p:txBody>
-                <a:bodyPr rtlCol="0" anchor="ctr"/>
-                <a:lstStyle/>
-                <a:p>
-                  <a:pPr algn="ctr"/>
-                  <a:endParaRPr kumimoji="1" lang="ja-JP" altLang="en-US"/>
-                </a:p>
-              </p:txBody>
-            </p:sp>
-          </p:grpSp>
-        </p:grpSp>
-        <p:sp>
-          <p:nvSpPr>
-            <p:cNvPr id="46" name="正方形/長方形 45">
-              <a:extLst>
-                <a:ext uri="{FF2B5EF4-FFF2-40B4-BE49-F238E27FC236}">
-                  <a16:creationId xmlns:a16="http://schemas.microsoft.com/office/drawing/2014/main" id="{C487CA86-E873-A643-BF93-B2317374DD71}"/>
-                </a:ext>
-              </a:extLst>
-            </p:cNvPr>
-            <p:cNvSpPr/>
-            <p:nvPr/>
-          </p:nvSpPr>
-          <p:spPr>
-            <a:xfrm>
-              <a:off x="2401587" y="3128682"/>
-              <a:ext cx="1309801" cy="127032"/>
-            </a:xfrm>
-            <a:prstGeom prst="rect">
-              <a:avLst/>
-            </a:prstGeom>
+          <a:prstGeom prst="line">
+            <a:avLst/>
+          </a:prstGeom>
+          <a:ln>
             <a:solidFill>
-              <a:schemeClr val="accent2">
-                <a:lumMod val="20000"/>
-                <a:lumOff val="80000"/>
-              </a:schemeClr>
+              <a:schemeClr val="tx1"/>
             </a:solidFill>
-          </p:spPr>
-          <p:style>
-            <a:lnRef idx="2">
-              <a:schemeClr val="accent1">
-                <a:shade val="50000"/>
-              </a:schemeClr>
-            </a:lnRef>
-            <a:fillRef idx="1">
-              <a:schemeClr val="accent1"/>
-            </a:fillRef>
-            <a:effectRef idx="0">
-              <a:schemeClr val="accent1"/>
-            </a:effectRef>
-            <a:fontRef idx="minor">
-              <a:schemeClr val="lt1"/>
-            </a:fontRef>
-          </p:style>
-          <p:txBody>
-            <a:bodyPr rtlCol="0" anchor="ctr"/>
-            <a:lstStyle/>
-            <a:p>
-              <a:pPr algn="ctr"/>
-              <a:endParaRPr kumimoji="1" lang="ja-JP" altLang="en-US"/>
-            </a:p>
-          </p:txBody>
-        </p:sp>
-      </p:grpSp>
-      <p:grpSp>
-        <p:nvGrpSpPr>
-          <p:cNvPr id="67" name="グループ化 66">
+          </a:ln>
+        </p:spPr>
+        <p:style>
+          <a:lnRef idx="1">
+            <a:schemeClr val="accent1"/>
+          </a:lnRef>
+          <a:fillRef idx="0">
+            <a:schemeClr val="accent1"/>
+          </a:fillRef>
+          <a:effectRef idx="0">
+            <a:schemeClr val="accent1"/>
+          </a:effectRef>
+          <a:fontRef idx="minor">
+            <a:schemeClr val="tx1"/>
+          </a:fontRef>
+        </p:style>
+      </p:cxnSp>
+      <p:cxnSp>
+        <p:nvCxnSpPr>
+          <p:cNvPr id="14" name="直線コネクタ 13">
             <a:extLst>
               <a:ext uri="{FF2B5EF4-FFF2-40B4-BE49-F238E27FC236}">
-                <a16:creationId xmlns:a16="http://schemas.microsoft.com/office/drawing/2014/main" id="{A5FECC56-0FB4-164D-BD43-B8C72FB2B817}"/>
+                <a16:creationId xmlns:a16="http://schemas.microsoft.com/office/drawing/2014/main" id="{D7FB8429-3533-5D46-B23B-887FFF9F8FEA}"/>
               </a:ext>
             </a:extLst>
           </p:cNvPr>
-          <p:cNvGrpSpPr/>
+          <p:cNvCxnSpPr>
+            <a:stCxn id="12" idx="0"/>
+            <a:endCxn id="12" idx="4"/>
+          </p:cNvCxnSpPr>
           <p:nvPr/>
-        </p:nvGrpSpPr>
-        <p:grpSpPr>
+        </p:nvCxnSpPr>
+        <p:spPr>
           <a:xfrm>
-            <a:off x="5746377" y="4316506"/>
-            <a:ext cx="2580509" cy="1651603"/>
-            <a:chOff x="5746377" y="4316506"/>
-            <a:chExt cx="2580509" cy="1651603"/>
+            <a:off x="8697023" y="2798955"/>
+            <a:ext cx="0" cy="630045"/>
           </a:xfrm>
-        </p:grpSpPr>
-        <p:grpSp>
-          <p:nvGrpSpPr>
-            <p:cNvPr id="49" name="グループ化 48">
-              <a:extLst>
-                <a:ext uri="{FF2B5EF4-FFF2-40B4-BE49-F238E27FC236}">
-                  <a16:creationId xmlns:a16="http://schemas.microsoft.com/office/drawing/2014/main" id="{E2DE31E5-06AD-6F49-A568-0B7E55B925D3}"/>
-                </a:ext>
-              </a:extLst>
-            </p:cNvPr>
-            <p:cNvGrpSpPr/>
-            <p:nvPr/>
-          </p:nvGrpSpPr>
-          <p:grpSpPr>
-            <a:xfrm>
-              <a:off x="7652436" y="4316506"/>
-              <a:ext cx="674450" cy="674450"/>
-              <a:chOff x="3385226" y="3429000"/>
-              <a:chExt cx="674450" cy="674450"/>
-            </a:xfrm>
+          <a:prstGeom prst="line">
+            <a:avLst/>
+          </a:prstGeom>
+          <a:ln>
             <a:solidFill>
-              <a:schemeClr val="accent6">
-                <a:lumMod val="20000"/>
-                <a:lumOff val="80000"/>
+              <a:schemeClr val="tx1"/>
+            </a:solidFill>
+          </a:ln>
+        </p:spPr>
+        <p:style>
+          <a:lnRef idx="1">
+            <a:schemeClr val="accent1"/>
+          </a:lnRef>
+          <a:fillRef idx="0">
+            <a:schemeClr val="accent1"/>
+          </a:fillRef>
+          <a:effectRef idx="0">
+            <a:schemeClr val="accent1"/>
+          </a:effectRef>
+          <a:fontRef idx="minor">
+            <a:schemeClr val="tx1"/>
+          </a:fontRef>
+        </p:style>
+      </p:cxnSp>
+      <p:sp>
+        <p:nvSpPr>
+          <p:cNvPr id="15" name="正方形/長方形 14">
+            <a:extLst>
+              <a:ext uri="{FF2B5EF4-FFF2-40B4-BE49-F238E27FC236}">
+                <a16:creationId xmlns:a16="http://schemas.microsoft.com/office/drawing/2014/main" id="{7797DFC9-EB99-374F-8F1A-8EE90E70D78E}"/>
+              </a:ext>
+            </a:extLst>
+          </p:cNvPr>
+          <p:cNvSpPr/>
+          <p:nvPr/>
+        </p:nvSpPr>
+        <p:spPr>
+          <a:xfrm>
+            <a:off x="5177481" y="2125362"/>
+            <a:ext cx="852616" cy="852616"/>
+          </a:xfrm>
+          <a:prstGeom prst="rect">
+            <a:avLst/>
+          </a:prstGeom>
+        </p:spPr>
+        <p:style>
+          <a:lnRef idx="2">
+            <a:schemeClr val="accent1">
+              <a:shade val="50000"/>
+            </a:schemeClr>
+          </a:lnRef>
+          <a:fillRef idx="1">
+            <a:schemeClr val="accent1"/>
+          </a:fillRef>
+          <a:effectRef idx="0">
+            <a:schemeClr val="accent1"/>
+          </a:effectRef>
+          <a:fontRef idx="minor">
+            <a:schemeClr val="lt1"/>
+          </a:fontRef>
+        </p:style>
+        <p:txBody>
+          <a:bodyPr rtlCol="0" anchor="ctr"/>
+          <a:lstStyle/>
+          <a:p>
+            <a:pPr algn="ctr"/>
+            <a:endParaRPr kumimoji="1" lang="ja-JP" altLang="en-US"/>
+          </a:p>
+        </p:txBody>
+      </p:sp>
+    </p:spTree>
+    <p:extLst>
+      <p:ext uri="{BB962C8B-B14F-4D97-AF65-F5344CB8AC3E}">
+        <p14:creationId xmlns:p14="http://schemas.microsoft.com/office/powerpoint/2010/main" val="727737186"/>
+      </p:ext>
+    </p:extLst>
+  </p:cSld>
+  <p:clrMapOvr>
+    <a:masterClrMapping/>
+  </p:clrMapOvr>
+</p:sld>
+</file>
+
+<file path=ppt/slides/slide3.xml><?xml version="1.0" encoding="utf-8"?>
+<p:sld xmlns:a="http://schemas.openxmlformats.org/drawingml/2006/main" xmlns:r="http://schemas.openxmlformats.org/officeDocument/2006/relationships" xmlns:p="http://schemas.openxmlformats.org/presentationml/2006/main">
+  <p:cSld>
+    <p:spTree>
+      <p:nvGrpSpPr>
+        <p:cNvPr id="1" name=""/>
+        <p:cNvGrpSpPr/>
+        <p:nvPr/>
+      </p:nvGrpSpPr>
+      <p:grpSpPr>
+        <a:xfrm>
+          <a:off x="0" y="0"/>
+          <a:ext cx="0" cy="0"/>
+          <a:chOff x="0" y="0"/>
+          <a:chExt cx="0" cy="0"/>
+        </a:xfrm>
+      </p:grpSpPr>
+      <p:cxnSp>
+        <p:nvCxnSpPr>
+          <p:cNvPr id="12" name="直線コネクタ 11">
+            <a:extLst>
+              <a:ext uri="{FF2B5EF4-FFF2-40B4-BE49-F238E27FC236}">
+                <a16:creationId xmlns:a16="http://schemas.microsoft.com/office/drawing/2014/main" id="{5A4A64E8-5D1E-7244-9DD0-09862EF77525}"/>
+              </a:ext>
+            </a:extLst>
+          </p:cNvPr>
+          <p:cNvCxnSpPr>
+            <a:cxnSpLocks/>
+          </p:cNvCxnSpPr>
+          <p:nvPr/>
+        </p:nvCxnSpPr>
+        <p:spPr>
+          <a:xfrm>
+            <a:off x="407368" y="6601266"/>
+            <a:ext cx="10584887" cy="0"/>
+          </a:xfrm>
+          <a:prstGeom prst="line">
+            <a:avLst/>
+          </a:prstGeom>
+          <a:ln w="38100">
+            <a:solidFill>
+              <a:schemeClr val="bg1">
+                <a:lumMod val="50000"/>
               </a:schemeClr>
             </a:solidFill>
-          </p:grpSpPr>
-          <p:sp>
-            <p:nvSpPr>
-              <p:cNvPr id="50" name="円/楕円 49">
-                <a:extLst>
-                  <a:ext uri="{FF2B5EF4-FFF2-40B4-BE49-F238E27FC236}">
-                    <a16:creationId xmlns:a16="http://schemas.microsoft.com/office/drawing/2014/main" id="{CB07BC6C-F1FD-484C-8FA0-49EB093AED70}"/>
-                  </a:ext>
-                </a:extLst>
-              </p:cNvPr>
-              <p:cNvSpPr/>
-              <p:nvPr/>
-            </p:nvSpPr>
-            <p:spPr>
-              <a:xfrm>
-                <a:off x="3385226" y="3429000"/>
-                <a:ext cx="674450" cy="674450"/>
-              </a:xfrm>
-              <a:prstGeom prst="ellipse">
-                <a:avLst/>
-              </a:prstGeom>
-              <a:grpFill/>
-              <a:ln w="12700">
-                <a:solidFill>
-                  <a:schemeClr val="tx1"/>
-                </a:solidFill>
-              </a:ln>
-            </p:spPr>
-            <p:style>
-              <a:lnRef idx="2">
-                <a:schemeClr val="accent1">
-                  <a:shade val="50000"/>
-                </a:schemeClr>
-              </a:lnRef>
-              <a:fillRef idx="1">
-                <a:schemeClr val="accent1"/>
-              </a:fillRef>
-              <a:effectRef idx="0">
-                <a:schemeClr val="accent1"/>
-              </a:effectRef>
-              <a:fontRef idx="minor">
-                <a:schemeClr val="lt1"/>
-              </a:fontRef>
-            </p:style>
-            <p:txBody>
-              <a:bodyPr rtlCol="0" anchor="ctr"/>
-              <a:lstStyle/>
-              <a:p>
-                <a:pPr algn="ctr"/>
-                <a:endParaRPr kumimoji="1" lang="ja-JP" altLang="en-US"/>
-              </a:p>
-            </p:txBody>
-          </p:sp>
-          <p:cxnSp>
-            <p:nvCxnSpPr>
-              <p:cNvPr id="51" name="直線コネクタ 50">
-                <a:extLst>
-                  <a:ext uri="{FF2B5EF4-FFF2-40B4-BE49-F238E27FC236}">
-                    <a16:creationId xmlns:a16="http://schemas.microsoft.com/office/drawing/2014/main" id="{ABC6D782-BE7F-C245-8D32-AB9CBD827AAB}"/>
-                  </a:ext>
-                </a:extLst>
-              </p:cNvPr>
-              <p:cNvCxnSpPr>
-                <a:stCxn id="50" idx="6"/>
-                <a:endCxn id="50" idx="2"/>
-              </p:cNvCxnSpPr>
-              <p:nvPr/>
-            </p:nvCxnSpPr>
-            <p:spPr>
-              <a:xfrm flipH="1">
-                <a:off x="3385226" y="3766225"/>
-                <a:ext cx="674450" cy="0"/>
-              </a:xfrm>
-              <a:prstGeom prst="line">
-                <a:avLst/>
-              </a:prstGeom>
-              <a:grpFill/>
-              <a:ln w="12700">
-                <a:solidFill>
-                  <a:schemeClr val="tx1"/>
-                </a:solidFill>
-              </a:ln>
-            </p:spPr>
-            <p:style>
-              <a:lnRef idx="1">
-                <a:schemeClr val="accent1"/>
-              </a:lnRef>
-              <a:fillRef idx="0">
-                <a:schemeClr val="accent1"/>
-              </a:fillRef>
-              <a:effectRef idx="0">
-                <a:schemeClr val="accent1"/>
-              </a:effectRef>
-              <a:fontRef idx="minor">
-                <a:schemeClr val="tx1"/>
-              </a:fontRef>
-            </p:style>
-          </p:cxnSp>
-          <p:cxnSp>
-            <p:nvCxnSpPr>
-              <p:cNvPr id="52" name="直線コネクタ 51">
-                <a:extLst>
-                  <a:ext uri="{FF2B5EF4-FFF2-40B4-BE49-F238E27FC236}">
-                    <a16:creationId xmlns:a16="http://schemas.microsoft.com/office/drawing/2014/main" id="{74D4EFDB-2EDC-E945-9102-FF205236DD78}"/>
-                  </a:ext>
-                </a:extLst>
-              </p:cNvPr>
-              <p:cNvCxnSpPr>
-                <a:endCxn id="50" idx="0"/>
-              </p:cNvCxnSpPr>
-              <p:nvPr/>
-            </p:nvCxnSpPr>
-            <p:spPr>
-              <a:xfrm flipV="1">
-                <a:off x="3715966" y="3429000"/>
-                <a:ext cx="6485" cy="666345"/>
-              </a:xfrm>
-              <a:prstGeom prst="line">
-                <a:avLst/>
-              </a:prstGeom>
-              <a:grpFill/>
-              <a:ln w="12700">
-                <a:solidFill>
-                  <a:schemeClr val="tx1"/>
-                </a:solidFill>
-              </a:ln>
-            </p:spPr>
-            <p:style>
-              <a:lnRef idx="1">
-                <a:schemeClr val="accent1"/>
-              </a:lnRef>
-              <a:fillRef idx="0">
-                <a:schemeClr val="accent1"/>
-              </a:fillRef>
-              <a:effectRef idx="0">
-                <a:schemeClr val="accent1"/>
-              </a:effectRef>
-              <a:fontRef idx="minor">
-                <a:schemeClr val="tx1"/>
-              </a:fontRef>
-            </p:style>
-          </p:cxnSp>
-        </p:grpSp>
-        <p:sp>
-          <p:nvSpPr>
-            <p:cNvPr id="60" name="正方形/長方形 59">
-              <a:extLst>
-                <a:ext uri="{FF2B5EF4-FFF2-40B4-BE49-F238E27FC236}">
-                  <a16:creationId xmlns:a16="http://schemas.microsoft.com/office/drawing/2014/main" id="{484EB7E4-4029-7A4D-879E-B7D88DD2DA1B}"/>
-                </a:ext>
-              </a:extLst>
-            </p:cNvPr>
-            <p:cNvSpPr/>
-            <p:nvPr/>
-          </p:nvSpPr>
-          <p:spPr>
-            <a:xfrm>
-              <a:off x="5746377" y="4831976"/>
-              <a:ext cx="2232212" cy="161365"/>
-            </a:xfrm>
-            <a:prstGeom prst="rect">
-              <a:avLst/>
-            </a:prstGeom>
-            <a:solidFill>
-              <a:schemeClr val="accent6">
-                <a:lumMod val="20000"/>
-                <a:lumOff val="80000"/>
-              </a:schemeClr>
-            </a:solidFill>
-            <a:ln w="12700">
-              <a:solidFill>
-                <a:schemeClr val="tx1"/>
-              </a:solidFill>
-            </a:ln>
-          </p:spPr>
-          <p:style>
-            <a:lnRef idx="2">
-              <a:schemeClr val="accent1">
-                <a:shade val="50000"/>
-              </a:schemeClr>
-            </a:lnRef>
-            <a:fillRef idx="1">
-              <a:schemeClr val="accent1"/>
-            </a:fillRef>
-            <a:effectRef idx="0">
-              <a:schemeClr val="accent1"/>
-            </a:effectRef>
-            <a:fontRef idx="minor">
-              <a:schemeClr val="lt1"/>
-            </a:fontRef>
-          </p:style>
-          <p:txBody>
-            <a:bodyPr rtlCol="0" anchor="ctr"/>
-            <a:lstStyle/>
-            <a:p>
-              <a:pPr algn="ctr"/>
-              <a:endParaRPr kumimoji="1" lang="ja-JP" altLang="en-US"/>
-            </a:p>
-          </p:txBody>
-        </p:sp>
-        <p:grpSp>
-          <p:nvGrpSpPr>
-            <p:cNvPr id="66" name="グループ化 65">
-              <a:extLst>
-                <a:ext uri="{FF2B5EF4-FFF2-40B4-BE49-F238E27FC236}">
-                  <a16:creationId xmlns:a16="http://schemas.microsoft.com/office/drawing/2014/main" id="{584A2695-63B3-F84D-8157-BADBC276CC8A}"/>
-                </a:ext>
-              </a:extLst>
-            </p:cNvPr>
-            <p:cNvGrpSpPr/>
-            <p:nvPr/>
-          </p:nvGrpSpPr>
-          <p:grpSpPr>
-            <a:xfrm>
-              <a:off x="6585635" y="4993341"/>
-              <a:ext cx="674450" cy="974768"/>
-              <a:chOff x="6585635" y="4993341"/>
-              <a:chExt cx="674450" cy="974768"/>
-            </a:xfrm>
-          </p:grpSpPr>
-          <p:grpSp>
-            <p:nvGrpSpPr>
-              <p:cNvPr id="61" name="グループ化 60">
-                <a:extLst>
-                  <a:ext uri="{FF2B5EF4-FFF2-40B4-BE49-F238E27FC236}">
-                    <a16:creationId xmlns:a16="http://schemas.microsoft.com/office/drawing/2014/main" id="{13ABB243-0EE3-6449-B162-4D1737DBF78B}"/>
-                  </a:ext>
-                </a:extLst>
-              </p:cNvPr>
-              <p:cNvGrpSpPr/>
-              <p:nvPr/>
-            </p:nvGrpSpPr>
-            <p:grpSpPr>
-              <a:xfrm>
-                <a:off x="6585635" y="5293659"/>
-                <a:ext cx="674450" cy="674450"/>
-                <a:chOff x="3385226" y="3429000"/>
-                <a:chExt cx="674450" cy="674450"/>
-              </a:xfrm>
-              <a:solidFill>
-                <a:schemeClr val="accent6">
-                  <a:lumMod val="20000"/>
-                  <a:lumOff val="80000"/>
-                </a:schemeClr>
-              </a:solidFill>
-            </p:grpSpPr>
-            <p:sp>
-              <p:nvSpPr>
-                <p:cNvPr id="62" name="円/楕円 61">
-                  <a:extLst>
-                    <a:ext uri="{FF2B5EF4-FFF2-40B4-BE49-F238E27FC236}">
-                      <a16:creationId xmlns:a16="http://schemas.microsoft.com/office/drawing/2014/main" id="{CBAA3278-E88D-9648-9780-A971C0C07152}"/>
-                    </a:ext>
-                  </a:extLst>
-                </p:cNvPr>
-                <p:cNvSpPr/>
-                <p:nvPr/>
-              </p:nvSpPr>
-              <p:spPr>
-                <a:xfrm>
-                  <a:off x="3385226" y="3429000"/>
-                  <a:ext cx="674450" cy="674450"/>
-                </a:xfrm>
-                <a:prstGeom prst="ellipse">
-                  <a:avLst/>
-                </a:prstGeom>
-                <a:grpFill/>
-                <a:ln w="12700">
-                  <a:solidFill>
-                    <a:schemeClr val="tx1"/>
-                  </a:solidFill>
-                </a:ln>
-              </p:spPr>
-              <p:style>
-                <a:lnRef idx="2">
-                  <a:schemeClr val="accent1">
-                    <a:shade val="50000"/>
-                  </a:schemeClr>
-                </a:lnRef>
-                <a:fillRef idx="1">
-                  <a:schemeClr val="accent1"/>
-                </a:fillRef>
-                <a:effectRef idx="0">
-                  <a:schemeClr val="accent1"/>
-                </a:effectRef>
-                <a:fontRef idx="minor">
-                  <a:schemeClr val="lt1"/>
-                </a:fontRef>
-              </p:style>
-              <p:txBody>
-                <a:bodyPr rtlCol="0" anchor="ctr"/>
-                <a:lstStyle/>
-                <a:p>
-                  <a:pPr algn="ctr"/>
-                  <a:endParaRPr kumimoji="1" lang="ja-JP" altLang="en-US"/>
-                </a:p>
-              </p:txBody>
-            </p:sp>
-            <p:cxnSp>
-              <p:nvCxnSpPr>
-                <p:cNvPr id="63" name="直線コネクタ 62">
-                  <a:extLst>
-                    <a:ext uri="{FF2B5EF4-FFF2-40B4-BE49-F238E27FC236}">
-                      <a16:creationId xmlns:a16="http://schemas.microsoft.com/office/drawing/2014/main" id="{9E5F0E71-BEEE-D94D-9AC7-420D6A526C09}"/>
-                    </a:ext>
-                  </a:extLst>
-                </p:cNvPr>
-                <p:cNvCxnSpPr>
-                  <a:stCxn id="62" idx="6"/>
-                  <a:endCxn id="62" idx="2"/>
-                </p:cNvCxnSpPr>
-                <p:nvPr/>
-              </p:nvCxnSpPr>
-              <p:spPr>
-                <a:xfrm flipH="1">
-                  <a:off x="3385226" y="3766225"/>
-                  <a:ext cx="674450" cy="0"/>
-                </a:xfrm>
-                <a:prstGeom prst="line">
-                  <a:avLst/>
-                </a:prstGeom>
-                <a:grpFill/>
-                <a:ln w="12700">
-                  <a:solidFill>
-                    <a:schemeClr val="tx1"/>
-                  </a:solidFill>
-                </a:ln>
-              </p:spPr>
-              <p:style>
-                <a:lnRef idx="1">
-                  <a:schemeClr val="accent1"/>
-                </a:lnRef>
-                <a:fillRef idx="0">
-                  <a:schemeClr val="accent1"/>
-                </a:fillRef>
-                <a:effectRef idx="0">
-                  <a:schemeClr val="accent1"/>
-                </a:effectRef>
-                <a:fontRef idx="minor">
-                  <a:schemeClr val="tx1"/>
-                </a:fontRef>
-              </p:style>
-            </p:cxnSp>
-            <p:cxnSp>
-              <p:nvCxnSpPr>
-                <p:cNvPr id="64" name="直線コネクタ 63">
-                  <a:extLst>
-                    <a:ext uri="{FF2B5EF4-FFF2-40B4-BE49-F238E27FC236}">
-                      <a16:creationId xmlns:a16="http://schemas.microsoft.com/office/drawing/2014/main" id="{87363DFF-DE64-6549-B31E-770E70ED8452}"/>
-                    </a:ext>
-                  </a:extLst>
-                </p:cNvPr>
-                <p:cNvCxnSpPr>
-                  <a:endCxn id="62" idx="0"/>
-                </p:cNvCxnSpPr>
-                <p:nvPr/>
-              </p:nvCxnSpPr>
-              <p:spPr>
-                <a:xfrm flipV="1">
-                  <a:off x="3715966" y="3429000"/>
-                  <a:ext cx="6485" cy="666345"/>
-                </a:xfrm>
-                <a:prstGeom prst="line">
-                  <a:avLst/>
-                </a:prstGeom>
-                <a:grpFill/>
-                <a:ln w="12700">
-                  <a:solidFill>
-                    <a:schemeClr val="tx1"/>
-                  </a:solidFill>
-                </a:ln>
-              </p:spPr>
-              <p:style>
-                <a:lnRef idx="1">
-                  <a:schemeClr val="accent1"/>
-                </a:lnRef>
-                <a:fillRef idx="0">
-                  <a:schemeClr val="accent1"/>
-                </a:fillRef>
-                <a:effectRef idx="0">
-                  <a:schemeClr val="accent1"/>
-                </a:effectRef>
-                <a:fontRef idx="minor">
-                  <a:schemeClr val="tx1"/>
-                </a:fontRef>
-              </p:style>
-            </p:cxnSp>
-          </p:grpSp>
-          <p:sp>
-            <p:nvSpPr>
-              <p:cNvPr id="65" name="正方形/長方形 64">
-                <a:extLst>
-                  <a:ext uri="{FF2B5EF4-FFF2-40B4-BE49-F238E27FC236}">
-                    <a16:creationId xmlns:a16="http://schemas.microsoft.com/office/drawing/2014/main" id="{6B1B71B7-BEB8-C44B-9119-0D075BA00B82}"/>
-                  </a:ext>
-                </a:extLst>
-              </p:cNvPr>
-              <p:cNvSpPr/>
-              <p:nvPr/>
-            </p:nvSpPr>
-            <p:spPr>
-              <a:xfrm rot="16200000">
-                <a:off x="6609095" y="5233147"/>
-                <a:ext cx="627530" cy="147918"/>
-              </a:xfrm>
-              <a:prstGeom prst="rect">
-                <a:avLst/>
-              </a:prstGeom>
-              <a:solidFill>
-                <a:schemeClr val="accent6">
-                  <a:lumMod val="20000"/>
-                  <a:lumOff val="80000"/>
-                </a:schemeClr>
-              </a:solidFill>
-              <a:ln w="12700">
-                <a:solidFill>
-                  <a:schemeClr val="tx1"/>
-                </a:solidFill>
-              </a:ln>
-            </p:spPr>
-            <p:style>
-              <a:lnRef idx="2">
-                <a:schemeClr val="accent1">
-                  <a:shade val="50000"/>
-                </a:schemeClr>
-              </a:lnRef>
-              <a:fillRef idx="1">
-                <a:schemeClr val="accent1"/>
-              </a:fillRef>
-              <a:effectRef idx="0">
-                <a:schemeClr val="accent1"/>
-              </a:effectRef>
-              <a:fontRef idx="minor">
-                <a:schemeClr val="lt1"/>
-              </a:fontRef>
-            </p:style>
-            <p:txBody>
-              <a:bodyPr rtlCol="0" anchor="ctr"/>
-              <a:lstStyle/>
-              <a:p>
-                <a:pPr algn="ctr"/>
-                <a:endParaRPr kumimoji="1" lang="ja-JP" altLang="en-US"/>
-              </a:p>
-            </p:txBody>
-          </p:sp>
-        </p:grpSp>
-      </p:grpSp>
+          </a:ln>
+        </p:spPr>
+        <p:style>
+          <a:lnRef idx="1">
+            <a:schemeClr val="accent1"/>
+          </a:lnRef>
+          <a:fillRef idx="0">
+            <a:schemeClr val="accent1"/>
+          </a:fillRef>
+          <a:effectRef idx="0">
+            <a:schemeClr val="accent1"/>
+          </a:effectRef>
+          <a:fontRef idx="minor">
+            <a:schemeClr val="tx1"/>
+          </a:fontRef>
+        </p:style>
+      </p:cxnSp>
       <p:sp>
         <p:nvSpPr>
           <p:cNvPr id="68" name="正方形/長方形 67">
@@ -5387,37 +4246,4196 @@
                   <a:schemeClr val="tx1"/>
                 </a:solidFill>
               </a:rPr>
-              <a:t>走行体の図</a:t>
+              <a:t>走行体システム図</a:t>
             </a:r>
           </a:p>
         </p:txBody>
       </p:sp>
-      <p:sp>
-        <p:nvSpPr>
-          <p:cNvPr id="69" name="円弧 68">
+      <p:grpSp>
+        <p:nvGrpSpPr>
+          <p:cNvPr id="112" name="グループ化 111">
             <a:extLst>
               <a:ext uri="{FF2B5EF4-FFF2-40B4-BE49-F238E27FC236}">
-                <a16:creationId xmlns:a16="http://schemas.microsoft.com/office/drawing/2014/main" id="{E7920B79-D2BB-4E47-9CEB-55FAB9F03C9D}"/>
+                <a16:creationId xmlns:a16="http://schemas.microsoft.com/office/drawing/2014/main" id="{06BAE010-8C3A-B847-8207-12148B6CA988}"/>
               </a:ext>
             </a:extLst>
           </p:cNvPr>
-          <p:cNvSpPr/>
+          <p:cNvGrpSpPr/>
           <p:nvPr/>
-        </p:nvSpPr>
+        </p:nvGrpSpPr>
+        <p:grpSpPr>
+          <a:xfrm>
+            <a:off x="2423592" y="620688"/>
+            <a:ext cx="8115832" cy="6048672"/>
+            <a:chOff x="804051" y="620688"/>
+            <a:chExt cx="8115832" cy="6048672"/>
+          </a:xfrm>
+        </p:grpSpPr>
+        <p:sp>
+          <p:nvSpPr>
+            <p:cNvPr id="25" name="正方形/長方形 24">
+              <a:extLst>
+                <a:ext uri="{FF2B5EF4-FFF2-40B4-BE49-F238E27FC236}">
+                  <a16:creationId xmlns:a16="http://schemas.microsoft.com/office/drawing/2014/main" id="{ABC7FB96-33F9-5B4C-B205-11C2A68153C1}"/>
+                </a:ext>
+              </a:extLst>
+            </p:cNvPr>
+            <p:cNvSpPr/>
+            <p:nvPr/>
+          </p:nvSpPr>
+          <p:spPr>
+            <a:xfrm>
+              <a:off x="2783632" y="620688"/>
+              <a:ext cx="4680520" cy="4248472"/>
+            </a:xfrm>
+            <a:prstGeom prst="rect">
+              <a:avLst/>
+            </a:prstGeom>
+            <a:solidFill>
+              <a:schemeClr val="bg1">
+                <a:lumMod val="95000"/>
+              </a:schemeClr>
+            </a:solidFill>
+            <a:ln w="19050">
+              <a:solidFill>
+                <a:schemeClr val="bg1">
+                  <a:lumMod val="75000"/>
+                </a:schemeClr>
+              </a:solidFill>
+              <a:prstDash val="solid"/>
+            </a:ln>
+          </p:spPr>
+          <p:style>
+            <a:lnRef idx="2">
+              <a:schemeClr val="accent1">
+                <a:shade val="50000"/>
+              </a:schemeClr>
+            </a:lnRef>
+            <a:fillRef idx="1">
+              <a:schemeClr val="accent1"/>
+            </a:fillRef>
+            <a:effectRef idx="0">
+              <a:schemeClr val="accent1"/>
+            </a:effectRef>
+            <a:fontRef idx="minor">
+              <a:schemeClr val="lt1"/>
+            </a:fontRef>
+          </p:style>
+          <p:txBody>
+            <a:bodyPr rtlCol="0" anchor="ctr"/>
+            <a:lstStyle/>
+            <a:p>
+              <a:pPr algn="ctr"/>
+              <a:endParaRPr kumimoji="1" lang="ja-JP" altLang="en-US"/>
+            </a:p>
+          </p:txBody>
+        </p:sp>
+        <p:sp>
+          <p:nvSpPr>
+            <p:cNvPr id="33" name="正方形/長方形 32">
+              <a:extLst>
+                <a:ext uri="{FF2B5EF4-FFF2-40B4-BE49-F238E27FC236}">
+                  <a16:creationId xmlns:a16="http://schemas.microsoft.com/office/drawing/2014/main" id="{79F2556D-3BF4-0540-AF4B-51FC5A2CB234}"/>
+                </a:ext>
+              </a:extLst>
+            </p:cNvPr>
+            <p:cNvSpPr/>
+            <p:nvPr/>
+          </p:nvSpPr>
+          <p:spPr>
+            <a:xfrm>
+              <a:off x="4714481" y="4840941"/>
+              <a:ext cx="3282037" cy="420770"/>
+            </a:xfrm>
+            <a:prstGeom prst="rect">
+              <a:avLst/>
+            </a:prstGeom>
+            <a:solidFill>
+              <a:schemeClr val="bg1">
+                <a:lumMod val="95000"/>
+              </a:schemeClr>
+            </a:solidFill>
+            <a:ln w="12700">
+              <a:solidFill>
+                <a:schemeClr val="tx1"/>
+              </a:solidFill>
+            </a:ln>
+          </p:spPr>
+          <p:style>
+            <a:lnRef idx="2">
+              <a:schemeClr val="accent1">
+                <a:shade val="50000"/>
+              </a:schemeClr>
+            </a:lnRef>
+            <a:fillRef idx="1">
+              <a:schemeClr val="accent1"/>
+            </a:fillRef>
+            <a:effectRef idx="0">
+              <a:schemeClr val="accent1"/>
+            </a:effectRef>
+            <a:fontRef idx="minor">
+              <a:schemeClr val="lt1"/>
+            </a:fontRef>
+          </p:style>
+          <p:txBody>
+            <a:bodyPr rtlCol="0" anchor="ctr"/>
+            <a:lstStyle/>
+            <a:p>
+              <a:pPr algn="ctr"/>
+              <a:endParaRPr kumimoji="1" lang="ja-JP" altLang="en-US"/>
+            </a:p>
+          </p:txBody>
+        </p:sp>
+        <p:grpSp>
+          <p:nvGrpSpPr>
+            <p:cNvPr id="18" name="グループ化 17">
+              <a:extLst>
+                <a:ext uri="{FF2B5EF4-FFF2-40B4-BE49-F238E27FC236}">
+                  <a16:creationId xmlns:a16="http://schemas.microsoft.com/office/drawing/2014/main" id="{A19B65C5-22B9-CD48-9803-FDC51EA6206F}"/>
+                </a:ext>
+              </a:extLst>
+            </p:cNvPr>
+            <p:cNvGrpSpPr/>
+            <p:nvPr/>
+          </p:nvGrpSpPr>
+          <p:grpSpPr>
+            <a:xfrm>
+              <a:off x="3297677" y="4179080"/>
+              <a:ext cx="2412459" cy="2412459"/>
+              <a:chOff x="3297677" y="3570051"/>
+              <a:chExt cx="2412459" cy="2412459"/>
+            </a:xfrm>
+            <a:solidFill>
+              <a:schemeClr val="bg1"/>
+            </a:solidFill>
+          </p:grpSpPr>
+          <p:sp>
+            <p:nvSpPr>
+              <p:cNvPr id="14" name="円/楕円 13">
+                <a:extLst>
+                  <a:ext uri="{FF2B5EF4-FFF2-40B4-BE49-F238E27FC236}">
+                    <a16:creationId xmlns:a16="http://schemas.microsoft.com/office/drawing/2014/main" id="{95BC6E65-A6A6-DA4F-89B6-318AFFF06831}"/>
+                  </a:ext>
+                </a:extLst>
+              </p:cNvPr>
+              <p:cNvSpPr/>
+              <p:nvPr/>
+            </p:nvSpPr>
+            <p:spPr>
+              <a:xfrm>
+                <a:off x="4166681" y="4439055"/>
+                <a:ext cx="674450" cy="674450"/>
+              </a:xfrm>
+              <a:prstGeom prst="ellipse">
+                <a:avLst/>
+              </a:prstGeom>
+              <a:grpFill/>
+              <a:ln w="12700">
+                <a:solidFill>
+                  <a:schemeClr val="tx1"/>
+                </a:solidFill>
+              </a:ln>
+            </p:spPr>
+            <p:style>
+              <a:lnRef idx="2">
+                <a:schemeClr val="accent1">
+                  <a:shade val="50000"/>
+                </a:schemeClr>
+              </a:lnRef>
+              <a:fillRef idx="1">
+                <a:schemeClr val="accent1"/>
+              </a:fillRef>
+              <a:effectRef idx="0">
+                <a:schemeClr val="accent1"/>
+              </a:effectRef>
+              <a:fontRef idx="minor">
+                <a:schemeClr val="lt1"/>
+              </a:fontRef>
+            </p:style>
+            <p:txBody>
+              <a:bodyPr rtlCol="0" anchor="ctr"/>
+              <a:lstStyle/>
+              <a:p>
+                <a:pPr algn="ctr"/>
+                <a:endParaRPr kumimoji="1" lang="ja-JP" altLang="en-US"/>
+              </a:p>
+            </p:txBody>
+          </p:sp>
+          <p:grpSp>
+            <p:nvGrpSpPr>
+              <p:cNvPr id="10" name="グループ化 9">
+                <a:extLst>
+                  <a:ext uri="{FF2B5EF4-FFF2-40B4-BE49-F238E27FC236}">
+                    <a16:creationId xmlns:a16="http://schemas.microsoft.com/office/drawing/2014/main" id="{101C7940-1F2F-9B46-86F9-5B87F71BEC85}"/>
+                  </a:ext>
+                </a:extLst>
+              </p:cNvPr>
+              <p:cNvGrpSpPr/>
+              <p:nvPr/>
+            </p:nvGrpSpPr>
+            <p:grpSpPr>
+              <a:xfrm>
+                <a:off x="3297677" y="3570051"/>
+                <a:ext cx="2412459" cy="2412459"/>
+                <a:chOff x="3297677" y="3570051"/>
+                <a:chExt cx="2412459" cy="2412459"/>
+              </a:xfrm>
+              <a:grpFill/>
+            </p:grpSpPr>
+            <p:sp>
+              <p:nvSpPr>
+                <p:cNvPr id="5" name="円/楕円 4">
+                  <a:extLst>
+                    <a:ext uri="{FF2B5EF4-FFF2-40B4-BE49-F238E27FC236}">
+                      <a16:creationId xmlns:a16="http://schemas.microsoft.com/office/drawing/2014/main" id="{FC6F3BDA-439B-414C-B97A-9DD594111347}"/>
+                    </a:ext>
+                  </a:extLst>
+                </p:cNvPr>
+                <p:cNvSpPr/>
+                <p:nvPr/>
+              </p:nvSpPr>
+              <p:spPr>
+                <a:xfrm>
+                  <a:off x="3297677" y="3570051"/>
+                  <a:ext cx="2412459" cy="2412459"/>
+                </a:xfrm>
+                <a:prstGeom prst="ellipse">
+                  <a:avLst/>
+                </a:prstGeom>
+                <a:grpFill/>
+                <a:ln w="12700">
+                  <a:solidFill>
+                    <a:schemeClr val="tx1"/>
+                  </a:solidFill>
+                </a:ln>
+              </p:spPr>
+              <p:style>
+                <a:lnRef idx="2">
+                  <a:schemeClr val="accent1">
+                    <a:shade val="50000"/>
+                  </a:schemeClr>
+                </a:lnRef>
+                <a:fillRef idx="1">
+                  <a:schemeClr val="accent1"/>
+                </a:fillRef>
+                <a:effectRef idx="0">
+                  <a:schemeClr val="accent1"/>
+                </a:effectRef>
+                <a:fontRef idx="minor">
+                  <a:schemeClr val="lt1"/>
+                </a:fontRef>
+              </p:style>
+              <p:txBody>
+                <a:bodyPr rtlCol="0" anchor="ctr"/>
+                <a:lstStyle/>
+                <a:p>
+                  <a:pPr algn="ctr"/>
+                  <a:endParaRPr kumimoji="1" lang="ja-JP" altLang="en-US"/>
+                </a:p>
+              </p:txBody>
+            </p:sp>
+            <p:cxnSp>
+              <p:nvCxnSpPr>
+                <p:cNvPr id="7" name="直線コネクタ 6">
+                  <a:extLst>
+                    <a:ext uri="{FF2B5EF4-FFF2-40B4-BE49-F238E27FC236}">
+                      <a16:creationId xmlns:a16="http://schemas.microsoft.com/office/drawing/2014/main" id="{A02EA583-404A-9E4B-A6B5-7EE81711ADFD}"/>
+                    </a:ext>
+                  </a:extLst>
+                </p:cNvPr>
+                <p:cNvCxnSpPr>
+                  <a:stCxn id="5" idx="2"/>
+                  <a:endCxn id="5" idx="6"/>
+                </p:cNvCxnSpPr>
+                <p:nvPr/>
+              </p:nvCxnSpPr>
+              <p:spPr>
+                <a:xfrm>
+                  <a:off x="3297677" y="4776281"/>
+                  <a:ext cx="2412459" cy="0"/>
+                </a:xfrm>
+                <a:prstGeom prst="line">
+                  <a:avLst/>
+                </a:prstGeom>
+                <a:grpFill/>
+                <a:ln w="12700">
+                  <a:solidFill>
+                    <a:schemeClr val="tx1"/>
+                  </a:solidFill>
+                </a:ln>
+              </p:spPr>
+              <p:style>
+                <a:lnRef idx="1">
+                  <a:schemeClr val="accent1"/>
+                </a:lnRef>
+                <a:fillRef idx="0">
+                  <a:schemeClr val="accent1"/>
+                </a:fillRef>
+                <a:effectRef idx="0">
+                  <a:schemeClr val="accent1"/>
+                </a:effectRef>
+                <a:fontRef idx="minor">
+                  <a:schemeClr val="tx1"/>
+                </a:fontRef>
+              </p:style>
+            </p:cxnSp>
+            <p:cxnSp>
+              <p:nvCxnSpPr>
+                <p:cNvPr id="9" name="直線コネクタ 8">
+                  <a:extLst>
+                    <a:ext uri="{FF2B5EF4-FFF2-40B4-BE49-F238E27FC236}">
+                      <a16:creationId xmlns:a16="http://schemas.microsoft.com/office/drawing/2014/main" id="{71EA019B-6F62-1647-B74E-7733CB3104E5}"/>
+                    </a:ext>
+                  </a:extLst>
+                </p:cNvPr>
+                <p:cNvCxnSpPr>
+                  <a:stCxn id="5" idx="4"/>
+                  <a:endCxn id="5" idx="0"/>
+                </p:cNvCxnSpPr>
+                <p:nvPr/>
+              </p:nvCxnSpPr>
+              <p:spPr>
+                <a:xfrm flipV="1">
+                  <a:off x="4503907" y="3570051"/>
+                  <a:ext cx="0" cy="2412459"/>
+                </a:xfrm>
+                <a:prstGeom prst="line">
+                  <a:avLst/>
+                </a:prstGeom>
+                <a:grpFill/>
+                <a:ln w="12700">
+                  <a:solidFill>
+                    <a:schemeClr val="tx1"/>
+                  </a:solidFill>
+                </a:ln>
+              </p:spPr>
+              <p:style>
+                <a:lnRef idx="1">
+                  <a:schemeClr val="accent1"/>
+                </a:lnRef>
+                <a:fillRef idx="0">
+                  <a:schemeClr val="accent1"/>
+                </a:fillRef>
+                <a:effectRef idx="0">
+                  <a:schemeClr val="accent1"/>
+                </a:effectRef>
+                <a:fontRef idx="minor">
+                  <a:schemeClr val="tx1"/>
+                </a:fontRef>
+              </p:style>
+            </p:cxnSp>
+          </p:grpSp>
+        </p:grpSp>
+        <p:sp>
+          <p:nvSpPr>
+            <p:cNvPr id="20" name="片側の 2 つの角を切り取った四角形 19">
+              <a:extLst>
+                <a:ext uri="{FF2B5EF4-FFF2-40B4-BE49-F238E27FC236}">
+                  <a16:creationId xmlns:a16="http://schemas.microsoft.com/office/drawing/2014/main" id="{994F6E10-0C0B-E74E-B5BF-07DA3D7A11CF}"/>
+                </a:ext>
+              </a:extLst>
+            </p:cNvPr>
+            <p:cNvSpPr/>
+            <p:nvPr/>
+          </p:nvSpPr>
+          <p:spPr>
+            <a:xfrm flipV="1">
+              <a:off x="2763306" y="5404764"/>
+              <a:ext cx="592737" cy="648205"/>
+            </a:xfrm>
+            <a:prstGeom prst="snip2SameRect">
+              <a:avLst/>
+            </a:prstGeom>
+            <a:solidFill>
+              <a:schemeClr val="accent1">
+                <a:lumMod val="20000"/>
+                <a:lumOff val="80000"/>
+              </a:schemeClr>
+            </a:solidFill>
+            <a:ln w="12700">
+              <a:solidFill>
+                <a:schemeClr val="tx1"/>
+              </a:solidFill>
+            </a:ln>
+          </p:spPr>
+          <p:style>
+            <a:lnRef idx="2">
+              <a:schemeClr val="accent1">
+                <a:shade val="50000"/>
+              </a:schemeClr>
+            </a:lnRef>
+            <a:fillRef idx="1">
+              <a:schemeClr val="accent1"/>
+            </a:fillRef>
+            <a:effectRef idx="0">
+              <a:schemeClr val="accent1"/>
+            </a:effectRef>
+            <a:fontRef idx="minor">
+              <a:schemeClr val="lt1"/>
+            </a:fontRef>
+          </p:style>
+          <p:txBody>
+            <a:bodyPr rtlCol="0" anchor="ctr"/>
+            <a:lstStyle/>
+            <a:p>
+              <a:pPr algn="ctr"/>
+              <a:endParaRPr kumimoji="1" lang="ja-JP" altLang="en-US"/>
+            </a:p>
+          </p:txBody>
+        </p:sp>
+        <p:grpSp>
+          <p:nvGrpSpPr>
+            <p:cNvPr id="29" name="グループ化 28">
+              <a:extLst>
+                <a:ext uri="{FF2B5EF4-FFF2-40B4-BE49-F238E27FC236}">
+                  <a16:creationId xmlns:a16="http://schemas.microsoft.com/office/drawing/2014/main" id="{11B7519D-3544-574E-AB7E-85005C12F179}"/>
+                </a:ext>
+              </a:extLst>
+            </p:cNvPr>
+            <p:cNvGrpSpPr/>
+            <p:nvPr/>
+          </p:nvGrpSpPr>
+          <p:grpSpPr>
+            <a:xfrm>
+              <a:off x="2613303" y="6062697"/>
+              <a:ext cx="898381" cy="606663"/>
+              <a:chOff x="4096544" y="1776264"/>
+              <a:chExt cx="576064" cy="504056"/>
+            </a:xfrm>
+          </p:grpSpPr>
+          <p:sp>
+            <p:nvSpPr>
+              <p:cNvPr id="30" name="三角形 29">
+                <a:extLst>
+                  <a:ext uri="{FF2B5EF4-FFF2-40B4-BE49-F238E27FC236}">
+                    <a16:creationId xmlns:a16="http://schemas.microsoft.com/office/drawing/2014/main" id="{1EC59E7F-8481-B448-B4D0-2EFB82D94EE8}"/>
+                  </a:ext>
+                </a:extLst>
+              </p:cNvPr>
+              <p:cNvSpPr/>
+              <p:nvPr/>
+            </p:nvSpPr>
+            <p:spPr>
+              <a:xfrm>
+                <a:off x="4096544" y="1776264"/>
+                <a:ext cx="576064" cy="360040"/>
+              </a:xfrm>
+              <a:prstGeom prst="triangle">
+                <a:avLst/>
+              </a:prstGeom>
+              <a:solidFill>
+                <a:schemeClr val="bg1"/>
+              </a:solidFill>
+            </p:spPr>
+            <p:style>
+              <a:lnRef idx="2">
+                <a:schemeClr val="accent1">
+                  <a:shade val="50000"/>
+                </a:schemeClr>
+              </a:lnRef>
+              <a:fillRef idx="1">
+                <a:schemeClr val="accent1"/>
+              </a:fillRef>
+              <a:effectRef idx="0">
+                <a:schemeClr val="accent1"/>
+              </a:effectRef>
+              <a:fontRef idx="minor">
+                <a:schemeClr val="lt1"/>
+              </a:fontRef>
+            </p:style>
+            <p:txBody>
+              <a:bodyPr rtlCol="0" anchor="ctr"/>
+              <a:lstStyle/>
+              <a:p>
+                <a:pPr algn="ctr"/>
+                <a:endParaRPr kumimoji="1" lang="ja-JP" altLang="en-US"/>
+              </a:p>
+            </p:txBody>
+          </p:sp>
+          <p:sp>
+            <p:nvSpPr>
+              <p:cNvPr id="31" name="円/楕円 30">
+                <a:extLst>
+                  <a:ext uri="{FF2B5EF4-FFF2-40B4-BE49-F238E27FC236}">
+                    <a16:creationId xmlns:a16="http://schemas.microsoft.com/office/drawing/2014/main" id="{FA9B417D-32DE-D549-9368-AD00CDC881B6}"/>
+                  </a:ext>
+                </a:extLst>
+              </p:cNvPr>
+              <p:cNvSpPr/>
+              <p:nvPr/>
+            </p:nvSpPr>
+            <p:spPr>
+              <a:xfrm>
+                <a:off x="4096544" y="2064296"/>
+                <a:ext cx="576064" cy="216024"/>
+              </a:xfrm>
+              <a:prstGeom prst="ellipse">
+                <a:avLst/>
+              </a:prstGeom>
+            </p:spPr>
+            <p:style>
+              <a:lnRef idx="2">
+                <a:schemeClr val="accent1">
+                  <a:shade val="50000"/>
+                </a:schemeClr>
+              </a:lnRef>
+              <a:fillRef idx="1">
+                <a:schemeClr val="accent1"/>
+              </a:fillRef>
+              <a:effectRef idx="0">
+                <a:schemeClr val="accent1"/>
+              </a:effectRef>
+              <a:fontRef idx="minor">
+                <a:schemeClr val="lt1"/>
+              </a:fontRef>
+            </p:style>
+            <p:txBody>
+              <a:bodyPr rtlCol="0" anchor="ctr"/>
+              <a:lstStyle/>
+              <a:p>
+                <a:pPr algn="ctr"/>
+                <a:endParaRPr kumimoji="1" lang="ja-JP" altLang="en-US"/>
+              </a:p>
+            </p:txBody>
+          </p:sp>
+        </p:grpSp>
+        <p:grpSp>
+          <p:nvGrpSpPr>
+            <p:cNvPr id="38" name="グループ化 37">
+              <a:extLst>
+                <a:ext uri="{FF2B5EF4-FFF2-40B4-BE49-F238E27FC236}">
+                  <a16:creationId xmlns:a16="http://schemas.microsoft.com/office/drawing/2014/main" id="{AB0C279A-ECDD-B44B-9384-4375A465EB70}"/>
+                </a:ext>
+              </a:extLst>
+            </p:cNvPr>
+            <p:cNvGrpSpPr/>
+            <p:nvPr/>
+          </p:nvGrpSpPr>
+          <p:grpSpPr>
+            <a:xfrm>
+              <a:off x="3385226" y="4038029"/>
+              <a:ext cx="674450" cy="674450"/>
+              <a:chOff x="3385226" y="3429000"/>
+              <a:chExt cx="674450" cy="674450"/>
+            </a:xfrm>
+            <a:solidFill>
+              <a:schemeClr val="accent1">
+                <a:lumMod val="20000"/>
+                <a:lumOff val="80000"/>
+              </a:schemeClr>
+            </a:solidFill>
+          </p:grpSpPr>
+          <p:sp>
+            <p:nvSpPr>
+              <p:cNvPr id="17" name="円/楕円 16">
+                <a:extLst>
+                  <a:ext uri="{FF2B5EF4-FFF2-40B4-BE49-F238E27FC236}">
+                    <a16:creationId xmlns:a16="http://schemas.microsoft.com/office/drawing/2014/main" id="{C16068F6-A4D1-EC4B-90FC-8043BEBD199F}"/>
+                  </a:ext>
+                </a:extLst>
+              </p:cNvPr>
+              <p:cNvSpPr/>
+              <p:nvPr/>
+            </p:nvSpPr>
+            <p:spPr>
+              <a:xfrm>
+                <a:off x="3385226" y="3429000"/>
+                <a:ext cx="674450" cy="674450"/>
+              </a:xfrm>
+              <a:prstGeom prst="ellipse">
+                <a:avLst/>
+              </a:prstGeom>
+              <a:grpFill/>
+              <a:ln w="12700">
+                <a:solidFill>
+                  <a:schemeClr val="tx1"/>
+                </a:solidFill>
+              </a:ln>
+            </p:spPr>
+            <p:style>
+              <a:lnRef idx="2">
+                <a:schemeClr val="accent1">
+                  <a:shade val="50000"/>
+                </a:schemeClr>
+              </a:lnRef>
+              <a:fillRef idx="1">
+                <a:schemeClr val="accent1"/>
+              </a:fillRef>
+              <a:effectRef idx="0">
+                <a:schemeClr val="accent1"/>
+              </a:effectRef>
+              <a:fontRef idx="minor">
+                <a:schemeClr val="lt1"/>
+              </a:fontRef>
+            </p:style>
+            <p:txBody>
+              <a:bodyPr rtlCol="0" anchor="ctr"/>
+              <a:lstStyle/>
+              <a:p>
+                <a:pPr algn="ctr"/>
+                <a:endParaRPr kumimoji="1" lang="ja-JP" altLang="en-US"/>
+              </a:p>
+            </p:txBody>
+          </p:sp>
+          <p:cxnSp>
+            <p:nvCxnSpPr>
+              <p:cNvPr id="35" name="直線コネクタ 34">
+                <a:extLst>
+                  <a:ext uri="{FF2B5EF4-FFF2-40B4-BE49-F238E27FC236}">
+                    <a16:creationId xmlns:a16="http://schemas.microsoft.com/office/drawing/2014/main" id="{47055E78-8374-0342-8953-D075EBACBCB5}"/>
+                  </a:ext>
+                </a:extLst>
+              </p:cNvPr>
+              <p:cNvCxnSpPr>
+                <a:stCxn id="17" idx="6"/>
+                <a:endCxn id="17" idx="2"/>
+              </p:cNvCxnSpPr>
+              <p:nvPr/>
+            </p:nvCxnSpPr>
+            <p:spPr>
+              <a:xfrm flipH="1">
+                <a:off x="3385226" y="3766225"/>
+                <a:ext cx="674450" cy="0"/>
+              </a:xfrm>
+              <a:prstGeom prst="line">
+                <a:avLst/>
+              </a:prstGeom>
+              <a:grpFill/>
+              <a:ln w="12700">
+                <a:solidFill>
+                  <a:schemeClr val="tx1"/>
+                </a:solidFill>
+              </a:ln>
+            </p:spPr>
+            <p:style>
+              <a:lnRef idx="1">
+                <a:schemeClr val="accent1"/>
+              </a:lnRef>
+              <a:fillRef idx="0">
+                <a:schemeClr val="accent1"/>
+              </a:fillRef>
+              <a:effectRef idx="0">
+                <a:schemeClr val="accent1"/>
+              </a:effectRef>
+              <a:fontRef idx="minor">
+                <a:schemeClr val="tx1"/>
+              </a:fontRef>
+            </p:style>
+          </p:cxnSp>
+          <p:cxnSp>
+            <p:nvCxnSpPr>
+              <p:cNvPr id="37" name="直線コネクタ 36">
+                <a:extLst>
+                  <a:ext uri="{FF2B5EF4-FFF2-40B4-BE49-F238E27FC236}">
+                    <a16:creationId xmlns:a16="http://schemas.microsoft.com/office/drawing/2014/main" id="{E20BA8D3-03D0-C64F-97AC-A90F2A6FFD64}"/>
+                  </a:ext>
+                </a:extLst>
+              </p:cNvPr>
+              <p:cNvCxnSpPr>
+                <a:endCxn id="17" idx="0"/>
+              </p:cNvCxnSpPr>
+              <p:nvPr/>
+            </p:nvCxnSpPr>
+            <p:spPr>
+              <a:xfrm flipV="1">
+                <a:off x="3715966" y="3429000"/>
+                <a:ext cx="6485" cy="666345"/>
+              </a:xfrm>
+              <a:prstGeom prst="line">
+                <a:avLst/>
+              </a:prstGeom>
+              <a:grpFill/>
+              <a:ln w="12700">
+                <a:solidFill>
+                  <a:schemeClr val="tx1"/>
+                </a:solidFill>
+              </a:ln>
+            </p:spPr>
+            <p:style>
+              <a:lnRef idx="1">
+                <a:schemeClr val="accent1"/>
+              </a:lnRef>
+              <a:fillRef idx="0">
+                <a:schemeClr val="accent1"/>
+              </a:fillRef>
+              <a:effectRef idx="0">
+                <a:schemeClr val="accent1"/>
+              </a:effectRef>
+              <a:fontRef idx="minor">
+                <a:schemeClr val="tx1"/>
+              </a:fontRef>
+            </p:style>
+          </p:cxnSp>
+        </p:grpSp>
+        <p:sp>
+          <p:nvSpPr>
+            <p:cNvPr id="32" name="L 字 31">
+              <a:extLst>
+                <a:ext uri="{FF2B5EF4-FFF2-40B4-BE49-F238E27FC236}">
+                  <a16:creationId xmlns:a16="http://schemas.microsoft.com/office/drawing/2014/main" id="{32488DE0-CAB9-6746-9A76-087E0ACBFD80}"/>
+                </a:ext>
+              </a:extLst>
+            </p:cNvPr>
+            <p:cNvSpPr/>
+            <p:nvPr/>
+          </p:nvSpPr>
+          <p:spPr>
+            <a:xfrm flipH="1">
+              <a:off x="1649506" y="4489415"/>
+              <a:ext cx="2141993" cy="1381328"/>
+            </a:xfrm>
+            <a:prstGeom prst="corner">
+              <a:avLst>
+                <a:gd name="adj1" fmla="val 9883"/>
+                <a:gd name="adj2" fmla="val 10345"/>
+              </a:avLst>
+            </a:prstGeom>
+            <a:solidFill>
+              <a:schemeClr val="accent1">
+                <a:lumMod val="20000"/>
+                <a:lumOff val="80000"/>
+              </a:schemeClr>
+            </a:solidFill>
+            <a:ln>
+              <a:solidFill>
+                <a:schemeClr val="tx1"/>
+              </a:solidFill>
+            </a:ln>
+          </p:spPr>
+          <p:style>
+            <a:lnRef idx="2">
+              <a:schemeClr val="accent1">
+                <a:shade val="50000"/>
+              </a:schemeClr>
+            </a:lnRef>
+            <a:fillRef idx="1">
+              <a:schemeClr val="accent1"/>
+            </a:fillRef>
+            <a:effectRef idx="0">
+              <a:schemeClr val="accent1"/>
+            </a:effectRef>
+            <a:fontRef idx="minor">
+              <a:schemeClr val="lt1"/>
+            </a:fontRef>
+          </p:style>
+          <p:txBody>
+            <a:bodyPr rtlCol="0" anchor="ctr"/>
+            <a:lstStyle/>
+            <a:p>
+              <a:pPr algn="ctr"/>
+              <a:endParaRPr kumimoji="1" lang="ja-JP" altLang="en-US"/>
+            </a:p>
+          </p:txBody>
+        </p:sp>
+        <p:sp>
+          <p:nvSpPr>
+            <p:cNvPr id="39" name="片側の 2 つの角を切り取った四角形 38">
+              <a:extLst>
+                <a:ext uri="{FF2B5EF4-FFF2-40B4-BE49-F238E27FC236}">
+                  <a16:creationId xmlns:a16="http://schemas.microsoft.com/office/drawing/2014/main" id="{2DCE4FBB-E173-FC4E-A6E6-B9ACDE105EC8}"/>
+                </a:ext>
+              </a:extLst>
+            </p:cNvPr>
+            <p:cNvSpPr/>
+            <p:nvPr/>
+          </p:nvSpPr>
+          <p:spPr>
+            <a:xfrm rot="16200000" flipV="1">
+              <a:off x="1487547" y="3109799"/>
+              <a:ext cx="592737" cy="648205"/>
+            </a:xfrm>
+            <a:prstGeom prst="snip2SameRect">
+              <a:avLst/>
+            </a:prstGeom>
+            <a:solidFill>
+              <a:schemeClr val="bg1"/>
+            </a:solidFill>
+            <a:ln w="12700">
+              <a:solidFill>
+                <a:schemeClr val="tx1"/>
+              </a:solidFill>
+            </a:ln>
+          </p:spPr>
+          <p:style>
+            <a:lnRef idx="2">
+              <a:schemeClr val="accent1">
+                <a:shade val="50000"/>
+              </a:schemeClr>
+            </a:lnRef>
+            <a:fillRef idx="1">
+              <a:schemeClr val="accent1"/>
+            </a:fillRef>
+            <a:effectRef idx="0">
+              <a:schemeClr val="accent1"/>
+            </a:effectRef>
+            <a:fontRef idx="minor">
+              <a:schemeClr val="lt1"/>
+            </a:fontRef>
+          </p:style>
+          <p:txBody>
+            <a:bodyPr rtlCol="0" anchor="ctr"/>
+            <a:lstStyle/>
+            <a:p>
+              <a:pPr algn="ctr"/>
+              <a:endParaRPr kumimoji="1" lang="ja-JP" altLang="en-US"/>
+            </a:p>
+          </p:txBody>
+        </p:sp>
+        <p:grpSp>
+          <p:nvGrpSpPr>
+            <p:cNvPr id="43" name="グループ化 42">
+              <a:extLst>
+                <a:ext uri="{FF2B5EF4-FFF2-40B4-BE49-F238E27FC236}">
+                  <a16:creationId xmlns:a16="http://schemas.microsoft.com/office/drawing/2014/main" id="{F79545D0-B85D-4A45-B41F-BE495556F9AB}"/>
+                </a:ext>
+              </a:extLst>
+            </p:cNvPr>
+            <p:cNvGrpSpPr/>
+            <p:nvPr/>
+          </p:nvGrpSpPr>
+          <p:grpSpPr>
+            <a:xfrm>
+              <a:off x="804051" y="2711252"/>
+              <a:ext cx="1120589" cy="1326777"/>
+              <a:chOff x="3774140" y="1452282"/>
+              <a:chExt cx="1120589" cy="1326777"/>
+            </a:xfrm>
+          </p:grpSpPr>
+          <p:sp>
+            <p:nvSpPr>
+              <p:cNvPr id="40" name="円弧 39">
+                <a:extLst>
+                  <a:ext uri="{FF2B5EF4-FFF2-40B4-BE49-F238E27FC236}">
+                    <a16:creationId xmlns:a16="http://schemas.microsoft.com/office/drawing/2014/main" id="{86D38046-C761-3646-B461-1E3CFB7C8B8A}"/>
+                  </a:ext>
+                </a:extLst>
+              </p:cNvPr>
+              <p:cNvSpPr/>
+              <p:nvPr/>
+            </p:nvSpPr>
+            <p:spPr>
+              <a:xfrm>
+                <a:off x="3774140" y="1452282"/>
+                <a:ext cx="815789" cy="1326777"/>
+              </a:xfrm>
+              <a:prstGeom prst="arc">
+                <a:avLst>
+                  <a:gd name="adj1" fmla="val 6718735"/>
+                  <a:gd name="adj2" fmla="val 14974613"/>
+                </a:avLst>
+              </a:prstGeom>
+            </p:spPr>
+            <p:style>
+              <a:lnRef idx="1">
+                <a:schemeClr val="accent1"/>
+              </a:lnRef>
+              <a:fillRef idx="0">
+                <a:schemeClr val="accent1"/>
+              </a:fillRef>
+              <a:effectRef idx="0">
+                <a:schemeClr val="accent1"/>
+              </a:effectRef>
+              <a:fontRef idx="minor">
+                <a:schemeClr val="tx1"/>
+              </a:fontRef>
+            </p:style>
+            <p:txBody>
+              <a:bodyPr rtlCol="0" anchor="ctr"/>
+              <a:lstStyle/>
+              <a:p>
+                <a:pPr algn="ctr"/>
+                <a:endParaRPr kumimoji="1" lang="ja-JP" altLang="en-US"/>
+              </a:p>
+            </p:txBody>
+          </p:sp>
+          <p:sp>
+            <p:nvSpPr>
+              <p:cNvPr id="41" name="円弧 40">
+                <a:extLst>
+                  <a:ext uri="{FF2B5EF4-FFF2-40B4-BE49-F238E27FC236}">
+                    <a16:creationId xmlns:a16="http://schemas.microsoft.com/office/drawing/2014/main" id="{A164673C-EF62-E240-87CC-4F300A58BF9F}"/>
+                  </a:ext>
+                </a:extLst>
+              </p:cNvPr>
+              <p:cNvSpPr/>
+              <p:nvPr/>
+            </p:nvSpPr>
+            <p:spPr>
+              <a:xfrm>
+                <a:off x="3926540" y="1600200"/>
+                <a:ext cx="815789" cy="1030941"/>
+              </a:xfrm>
+              <a:prstGeom prst="arc">
+                <a:avLst>
+                  <a:gd name="adj1" fmla="val 6718735"/>
+                  <a:gd name="adj2" fmla="val 14974613"/>
+                </a:avLst>
+              </a:prstGeom>
+            </p:spPr>
+            <p:style>
+              <a:lnRef idx="1">
+                <a:schemeClr val="accent1"/>
+              </a:lnRef>
+              <a:fillRef idx="0">
+                <a:schemeClr val="accent1"/>
+              </a:fillRef>
+              <a:effectRef idx="0">
+                <a:schemeClr val="accent1"/>
+              </a:effectRef>
+              <a:fontRef idx="minor">
+                <a:schemeClr val="tx1"/>
+              </a:fontRef>
+            </p:style>
+            <p:txBody>
+              <a:bodyPr rtlCol="0" anchor="ctr"/>
+              <a:lstStyle/>
+              <a:p>
+                <a:pPr algn="ctr"/>
+                <a:endParaRPr kumimoji="1" lang="ja-JP" altLang="en-US"/>
+              </a:p>
+            </p:txBody>
+          </p:sp>
+          <p:sp>
+            <p:nvSpPr>
+              <p:cNvPr id="42" name="円弧 41">
+                <a:extLst>
+                  <a:ext uri="{FF2B5EF4-FFF2-40B4-BE49-F238E27FC236}">
+                    <a16:creationId xmlns:a16="http://schemas.microsoft.com/office/drawing/2014/main" id="{ED505722-AB6D-3E47-BA49-B4536F823129}"/>
+                  </a:ext>
+                </a:extLst>
+              </p:cNvPr>
+              <p:cNvSpPr/>
+              <p:nvPr/>
+            </p:nvSpPr>
+            <p:spPr>
+              <a:xfrm>
+                <a:off x="4078940" y="1698811"/>
+                <a:ext cx="815789" cy="833718"/>
+              </a:xfrm>
+              <a:prstGeom prst="arc">
+                <a:avLst>
+                  <a:gd name="adj1" fmla="val 6718735"/>
+                  <a:gd name="adj2" fmla="val 14974613"/>
+                </a:avLst>
+              </a:prstGeom>
+            </p:spPr>
+            <p:style>
+              <a:lnRef idx="1">
+                <a:schemeClr val="accent1"/>
+              </a:lnRef>
+              <a:fillRef idx="0">
+                <a:schemeClr val="accent1"/>
+              </a:fillRef>
+              <a:effectRef idx="0">
+                <a:schemeClr val="accent1"/>
+              </a:effectRef>
+              <a:fontRef idx="minor">
+                <a:schemeClr val="tx1"/>
+              </a:fontRef>
+            </p:style>
+            <p:txBody>
+              <a:bodyPr rtlCol="0" anchor="ctr"/>
+              <a:lstStyle/>
+              <a:p>
+                <a:pPr algn="ctr"/>
+                <a:endParaRPr kumimoji="1" lang="ja-JP" altLang="en-US"/>
+              </a:p>
+            </p:txBody>
+          </p:sp>
+        </p:grpSp>
+        <p:sp>
+          <p:nvSpPr>
+            <p:cNvPr id="46" name="正方形/長方形 45">
+              <a:extLst>
+                <a:ext uri="{FF2B5EF4-FFF2-40B4-BE49-F238E27FC236}">
+                  <a16:creationId xmlns:a16="http://schemas.microsoft.com/office/drawing/2014/main" id="{C487CA86-E873-A643-BF93-B2317374DD71}"/>
+                </a:ext>
+              </a:extLst>
+            </p:cNvPr>
+            <p:cNvSpPr/>
+            <p:nvPr/>
+          </p:nvSpPr>
+          <p:spPr>
+            <a:xfrm>
+              <a:off x="1636816" y="3737711"/>
+              <a:ext cx="1309801" cy="127032"/>
+            </a:xfrm>
+            <a:prstGeom prst="rect">
+              <a:avLst/>
+            </a:prstGeom>
+            <a:solidFill>
+              <a:schemeClr val="bg1"/>
+            </a:solidFill>
+          </p:spPr>
+          <p:style>
+            <a:lnRef idx="2">
+              <a:schemeClr val="accent1">
+                <a:shade val="50000"/>
+              </a:schemeClr>
+            </a:lnRef>
+            <a:fillRef idx="1">
+              <a:schemeClr val="accent1"/>
+            </a:fillRef>
+            <a:effectRef idx="0">
+              <a:schemeClr val="accent1"/>
+            </a:effectRef>
+            <a:fontRef idx="minor">
+              <a:schemeClr val="lt1"/>
+            </a:fontRef>
+          </p:style>
+          <p:txBody>
+            <a:bodyPr rtlCol="0" anchor="ctr"/>
+            <a:lstStyle/>
+            <a:p>
+              <a:pPr algn="ctr"/>
+              <a:endParaRPr kumimoji="1" lang="ja-JP" altLang="en-US"/>
+            </a:p>
+          </p:txBody>
+        </p:sp>
+        <p:grpSp>
+          <p:nvGrpSpPr>
+            <p:cNvPr id="67" name="グループ化 66">
+              <a:extLst>
+                <a:ext uri="{FF2B5EF4-FFF2-40B4-BE49-F238E27FC236}">
+                  <a16:creationId xmlns:a16="http://schemas.microsoft.com/office/drawing/2014/main" id="{A5FECC56-0FB4-164D-BD43-B8C72FB2B817}"/>
+                </a:ext>
+              </a:extLst>
+            </p:cNvPr>
+            <p:cNvGrpSpPr/>
+            <p:nvPr/>
+          </p:nvGrpSpPr>
+          <p:grpSpPr>
+            <a:xfrm>
+              <a:off x="5746377" y="4925535"/>
+              <a:ext cx="2580509" cy="1651603"/>
+              <a:chOff x="5746377" y="4316506"/>
+              <a:chExt cx="2580509" cy="1651603"/>
+            </a:xfrm>
+          </p:grpSpPr>
+          <p:grpSp>
+            <p:nvGrpSpPr>
+              <p:cNvPr id="49" name="グループ化 48">
+                <a:extLst>
+                  <a:ext uri="{FF2B5EF4-FFF2-40B4-BE49-F238E27FC236}">
+                    <a16:creationId xmlns:a16="http://schemas.microsoft.com/office/drawing/2014/main" id="{E2DE31E5-06AD-6F49-A568-0B7E55B925D3}"/>
+                  </a:ext>
+                </a:extLst>
+              </p:cNvPr>
+              <p:cNvGrpSpPr/>
+              <p:nvPr/>
+            </p:nvGrpSpPr>
+            <p:grpSpPr>
+              <a:xfrm>
+                <a:off x="7652436" y="4316506"/>
+                <a:ext cx="674450" cy="674450"/>
+                <a:chOff x="3385226" y="3429000"/>
+                <a:chExt cx="674450" cy="674450"/>
+              </a:xfrm>
+              <a:solidFill>
+                <a:schemeClr val="accent6">
+                  <a:lumMod val="20000"/>
+                  <a:lumOff val="80000"/>
+                </a:schemeClr>
+              </a:solidFill>
+            </p:grpSpPr>
+            <p:sp>
+              <p:nvSpPr>
+                <p:cNvPr id="50" name="円/楕円 49">
+                  <a:extLst>
+                    <a:ext uri="{FF2B5EF4-FFF2-40B4-BE49-F238E27FC236}">
+                      <a16:creationId xmlns:a16="http://schemas.microsoft.com/office/drawing/2014/main" id="{CB07BC6C-F1FD-484C-8FA0-49EB093AED70}"/>
+                    </a:ext>
+                  </a:extLst>
+                </p:cNvPr>
+                <p:cNvSpPr/>
+                <p:nvPr/>
+              </p:nvSpPr>
+              <p:spPr>
+                <a:xfrm>
+                  <a:off x="3385226" y="3429000"/>
+                  <a:ext cx="674450" cy="674450"/>
+                </a:xfrm>
+                <a:prstGeom prst="ellipse">
+                  <a:avLst/>
+                </a:prstGeom>
+                <a:grpFill/>
+                <a:ln w="12700">
+                  <a:solidFill>
+                    <a:schemeClr val="tx1"/>
+                  </a:solidFill>
+                </a:ln>
+              </p:spPr>
+              <p:style>
+                <a:lnRef idx="2">
+                  <a:schemeClr val="accent1">
+                    <a:shade val="50000"/>
+                  </a:schemeClr>
+                </a:lnRef>
+                <a:fillRef idx="1">
+                  <a:schemeClr val="accent1"/>
+                </a:fillRef>
+                <a:effectRef idx="0">
+                  <a:schemeClr val="accent1"/>
+                </a:effectRef>
+                <a:fontRef idx="minor">
+                  <a:schemeClr val="lt1"/>
+                </a:fontRef>
+              </p:style>
+              <p:txBody>
+                <a:bodyPr rtlCol="0" anchor="ctr"/>
+                <a:lstStyle/>
+                <a:p>
+                  <a:pPr algn="ctr"/>
+                  <a:endParaRPr kumimoji="1" lang="ja-JP" altLang="en-US"/>
+                </a:p>
+              </p:txBody>
+            </p:sp>
+            <p:cxnSp>
+              <p:nvCxnSpPr>
+                <p:cNvPr id="51" name="直線コネクタ 50">
+                  <a:extLst>
+                    <a:ext uri="{FF2B5EF4-FFF2-40B4-BE49-F238E27FC236}">
+                      <a16:creationId xmlns:a16="http://schemas.microsoft.com/office/drawing/2014/main" id="{ABC6D782-BE7F-C245-8D32-AB9CBD827AAB}"/>
+                    </a:ext>
+                  </a:extLst>
+                </p:cNvPr>
+                <p:cNvCxnSpPr>
+                  <a:stCxn id="50" idx="6"/>
+                  <a:endCxn id="50" idx="2"/>
+                </p:cNvCxnSpPr>
+                <p:nvPr/>
+              </p:nvCxnSpPr>
+              <p:spPr>
+                <a:xfrm flipH="1">
+                  <a:off x="3385226" y="3766225"/>
+                  <a:ext cx="674450" cy="0"/>
+                </a:xfrm>
+                <a:prstGeom prst="line">
+                  <a:avLst/>
+                </a:prstGeom>
+                <a:grpFill/>
+                <a:ln w="12700">
+                  <a:solidFill>
+                    <a:schemeClr val="tx1"/>
+                  </a:solidFill>
+                </a:ln>
+              </p:spPr>
+              <p:style>
+                <a:lnRef idx="1">
+                  <a:schemeClr val="accent1"/>
+                </a:lnRef>
+                <a:fillRef idx="0">
+                  <a:schemeClr val="accent1"/>
+                </a:fillRef>
+                <a:effectRef idx="0">
+                  <a:schemeClr val="accent1"/>
+                </a:effectRef>
+                <a:fontRef idx="minor">
+                  <a:schemeClr val="tx1"/>
+                </a:fontRef>
+              </p:style>
+            </p:cxnSp>
+            <p:cxnSp>
+              <p:nvCxnSpPr>
+                <p:cNvPr id="52" name="直線コネクタ 51">
+                  <a:extLst>
+                    <a:ext uri="{FF2B5EF4-FFF2-40B4-BE49-F238E27FC236}">
+                      <a16:creationId xmlns:a16="http://schemas.microsoft.com/office/drawing/2014/main" id="{74D4EFDB-2EDC-E945-9102-FF205236DD78}"/>
+                    </a:ext>
+                  </a:extLst>
+                </p:cNvPr>
+                <p:cNvCxnSpPr>
+                  <a:endCxn id="50" idx="0"/>
+                </p:cNvCxnSpPr>
+                <p:nvPr/>
+              </p:nvCxnSpPr>
+              <p:spPr>
+                <a:xfrm flipV="1">
+                  <a:off x="3715966" y="3429000"/>
+                  <a:ext cx="6485" cy="666345"/>
+                </a:xfrm>
+                <a:prstGeom prst="line">
+                  <a:avLst/>
+                </a:prstGeom>
+                <a:grpFill/>
+                <a:ln w="12700">
+                  <a:solidFill>
+                    <a:schemeClr val="tx1"/>
+                  </a:solidFill>
+                </a:ln>
+              </p:spPr>
+              <p:style>
+                <a:lnRef idx="1">
+                  <a:schemeClr val="accent1"/>
+                </a:lnRef>
+                <a:fillRef idx="0">
+                  <a:schemeClr val="accent1"/>
+                </a:fillRef>
+                <a:effectRef idx="0">
+                  <a:schemeClr val="accent1"/>
+                </a:effectRef>
+                <a:fontRef idx="minor">
+                  <a:schemeClr val="tx1"/>
+                </a:fontRef>
+              </p:style>
+            </p:cxnSp>
+          </p:grpSp>
+          <p:sp>
+            <p:nvSpPr>
+              <p:cNvPr id="60" name="正方形/長方形 59">
+                <a:extLst>
+                  <a:ext uri="{FF2B5EF4-FFF2-40B4-BE49-F238E27FC236}">
+                    <a16:creationId xmlns:a16="http://schemas.microsoft.com/office/drawing/2014/main" id="{484EB7E4-4029-7A4D-879E-B7D88DD2DA1B}"/>
+                  </a:ext>
+                </a:extLst>
+              </p:cNvPr>
+              <p:cNvSpPr/>
+              <p:nvPr/>
+            </p:nvSpPr>
+            <p:spPr>
+              <a:xfrm>
+                <a:off x="5746377" y="4831976"/>
+                <a:ext cx="2232212" cy="161365"/>
+              </a:xfrm>
+              <a:prstGeom prst="rect">
+                <a:avLst/>
+              </a:prstGeom>
+              <a:solidFill>
+                <a:schemeClr val="accent6">
+                  <a:lumMod val="20000"/>
+                  <a:lumOff val="80000"/>
+                </a:schemeClr>
+              </a:solidFill>
+              <a:ln w="12700">
+                <a:solidFill>
+                  <a:schemeClr val="tx1"/>
+                </a:solidFill>
+              </a:ln>
+            </p:spPr>
+            <p:style>
+              <a:lnRef idx="2">
+                <a:schemeClr val="accent1">
+                  <a:shade val="50000"/>
+                </a:schemeClr>
+              </a:lnRef>
+              <a:fillRef idx="1">
+                <a:schemeClr val="accent1"/>
+              </a:fillRef>
+              <a:effectRef idx="0">
+                <a:schemeClr val="accent1"/>
+              </a:effectRef>
+              <a:fontRef idx="minor">
+                <a:schemeClr val="lt1"/>
+              </a:fontRef>
+            </p:style>
+            <p:txBody>
+              <a:bodyPr rtlCol="0" anchor="ctr"/>
+              <a:lstStyle/>
+              <a:p>
+                <a:pPr algn="ctr"/>
+                <a:endParaRPr kumimoji="1" lang="ja-JP" altLang="en-US"/>
+              </a:p>
+            </p:txBody>
+          </p:sp>
+          <p:grpSp>
+            <p:nvGrpSpPr>
+              <p:cNvPr id="66" name="グループ化 65">
+                <a:extLst>
+                  <a:ext uri="{FF2B5EF4-FFF2-40B4-BE49-F238E27FC236}">
+                    <a16:creationId xmlns:a16="http://schemas.microsoft.com/office/drawing/2014/main" id="{584A2695-63B3-F84D-8157-BADBC276CC8A}"/>
+                  </a:ext>
+                </a:extLst>
+              </p:cNvPr>
+              <p:cNvGrpSpPr/>
+              <p:nvPr/>
+            </p:nvGrpSpPr>
+            <p:grpSpPr>
+              <a:xfrm>
+                <a:off x="6585635" y="4993341"/>
+                <a:ext cx="674450" cy="974768"/>
+                <a:chOff x="6585635" y="4993341"/>
+                <a:chExt cx="674450" cy="974768"/>
+              </a:xfrm>
+            </p:grpSpPr>
+            <p:grpSp>
+              <p:nvGrpSpPr>
+                <p:cNvPr id="61" name="グループ化 60">
+                  <a:extLst>
+                    <a:ext uri="{FF2B5EF4-FFF2-40B4-BE49-F238E27FC236}">
+                      <a16:creationId xmlns:a16="http://schemas.microsoft.com/office/drawing/2014/main" id="{13ABB243-0EE3-6449-B162-4D1737DBF78B}"/>
+                    </a:ext>
+                  </a:extLst>
+                </p:cNvPr>
+                <p:cNvGrpSpPr/>
+                <p:nvPr/>
+              </p:nvGrpSpPr>
+              <p:grpSpPr>
+                <a:xfrm>
+                  <a:off x="6585635" y="5293659"/>
+                  <a:ext cx="674450" cy="674450"/>
+                  <a:chOff x="3385226" y="3429000"/>
+                  <a:chExt cx="674450" cy="674450"/>
+                </a:xfrm>
+                <a:solidFill>
+                  <a:schemeClr val="accent6">
+                    <a:lumMod val="20000"/>
+                    <a:lumOff val="80000"/>
+                  </a:schemeClr>
+                </a:solidFill>
+              </p:grpSpPr>
+              <p:sp>
+                <p:nvSpPr>
+                  <p:cNvPr id="62" name="円/楕円 61">
+                    <a:extLst>
+                      <a:ext uri="{FF2B5EF4-FFF2-40B4-BE49-F238E27FC236}">
+                        <a16:creationId xmlns:a16="http://schemas.microsoft.com/office/drawing/2014/main" id="{CBAA3278-E88D-9648-9780-A971C0C07152}"/>
+                      </a:ext>
+                    </a:extLst>
+                  </p:cNvPr>
+                  <p:cNvSpPr/>
+                  <p:nvPr/>
+                </p:nvSpPr>
+                <p:spPr>
+                  <a:xfrm>
+                    <a:off x="3385226" y="3429000"/>
+                    <a:ext cx="674450" cy="674450"/>
+                  </a:xfrm>
+                  <a:prstGeom prst="ellipse">
+                    <a:avLst/>
+                  </a:prstGeom>
+                  <a:grpFill/>
+                  <a:ln w="12700">
+                    <a:solidFill>
+                      <a:schemeClr val="tx1"/>
+                    </a:solidFill>
+                  </a:ln>
+                </p:spPr>
+                <p:style>
+                  <a:lnRef idx="2">
+                    <a:schemeClr val="accent1">
+                      <a:shade val="50000"/>
+                    </a:schemeClr>
+                  </a:lnRef>
+                  <a:fillRef idx="1">
+                    <a:schemeClr val="accent1"/>
+                  </a:fillRef>
+                  <a:effectRef idx="0">
+                    <a:schemeClr val="accent1"/>
+                  </a:effectRef>
+                  <a:fontRef idx="minor">
+                    <a:schemeClr val="lt1"/>
+                  </a:fontRef>
+                </p:style>
+                <p:txBody>
+                  <a:bodyPr rtlCol="0" anchor="ctr"/>
+                  <a:lstStyle/>
+                  <a:p>
+                    <a:pPr algn="ctr"/>
+                    <a:endParaRPr kumimoji="1" lang="ja-JP" altLang="en-US"/>
+                  </a:p>
+                </p:txBody>
+              </p:sp>
+              <p:cxnSp>
+                <p:nvCxnSpPr>
+                  <p:cNvPr id="63" name="直線コネクタ 62">
+                    <a:extLst>
+                      <a:ext uri="{FF2B5EF4-FFF2-40B4-BE49-F238E27FC236}">
+                        <a16:creationId xmlns:a16="http://schemas.microsoft.com/office/drawing/2014/main" id="{9E5F0E71-BEEE-D94D-9AC7-420D6A526C09}"/>
+                      </a:ext>
+                    </a:extLst>
+                  </p:cNvPr>
+                  <p:cNvCxnSpPr>
+                    <a:stCxn id="62" idx="6"/>
+                    <a:endCxn id="62" idx="2"/>
+                  </p:cNvCxnSpPr>
+                  <p:nvPr/>
+                </p:nvCxnSpPr>
+                <p:spPr>
+                  <a:xfrm flipH="1">
+                    <a:off x="3385226" y="3766225"/>
+                    <a:ext cx="674450" cy="0"/>
+                  </a:xfrm>
+                  <a:prstGeom prst="line">
+                    <a:avLst/>
+                  </a:prstGeom>
+                  <a:grpFill/>
+                  <a:ln w="12700">
+                    <a:solidFill>
+                      <a:schemeClr val="tx1"/>
+                    </a:solidFill>
+                  </a:ln>
+                </p:spPr>
+                <p:style>
+                  <a:lnRef idx="1">
+                    <a:schemeClr val="accent1"/>
+                  </a:lnRef>
+                  <a:fillRef idx="0">
+                    <a:schemeClr val="accent1"/>
+                  </a:fillRef>
+                  <a:effectRef idx="0">
+                    <a:schemeClr val="accent1"/>
+                  </a:effectRef>
+                  <a:fontRef idx="minor">
+                    <a:schemeClr val="tx1"/>
+                  </a:fontRef>
+                </p:style>
+              </p:cxnSp>
+              <p:cxnSp>
+                <p:nvCxnSpPr>
+                  <p:cNvPr id="64" name="直線コネクタ 63">
+                    <a:extLst>
+                      <a:ext uri="{FF2B5EF4-FFF2-40B4-BE49-F238E27FC236}">
+                        <a16:creationId xmlns:a16="http://schemas.microsoft.com/office/drawing/2014/main" id="{87363DFF-DE64-6549-B31E-770E70ED8452}"/>
+                      </a:ext>
+                    </a:extLst>
+                  </p:cNvPr>
+                  <p:cNvCxnSpPr>
+                    <a:endCxn id="62" idx="0"/>
+                  </p:cNvCxnSpPr>
+                  <p:nvPr/>
+                </p:nvCxnSpPr>
+                <p:spPr>
+                  <a:xfrm flipV="1">
+                    <a:off x="3715966" y="3429000"/>
+                    <a:ext cx="6485" cy="666345"/>
+                  </a:xfrm>
+                  <a:prstGeom prst="line">
+                    <a:avLst/>
+                  </a:prstGeom>
+                  <a:grpFill/>
+                  <a:ln w="12700">
+                    <a:solidFill>
+                      <a:schemeClr val="tx1"/>
+                    </a:solidFill>
+                  </a:ln>
+                </p:spPr>
+                <p:style>
+                  <a:lnRef idx="1">
+                    <a:schemeClr val="accent1"/>
+                  </a:lnRef>
+                  <a:fillRef idx="0">
+                    <a:schemeClr val="accent1"/>
+                  </a:fillRef>
+                  <a:effectRef idx="0">
+                    <a:schemeClr val="accent1"/>
+                  </a:effectRef>
+                  <a:fontRef idx="minor">
+                    <a:schemeClr val="tx1"/>
+                  </a:fontRef>
+                </p:style>
+              </p:cxnSp>
+            </p:grpSp>
+            <p:sp>
+              <p:nvSpPr>
+                <p:cNvPr id="65" name="正方形/長方形 64">
+                  <a:extLst>
+                    <a:ext uri="{FF2B5EF4-FFF2-40B4-BE49-F238E27FC236}">
+                      <a16:creationId xmlns:a16="http://schemas.microsoft.com/office/drawing/2014/main" id="{6B1B71B7-BEB8-C44B-9119-0D075BA00B82}"/>
+                    </a:ext>
+                  </a:extLst>
+                </p:cNvPr>
+                <p:cNvSpPr/>
+                <p:nvPr/>
+              </p:nvSpPr>
+              <p:spPr>
+                <a:xfrm rot="16200000">
+                  <a:off x="6609095" y="5233147"/>
+                  <a:ext cx="627530" cy="147918"/>
+                </a:xfrm>
+                <a:prstGeom prst="rect">
+                  <a:avLst/>
+                </a:prstGeom>
+                <a:solidFill>
+                  <a:schemeClr val="accent6">
+                    <a:lumMod val="20000"/>
+                    <a:lumOff val="80000"/>
+                  </a:schemeClr>
+                </a:solidFill>
+                <a:ln w="12700">
+                  <a:solidFill>
+                    <a:schemeClr val="tx1"/>
+                  </a:solidFill>
+                </a:ln>
+              </p:spPr>
+              <p:style>
+                <a:lnRef idx="2">
+                  <a:schemeClr val="accent1">
+                    <a:shade val="50000"/>
+                  </a:schemeClr>
+                </a:lnRef>
+                <a:fillRef idx="1">
+                  <a:schemeClr val="accent1"/>
+                </a:fillRef>
+                <a:effectRef idx="0">
+                  <a:schemeClr val="accent1"/>
+                </a:effectRef>
+                <a:fontRef idx="minor">
+                  <a:schemeClr val="lt1"/>
+                </a:fontRef>
+              </p:style>
+              <p:txBody>
+                <a:bodyPr rtlCol="0" anchor="ctr"/>
+                <a:lstStyle/>
+                <a:p>
+                  <a:pPr algn="ctr"/>
+                  <a:endParaRPr kumimoji="1" lang="ja-JP" altLang="en-US"/>
+                </a:p>
+              </p:txBody>
+            </p:sp>
+          </p:grpSp>
+        </p:grpSp>
+        <p:sp>
+          <p:nvSpPr>
+            <p:cNvPr id="69" name="円弧 68">
+              <a:extLst>
+                <a:ext uri="{FF2B5EF4-FFF2-40B4-BE49-F238E27FC236}">
+                  <a16:creationId xmlns:a16="http://schemas.microsoft.com/office/drawing/2014/main" id="{E7920B79-D2BB-4E47-9CEB-55FAB9F03C9D}"/>
+                </a:ext>
+              </a:extLst>
+            </p:cNvPr>
+            <p:cNvSpPr/>
+            <p:nvPr/>
+          </p:nvSpPr>
+          <p:spPr>
+            <a:xfrm>
+              <a:off x="3070009" y="3738932"/>
+              <a:ext cx="1317409" cy="1317409"/>
+            </a:xfrm>
+            <a:prstGeom prst="arc">
+              <a:avLst>
+                <a:gd name="adj1" fmla="val 4337217"/>
+                <a:gd name="adj2" fmla="val 11164122"/>
+              </a:avLst>
+            </a:prstGeom>
+            <a:ln>
+              <a:headEnd type="triangle" w="med" len="med"/>
+              <a:tailEnd type="triangle" w="med" len="med"/>
+            </a:ln>
+          </p:spPr>
+          <p:style>
+            <a:lnRef idx="1">
+              <a:schemeClr val="accent1"/>
+            </a:lnRef>
+            <a:fillRef idx="0">
+              <a:schemeClr val="accent1"/>
+            </a:fillRef>
+            <a:effectRef idx="0">
+              <a:schemeClr val="accent1"/>
+            </a:effectRef>
+            <a:fontRef idx="minor">
+              <a:schemeClr val="tx1"/>
+            </a:fontRef>
+          </p:style>
+          <p:txBody>
+            <a:bodyPr rtlCol="0" anchor="ctr"/>
+            <a:lstStyle/>
+            <a:p>
+              <a:pPr algn="ctr"/>
+              <a:endParaRPr kumimoji="1" lang="ja-JP" altLang="en-US"/>
+            </a:p>
+          </p:txBody>
+        </p:sp>
+        <p:sp>
+          <p:nvSpPr>
+            <p:cNvPr id="70" name="円弧 69">
+              <a:extLst>
+                <a:ext uri="{FF2B5EF4-FFF2-40B4-BE49-F238E27FC236}">
+                  <a16:creationId xmlns:a16="http://schemas.microsoft.com/office/drawing/2014/main" id="{F1D334A4-1903-124F-A646-A27A694F6F3E}"/>
+                </a:ext>
+              </a:extLst>
+            </p:cNvPr>
+            <p:cNvSpPr/>
+            <p:nvPr/>
+          </p:nvSpPr>
+          <p:spPr>
+            <a:xfrm>
+              <a:off x="7082118" y="4419031"/>
+              <a:ext cx="1837765" cy="1837765"/>
+            </a:xfrm>
+            <a:prstGeom prst="arc">
+              <a:avLst>
+                <a:gd name="adj1" fmla="val 21286009"/>
+                <a:gd name="adj2" fmla="val 11164122"/>
+              </a:avLst>
+            </a:prstGeom>
+            <a:ln>
+              <a:headEnd type="triangle" w="med" len="med"/>
+              <a:tailEnd type="triangle" w="med" len="med"/>
+            </a:ln>
+          </p:spPr>
+          <p:style>
+            <a:lnRef idx="1">
+              <a:schemeClr val="accent1"/>
+            </a:lnRef>
+            <a:fillRef idx="0">
+              <a:schemeClr val="accent1"/>
+            </a:fillRef>
+            <a:effectRef idx="0">
+              <a:schemeClr val="accent1"/>
+            </a:effectRef>
+            <a:fontRef idx="minor">
+              <a:schemeClr val="tx1"/>
+            </a:fontRef>
+          </p:style>
+          <p:txBody>
+            <a:bodyPr rtlCol="0" anchor="ctr"/>
+            <a:lstStyle/>
+            <a:p>
+              <a:pPr algn="ctr"/>
+              <a:endParaRPr kumimoji="1" lang="ja-JP" altLang="en-US"/>
+            </a:p>
+          </p:txBody>
+        </p:sp>
+        <p:sp>
+          <p:nvSpPr>
+            <p:cNvPr id="71" name="円弧 70">
+              <a:extLst>
+                <a:ext uri="{FF2B5EF4-FFF2-40B4-BE49-F238E27FC236}">
+                  <a16:creationId xmlns:a16="http://schemas.microsoft.com/office/drawing/2014/main" id="{688202EF-CA42-B947-82D0-DD58D83DCCE1}"/>
+                </a:ext>
+              </a:extLst>
+            </p:cNvPr>
+            <p:cNvSpPr/>
+            <p:nvPr/>
+          </p:nvSpPr>
+          <p:spPr>
+            <a:xfrm>
+              <a:off x="3980330" y="4858303"/>
+              <a:ext cx="1075762" cy="1075762"/>
+            </a:xfrm>
+            <a:prstGeom prst="arc">
+              <a:avLst>
+                <a:gd name="adj1" fmla="val 3731962"/>
+                <a:gd name="adj2" fmla="val 2834782"/>
+              </a:avLst>
+            </a:prstGeom>
+            <a:ln>
+              <a:headEnd type="triangle" w="med" len="med"/>
+              <a:tailEnd type="triangle" w="med" len="med"/>
+            </a:ln>
+          </p:spPr>
+          <p:style>
+            <a:lnRef idx="1">
+              <a:schemeClr val="accent1"/>
+            </a:lnRef>
+            <a:fillRef idx="0">
+              <a:schemeClr val="accent1"/>
+            </a:fillRef>
+            <a:effectRef idx="0">
+              <a:schemeClr val="accent1"/>
+            </a:effectRef>
+            <a:fontRef idx="minor">
+              <a:schemeClr val="tx1"/>
+            </a:fontRef>
+          </p:style>
+          <p:txBody>
+            <a:bodyPr rtlCol="0" anchor="ctr"/>
+            <a:lstStyle/>
+            <a:p>
+              <a:pPr algn="ctr"/>
+              <a:endParaRPr kumimoji="1" lang="ja-JP" altLang="en-US"/>
+            </a:p>
+          </p:txBody>
+        </p:sp>
+        <p:sp>
+          <p:nvSpPr>
+            <p:cNvPr id="48" name="片側の 2 つの角を切り取った四角形 47">
+              <a:extLst>
+                <a:ext uri="{FF2B5EF4-FFF2-40B4-BE49-F238E27FC236}">
+                  <a16:creationId xmlns:a16="http://schemas.microsoft.com/office/drawing/2014/main" id="{B7396866-22A4-3940-B9CC-491AE9F74EBD}"/>
+                </a:ext>
+              </a:extLst>
+            </p:cNvPr>
+            <p:cNvSpPr/>
+            <p:nvPr/>
+          </p:nvSpPr>
+          <p:spPr>
+            <a:xfrm rot="16200000" flipH="1" flipV="1">
+              <a:off x="1487547" y="3842664"/>
+              <a:ext cx="592737" cy="648205"/>
+            </a:xfrm>
+            <a:prstGeom prst="snip2SameRect">
+              <a:avLst/>
+            </a:prstGeom>
+            <a:solidFill>
+              <a:schemeClr val="bg1"/>
+            </a:solidFill>
+            <a:ln w="12700">
+              <a:solidFill>
+                <a:schemeClr val="tx1"/>
+              </a:solidFill>
+            </a:ln>
+          </p:spPr>
+          <p:style>
+            <a:lnRef idx="2">
+              <a:schemeClr val="accent1">
+                <a:shade val="50000"/>
+              </a:schemeClr>
+            </a:lnRef>
+            <a:fillRef idx="1">
+              <a:schemeClr val="accent1"/>
+            </a:fillRef>
+            <a:effectRef idx="0">
+              <a:schemeClr val="accent1"/>
+            </a:effectRef>
+            <a:fontRef idx="minor">
+              <a:schemeClr val="lt1"/>
+            </a:fontRef>
+          </p:style>
+          <p:txBody>
+            <a:bodyPr rtlCol="0" anchor="ctr"/>
+            <a:lstStyle/>
+            <a:p>
+              <a:pPr algn="ctr"/>
+              <a:endParaRPr kumimoji="1" lang="ja-JP" altLang="en-US"/>
+            </a:p>
+          </p:txBody>
+        </p:sp>
+        <p:sp>
+          <p:nvSpPr>
+            <p:cNvPr id="2" name="正方形/長方形 1">
+              <a:extLst>
+                <a:ext uri="{FF2B5EF4-FFF2-40B4-BE49-F238E27FC236}">
+                  <a16:creationId xmlns:a16="http://schemas.microsoft.com/office/drawing/2014/main" id="{EE90CA31-ECB3-6F42-A33C-9F63AD466C8B}"/>
+                </a:ext>
+              </a:extLst>
+            </p:cNvPr>
+            <p:cNvSpPr/>
+            <p:nvPr/>
+          </p:nvSpPr>
+          <p:spPr>
+            <a:xfrm>
+              <a:off x="935992" y="2624866"/>
+              <a:ext cx="1417777" cy="436418"/>
+            </a:xfrm>
+            <a:prstGeom prst="rect">
+              <a:avLst/>
+            </a:prstGeom>
+            <a:noFill/>
+            <a:ln>
+              <a:noFill/>
+            </a:ln>
+          </p:spPr>
+          <p:style>
+            <a:lnRef idx="2">
+              <a:schemeClr val="accent1">
+                <a:shade val="50000"/>
+              </a:schemeClr>
+            </a:lnRef>
+            <a:fillRef idx="1">
+              <a:schemeClr val="accent1"/>
+            </a:fillRef>
+            <a:effectRef idx="0">
+              <a:schemeClr val="accent1"/>
+            </a:effectRef>
+            <a:fontRef idx="minor">
+              <a:schemeClr val="lt1"/>
+            </a:fontRef>
+          </p:style>
+          <p:txBody>
+            <a:bodyPr rtlCol="0" anchor="ctr"/>
+            <a:lstStyle/>
+            <a:p>
+              <a:pPr algn="ctr"/>
+              <a:r>
+                <a:rPr kumimoji="1" lang="ja-JP" altLang="en-US" sz="1400">
+                  <a:solidFill>
+                    <a:schemeClr val="tx1"/>
+                  </a:solidFill>
+                </a:rPr>
+                <a:t>超音波センサ</a:t>
+              </a:r>
+            </a:p>
+          </p:txBody>
+        </p:sp>
+        <p:sp>
+          <p:nvSpPr>
+            <p:cNvPr id="54" name="正方形/長方形 53">
+              <a:extLst>
+                <a:ext uri="{FF2B5EF4-FFF2-40B4-BE49-F238E27FC236}">
+                  <a16:creationId xmlns:a16="http://schemas.microsoft.com/office/drawing/2014/main" id="{95670154-72F6-9540-9AD7-28E7B4A18965}"/>
+                </a:ext>
+              </a:extLst>
+            </p:cNvPr>
+            <p:cNvSpPr/>
+            <p:nvPr/>
+          </p:nvSpPr>
+          <p:spPr>
+            <a:xfrm>
+              <a:off x="877685" y="4481374"/>
+              <a:ext cx="1534391" cy="436418"/>
+            </a:xfrm>
+            <a:prstGeom prst="rect">
+              <a:avLst/>
+            </a:prstGeom>
+            <a:noFill/>
+            <a:ln>
+              <a:noFill/>
+            </a:ln>
+          </p:spPr>
+          <p:style>
+            <a:lnRef idx="2">
+              <a:schemeClr val="accent1">
+                <a:shade val="50000"/>
+              </a:schemeClr>
+            </a:lnRef>
+            <a:fillRef idx="1">
+              <a:schemeClr val="accent1"/>
+            </a:fillRef>
+            <a:effectRef idx="0">
+              <a:schemeClr val="accent1"/>
+            </a:effectRef>
+            <a:fontRef idx="minor">
+              <a:schemeClr val="lt1"/>
+            </a:fontRef>
+          </p:style>
+          <p:txBody>
+            <a:bodyPr rtlCol="0" anchor="ctr"/>
+            <a:lstStyle/>
+            <a:p>
+              <a:pPr algn="ctr"/>
+              <a:r>
+                <a:rPr kumimoji="1" lang="ja-JP" altLang="en-US" sz="1400">
+                  <a:solidFill>
+                    <a:schemeClr val="tx1"/>
+                  </a:solidFill>
+                </a:rPr>
+                <a:t>ジャイロセンサ</a:t>
+              </a:r>
+            </a:p>
+          </p:txBody>
+        </p:sp>
+        <p:sp>
+          <p:nvSpPr>
+            <p:cNvPr id="55" name="正方形/長方形 54">
+              <a:extLst>
+                <a:ext uri="{FF2B5EF4-FFF2-40B4-BE49-F238E27FC236}">
+                  <a16:creationId xmlns:a16="http://schemas.microsoft.com/office/drawing/2014/main" id="{C482E7DA-297C-7344-AC5A-D4FB1344E8D4}"/>
+                </a:ext>
+              </a:extLst>
+            </p:cNvPr>
+            <p:cNvSpPr/>
+            <p:nvPr/>
+          </p:nvSpPr>
+          <p:spPr>
+            <a:xfrm>
+              <a:off x="1264227" y="5984593"/>
+              <a:ext cx="1534391" cy="436418"/>
+            </a:xfrm>
+            <a:prstGeom prst="rect">
+              <a:avLst/>
+            </a:prstGeom>
+            <a:noFill/>
+            <a:ln>
+              <a:noFill/>
+            </a:ln>
+          </p:spPr>
+          <p:style>
+            <a:lnRef idx="2">
+              <a:schemeClr val="accent1">
+                <a:shade val="50000"/>
+              </a:schemeClr>
+            </a:lnRef>
+            <a:fillRef idx="1">
+              <a:schemeClr val="accent1"/>
+            </a:fillRef>
+            <a:effectRef idx="0">
+              <a:schemeClr val="accent1"/>
+            </a:effectRef>
+            <a:fontRef idx="minor">
+              <a:schemeClr val="lt1"/>
+            </a:fontRef>
+          </p:style>
+          <p:txBody>
+            <a:bodyPr rtlCol="0" anchor="ctr"/>
+            <a:lstStyle/>
+            <a:p>
+              <a:pPr algn="ctr"/>
+              <a:r>
+                <a:rPr kumimoji="1" lang="ja-JP" altLang="en-US" sz="1400">
+                  <a:solidFill>
+                    <a:schemeClr val="tx1"/>
+                  </a:solidFill>
+                </a:rPr>
+                <a:t>光センサ</a:t>
+              </a:r>
+            </a:p>
+          </p:txBody>
+        </p:sp>
+        <p:cxnSp>
+          <p:nvCxnSpPr>
+            <p:cNvPr id="6" name="直線コネクタ 5">
+              <a:extLst>
+                <a:ext uri="{FF2B5EF4-FFF2-40B4-BE49-F238E27FC236}">
+                  <a16:creationId xmlns:a16="http://schemas.microsoft.com/office/drawing/2014/main" id="{908F1DBC-922A-0F43-A003-0AEF620D65EB}"/>
+                </a:ext>
+              </a:extLst>
+            </p:cNvPr>
+            <p:cNvCxnSpPr>
+              <a:cxnSpLocks/>
+              <a:endCxn id="3" idx="2"/>
+            </p:cNvCxnSpPr>
+            <p:nvPr/>
+          </p:nvCxnSpPr>
+          <p:spPr>
+            <a:xfrm flipV="1">
+              <a:off x="6384032" y="3645024"/>
+              <a:ext cx="0" cy="519352"/>
+            </a:xfrm>
+            <a:prstGeom prst="line">
+              <a:avLst/>
+            </a:prstGeom>
+            <a:ln w="19050">
+              <a:solidFill>
+                <a:schemeClr val="accent1">
+                  <a:lumMod val="75000"/>
+                </a:schemeClr>
+              </a:solidFill>
+              <a:headEnd type="none" w="sm" len="sm"/>
+              <a:tailEnd type="triangle" w="sm" len="sm"/>
+            </a:ln>
+          </p:spPr>
+          <p:style>
+            <a:lnRef idx="1">
+              <a:schemeClr val="accent1"/>
+            </a:lnRef>
+            <a:fillRef idx="0">
+              <a:schemeClr val="accent1"/>
+            </a:fillRef>
+            <a:effectRef idx="0">
+              <a:schemeClr val="accent1"/>
+            </a:effectRef>
+            <a:fontRef idx="minor">
+              <a:schemeClr val="tx1"/>
+            </a:fontRef>
+          </p:style>
+        </p:cxnSp>
+        <p:grpSp>
+          <p:nvGrpSpPr>
+            <p:cNvPr id="8" name="グループ化 7">
+              <a:extLst>
+                <a:ext uri="{FF2B5EF4-FFF2-40B4-BE49-F238E27FC236}">
+                  <a16:creationId xmlns:a16="http://schemas.microsoft.com/office/drawing/2014/main" id="{49FC80FB-036B-8344-87CD-C105DFD1F524}"/>
+                </a:ext>
+              </a:extLst>
+            </p:cNvPr>
+            <p:cNvGrpSpPr/>
+            <p:nvPr/>
+          </p:nvGrpSpPr>
+          <p:grpSpPr>
+            <a:xfrm>
+              <a:off x="5159896" y="2492896"/>
+              <a:ext cx="360040" cy="2841277"/>
+              <a:chOff x="4423064" y="1243447"/>
+              <a:chExt cx="1527463" cy="1527463"/>
+            </a:xfrm>
+          </p:grpSpPr>
+          <p:cxnSp>
+            <p:nvCxnSpPr>
+              <p:cNvPr id="56" name="直線コネクタ 55">
+                <a:extLst>
+                  <a:ext uri="{FF2B5EF4-FFF2-40B4-BE49-F238E27FC236}">
+                    <a16:creationId xmlns:a16="http://schemas.microsoft.com/office/drawing/2014/main" id="{7248149E-A0A6-5346-8DE4-3D6F93F14B9D}"/>
+                  </a:ext>
+                </a:extLst>
+              </p:cNvPr>
+              <p:cNvCxnSpPr/>
+              <p:nvPr/>
+            </p:nvCxnSpPr>
+            <p:spPr>
+              <a:xfrm>
+                <a:off x="4423064" y="1243447"/>
+                <a:ext cx="1527463" cy="0"/>
+              </a:xfrm>
+              <a:prstGeom prst="line">
+                <a:avLst/>
+              </a:prstGeom>
+              <a:ln w="19050" cap="rnd">
+                <a:solidFill>
+                  <a:srgbClr val="FF0000"/>
+                </a:solidFill>
+                <a:headEnd type="none" w="sm" len="sm"/>
+                <a:tailEnd type="triangle" w="sm" len="sm"/>
+              </a:ln>
+            </p:spPr>
+            <p:style>
+              <a:lnRef idx="1">
+                <a:schemeClr val="accent1"/>
+              </a:lnRef>
+              <a:fillRef idx="0">
+                <a:schemeClr val="accent1"/>
+              </a:fillRef>
+              <a:effectRef idx="0">
+                <a:schemeClr val="accent1"/>
+              </a:effectRef>
+              <a:fontRef idx="minor">
+                <a:schemeClr val="tx1"/>
+              </a:fontRef>
+            </p:style>
+          </p:cxnSp>
+          <p:cxnSp>
+            <p:nvCxnSpPr>
+              <p:cNvPr id="57" name="直線コネクタ 56">
+                <a:extLst>
+                  <a:ext uri="{FF2B5EF4-FFF2-40B4-BE49-F238E27FC236}">
+                    <a16:creationId xmlns:a16="http://schemas.microsoft.com/office/drawing/2014/main" id="{F1700C69-9D30-DB49-886F-868671EF99A8}"/>
+                  </a:ext>
+                </a:extLst>
+              </p:cNvPr>
+              <p:cNvCxnSpPr>
+                <a:cxnSpLocks/>
+              </p:cNvCxnSpPr>
+              <p:nvPr/>
+            </p:nvCxnSpPr>
+            <p:spPr>
+              <a:xfrm rot="16200000">
+                <a:off x="3659333" y="2007179"/>
+                <a:ext cx="1527463" cy="0"/>
+              </a:xfrm>
+              <a:prstGeom prst="line">
+                <a:avLst/>
+              </a:prstGeom>
+              <a:ln w="19050" cap="rnd">
+                <a:solidFill>
+                  <a:srgbClr val="FF0000"/>
+                </a:solidFill>
+                <a:headEnd type="none" w="med" len="med"/>
+                <a:tailEnd type="none" w="med" len="med"/>
+              </a:ln>
+            </p:spPr>
+            <p:style>
+              <a:lnRef idx="1">
+                <a:schemeClr val="accent1"/>
+              </a:lnRef>
+              <a:fillRef idx="0">
+                <a:schemeClr val="accent1"/>
+              </a:fillRef>
+              <a:effectRef idx="0">
+                <a:schemeClr val="accent1"/>
+              </a:effectRef>
+              <a:fontRef idx="minor">
+                <a:schemeClr val="tx1"/>
+              </a:fontRef>
+            </p:style>
+          </p:cxnSp>
+        </p:grpSp>
+        <p:grpSp>
+          <p:nvGrpSpPr>
+            <p:cNvPr id="58" name="グループ化 57">
+              <a:extLst>
+                <a:ext uri="{FF2B5EF4-FFF2-40B4-BE49-F238E27FC236}">
+                  <a16:creationId xmlns:a16="http://schemas.microsoft.com/office/drawing/2014/main" id="{497C3288-6F09-3445-B841-209EC6F517E2}"/>
+                </a:ext>
+              </a:extLst>
+            </p:cNvPr>
+            <p:cNvGrpSpPr/>
+            <p:nvPr/>
+          </p:nvGrpSpPr>
+          <p:grpSpPr>
+            <a:xfrm>
+              <a:off x="3553867" y="2060848"/>
+              <a:ext cx="1966069" cy="2140973"/>
+              <a:chOff x="4423064" y="1243447"/>
+              <a:chExt cx="1527463" cy="1527463"/>
+            </a:xfrm>
+          </p:grpSpPr>
+          <p:cxnSp>
+            <p:nvCxnSpPr>
+              <p:cNvPr id="72" name="直線コネクタ 71">
+                <a:extLst>
+                  <a:ext uri="{FF2B5EF4-FFF2-40B4-BE49-F238E27FC236}">
+                    <a16:creationId xmlns:a16="http://schemas.microsoft.com/office/drawing/2014/main" id="{A0DC07A1-9BA6-E841-91E3-B3AB875B3082}"/>
+                  </a:ext>
+                </a:extLst>
+              </p:cNvPr>
+              <p:cNvCxnSpPr/>
+              <p:nvPr/>
+            </p:nvCxnSpPr>
+            <p:spPr>
+              <a:xfrm>
+                <a:off x="4423064" y="1243447"/>
+                <a:ext cx="1527463" cy="0"/>
+              </a:xfrm>
+              <a:prstGeom prst="line">
+                <a:avLst/>
+              </a:prstGeom>
+              <a:ln w="19050" cap="rnd">
+                <a:solidFill>
+                  <a:srgbClr val="FF0000"/>
+                </a:solidFill>
+                <a:headEnd type="none" w="sm" len="sm"/>
+                <a:tailEnd type="triangle" w="sm" len="sm"/>
+              </a:ln>
+            </p:spPr>
+            <p:style>
+              <a:lnRef idx="1">
+                <a:schemeClr val="accent1"/>
+              </a:lnRef>
+              <a:fillRef idx="0">
+                <a:schemeClr val="accent1"/>
+              </a:fillRef>
+              <a:effectRef idx="0">
+                <a:schemeClr val="accent1"/>
+              </a:effectRef>
+              <a:fontRef idx="minor">
+                <a:schemeClr val="tx1"/>
+              </a:fontRef>
+            </p:style>
+          </p:cxnSp>
+          <p:cxnSp>
+            <p:nvCxnSpPr>
+              <p:cNvPr id="73" name="直線コネクタ 72">
+                <a:extLst>
+                  <a:ext uri="{FF2B5EF4-FFF2-40B4-BE49-F238E27FC236}">
+                    <a16:creationId xmlns:a16="http://schemas.microsoft.com/office/drawing/2014/main" id="{817A2656-2DA6-E94A-87C0-6E84B6F7037C}"/>
+                  </a:ext>
+                </a:extLst>
+              </p:cNvPr>
+              <p:cNvCxnSpPr>
+                <a:cxnSpLocks/>
+              </p:cNvCxnSpPr>
+              <p:nvPr/>
+            </p:nvCxnSpPr>
+            <p:spPr>
+              <a:xfrm rot="16200000">
+                <a:off x="3659333" y="2007179"/>
+                <a:ext cx="1527463" cy="0"/>
+              </a:xfrm>
+              <a:prstGeom prst="line">
+                <a:avLst/>
+              </a:prstGeom>
+              <a:ln w="19050" cap="rnd">
+                <a:solidFill>
+                  <a:srgbClr val="FF0000"/>
+                </a:solidFill>
+                <a:headEnd type="none" w="med" len="med"/>
+                <a:tailEnd type="none" w="med" len="med"/>
+              </a:ln>
+            </p:spPr>
+            <p:style>
+              <a:lnRef idx="1">
+                <a:schemeClr val="accent1"/>
+              </a:lnRef>
+              <a:fillRef idx="0">
+                <a:schemeClr val="accent1"/>
+              </a:fillRef>
+              <a:effectRef idx="0">
+                <a:schemeClr val="accent1"/>
+              </a:effectRef>
+              <a:fontRef idx="minor">
+                <a:schemeClr val="tx1"/>
+              </a:fontRef>
+            </p:style>
+          </p:cxnSp>
+        </p:grpSp>
+        <p:grpSp>
+          <p:nvGrpSpPr>
+            <p:cNvPr id="74" name="グループ化 73">
+              <a:extLst>
+                <a:ext uri="{FF2B5EF4-FFF2-40B4-BE49-F238E27FC236}">
+                  <a16:creationId xmlns:a16="http://schemas.microsoft.com/office/drawing/2014/main" id="{394D6594-F370-E74A-9075-8BFEFFEC808F}"/>
+                </a:ext>
+              </a:extLst>
+            </p:cNvPr>
+            <p:cNvGrpSpPr/>
+            <p:nvPr/>
+          </p:nvGrpSpPr>
+          <p:grpSpPr>
+            <a:xfrm>
+              <a:off x="4374573" y="2276872"/>
+              <a:ext cx="1145363" cy="2959577"/>
+              <a:chOff x="4423064" y="1243447"/>
+              <a:chExt cx="1527463" cy="1527463"/>
+            </a:xfrm>
+          </p:grpSpPr>
+          <p:cxnSp>
+            <p:nvCxnSpPr>
+              <p:cNvPr id="75" name="直線コネクタ 74">
+                <a:extLst>
+                  <a:ext uri="{FF2B5EF4-FFF2-40B4-BE49-F238E27FC236}">
+                    <a16:creationId xmlns:a16="http://schemas.microsoft.com/office/drawing/2014/main" id="{B3AD5886-7038-A04C-987B-FB93D0F48214}"/>
+                  </a:ext>
+                </a:extLst>
+              </p:cNvPr>
+              <p:cNvCxnSpPr/>
+              <p:nvPr/>
+            </p:nvCxnSpPr>
+            <p:spPr>
+              <a:xfrm>
+                <a:off x="4423064" y="1243447"/>
+                <a:ext cx="1527463" cy="0"/>
+              </a:xfrm>
+              <a:prstGeom prst="line">
+                <a:avLst/>
+              </a:prstGeom>
+              <a:ln w="19050" cap="rnd">
+                <a:solidFill>
+                  <a:srgbClr val="FF0000"/>
+                </a:solidFill>
+                <a:headEnd type="none" w="sm" len="sm"/>
+                <a:tailEnd type="triangle" w="sm" len="sm"/>
+              </a:ln>
+            </p:spPr>
+            <p:style>
+              <a:lnRef idx="1">
+                <a:schemeClr val="accent1"/>
+              </a:lnRef>
+              <a:fillRef idx="0">
+                <a:schemeClr val="accent1"/>
+              </a:fillRef>
+              <a:effectRef idx="0">
+                <a:schemeClr val="accent1"/>
+              </a:effectRef>
+              <a:fontRef idx="minor">
+                <a:schemeClr val="tx1"/>
+              </a:fontRef>
+            </p:style>
+          </p:cxnSp>
+          <p:cxnSp>
+            <p:nvCxnSpPr>
+              <p:cNvPr id="76" name="直線コネクタ 75">
+                <a:extLst>
+                  <a:ext uri="{FF2B5EF4-FFF2-40B4-BE49-F238E27FC236}">
+                    <a16:creationId xmlns:a16="http://schemas.microsoft.com/office/drawing/2014/main" id="{6F9E1407-4319-4A44-B350-73B573376E20}"/>
+                  </a:ext>
+                </a:extLst>
+              </p:cNvPr>
+              <p:cNvCxnSpPr>
+                <a:cxnSpLocks/>
+              </p:cNvCxnSpPr>
+              <p:nvPr/>
+            </p:nvCxnSpPr>
+            <p:spPr>
+              <a:xfrm rot="16200000">
+                <a:off x="3659333" y="2007179"/>
+                <a:ext cx="1527463" cy="0"/>
+              </a:xfrm>
+              <a:prstGeom prst="line">
+                <a:avLst/>
+              </a:prstGeom>
+              <a:ln w="19050" cap="rnd">
+                <a:solidFill>
+                  <a:srgbClr val="FF0000"/>
+                </a:solidFill>
+                <a:headEnd type="none" w="med" len="med"/>
+                <a:tailEnd type="none" w="med" len="med"/>
+              </a:ln>
+            </p:spPr>
+            <p:style>
+              <a:lnRef idx="1">
+                <a:schemeClr val="accent1"/>
+              </a:lnRef>
+              <a:fillRef idx="0">
+                <a:schemeClr val="accent1"/>
+              </a:fillRef>
+              <a:effectRef idx="0">
+                <a:schemeClr val="accent1"/>
+              </a:effectRef>
+              <a:fontRef idx="minor">
+                <a:schemeClr val="tx1"/>
+              </a:fontRef>
+            </p:style>
+          </p:cxnSp>
+        </p:grpSp>
+        <p:sp>
+          <p:nvSpPr>
+            <p:cNvPr id="11" name="円/楕円 10">
+              <a:extLst>
+                <a:ext uri="{FF2B5EF4-FFF2-40B4-BE49-F238E27FC236}">
+                  <a16:creationId xmlns:a16="http://schemas.microsoft.com/office/drawing/2014/main" id="{20C8B133-7CA1-E54E-BC86-D253FA2E9B8F}"/>
+                </a:ext>
+              </a:extLst>
+            </p:cNvPr>
+            <p:cNvSpPr/>
+            <p:nvPr/>
+          </p:nvSpPr>
+          <p:spPr>
+            <a:xfrm>
+              <a:off x="3532910" y="4183503"/>
+              <a:ext cx="374072" cy="374072"/>
+            </a:xfrm>
+            <a:prstGeom prst="ellipse">
+              <a:avLst/>
+            </a:prstGeom>
+            <a:solidFill>
+              <a:schemeClr val="bg1">
+                <a:lumMod val="95000"/>
+              </a:schemeClr>
+            </a:solidFill>
+            <a:ln>
+              <a:solidFill>
+                <a:schemeClr val="tx1"/>
+              </a:solidFill>
+            </a:ln>
+          </p:spPr>
+          <p:style>
+            <a:lnRef idx="2">
+              <a:schemeClr val="accent1">
+                <a:shade val="50000"/>
+              </a:schemeClr>
+            </a:lnRef>
+            <a:fillRef idx="1">
+              <a:schemeClr val="accent1"/>
+            </a:fillRef>
+            <a:effectRef idx="0">
+              <a:schemeClr val="accent1"/>
+            </a:effectRef>
+            <a:fontRef idx="minor">
+              <a:schemeClr val="lt1"/>
+            </a:fontRef>
+          </p:style>
+          <p:txBody>
+            <a:bodyPr rtlCol="0" anchor="ctr" anchorCtr="0"/>
+            <a:lstStyle/>
+            <a:p>
+              <a:pPr algn="ctr"/>
+              <a:r>
+                <a:rPr kumimoji="1" lang="en-US" altLang="ja-JP" b="1" dirty="0">
+                  <a:solidFill>
+                    <a:schemeClr val="tx1"/>
+                  </a:solidFill>
+                </a:rPr>
+                <a:t>M</a:t>
+              </a:r>
+              <a:endParaRPr kumimoji="1" lang="ja-JP" altLang="en-US" b="1">
+                <a:solidFill>
+                  <a:schemeClr val="tx1"/>
+                </a:solidFill>
+              </a:endParaRPr>
+            </a:p>
+          </p:txBody>
+        </p:sp>
+        <p:sp>
+          <p:nvSpPr>
+            <p:cNvPr id="77" name="円/楕円 76">
+              <a:extLst>
+                <a:ext uri="{FF2B5EF4-FFF2-40B4-BE49-F238E27FC236}">
+                  <a16:creationId xmlns:a16="http://schemas.microsoft.com/office/drawing/2014/main" id="{DFD99CCE-3A47-B64F-81EA-DE50EB9DE10D}"/>
+                </a:ext>
+              </a:extLst>
+            </p:cNvPr>
+            <p:cNvSpPr/>
+            <p:nvPr/>
+          </p:nvSpPr>
+          <p:spPr>
+            <a:xfrm>
+              <a:off x="4315693" y="5194885"/>
+              <a:ext cx="374072" cy="374072"/>
+            </a:xfrm>
+            <a:prstGeom prst="ellipse">
+              <a:avLst/>
+            </a:prstGeom>
+            <a:solidFill>
+              <a:schemeClr val="bg1">
+                <a:lumMod val="95000"/>
+              </a:schemeClr>
+            </a:solidFill>
+            <a:ln>
+              <a:solidFill>
+                <a:schemeClr val="tx1"/>
+              </a:solidFill>
+            </a:ln>
+          </p:spPr>
+          <p:style>
+            <a:lnRef idx="2">
+              <a:schemeClr val="accent1">
+                <a:shade val="50000"/>
+              </a:schemeClr>
+            </a:lnRef>
+            <a:fillRef idx="1">
+              <a:schemeClr val="accent1"/>
+            </a:fillRef>
+            <a:effectRef idx="0">
+              <a:schemeClr val="accent1"/>
+            </a:effectRef>
+            <a:fontRef idx="minor">
+              <a:schemeClr val="lt1"/>
+            </a:fontRef>
+          </p:style>
+          <p:txBody>
+            <a:bodyPr rtlCol="0" anchor="ctr" anchorCtr="0"/>
+            <a:lstStyle/>
+            <a:p>
+              <a:pPr algn="ctr"/>
+              <a:r>
+                <a:rPr kumimoji="1" lang="en-US" altLang="ja-JP" b="1" dirty="0">
+                  <a:solidFill>
+                    <a:schemeClr val="tx1"/>
+                  </a:solidFill>
+                </a:rPr>
+                <a:t>M</a:t>
+              </a:r>
+              <a:endParaRPr kumimoji="1" lang="ja-JP" altLang="en-US" b="1">
+                <a:solidFill>
+                  <a:schemeClr val="tx1"/>
+                </a:solidFill>
+              </a:endParaRPr>
+            </a:p>
+          </p:txBody>
+        </p:sp>
+        <p:sp>
+          <p:nvSpPr>
+            <p:cNvPr id="78" name="円/楕円 77">
+              <a:extLst>
+                <a:ext uri="{FF2B5EF4-FFF2-40B4-BE49-F238E27FC236}">
+                  <a16:creationId xmlns:a16="http://schemas.microsoft.com/office/drawing/2014/main" id="{DC063852-142C-D043-AE10-2308FBE9EE1A}"/>
+                </a:ext>
+              </a:extLst>
+            </p:cNvPr>
+            <p:cNvSpPr/>
+            <p:nvPr/>
+          </p:nvSpPr>
+          <p:spPr>
+            <a:xfrm>
+              <a:off x="7793183" y="5063266"/>
+              <a:ext cx="374072" cy="374072"/>
+            </a:xfrm>
+            <a:prstGeom prst="ellipse">
+              <a:avLst/>
+            </a:prstGeom>
+            <a:solidFill>
+              <a:schemeClr val="bg1">
+                <a:lumMod val="95000"/>
+              </a:schemeClr>
+            </a:solidFill>
+            <a:ln>
+              <a:solidFill>
+                <a:schemeClr val="tx1"/>
+              </a:solidFill>
+            </a:ln>
+          </p:spPr>
+          <p:style>
+            <a:lnRef idx="2">
+              <a:schemeClr val="accent1">
+                <a:shade val="50000"/>
+              </a:schemeClr>
+            </a:lnRef>
+            <a:fillRef idx="1">
+              <a:schemeClr val="accent1"/>
+            </a:fillRef>
+            <a:effectRef idx="0">
+              <a:schemeClr val="accent1"/>
+            </a:effectRef>
+            <a:fontRef idx="minor">
+              <a:schemeClr val="lt1"/>
+            </a:fontRef>
+          </p:style>
+          <p:txBody>
+            <a:bodyPr rtlCol="0" anchor="ctr" anchorCtr="0"/>
+            <a:lstStyle/>
+            <a:p>
+              <a:pPr algn="ctr"/>
+              <a:r>
+                <a:rPr kumimoji="1" lang="en-US" altLang="ja-JP" b="1" dirty="0">
+                  <a:solidFill>
+                    <a:schemeClr val="tx1"/>
+                  </a:solidFill>
+                </a:rPr>
+                <a:t>M</a:t>
+              </a:r>
+              <a:endParaRPr kumimoji="1" lang="ja-JP" altLang="en-US" b="1">
+                <a:solidFill>
+                  <a:schemeClr val="tx1"/>
+                </a:solidFill>
+              </a:endParaRPr>
+            </a:p>
+          </p:txBody>
+        </p:sp>
+        <p:grpSp>
+          <p:nvGrpSpPr>
+            <p:cNvPr id="79" name="グループ化 78">
+              <a:extLst>
+                <a:ext uri="{FF2B5EF4-FFF2-40B4-BE49-F238E27FC236}">
+                  <a16:creationId xmlns:a16="http://schemas.microsoft.com/office/drawing/2014/main" id="{4A01BF27-0A53-E94C-A196-5F8CD7267FC5}"/>
+                </a:ext>
+              </a:extLst>
+            </p:cNvPr>
+            <p:cNvGrpSpPr/>
+            <p:nvPr/>
+          </p:nvGrpSpPr>
+          <p:grpSpPr>
+            <a:xfrm>
+              <a:off x="3044242" y="1628800"/>
+              <a:ext cx="2475694" cy="3768220"/>
+              <a:chOff x="4423064" y="1243447"/>
+              <a:chExt cx="1527463" cy="1527463"/>
+            </a:xfrm>
+          </p:grpSpPr>
+          <p:cxnSp>
+            <p:nvCxnSpPr>
+              <p:cNvPr id="80" name="直線コネクタ 79">
+                <a:extLst>
+                  <a:ext uri="{FF2B5EF4-FFF2-40B4-BE49-F238E27FC236}">
+                    <a16:creationId xmlns:a16="http://schemas.microsoft.com/office/drawing/2014/main" id="{A014D4E6-6006-3E42-9646-DBCB45FF7244}"/>
+                  </a:ext>
+                </a:extLst>
+              </p:cNvPr>
+              <p:cNvCxnSpPr/>
+              <p:nvPr/>
+            </p:nvCxnSpPr>
+            <p:spPr>
+              <a:xfrm>
+                <a:off x="4423064" y="1243447"/>
+                <a:ext cx="1527463" cy="0"/>
+              </a:xfrm>
+              <a:prstGeom prst="line">
+                <a:avLst/>
+              </a:prstGeom>
+              <a:ln w="19050" cap="rnd">
+                <a:solidFill>
+                  <a:srgbClr val="FF0000"/>
+                </a:solidFill>
+                <a:headEnd type="none" w="sm" len="sm"/>
+                <a:tailEnd type="triangle" w="sm" len="sm"/>
+              </a:ln>
+            </p:spPr>
+            <p:style>
+              <a:lnRef idx="1">
+                <a:schemeClr val="accent1"/>
+              </a:lnRef>
+              <a:fillRef idx="0">
+                <a:schemeClr val="accent1"/>
+              </a:fillRef>
+              <a:effectRef idx="0">
+                <a:schemeClr val="accent1"/>
+              </a:effectRef>
+              <a:fontRef idx="minor">
+                <a:schemeClr val="tx1"/>
+              </a:fontRef>
+            </p:style>
+          </p:cxnSp>
+          <p:cxnSp>
+            <p:nvCxnSpPr>
+              <p:cNvPr id="81" name="直線コネクタ 80">
+                <a:extLst>
+                  <a:ext uri="{FF2B5EF4-FFF2-40B4-BE49-F238E27FC236}">
+                    <a16:creationId xmlns:a16="http://schemas.microsoft.com/office/drawing/2014/main" id="{8628984F-7E99-3B49-9D03-AFE312CADDED}"/>
+                  </a:ext>
+                </a:extLst>
+              </p:cNvPr>
+              <p:cNvCxnSpPr>
+                <a:cxnSpLocks/>
+              </p:cNvCxnSpPr>
+              <p:nvPr/>
+            </p:nvCxnSpPr>
+            <p:spPr>
+              <a:xfrm rot="16200000">
+                <a:off x="3659333" y="2007179"/>
+                <a:ext cx="1527463" cy="0"/>
+              </a:xfrm>
+              <a:prstGeom prst="line">
+                <a:avLst/>
+              </a:prstGeom>
+              <a:ln w="19050" cap="rnd">
+                <a:solidFill>
+                  <a:srgbClr val="FF0000"/>
+                </a:solidFill>
+                <a:headEnd type="none" w="med" len="med"/>
+                <a:tailEnd type="none" w="med" len="med"/>
+              </a:ln>
+            </p:spPr>
+            <p:style>
+              <a:lnRef idx="1">
+                <a:schemeClr val="accent1"/>
+              </a:lnRef>
+              <a:fillRef idx="0">
+                <a:schemeClr val="accent1"/>
+              </a:fillRef>
+              <a:effectRef idx="0">
+                <a:schemeClr val="accent1"/>
+              </a:effectRef>
+              <a:fontRef idx="minor">
+                <a:schemeClr val="tx1"/>
+              </a:fontRef>
+            </p:style>
+          </p:cxnSp>
+        </p:grpSp>
+        <p:grpSp>
+          <p:nvGrpSpPr>
+            <p:cNvPr id="82" name="グループ化 81">
+              <a:extLst>
+                <a:ext uri="{FF2B5EF4-FFF2-40B4-BE49-F238E27FC236}">
+                  <a16:creationId xmlns:a16="http://schemas.microsoft.com/office/drawing/2014/main" id="{BCB29996-5990-C548-A5E7-2CB16F3FA7C1}"/>
+                </a:ext>
+              </a:extLst>
+            </p:cNvPr>
+            <p:cNvGrpSpPr/>
+            <p:nvPr/>
+          </p:nvGrpSpPr>
+          <p:grpSpPr>
+            <a:xfrm>
+              <a:off x="2267669" y="1196752"/>
+              <a:ext cx="3252267" cy="2237149"/>
+              <a:chOff x="4423064" y="1243447"/>
+              <a:chExt cx="1527463" cy="1527463"/>
+            </a:xfrm>
+          </p:grpSpPr>
+          <p:cxnSp>
+            <p:nvCxnSpPr>
+              <p:cNvPr id="83" name="直線コネクタ 82">
+                <a:extLst>
+                  <a:ext uri="{FF2B5EF4-FFF2-40B4-BE49-F238E27FC236}">
+                    <a16:creationId xmlns:a16="http://schemas.microsoft.com/office/drawing/2014/main" id="{9266F4A0-02E8-9641-A29E-28374FB1EAFC}"/>
+                  </a:ext>
+                </a:extLst>
+              </p:cNvPr>
+              <p:cNvCxnSpPr/>
+              <p:nvPr/>
+            </p:nvCxnSpPr>
+            <p:spPr>
+              <a:xfrm>
+                <a:off x="4423064" y="1243447"/>
+                <a:ext cx="1527463" cy="0"/>
+              </a:xfrm>
+              <a:prstGeom prst="line">
+                <a:avLst/>
+              </a:prstGeom>
+              <a:ln w="19050" cap="rnd">
+                <a:solidFill>
+                  <a:srgbClr val="FF0000"/>
+                </a:solidFill>
+                <a:headEnd type="none" w="sm" len="sm"/>
+                <a:tailEnd type="triangle" w="sm" len="sm"/>
+              </a:ln>
+            </p:spPr>
+            <p:style>
+              <a:lnRef idx="1">
+                <a:schemeClr val="accent1"/>
+              </a:lnRef>
+              <a:fillRef idx="0">
+                <a:schemeClr val="accent1"/>
+              </a:fillRef>
+              <a:effectRef idx="0">
+                <a:schemeClr val="accent1"/>
+              </a:effectRef>
+              <a:fontRef idx="minor">
+                <a:schemeClr val="tx1"/>
+              </a:fontRef>
+            </p:style>
+          </p:cxnSp>
+          <p:cxnSp>
+            <p:nvCxnSpPr>
+              <p:cNvPr id="84" name="直線コネクタ 83">
+                <a:extLst>
+                  <a:ext uri="{FF2B5EF4-FFF2-40B4-BE49-F238E27FC236}">
+                    <a16:creationId xmlns:a16="http://schemas.microsoft.com/office/drawing/2014/main" id="{9997F004-A451-0A49-AFDF-48BA3DE1224D}"/>
+                  </a:ext>
+                </a:extLst>
+              </p:cNvPr>
+              <p:cNvCxnSpPr>
+                <a:cxnSpLocks/>
+              </p:cNvCxnSpPr>
+              <p:nvPr/>
+            </p:nvCxnSpPr>
+            <p:spPr>
+              <a:xfrm rot="16200000">
+                <a:off x="3659333" y="2007179"/>
+                <a:ext cx="1527463" cy="0"/>
+              </a:xfrm>
+              <a:prstGeom prst="line">
+                <a:avLst/>
+              </a:prstGeom>
+              <a:ln w="19050" cap="rnd">
+                <a:solidFill>
+                  <a:srgbClr val="FF0000"/>
+                </a:solidFill>
+                <a:headEnd type="none" w="med" len="med"/>
+                <a:tailEnd type="none" w="med" len="med"/>
+              </a:ln>
+            </p:spPr>
+            <p:style>
+              <a:lnRef idx="1">
+                <a:schemeClr val="accent1"/>
+              </a:lnRef>
+              <a:fillRef idx="0">
+                <a:schemeClr val="accent1"/>
+              </a:fillRef>
+              <a:effectRef idx="0">
+                <a:schemeClr val="accent1"/>
+              </a:effectRef>
+              <a:fontRef idx="minor">
+                <a:schemeClr val="tx1"/>
+              </a:fontRef>
+            </p:style>
+          </p:cxnSp>
+        </p:grpSp>
+        <p:cxnSp>
+          <p:nvCxnSpPr>
+            <p:cNvPr id="85" name="直線コネクタ 84">
+              <a:extLst>
+                <a:ext uri="{FF2B5EF4-FFF2-40B4-BE49-F238E27FC236}">
+                  <a16:creationId xmlns:a16="http://schemas.microsoft.com/office/drawing/2014/main" id="{0FE1FF1D-3EB1-E246-8E69-B77D82010A08}"/>
+                </a:ext>
+              </a:extLst>
+            </p:cNvPr>
+            <p:cNvCxnSpPr>
+              <a:cxnSpLocks/>
+            </p:cNvCxnSpPr>
+            <p:nvPr/>
+          </p:nvCxnSpPr>
+          <p:spPr>
+            <a:xfrm>
+              <a:off x="2115243" y="3433901"/>
+              <a:ext cx="137506" cy="0"/>
+            </a:xfrm>
+            <a:prstGeom prst="line">
+              <a:avLst/>
+            </a:prstGeom>
+            <a:ln w="19050" cap="rnd">
+              <a:solidFill>
+                <a:srgbClr val="FF0000"/>
+              </a:solidFill>
+              <a:headEnd type="none" w="med" len="med"/>
+              <a:tailEnd type="none" w="med" len="med"/>
+            </a:ln>
+          </p:spPr>
+          <p:style>
+            <a:lnRef idx="1">
+              <a:schemeClr val="accent1"/>
+            </a:lnRef>
+            <a:fillRef idx="0">
+              <a:schemeClr val="accent1"/>
+            </a:fillRef>
+            <a:effectRef idx="0">
+              <a:schemeClr val="accent1"/>
+            </a:effectRef>
+            <a:fontRef idx="minor">
+              <a:schemeClr val="tx1"/>
+            </a:fontRef>
+          </p:style>
+        </p:cxnSp>
+        <p:cxnSp>
+          <p:nvCxnSpPr>
+            <p:cNvPr id="86" name="直線コネクタ 85">
+              <a:extLst>
+                <a:ext uri="{FF2B5EF4-FFF2-40B4-BE49-F238E27FC236}">
+                  <a16:creationId xmlns:a16="http://schemas.microsoft.com/office/drawing/2014/main" id="{EA4E7116-8630-C94E-951B-C8B225293976}"/>
+                </a:ext>
+              </a:extLst>
+            </p:cNvPr>
+            <p:cNvCxnSpPr>
+              <a:cxnSpLocks/>
+            </p:cNvCxnSpPr>
+            <p:nvPr/>
+          </p:nvCxnSpPr>
+          <p:spPr>
+            <a:xfrm>
+              <a:off x="2114550" y="4166766"/>
+              <a:ext cx="525066" cy="0"/>
+            </a:xfrm>
+            <a:prstGeom prst="line">
+              <a:avLst/>
+            </a:prstGeom>
+            <a:ln w="19050" cap="rnd">
+              <a:solidFill>
+                <a:srgbClr val="FF0000"/>
+              </a:solidFill>
+              <a:headEnd type="none" w="med" len="med"/>
+              <a:tailEnd type="none" w="med" len="med"/>
+            </a:ln>
+          </p:spPr>
+          <p:style>
+            <a:lnRef idx="1">
+              <a:schemeClr val="accent1"/>
+            </a:lnRef>
+            <a:fillRef idx="0">
+              <a:schemeClr val="accent1"/>
+            </a:fillRef>
+            <a:effectRef idx="0">
+              <a:schemeClr val="accent1"/>
+            </a:effectRef>
+            <a:fontRef idx="minor">
+              <a:schemeClr val="tx1"/>
+            </a:fontRef>
+          </p:style>
+        </p:cxnSp>
+        <p:grpSp>
+          <p:nvGrpSpPr>
+            <p:cNvPr id="87" name="グループ化 86">
+              <a:extLst>
+                <a:ext uri="{FF2B5EF4-FFF2-40B4-BE49-F238E27FC236}">
+                  <a16:creationId xmlns:a16="http://schemas.microsoft.com/office/drawing/2014/main" id="{92D44ADB-2B38-444A-B04A-C8E892E931AE}"/>
+                </a:ext>
+              </a:extLst>
+            </p:cNvPr>
+            <p:cNvGrpSpPr/>
+            <p:nvPr/>
+          </p:nvGrpSpPr>
+          <p:grpSpPr>
+            <a:xfrm>
+              <a:off x="2639616" y="1412776"/>
+              <a:ext cx="2880320" cy="2746339"/>
+              <a:chOff x="4423064" y="1243447"/>
+              <a:chExt cx="1527463" cy="1527463"/>
+            </a:xfrm>
+          </p:grpSpPr>
+          <p:cxnSp>
+            <p:nvCxnSpPr>
+              <p:cNvPr id="88" name="直線コネクタ 87">
+                <a:extLst>
+                  <a:ext uri="{FF2B5EF4-FFF2-40B4-BE49-F238E27FC236}">
+                    <a16:creationId xmlns:a16="http://schemas.microsoft.com/office/drawing/2014/main" id="{B624E249-CBBF-9948-83DC-DF2696FBF248}"/>
+                  </a:ext>
+                </a:extLst>
+              </p:cNvPr>
+              <p:cNvCxnSpPr/>
+              <p:nvPr/>
+            </p:nvCxnSpPr>
+            <p:spPr>
+              <a:xfrm>
+                <a:off x="4423064" y="1243447"/>
+                <a:ext cx="1527463" cy="0"/>
+              </a:xfrm>
+              <a:prstGeom prst="line">
+                <a:avLst/>
+              </a:prstGeom>
+              <a:ln w="19050" cap="rnd">
+                <a:solidFill>
+                  <a:srgbClr val="FF0000"/>
+                </a:solidFill>
+                <a:headEnd type="none" w="sm" len="sm"/>
+                <a:tailEnd type="triangle" w="sm" len="sm"/>
+              </a:ln>
+            </p:spPr>
+            <p:style>
+              <a:lnRef idx="1">
+                <a:schemeClr val="accent1"/>
+              </a:lnRef>
+              <a:fillRef idx="0">
+                <a:schemeClr val="accent1"/>
+              </a:fillRef>
+              <a:effectRef idx="0">
+                <a:schemeClr val="accent1"/>
+              </a:effectRef>
+              <a:fontRef idx="minor">
+                <a:schemeClr val="tx1"/>
+              </a:fontRef>
+            </p:style>
+          </p:cxnSp>
+          <p:cxnSp>
+            <p:nvCxnSpPr>
+              <p:cNvPr id="89" name="直線コネクタ 88">
+                <a:extLst>
+                  <a:ext uri="{FF2B5EF4-FFF2-40B4-BE49-F238E27FC236}">
+                    <a16:creationId xmlns:a16="http://schemas.microsoft.com/office/drawing/2014/main" id="{A54A37BB-2545-3746-85C4-64678BB404E9}"/>
+                  </a:ext>
+                </a:extLst>
+              </p:cNvPr>
+              <p:cNvCxnSpPr>
+                <a:cxnSpLocks/>
+              </p:cNvCxnSpPr>
+              <p:nvPr/>
+            </p:nvCxnSpPr>
+            <p:spPr>
+              <a:xfrm rot="16200000">
+                <a:off x="3659333" y="2007179"/>
+                <a:ext cx="1527463" cy="0"/>
+              </a:xfrm>
+              <a:prstGeom prst="line">
+                <a:avLst/>
+              </a:prstGeom>
+              <a:ln w="19050" cap="rnd">
+                <a:solidFill>
+                  <a:srgbClr val="FF0000"/>
+                </a:solidFill>
+                <a:headEnd type="none" w="med" len="med"/>
+                <a:tailEnd type="none" w="med" len="med"/>
+              </a:ln>
+            </p:spPr>
+            <p:style>
+              <a:lnRef idx="1">
+                <a:schemeClr val="accent1"/>
+              </a:lnRef>
+              <a:fillRef idx="0">
+                <a:schemeClr val="accent1"/>
+              </a:fillRef>
+              <a:effectRef idx="0">
+                <a:schemeClr val="accent1"/>
+              </a:effectRef>
+              <a:fontRef idx="minor">
+                <a:schemeClr val="tx1"/>
+              </a:fontRef>
+            </p:style>
+          </p:cxnSp>
+        </p:grpSp>
+        <p:cxnSp>
+          <p:nvCxnSpPr>
+            <p:cNvPr id="90" name="直線コネクタ 89">
+              <a:extLst>
+                <a:ext uri="{FF2B5EF4-FFF2-40B4-BE49-F238E27FC236}">
+                  <a16:creationId xmlns:a16="http://schemas.microsoft.com/office/drawing/2014/main" id="{3D69ADC7-E530-AA49-96EA-FDA029FC7CB2}"/>
+                </a:ext>
+              </a:extLst>
+            </p:cNvPr>
+            <p:cNvCxnSpPr>
+              <a:cxnSpLocks/>
+            </p:cNvCxnSpPr>
+            <p:nvPr/>
+          </p:nvCxnSpPr>
+          <p:spPr>
+            <a:xfrm>
+              <a:off x="5159896" y="5334173"/>
+              <a:ext cx="2664296" cy="0"/>
+            </a:xfrm>
+            <a:prstGeom prst="line">
+              <a:avLst/>
+            </a:prstGeom>
+            <a:ln w="19050">
+              <a:solidFill>
+                <a:srgbClr val="FF0000"/>
+              </a:solidFill>
+              <a:headEnd type="none" w="med" len="med"/>
+              <a:tailEnd type="none" w="med" len="med"/>
+            </a:ln>
+          </p:spPr>
+          <p:style>
+            <a:lnRef idx="1">
+              <a:schemeClr val="accent1"/>
+            </a:lnRef>
+            <a:fillRef idx="0">
+              <a:schemeClr val="accent1"/>
+            </a:fillRef>
+            <a:effectRef idx="0">
+              <a:schemeClr val="accent1"/>
+            </a:effectRef>
+            <a:fontRef idx="minor">
+              <a:schemeClr val="tx1"/>
+            </a:fontRef>
+          </p:style>
+        </p:cxnSp>
+        <p:grpSp>
+          <p:nvGrpSpPr>
+            <p:cNvPr id="91" name="グループ化 90">
+              <a:extLst>
+                <a:ext uri="{FF2B5EF4-FFF2-40B4-BE49-F238E27FC236}">
+                  <a16:creationId xmlns:a16="http://schemas.microsoft.com/office/drawing/2014/main" id="{656B49B9-2C3C-3848-9A19-A554E1500A33}"/>
+                </a:ext>
+              </a:extLst>
+            </p:cNvPr>
+            <p:cNvGrpSpPr/>
+            <p:nvPr/>
+          </p:nvGrpSpPr>
+          <p:grpSpPr>
+            <a:xfrm rot="16200000" flipH="1">
+              <a:off x="4079778" y="2780929"/>
+              <a:ext cx="1224138" cy="1656183"/>
+              <a:chOff x="4423064" y="1243447"/>
+              <a:chExt cx="1527463" cy="1527463"/>
+            </a:xfrm>
+          </p:grpSpPr>
+          <p:cxnSp>
+            <p:nvCxnSpPr>
+              <p:cNvPr id="92" name="直線コネクタ 91">
+                <a:extLst>
+                  <a:ext uri="{FF2B5EF4-FFF2-40B4-BE49-F238E27FC236}">
+                    <a16:creationId xmlns:a16="http://schemas.microsoft.com/office/drawing/2014/main" id="{F4CECC8F-4719-B14D-BBB4-ACC2266C1C29}"/>
+                  </a:ext>
+                </a:extLst>
+              </p:cNvPr>
+              <p:cNvCxnSpPr/>
+              <p:nvPr/>
+            </p:nvCxnSpPr>
+            <p:spPr>
+              <a:xfrm>
+                <a:off x="4423064" y="1243447"/>
+                <a:ext cx="1527463" cy="0"/>
+              </a:xfrm>
+              <a:prstGeom prst="line">
+                <a:avLst/>
+              </a:prstGeom>
+              <a:ln w="19050" cap="rnd">
+                <a:solidFill>
+                  <a:schemeClr val="accent1">
+                    <a:lumMod val="75000"/>
+                  </a:schemeClr>
+                </a:solidFill>
+                <a:headEnd type="none" w="sm" len="sm"/>
+                <a:tailEnd type="triangle" w="sm" len="sm"/>
+              </a:ln>
+            </p:spPr>
+            <p:style>
+              <a:lnRef idx="1">
+                <a:schemeClr val="accent1"/>
+              </a:lnRef>
+              <a:fillRef idx="0">
+                <a:schemeClr val="accent1"/>
+              </a:fillRef>
+              <a:effectRef idx="0">
+                <a:schemeClr val="accent1"/>
+              </a:effectRef>
+              <a:fontRef idx="minor">
+                <a:schemeClr val="tx1"/>
+              </a:fontRef>
+            </p:style>
+          </p:cxnSp>
+          <p:cxnSp>
+            <p:nvCxnSpPr>
+              <p:cNvPr id="93" name="直線コネクタ 92">
+                <a:extLst>
+                  <a:ext uri="{FF2B5EF4-FFF2-40B4-BE49-F238E27FC236}">
+                    <a16:creationId xmlns:a16="http://schemas.microsoft.com/office/drawing/2014/main" id="{23973AEB-3F26-A24B-ABD3-CD26847730AA}"/>
+                  </a:ext>
+                </a:extLst>
+              </p:cNvPr>
+              <p:cNvCxnSpPr>
+                <a:cxnSpLocks/>
+              </p:cNvCxnSpPr>
+              <p:nvPr/>
+            </p:nvCxnSpPr>
+            <p:spPr>
+              <a:xfrm rot="16200000">
+                <a:off x="3659333" y="2007179"/>
+                <a:ext cx="1527463" cy="0"/>
+              </a:xfrm>
+              <a:prstGeom prst="line">
+                <a:avLst/>
+              </a:prstGeom>
+              <a:ln w="19050" cap="rnd">
+                <a:solidFill>
+                  <a:schemeClr val="accent1">
+                    <a:lumMod val="75000"/>
+                  </a:schemeClr>
+                </a:solidFill>
+                <a:headEnd type="none" w="med" len="med"/>
+                <a:tailEnd type="none" w="med" len="med"/>
+              </a:ln>
+            </p:spPr>
+            <p:style>
+              <a:lnRef idx="1">
+                <a:schemeClr val="accent1"/>
+              </a:lnRef>
+              <a:fillRef idx="0">
+                <a:schemeClr val="accent1"/>
+              </a:fillRef>
+              <a:effectRef idx="0">
+                <a:schemeClr val="accent1"/>
+              </a:effectRef>
+              <a:fontRef idx="minor">
+                <a:schemeClr val="tx1"/>
+              </a:fontRef>
+            </p:style>
+          </p:cxnSp>
+        </p:grpSp>
+        <p:grpSp>
+          <p:nvGrpSpPr>
+            <p:cNvPr id="94" name="グループ化 93">
+              <a:extLst>
+                <a:ext uri="{FF2B5EF4-FFF2-40B4-BE49-F238E27FC236}">
+                  <a16:creationId xmlns:a16="http://schemas.microsoft.com/office/drawing/2014/main" id="{99C2CA00-5097-7C45-95FA-B415AEF111B7}"/>
+                </a:ext>
+              </a:extLst>
+            </p:cNvPr>
+            <p:cNvGrpSpPr/>
+            <p:nvPr/>
+          </p:nvGrpSpPr>
+          <p:grpSpPr>
+            <a:xfrm rot="16200000" flipH="1">
+              <a:off x="4079776" y="3789040"/>
+              <a:ext cx="2016224" cy="864096"/>
+              <a:chOff x="4423064" y="1243447"/>
+              <a:chExt cx="1527463" cy="1527463"/>
+            </a:xfrm>
+          </p:grpSpPr>
+          <p:cxnSp>
+            <p:nvCxnSpPr>
+              <p:cNvPr id="95" name="直線コネクタ 94">
+                <a:extLst>
+                  <a:ext uri="{FF2B5EF4-FFF2-40B4-BE49-F238E27FC236}">
+                    <a16:creationId xmlns:a16="http://schemas.microsoft.com/office/drawing/2014/main" id="{331BE7C4-9464-F145-B889-2B93F5027D6A}"/>
+                  </a:ext>
+                </a:extLst>
+              </p:cNvPr>
+              <p:cNvCxnSpPr/>
+              <p:nvPr/>
+            </p:nvCxnSpPr>
+            <p:spPr>
+              <a:xfrm>
+                <a:off x="4423064" y="1243447"/>
+                <a:ext cx="1527463" cy="0"/>
+              </a:xfrm>
+              <a:prstGeom prst="line">
+                <a:avLst/>
+              </a:prstGeom>
+              <a:ln w="19050" cap="rnd">
+                <a:solidFill>
+                  <a:schemeClr val="accent1">
+                    <a:lumMod val="75000"/>
+                  </a:schemeClr>
+                </a:solidFill>
+                <a:headEnd type="none" w="sm" len="sm"/>
+                <a:tailEnd type="triangle" w="sm" len="sm"/>
+              </a:ln>
+            </p:spPr>
+            <p:style>
+              <a:lnRef idx="1">
+                <a:schemeClr val="accent1"/>
+              </a:lnRef>
+              <a:fillRef idx="0">
+                <a:schemeClr val="accent1"/>
+              </a:fillRef>
+              <a:effectRef idx="0">
+                <a:schemeClr val="accent1"/>
+              </a:effectRef>
+              <a:fontRef idx="minor">
+                <a:schemeClr val="tx1"/>
+              </a:fontRef>
+            </p:style>
+          </p:cxnSp>
+          <p:cxnSp>
+            <p:nvCxnSpPr>
+              <p:cNvPr id="96" name="直線コネクタ 95">
+                <a:extLst>
+                  <a:ext uri="{FF2B5EF4-FFF2-40B4-BE49-F238E27FC236}">
+                    <a16:creationId xmlns:a16="http://schemas.microsoft.com/office/drawing/2014/main" id="{7CB16ADF-D6E6-D244-83FB-62D2166F9D8C}"/>
+                  </a:ext>
+                </a:extLst>
+              </p:cNvPr>
+              <p:cNvCxnSpPr>
+                <a:cxnSpLocks/>
+              </p:cNvCxnSpPr>
+              <p:nvPr/>
+            </p:nvCxnSpPr>
+            <p:spPr>
+              <a:xfrm rot="16200000">
+                <a:off x="3659333" y="2007179"/>
+                <a:ext cx="1527463" cy="0"/>
+              </a:xfrm>
+              <a:prstGeom prst="line">
+                <a:avLst/>
+              </a:prstGeom>
+              <a:ln w="19050" cap="rnd">
+                <a:solidFill>
+                  <a:schemeClr val="accent1">
+                    <a:lumMod val="75000"/>
+                  </a:schemeClr>
+                </a:solidFill>
+                <a:headEnd type="none" w="med" len="med"/>
+                <a:tailEnd type="none" w="med" len="med"/>
+              </a:ln>
+            </p:spPr>
+            <p:style>
+              <a:lnRef idx="1">
+                <a:schemeClr val="accent1"/>
+              </a:lnRef>
+              <a:fillRef idx="0">
+                <a:schemeClr val="accent1"/>
+              </a:fillRef>
+              <a:effectRef idx="0">
+                <a:schemeClr val="accent1"/>
+              </a:effectRef>
+              <a:fontRef idx="minor">
+                <a:schemeClr val="tx1"/>
+              </a:fontRef>
+            </p:style>
+          </p:cxnSp>
+        </p:grpSp>
+        <p:grpSp>
+          <p:nvGrpSpPr>
+            <p:cNvPr id="97" name="グループ化 96">
+              <a:extLst>
+                <a:ext uri="{FF2B5EF4-FFF2-40B4-BE49-F238E27FC236}">
+                  <a16:creationId xmlns:a16="http://schemas.microsoft.com/office/drawing/2014/main" id="{05FF8B2D-EDC0-CE47-8E0E-511257234A55}"/>
+                </a:ext>
+              </a:extLst>
+            </p:cNvPr>
+            <p:cNvGrpSpPr/>
+            <p:nvPr/>
+          </p:nvGrpSpPr>
+          <p:grpSpPr>
+            <a:xfrm rot="10800000" flipH="1">
+              <a:off x="5303912" y="3428999"/>
+              <a:ext cx="2520280" cy="1728191"/>
+              <a:chOff x="4423064" y="1243447"/>
+              <a:chExt cx="1527463" cy="1527463"/>
+            </a:xfrm>
+          </p:grpSpPr>
+          <p:cxnSp>
+            <p:nvCxnSpPr>
+              <p:cNvPr id="98" name="直線コネクタ 97">
+                <a:extLst>
+                  <a:ext uri="{FF2B5EF4-FFF2-40B4-BE49-F238E27FC236}">
+                    <a16:creationId xmlns:a16="http://schemas.microsoft.com/office/drawing/2014/main" id="{9C4B8C8D-DC43-0741-AD09-35C8473AC705}"/>
+                  </a:ext>
+                </a:extLst>
+              </p:cNvPr>
+              <p:cNvCxnSpPr/>
+              <p:nvPr/>
+            </p:nvCxnSpPr>
+            <p:spPr>
+              <a:xfrm>
+                <a:off x="4423064" y="1243447"/>
+                <a:ext cx="1527463" cy="0"/>
+              </a:xfrm>
+              <a:prstGeom prst="line">
+                <a:avLst/>
+              </a:prstGeom>
+              <a:ln w="19050" cap="rnd">
+                <a:solidFill>
+                  <a:schemeClr val="accent1">
+                    <a:lumMod val="75000"/>
+                  </a:schemeClr>
+                </a:solidFill>
+                <a:headEnd type="none" w="sm" len="sm"/>
+                <a:tailEnd type="triangle" w="sm" len="sm"/>
+              </a:ln>
+            </p:spPr>
+            <p:style>
+              <a:lnRef idx="1">
+                <a:schemeClr val="accent1"/>
+              </a:lnRef>
+              <a:fillRef idx="0">
+                <a:schemeClr val="accent1"/>
+              </a:fillRef>
+              <a:effectRef idx="0">
+                <a:schemeClr val="accent1"/>
+              </a:effectRef>
+              <a:fontRef idx="minor">
+                <a:schemeClr val="tx1"/>
+              </a:fontRef>
+            </p:style>
+          </p:cxnSp>
+          <p:cxnSp>
+            <p:nvCxnSpPr>
+              <p:cNvPr id="99" name="直線コネクタ 98">
+                <a:extLst>
+                  <a:ext uri="{FF2B5EF4-FFF2-40B4-BE49-F238E27FC236}">
+                    <a16:creationId xmlns:a16="http://schemas.microsoft.com/office/drawing/2014/main" id="{95D64DD6-F5C8-3A45-B3EB-BB168BCFFD26}"/>
+                  </a:ext>
+                </a:extLst>
+              </p:cNvPr>
+              <p:cNvCxnSpPr>
+                <a:cxnSpLocks/>
+              </p:cNvCxnSpPr>
+              <p:nvPr/>
+            </p:nvCxnSpPr>
+            <p:spPr>
+              <a:xfrm rot="16200000">
+                <a:off x="3659333" y="2007179"/>
+                <a:ext cx="1527463" cy="0"/>
+              </a:xfrm>
+              <a:prstGeom prst="line">
+                <a:avLst/>
+              </a:prstGeom>
+              <a:ln w="19050" cap="rnd">
+                <a:solidFill>
+                  <a:schemeClr val="accent1">
+                    <a:lumMod val="75000"/>
+                  </a:schemeClr>
+                </a:solidFill>
+                <a:headEnd type="none" w="med" len="med"/>
+                <a:tailEnd type="none" w="med" len="med"/>
+              </a:ln>
+            </p:spPr>
+            <p:style>
+              <a:lnRef idx="1">
+                <a:schemeClr val="accent1"/>
+              </a:lnRef>
+              <a:fillRef idx="0">
+                <a:schemeClr val="accent1"/>
+              </a:fillRef>
+              <a:effectRef idx="0">
+                <a:schemeClr val="accent1"/>
+              </a:effectRef>
+              <a:fontRef idx="minor">
+                <a:schemeClr val="tx1"/>
+              </a:fontRef>
+            </p:style>
+          </p:cxnSp>
+        </p:grpSp>
+        <p:cxnSp>
+          <p:nvCxnSpPr>
+            <p:cNvPr id="100" name="直線コネクタ 99">
+              <a:extLst>
+                <a:ext uri="{FF2B5EF4-FFF2-40B4-BE49-F238E27FC236}">
+                  <a16:creationId xmlns:a16="http://schemas.microsoft.com/office/drawing/2014/main" id="{9C646CC6-3918-4E43-A927-B8B3A2F202C8}"/>
+                </a:ext>
+              </a:extLst>
+            </p:cNvPr>
+            <p:cNvCxnSpPr>
+              <a:cxnSpLocks/>
+            </p:cNvCxnSpPr>
+            <p:nvPr/>
+          </p:nvCxnSpPr>
+          <p:spPr>
+            <a:xfrm>
+              <a:off x="5303912" y="3429000"/>
+              <a:ext cx="216024" cy="0"/>
+            </a:xfrm>
+            <a:prstGeom prst="line">
+              <a:avLst/>
+            </a:prstGeom>
+            <a:ln w="19050">
+              <a:solidFill>
+                <a:schemeClr val="accent1">
+                  <a:lumMod val="75000"/>
+                </a:schemeClr>
+              </a:solidFill>
+              <a:headEnd type="none" w="med" len="med"/>
+              <a:tailEnd type="none" w="med" len="med"/>
+            </a:ln>
+          </p:spPr>
+          <p:style>
+            <a:lnRef idx="1">
+              <a:schemeClr val="accent1"/>
+            </a:lnRef>
+            <a:fillRef idx="0">
+              <a:schemeClr val="accent1"/>
+            </a:fillRef>
+            <a:effectRef idx="0">
+              <a:schemeClr val="accent1"/>
+            </a:effectRef>
+            <a:fontRef idx="minor">
+              <a:schemeClr val="tx1"/>
+            </a:fontRef>
+          </p:style>
+        </p:cxnSp>
+        <p:sp>
+          <p:nvSpPr>
+            <p:cNvPr id="3" name="正方形/長方形 2">
+              <a:extLst>
+                <a:ext uri="{FF2B5EF4-FFF2-40B4-BE49-F238E27FC236}">
+                  <a16:creationId xmlns:a16="http://schemas.microsoft.com/office/drawing/2014/main" id="{D5728361-9A62-244E-B49F-E11536010A27}"/>
+                </a:ext>
+              </a:extLst>
+            </p:cNvPr>
+            <p:cNvSpPr/>
+            <p:nvPr/>
+          </p:nvSpPr>
+          <p:spPr>
+            <a:xfrm>
+              <a:off x="5519936" y="764704"/>
+              <a:ext cx="1728192" cy="2880320"/>
+            </a:xfrm>
+            <a:prstGeom prst="rect">
+              <a:avLst/>
+            </a:prstGeom>
+            <a:solidFill>
+              <a:schemeClr val="bg1"/>
+            </a:solidFill>
+            <a:ln w="19050">
+              <a:solidFill>
+                <a:schemeClr val="tx1"/>
+              </a:solidFill>
+            </a:ln>
+          </p:spPr>
+          <p:style>
+            <a:lnRef idx="2">
+              <a:schemeClr val="accent1">
+                <a:shade val="50000"/>
+              </a:schemeClr>
+            </a:lnRef>
+            <a:fillRef idx="1">
+              <a:schemeClr val="accent1"/>
+            </a:fillRef>
+            <a:effectRef idx="0">
+              <a:schemeClr val="accent1"/>
+            </a:effectRef>
+            <a:fontRef idx="minor">
+              <a:schemeClr val="lt1"/>
+            </a:fontRef>
+          </p:style>
+          <p:txBody>
+            <a:bodyPr rtlCol="0" anchor="t" anchorCtr="0"/>
+            <a:lstStyle/>
+            <a:p>
+              <a:pPr algn="ctr"/>
+              <a:r>
+                <a:rPr kumimoji="1" lang="en-US" altLang="ja-JP" dirty="0">
+                  <a:solidFill>
+                    <a:schemeClr val="tx1"/>
+                  </a:solidFill>
+                </a:rPr>
+                <a:t>CPU</a:t>
+              </a:r>
+              <a:endParaRPr kumimoji="1" lang="ja-JP" altLang="en-US">
+                <a:solidFill>
+                  <a:schemeClr val="tx1"/>
+                </a:solidFill>
+              </a:endParaRPr>
+            </a:p>
+          </p:txBody>
+        </p:sp>
+        <p:sp>
+          <p:nvSpPr>
+            <p:cNvPr id="101" name="正方形/長方形 100">
+              <a:extLst>
+                <a:ext uri="{FF2B5EF4-FFF2-40B4-BE49-F238E27FC236}">
+                  <a16:creationId xmlns:a16="http://schemas.microsoft.com/office/drawing/2014/main" id="{8246770C-59EA-0849-AAD9-C65AA97D51FF}"/>
+                </a:ext>
+              </a:extLst>
+            </p:cNvPr>
+            <p:cNvSpPr/>
+            <p:nvPr/>
+          </p:nvSpPr>
+          <p:spPr>
+            <a:xfrm>
+              <a:off x="5542319" y="3284984"/>
+              <a:ext cx="1417777" cy="144016"/>
+            </a:xfrm>
+            <a:prstGeom prst="rect">
+              <a:avLst/>
+            </a:prstGeom>
+            <a:noFill/>
+            <a:ln>
+              <a:noFill/>
+            </a:ln>
+          </p:spPr>
+          <p:style>
+            <a:lnRef idx="2">
+              <a:schemeClr val="accent1">
+                <a:shade val="50000"/>
+              </a:schemeClr>
+            </a:lnRef>
+            <a:fillRef idx="1">
+              <a:schemeClr val="accent1"/>
+            </a:fillRef>
+            <a:effectRef idx="0">
+              <a:schemeClr val="accent1"/>
+            </a:effectRef>
+            <a:fontRef idx="minor">
+              <a:schemeClr val="lt1"/>
+            </a:fontRef>
+          </p:style>
+          <p:txBody>
+            <a:bodyPr rtlCol="0" anchor="ctr"/>
+            <a:lstStyle/>
+            <a:p>
+              <a:r>
+                <a:rPr kumimoji="1" lang="en-US" altLang="ja-JP" sz="1200" dirty="0" err="1">
+                  <a:solidFill>
+                    <a:schemeClr val="tx1"/>
+                  </a:solidFill>
+                </a:rPr>
+                <a:t>tail_motor_pwm</a:t>
+              </a:r>
+              <a:endParaRPr kumimoji="1" lang="ja-JP" altLang="en-US" sz="1200">
+                <a:solidFill>
+                  <a:schemeClr val="tx1"/>
+                </a:solidFill>
+              </a:endParaRPr>
+            </a:p>
+          </p:txBody>
+        </p:sp>
+        <p:sp>
+          <p:nvSpPr>
+            <p:cNvPr id="102" name="正方形/長方形 101">
+              <a:extLst>
+                <a:ext uri="{FF2B5EF4-FFF2-40B4-BE49-F238E27FC236}">
+                  <a16:creationId xmlns:a16="http://schemas.microsoft.com/office/drawing/2014/main" id="{81791F1A-8684-BD46-96D8-E97E34CE6887}"/>
+                </a:ext>
+              </a:extLst>
+            </p:cNvPr>
+            <p:cNvSpPr/>
+            <p:nvPr/>
+          </p:nvSpPr>
+          <p:spPr>
+            <a:xfrm>
+              <a:off x="5519936" y="3068960"/>
+              <a:ext cx="1728192" cy="144016"/>
+            </a:xfrm>
+            <a:prstGeom prst="rect">
+              <a:avLst/>
+            </a:prstGeom>
+            <a:noFill/>
+            <a:ln>
+              <a:noFill/>
+            </a:ln>
+          </p:spPr>
+          <p:style>
+            <a:lnRef idx="2">
+              <a:schemeClr val="accent1">
+                <a:shade val="50000"/>
+              </a:schemeClr>
+            </a:lnRef>
+            <a:fillRef idx="1">
+              <a:schemeClr val="accent1"/>
+            </a:fillRef>
+            <a:effectRef idx="0">
+              <a:schemeClr val="accent1"/>
+            </a:effectRef>
+            <a:fontRef idx="minor">
+              <a:schemeClr val="lt1"/>
+            </a:fontRef>
+          </p:style>
+          <p:txBody>
+            <a:bodyPr rtlCol="0" anchor="ctr"/>
+            <a:lstStyle/>
+            <a:p>
+              <a:r>
+                <a:rPr kumimoji="1" lang="en-US" altLang="ja-JP" sz="1200" dirty="0">
+                  <a:solidFill>
+                    <a:schemeClr val="tx1"/>
+                  </a:solidFill>
+                </a:rPr>
+                <a:t>left/</a:t>
+              </a:r>
+              <a:r>
+                <a:rPr kumimoji="1" lang="en-US" altLang="ja-JP" sz="1200" dirty="0" err="1">
+                  <a:solidFill>
+                    <a:schemeClr val="tx1"/>
+                  </a:solidFill>
+                </a:rPr>
+                <a:t>right_motor_pwm</a:t>
+              </a:r>
+              <a:endParaRPr kumimoji="1" lang="ja-JP" altLang="en-US" sz="1200">
+                <a:solidFill>
+                  <a:schemeClr val="tx1"/>
+                </a:solidFill>
+              </a:endParaRPr>
+            </a:p>
+          </p:txBody>
+        </p:sp>
+        <p:sp>
+          <p:nvSpPr>
+            <p:cNvPr id="103" name="正方形/長方形 102">
+              <a:extLst>
+                <a:ext uri="{FF2B5EF4-FFF2-40B4-BE49-F238E27FC236}">
+                  <a16:creationId xmlns:a16="http://schemas.microsoft.com/office/drawing/2014/main" id="{8C9149BE-8F97-974D-89EC-8A6A1334C8BC}"/>
+                </a:ext>
+              </a:extLst>
+            </p:cNvPr>
+            <p:cNvSpPr/>
+            <p:nvPr/>
+          </p:nvSpPr>
+          <p:spPr>
+            <a:xfrm>
+              <a:off x="5519936" y="2852936"/>
+              <a:ext cx="1728192" cy="144016"/>
+            </a:xfrm>
+            <a:prstGeom prst="rect">
+              <a:avLst/>
+            </a:prstGeom>
+            <a:noFill/>
+            <a:ln>
+              <a:noFill/>
+            </a:ln>
+          </p:spPr>
+          <p:style>
+            <a:lnRef idx="2">
+              <a:schemeClr val="accent1">
+                <a:shade val="50000"/>
+              </a:schemeClr>
+            </a:lnRef>
+            <a:fillRef idx="1">
+              <a:schemeClr val="accent1"/>
+            </a:fillRef>
+            <a:effectRef idx="0">
+              <a:schemeClr val="accent1"/>
+            </a:effectRef>
+            <a:fontRef idx="minor">
+              <a:schemeClr val="lt1"/>
+            </a:fontRef>
+          </p:style>
+          <p:txBody>
+            <a:bodyPr rtlCol="0" anchor="ctr"/>
+            <a:lstStyle/>
+            <a:p>
+              <a:r>
+                <a:rPr lang="en-US" altLang="ja-JP" sz="1200" dirty="0" err="1">
+                  <a:solidFill>
+                    <a:schemeClr val="tx1"/>
+                  </a:solidFill>
+                </a:rPr>
+                <a:t>arm</a:t>
+              </a:r>
+              <a:r>
+                <a:rPr kumimoji="1" lang="en-US" altLang="ja-JP" sz="1200" dirty="0" err="1">
+                  <a:solidFill>
+                    <a:schemeClr val="tx1"/>
+                  </a:solidFill>
+                </a:rPr>
+                <a:t>_motor_pwm</a:t>
+              </a:r>
+              <a:endParaRPr kumimoji="1" lang="ja-JP" altLang="en-US" sz="1200">
+                <a:solidFill>
+                  <a:schemeClr val="tx1"/>
+                </a:solidFill>
+              </a:endParaRPr>
+            </a:p>
+          </p:txBody>
+        </p:sp>
+        <p:sp>
+          <p:nvSpPr>
+            <p:cNvPr id="104" name="正方形/長方形 103">
+              <a:extLst>
+                <a:ext uri="{FF2B5EF4-FFF2-40B4-BE49-F238E27FC236}">
+                  <a16:creationId xmlns:a16="http://schemas.microsoft.com/office/drawing/2014/main" id="{B2725BCA-5ABF-8F45-9AC9-18196D2B3113}"/>
+                </a:ext>
+              </a:extLst>
+            </p:cNvPr>
+            <p:cNvSpPr/>
+            <p:nvPr/>
+          </p:nvSpPr>
+          <p:spPr>
+            <a:xfrm>
+              <a:off x="5519936" y="2348880"/>
+              <a:ext cx="1728192" cy="144016"/>
+            </a:xfrm>
+            <a:prstGeom prst="rect">
+              <a:avLst/>
+            </a:prstGeom>
+            <a:noFill/>
+            <a:ln>
+              <a:noFill/>
+            </a:ln>
+          </p:spPr>
+          <p:style>
+            <a:lnRef idx="2">
+              <a:schemeClr val="accent1">
+                <a:shade val="50000"/>
+              </a:schemeClr>
+            </a:lnRef>
+            <a:fillRef idx="1">
+              <a:schemeClr val="accent1"/>
+            </a:fillRef>
+            <a:effectRef idx="0">
+              <a:schemeClr val="accent1"/>
+            </a:effectRef>
+            <a:fontRef idx="minor">
+              <a:schemeClr val="lt1"/>
+            </a:fontRef>
+          </p:style>
+          <p:txBody>
+            <a:bodyPr rtlCol="0" anchor="ctr"/>
+            <a:lstStyle/>
+            <a:p>
+              <a:r>
+                <a:rPr lang="en-US" altLang="ja-JP" sz="1200" dirty="0" err="1">
+                  <a:solidFill>
+                    <a:schemeClr val="tx1"/>
+                  </a:solidFill>
+                </a:rPr>
+                <a:t>tail</a:t>
+              </a:r>
+              <a:r>
+                <a:rPr kumimoji="1" lang="en-US" altLang="ja-JP" sz="1200" dirty="0" err="1">
+                  <a:solidFill>
+                    <a:schemeClr val="tx1"/>
+                  </a:solidFill>
+                </a:rPr>
+                <a:t>_motor_encoder</a:t>
+              </a:r>
+              <a:endParaRPr kumimoji="1" lang="ja-JP" altLang="en-US" sz="1200">
+                <a:solidFill>
+                  <a:schemeClr val="tx1"/>
+                </a:solidFill>
+              </a:endParaRPr>
+            </a:p>
+          </p:txBody>
+        </p:sp>
+        <p:sp>
+          <p:nvSpPr>
+            <p:cNvPr id="105" name="正方形/長方形 104">
+              <a:extLst>
+                <a:ext uri="{FF2B5EF4-FFF2-40B4-BE49-F238E27FC236}">
+                  <a16:creationId xmlns:a16="http://schemas.microsoft.com/office/drawing/2014/main" id="{06630923-2EE7-F34F-8697-E418A84C743F}"/>
+                </a:ext>
+              </a:extLst>
+            </p:cNvPr>
+            <p:cNvSpPr/>
+            <p:nvPr/>
+          </p:nvSpPr>
+          <p:spPr>
+            <a:xfrm>
+              <a:off x="5519936" y="2132856"/>
+              <a:ext cx="1728192" cy="144016"/>
+            </a:xfrm>
+            <a:prstGeom prst="rect">
+              <a:avLst/>
+            </a:prstGeom>
+            <a:noFill/>
+            <a:ln>
+              <a:noFill/>
+            </a:ln>
+          </p:spPr>
+          <p:style>
+            <a:lnRef idx="2">
+              <a:schemeClr val="accent1">
+                <a:shade val="50000"/>
+              </a:schemeClr>
+            </a:lnRef>
+            <a:fillRef idx="1">
+              <a:schemeClr val="accent1"/>
+            </a:fillRef>
+            <a:effectRef idx="0">
+              <a:schemeClr val="accent1"/>
+            </a:effectRef>
+            <a:fontRef idx="minor">
+              <a:schemeClr val="lt1"/>
+            </a:fontRef>
+          </p:style>
+          <p:txBody>
+            <a:bodyPr rtlCol="0" anchor="ctr"/>
+            <a:lstStyle/>
+            <a:p>
+              <a:r>
+                <a:rPr lang="en-US" altLang="ja-JP" sz="1200" dirty="0">
+                  <a:solidFill>
+                    <a:schemeClr val="tx1"/>
+                  </a:solidFill>
+                </a:rPr>
+                <a:t>l/</a:t>
+              </a:r>
+              <a:r>
+                <a:rPr lang="en-US" altLang="ja-JP" sz="1200" dirty="0" err="1">
+                  <a:solidFill>
+                    <a:schemeClr val="tx1"/>
+                  </a:solidFill>
+                </a:rPr>
+                <a:t>r</a:t>
+              </a:r>
+              <a:r>
+                <a:rPr kumimoji="1" lang="en-US" altLang="ja-JP" sz="1200" dirty="0" err="1">
+                  <a:solidFill>
+                    <a:schemeClr val="tx1"/>
+                  </a:solidFill>
+                </a:rPr>
+                <a:t>_motor_encoder</a:t>
+              </a:r>
+              <a:endParaRPr kumimoji="1" lang="ja-JP" altLang="en-US" sz="1200">
+                <a:solidFill>
+                  <a:schemeClr val="tx1"/>
+                </a:solidFill>
+              </a:endParaRPr>
+            </a:p>
+          </p:txBody>
+        </p:sp>
+        <p:sp>
+          <p:nvSpPr>
+            <p:cNvPr id="106" name="正方形/長方形 105">
+              <a:extLst>
+                <a:ext uri="{FF2B5EF4-FFF2-40B4-BE49-F238E27FC236}">
+                  <a16:creationId xmlns:a16="http://schemas.microsoft.com/office/drawing/2014/main" id="{D5645CC8-480D-B945-999E-6FF1FEBDDE10}"/>
+                </a:ext>
+              </a:extLst>
+            </p:cNvPr>
+            <p:cNvSpPr/>
+            <p:nvPr/>
+          </p:nvSpPr>
+          <p:spPr>
+            <a:xfrm>
+              <a:off x="5519936" y="1916832"/>
+              <a:ext cx="1728192" cy="144016"/>
+            </a:xfrm>
+            <a:prstGeom prst="rect">
+              <a:avLst/>
+            </a:prstGeom>
+            <a:noFill/>
+            <a:ln>
+              <a:noFill/>
+            </a:ln>
+          </p:spPr>
+          <p:style>
+            <a:lnRef idx="2">
+              <a:schemeClr val="accent1">
+                <a:shade val="50000"/>
+              </a:schemeClr>
+            </a:lnRef>
+            <a:fillRef idx="1">
+              <a:schemeClr val="accent1"/>
+            </a:fillRef>
+            <a:effectRef idx="0">
+              <a:schemeClr val="accent1"/>
+            </a:effectRef>
+            <a:fontRef idx="minor">
+              <a:schemeClr val="lt1"/>
+            </a:fontRef>
+          </p:style>
+          <p:txBody>
+            <a:bodyPr rtlCol="0" anchor="ctr"/>
+            <a:lstStyle/>
+            <a:p>
+              <a:r>
+                <a:rPr kumimoji="1" lang="en-US" altLang="ja-JP" sz="1200" dirty="0" err="1">
+                  <a:solidFill>
+                    <a:schemeClr val="tx1"/>
+                  </a:solidFill>
+                </a:rPr>
+                <a:t>arm_motor_encoder</a:t>
+              </a:r>
+              <a:endParaRPr kumimoji="1" lang="ja-JP" altLang="en-US" sz="1200">
+                <a:solidFill>
+                  <a:schemeClr val="tx1"/>
+                </a:solidFill>
+              </a:endParaRPr>
+            </a:p>
+          </p:txBody>
+        </p:sp>
+        <p:sp>
+          <p:nvSpPr>
+            <p:cNvPr id="107" name="正方形/長方形 106">
+              <a:extLst>
+                <a:ext uri="{FF2B5EF4-FFF2-40B4-BE49-F238E27FC236}">
+                  <a16:creationId xmlns:a16="http://schemas.microsoft.com/office/drawing/2014/main" id="{91BE8022-4EF9-A346-BF78-D909AA825CA6}"/>
+                </a:ext>
+              </a:extLst>
+            </p:cNvPr>
+            <p:cNvSpPr/>
+            <p:nvPr/>
+          </p:nvSpPr>
+          <p:spPr>
+            <a:xfrm>
+              <a:off x="5519936" y="1484784"/>
+              <a:ext cx="1728192" cy="144016"/>
+            </a:xfrm>
+            <a:prstGeom prst="rect">
+              <a:avLst/>
+            </a:prstGeom>
+            <a:noFill/>
+            <a:ln>
+              <a:noFill/>
+            </a:ln>
+          </p:spPr>
+          <p:style>
+            <a:lnRef idx="2">
+              <a:schemeClr val="accent1">
+                <a:shade val="50000"/>
+              </a:schemeClr>
+            </a:lnRef>
+            <a:fillRef idx="1">
+              <a:schemeClr val="accent1"/>
+            </a:fillRef>
+            <a:effectRef idx="0">
+              <a:schemeClr val="accent1"/>
+            </a:effectRef>
+            <a:fontRef idx="minor">
+              <a:schemeClr val="lt1"/>
+            </a:fontRef>
+          </p:style>
+          <p:txBody>
+            <a:bodyPr rtlCol="0" anchor="ctr"/>
+            <a:lstStyle/>
+            <a:p>
+              <a:r>
+                <a:rPr lang="en-US" altLang="ja-JP" sz="1200" dirty="0" err="1">
+                  <a:solidFill>
+                    <a:schemeClr val="tx1"/>
+                  </a:solidFill>
+                </a:rPr>
+                <a:t>c</a:t>
+              </a:r>
+              <a:r>
+                <a:rPr kumimoji="1" lang="en-US" altLang="ja-JP" sz="1200" dirty="0" err="1">
+                  <a:solidFill>
+                    <a:schemeClr val="tx1"/>
+                  </a:solidFill>
+                </a:rPr>
+                <a:t>olor_sensor</a:t>
+              </a:r>
+              <a:endParaRPr kumimoji="1" lang="ja-JP" altLang="en-US" sz="1200">
+                <a:solidFill>
+                  <a:schemeClr val="tx1"/>
+                </a:solidFill>
+              </a:endParaRPr>
+            </a:p>
+          </p:txBody>
+        </p:sp>
+        <p:sp>
+          <p:nvSpPr>
+            <p:cNvPr id="108" name="正方形/長方形 107">
+              <a:extLst>
+                <a:ext uri="{FF2B5EF4-FFF2-40B4-BE49-F238E27FC236}">
+                  <a16:creationId xmlns:a16="http://schemas.microsoft.com/office/drawing/2014/main" id="{CE1B10CA-506F-AF41-B4B5-7E10E6F3A3E3}"/>
+                </a:ext>
+              </a:extLst>
+            </p:cNvPr>
+            <p:cNvSpPr/>
+            <p:nvPr/>
+          </p:nvSpPr>
+          <p:spPr>
+            <a:xfrm>
+              <a:off x="5519936" y="1268760"/>
+              <a:ext cx="1728192" cy="144016"/>
+            </a:xfrm>
+            <a:prstGeom prst="rect">
+              <a:avLst/>
+            </a:prstGeom>
+            <a:noFill/>
+            <a:ln>
+              <a:noFill/>
+            </a:ln>
+          </p:spPr>
+          <p:style>
+            <a:lnRef idx="2">
+              <a:schemeClr val="accent1">
+                <a:shade val="50000"/>
+              </a:schemeClr>
+            </a:lnRef>
+            <a:fillRef idx="1">
+              <a:schemeClr val="accent1"/>
+            </a:fillRef>
+            <a:effectRef idx="0">
+              <a:schemeClr val="accent1"/>
+            </a:effectRef>
+            <a:fontRef idx="minor">
+              <a:schemeClr val="lt1"/>
+            </a:fontRef>
+          </p:style>
+          <p:txBody>
+            <a:bodyPr rtlCol="0" anchor="ctr"/>
+            <a:lstStyle/>
+            <a:p>
+              <a:r>
+                <a:rPr kumimoji="1" lang="en-US" altLang="ja-JP" sz="1200" dirty="0" err="1">
+                  <a:solidFill>
+                    <a:schemeClr val="tx1"/>
+                  </a:solidFill>
+                </a:rPr>
+                <a:t>gyro_sensor</a:t>
+              </a:r>
+              <a:endParaRPr kumimoji="1" lang="ja-JP" altLang="en-US" sz="1200">
+                <a:solidFill>
+                  <a:schemeClr val="tx1"/>
+                </a:solidFill>
+              </a:endParaRPr>
+            </a:p>
+          </p:txBody>
+        </p:sp>
+        <p:sp>
+          <p:nvSpPr>
+            <p:cNvPr id="109" name="正方形/長方形 108">
+              <a:extLst>
+                <a:ext uri="{FF2B5EF4-FFF2-40B4-BE49-F238E27FC236}">
+                  <a16:creationId xmlns:a16="http://schemas.microsoft.com/office/drawing/2014/main" id="{147F6637-5842-6C4C-87DE-4B43B1F53EC1}"/>
+                </a:ext>
+              </a:extLst>
+            </p:cNvPr>
+            <p:cNvSpPr/>
+            <p:nvPr/>
+          </p:nvSpPr>
+          <p:spPr>
+            <a:xfrm>
+              <a:off x="5519936" y="1052736"/>
+              <a:ext cx="1728192" cy="144016"/>
+            </a:xfrm>
+            <a:prstGeom prst="rect">
+              <a:avLst/>
+            </a:prstGeom>
+            <a:noFill/>
+            <a:ln>
+              <a:noFill/>
+            </a:ln>
+          </p:spPr>
+          <p:style>
+            <a:lnRef idx="2">
+              <a:schemeClr val="accent1">
+                <a:shade val="50000"/>
+              </a:schemeClr>
+            </a:lnRef>
+            <a:fillRef idx="1">
+              <a:schemeClr val="accent1"/>
+            </a:fillRef>
+            <a:effectRef idx="0">
+              <a:schemeClr val="accent1"/>
+            </a:effectRef>
+            <a:fontRef idx="minor">
+              <a:schemeClr val="lt1"/>
+            </a:fontRef>
+          </p:style>
+          <p:txBody>
+            <a:bodyPr rtlCol="0" anchor="ctr"/>
+            <a:lstStyle/>
+            <a:p>
+              <a:r>
+                <a:rPr kumimoji="1" lang="en-US" altLang="ja-JP" sz="1200" dirty="0" err="1">
+                  <a:solidFill>
+                    <a:schemeClr val="tx1"/>
+                  </a:solidFill>
+                </a:rPr>
+                <a:t>sonar_sensor</a:t>
+              </a:r>
+              <a:endParaRPr kumimoji="1" lang="ja-JP" altLang="en-US" sz="1200">
+                <a:solidFill>
+                  <a:schemeClr val="tx1"/>
+                </a:solidFill>
+              </a:endParaRPr>
+            </a:p>
+          </p:txBody>
+        </p:sp>
+        <p:sp>
+          <p:nvSpPr>
+            <p:cNvPr id="26" name="正方形/長方形 25">
+              <a:extLst>
+                <a:ext uri="{FF2B5EF4-FFF2-40B4-BE49-F238E27FC236}">
+                  <a16:creationId xmlns:a16="http://schemas.microsoft.com/office/drawing/2014/main" id="{898E71A5-5EF7-7F49-8E15-E4F3CEE85774}"/>
+                </a:ext>
+              </a:extLst>
+            </p:cNvPr>
+            <p:cNvSpPr/>
+            <p:nvPr/>
+          </p:nvSpPr>
+          <p:spPr>
+            <a:xfrm>
+              <a:off x="5519936" y="4149080"/>
+              <a:ext cx="1728192" cy="288032"/>
+            </a:xfrm>
+            <a:prstGeom prst="rect">
+              <a:avLst/>
+            </a:prstGeom>
+            <a:solidFill>
+              <a:schemeClr val="bg1">
+                <a:lumMod val="95000"/>
+              </a:schemeClr>
+            </a:solidFill>
+            <a:ln>
+              <a:solidFill>
+                <a:schemeClr val="tx1"/>
+              </a:solidFill>
+            </a:ln>
+          </p:spPr>
+          <p:style>
+            <a:lnRef idx="2">
+              <a:schemeClr val="accent1">
+                <a:shade val="50000"/>
+              </a:schemeClr>
+            </a:lnRef>
+            <a:fillRef idx="1">
+              <a:schemeClr val="accent1"/>
+            </a:fillRef>
+            <a:effectRef idx="0">
+              <a:schemeClr val="accent1"/>
+            </a:effectRef>
+            <a:fontRef idx="minor">
+              <a:schemeClr val="lt1"/>
+            </a:fontRef>
+          </p:style>
+          <p:txBody>
+            <a:bodyPr rtlCol="0" anchor="ctr"/>
+            <a:lstStyle/>
+            <a:p>
+              <a:pPr algn="ctr"/>
+              <a:r>
+                <a:rPr kumimoji="1" lang="ja-JP" altLang="en-US" sz="1400">
+                  <a:solidFill>
+                    <a:schemeClr val="tx1"/>
+                  </a:solidFill>
+                </a:rPr>
+                <a:t>乾電池</a:t>
+              </a:r>
+            </a:p>
+          </p:txBody>
+        </p:sp>
+        <p:sp>
+          <p:nvSpPr>
+            <p:cNvPr id="111" name="正方形/長方形 110">
+              <a:extLst>
+                <a:ext uri="{FF2B5EF4-FFF2-40B4-BE49-F238E27FC236}">
+                  <a16:creationId xmlns:a16="http://schemas.microsoft.com/office/drawing/2014/main" id="{F419667C-20FC-214F-AABD-00B15669DDCE}"/>
+                </a:ext>
+              </a:extLst>
+            </p:cNvPr>
+            <p:cNvSpPr/>
+            <p:nvPr/>
+          </p:nvSpPr>
+          <p:spPr>
+            <a:xfrm rot="10800000" flipV="1">
+              <a:off x="6312024" y="3861048"/>
+              <a:ext cx="1008112" cy="288032"/>
+            </a:xfrm>
+            <a:prstGeom prst="rect">
+              <a:avLst/>
+            </a:prstGeom>
+            <a:noFill/>
+            <a:ln>
+              <a:noFill/>
+            </a:ln>
+          </p:spPr>
+          <p:style>
+            <a:lnRef idx="2">
+              <a:schemeClr val="accent1">
+                <a:shade val="50000"/>
+              </a:schemeClr>
+            </a:lnRef>
+            <a:fillRef idx="1">
+              <a:schemeClr val="accent1"/>
+            </a:fillRef>
+            <a:effectRef idx="0">
+              <a:schemeClr val="accent1"/>
+            </a:effectRef>
+            <a:fontRef idx="minor">
+              <a:schemeClr val="lt1"/>
+            </a:fontRef>
+          </p:style>
+          <p:txBody>
+            <a:bodyPr rtlCol="0" anchor="ctr"/>
+            <a:lstStyle/>
+            <a:p>
+              <a:pPr algn="ctr"/>
+              <a:r>
+                <a:rPr lang="en-US" altLang="ja-JP" sz="1400" dirty="0">
+                  <a:solidFill>
+                    <a:schemeClr val="tx1"/>
+                  </a:solidFill>
+                </a:rPr>
+                <a:t>mV/mA</a:t>
+              </a:r>
+              <a:endParaRPr kumimoji="1" lang="ja-JP" altLang="en-US" sz="1400">
+                <a:solidFill>
+                  <a:schemeClr val="tx1"/>
+                </a:solidFill>
+              </a:endParaRPr>
+            </a:p>
+          </p:txBody>
+        </p:sp>
+      </p:grpSp>
+    </p:spTree>
+    <p:extLst>
+      <p:ext uri="{BB962C8B-B14F-4D97-AF65-F5344CB8AC3E}">
+        <p14:creationId xmlns:p14="http://schemas.microsoft.com/office/powerpoint/2010/main" val="2767640066"/>
+      </p:ext>
+    </p:extLst>
+  </p:cSld>
+  <p:clrMapOvr>
+    <a:masterClrMapping/>
+  </p:clrMapOvr>
+</p:sld>
+</file>
+
+<file path=ppt/slides/slide4.xml><?xml version="1.0" encoding="utf-8"?>
+<p:sld xmlns:a="http://schemas.openxmlformats.org/drawingml/2006/main" xmlns:r="http://schemas.openxmlformats.org/officeDocument/2006/relationships" xmlns:p="http://schemas.openxmlformats.org/presentationml/2006/main">
+  <p:cSld>
+    <p:spTree>
+      <p:nvGrpSpPr>
+        <p:cNvPr id="1" name=""/>
+        <p:cNvGrpSpPr/>
+        <p:nvPr/>
+      </p:nvGrpSpPr>
+      <p:grpSpPr>
+        <a:xfrm>
+          <a:off x="0" y="0"/>
+          <a:ext cx="0" cy="0"/>
+          <a:chOff x="0" y="0"/>
+          <a:chExt cx="0" cy="0"/>
+        </a:xfrm>
+      </p:grpSpPr>
+      <p:cxnSp>
+        <p:nvCxnSpPr>
+          <p:cNvPr id="12" name="直線コネクタ 11">
+            <a:extLst>
+              <a:ext uri="{FF2B5EF4-FFF2-40B4-BE49-F238E27FC236}">
+                <a16:creationId xmlns:a16="http://schemas.microsoft.com/office/drawing/2014/main" id="{5A4A64E8-5D1E-7244-9DD0-09862EF77525}"/>
+              </a:ext>
+            </a:extLst>
+          </p:cNvPr>
+          <p:cNvCxnSpPr>
+            <a:cxnSpLocks/>
+          </p:cNvCxnSpPr>
+          <p:nvPr/>
+        </p:nvCxnSpPr>
         <p:spPr>
           <a:xfrm>
-            <a:off x="2779061" y="2859737"/>
-            <a:ext cx="1837765" cy="1837765"/>
+            <a:off x="407368" y="6601266"/>
+            <a:ext cx="10584887" cy="0"/>
           </a:xfrm>
-          <a:prstGeom prst="arc">
-            <a:avLst>
-              <a:gd name="adj1" fmla="val 4337217"/>
-              <a:gd name="adj2" fmla="val 11164122"/>
-            </a:avLst>
+          <a:prstGeom prst="line">
+            <a:avLst/>
           </a:prstGeom>
-          <a:ln>
-            <a:headEnd type="triangle" w="med" len="med"/>
-            <a:tailEnd type="triangle" w="med" len="med"/>
+          <a:ln w="38100">
+            <a:solidFill>
+              <a:schemeClr val="bg1">
+                <a:lumMod val="50000"/>
+              </a:schemeClr>
+            </a:solidFill>
           </a:ln>
         </p:spPr>
         <p:style>
@@ -5434,21 +8452,13 @@
             <a:schemeClr val="tx1"/>
           </a:fontRef>
         </p:style>
-        <p:txBody>
-          <a:bodyPr rtlCol="0" anchor="ctr"/>
-          <a:lstStyle/>
-          <a:p>
-            <a:pPr algn="ctr"/>
-            <a:endParaRPr kumimoji="1" lang="ja-JP" altLang="en-US"/>
-          </a:p>
-        </p:txBody>
-      </p:sp>
+      </p:cxnSp>
       <p:sp>
         <p:nvSpPr>
-          <p:cNvPr id="70" name="円弧 69">
+          <p:cNvPr id="68" name="正方形/長方形 67">
             <a:extLst>
               <a:ext uri="{FF2B5EF4-FFF2-40B4-BE49-F238E27FC236}">
-                <a16:creationId xmlns:a16="http://schemas.microsoft.com/office/drawing/2014/main" id="{F1D334A4-1903-124F-A646-A27A694F6F3E}"/>
+                <a16:creationId xmlns:a16="http://schemas.microsoft.com/office/drawing/2014/main" id="{352CE438-4AF5-C841-B571-13EE86D45C3F}"/>
               </a:ext>
             </a:extLst>
           </p:cNvPr>
@@ -5457,18 +8467,2464 @@
         </p:nvSpPr>
         <p:spPr>
           <a:xfrm>
-            <a:off x="7082118" y="3810002"/>
-            <a:ext cx="1837765" cy="1837765"/>
+            <a:off x="0" y="0"/>
+            <a:ext cx="12192000" cy="448235"/>
           </a:xfrm>
-          <a:prstGeom prst="arc">
-            <a:avLst>
-              <a:gd name="adj1" fmla="val 21286009"/>
-              <a:gd name="adj2" fmla="val 11164122"/>
-            </a:avLst>
+          <a:prstGeom prst="rect">
+            <a:avLst/>
           </a:prstGeom>
+          <a:solidFill>
+            <a:schemeClr val="accent1">
+              <a:lumMod val="20000"/>
+              <a:lumOff val="80000"/>
+            </a:schemeClr>
+          </a:solidFill>
           <a:ln>
-            <a:headEnd type="triangle" w="med" len="med"/>
-            <a:tailEnd type="triangle" w="med" len="med"/>
+            <a:noFill/>
+          </a:ln>
+        </p:spPr>
+        <p:style>
+          <a:lnRef idx="2">
+            <a:schemeClr val="accent1">
+              <a:shade val="50000"/>
+            </a:schemeClr>
+          </a:lnRef>
+          <a:fillRef idx="1">
+            <a:schemeClr val="accent1"/>
+          </a:fillRef>
+          <a:effectRef idx="0">
+            <a:schemeClr val="accent1"/>
+          </a:effectRef>
+          <a:fontRef idx="minor">
+            <a:schemeClr val="lt1"/>
+          </a:fontRef>
+        </p:style>
+        <p:txBody>
+          <a:bodyPr rtlCol="0" anchor="ctr"/>
+          <a:lstStyle/>
+          <a:p>
+            <a:r>
+              <a:rPr kumimoji="1" lang="ja-JP" altLang="en-US">
+                <a:solidFill>
+                  <a:schemeClr val="tx1"/>
+                </a:solidFill>
+              </a:rPr>
+              <a:t>競技全体のシステム図</a:t>
+            </a:r>
+          </a:p>
+        </p:txBody>
+      </p:sp>
+      <p:grpSp>
+        <p:nvGrpSpPr>
+          <p:cNvPr id="22" name="グループ化 21">
+            <a:extLst>
+              <a:ext uri="{FF2B5EF4-FFF2-40B4-BE49-F238E27FC236}">
+                <a16:creationId xmlns:a16="http://schemas.microsoft.com/office/drawing/2014/main" id="{8C3880D4-B358-A440-BFA1-74D5883AE522}"/>
+              </a:ext>
+            </a:extLst>
+          </p:cNvPr>
+          <p:cNvGrpSpPr/>
+          <p:nvPr/>
+        </p:nvGrpSpPr>
+        <p:grpSpPr>
+          <a:xfrm>
+            <a:off x="3910674" y="4149080"/>
+            <a:ext cx="3557508" cy="2520280"/>
+            <a:chOff x="3337473" y="2708920"/>
+            <a:chExt cx="5590370" cy="3960440"/>
+          </a:xfrm>
+        </p:grpSpPr>
+        <p:sp>
+          <p:nvSpPr>
+            <p:cNvPr id="25" name="正方形/長方形 24">
+              <a:extLst>
+                <a:ext uri="{FF2B5EF4-FFF2-40B4-BE49-F238E27FC236}">
+                  <a16:creationId xmlns:a16="http://schemas.microsoft.com/office/drawing/2014/main" id="{ABC7FB96-33F9-5B4C-B205-11C2A68153C1}"/>
+                </a:ext>
+              </a:extLst>
+            </p:cNvPr>
+            <p:cNvSpPr/>
+            <p:nvPr/>
+          </p:nvSpPr>
+          <p:spPr>
+            <a:xfrm>
+              <a:off x="4943872" y="2708920"/>
+              <a:ext cx="2448272" cy="2160240"/>
+            </a:xfrm>
+            <a:prstGeom prst="rect">
+              <a:avLst/>
+            </a:prstGeom>
+            <a:solidFill>
+              <a:schemeClr val="bg1">
+                <a:lumMod val="95000"/>
+              </a:schemeClr>
+            </a:solidFill>
+            <a:ln w="12700">
+              <a:solidFill>
+                <a:schemeClr val="tx1"/>
+              </a:solidFill>
+              <a:prstDash val="solid"/>
+            </a:ln>
+          </p:spPr>
+          <p:style>
+            <a:lnRef idx="2">
+              <a:schemeClr val="accent1">
+                <a:shade val="50000"/>
+              </a:schemeClr>
+            </a:lnRef>
+            <a:fillRef idx="1">
+              <a:schemeClr val="accent1"/>
+            </a:fillRef>
+            <a:effectRef idx="0">
+              <a:schemeClr val="accent1"/>
+            </a:effectRef>
+            <a:fontRef idx="minor">
+              <a:schemeClr val="lt1"/>
+            </a:fontRef>
+          </p:style>
+          <p:txBody>
+            <a:bodyPr rtlCol="0" anchor="ctr"/>
+            <a:lstStyle/>
+            <a:p>
+              <a:pPr algn="ctr"/>
+              <a:endParaRPr kumimoji="1" lang="ja-JP" altLang="en-US" sz="1400"/>
+            </a:p>
+          </p:txBody>
+        </p:sp>
+        <p:sp>
+          <p:nvSpPr>
+            <p:cNvPr id="33" name="正方形/長方形 32">
+              <a:extLst>
+                <a:ext uri="{FF2B5EF4-FFF2-40B4-BE49-F238E27FC236}">
+                  <a16:creationId xmlns:a16="http://schemas.microsoft.com/office/drawing/2014/main" id="{79F2556D-3BF4-0540-AF4B-51FC5A2CB234}"/>
+                </a:ext>
+              </a:extLst>
+            </p:cNvPr>
+            <p:cNvSpPr/>
+            <p:nvPr/>
+          </p:nvSpPr>
+          <p:spPr>
+            <a:xfrm>
+              <a:off x="6334023" y="4840941"/>
+              <a:ext cx="2138242" cy="420770"/>
+            </a:xfrm>
+            <a:prstGeom prst="rect">
+              <a:avLst/>
+            </a:prstGeom>
+            <a:solidFill>
+              <a:schemeClr val="bg1">
+                <a:lumMod val="95000"/>
+              </a:schemeClr>
+            </a:solidFill>
+            <a:ln w="12700">
+              <a:solidFill>
+                <a:schemeClr val="tx1"/>
+              </a:solidFill>
+            </a:ln>
+          </p:spPr>
+          <p:style>
+            <a:lnRef idx="2">
+              <a:schemeClr val="accent1">
+                <a:shade val="50000"/>
+              </a:schemeClr>
+            </a:lnRef>
+            <a:fillRef idx="1">
+              <a:schemeClr val="accent1"/>
+            </a:fillRef>
+            <a:effectRef idx="0">
+              <a:schemeClr val="accent1"/>
+            </a:effectRef>
+            <a:fontRef idx="minor">
+              <a:schemeClr val="lt1"/>
+            </a:fontRef>
+          </p:style>
+          <p:txBody>
+            <a:bodyPr rtlCol="0" anchor="ctr"/>
+            <a:lstStyle/>
+            <a:p>
+              <a:pPr algn="ctr"/>
+              <a:endParaRPr kumimoji="1" lang="ja-JP" altLang="en-US" sz="1400"/>
+            </a:p>
+          </p:txBody>
+        </p:sp>
+        <p:grpSp>
+          <p:nvGrpSpPr>
+            <p:cNvPr id="15" name="グループ化 14">
+              <a:extLst>
+                <a:ext uri="{FF2B5EF4-FFF2-40B4-BE49-F238E27FC236}">
+                  <a16:creationId xmlns:a16="http://schemas.microsoft.com/office/drawing/2014/main" id="{E310BD69-5FCD-6441-80AD-6829EC549B42}"/>
+                </a:ext>
+              </a:extLst>
+            </p:cNvPr>
+            <p:cNvGrpSpPr/>
+            <p:nvPr/>
+          </p:nvGrpSpPr>
+          <p:grpSpPr>
+            <a:xfrm>
+              <a:off x="3407855" y="2792258"/>
+              <a:ext cx="1608025" cy="2292926"/>
+              <a:chOff x="2945322" y="2792258"/>
+              <a:chExt cx="1608025" cy="2292926"/>
+            </a:xfrm>
+          </p:grpSpPr>
+          <p:sp>
+            <p:nvSpPr>
+              <p:cNvPr id="39" name="片側の 2 つの角を切り取った四角形 38">
+                <a:extLst>
+                  <a:ext uri="{FF2B5EF4-FFF2-40B4-BE49-F238E27FC236}">
+                    <a16:creationId xmlns:a16="http://schemas.microsoft.com/office/drawing/2014/main" id="{2DCE4FBB-E173-FC4E-A6E6-B9ACDE105EC8}"/>
+                  </a:ext>
+                </a:extLst>
+              </p:cNvPr>
+              <p:cNvSpPr/>
+              <p:nvPr/>
+            </p:nvSpPr>
+            <p:spPr>
+              <a:xfrm rot="16200000" flipV="1">
+                <a:off x="3628818" y="3277191"/>
+                <a:ext cx="592737" cy="648205"/>
+              </a:xfrm>
+              <a:prstGeom prst="snip2SameRect">
+                <a:avLst/>
+              </a:prstGeom>
+              <a:solidFill>
+                <a:schemeClr val="bg1"/>
+              </a:solidFill>
+              <a:ln w="12700">
+                <a:solidFill>
+                  <a:schemeClr val="tx1"/>
+                </a:solidFill>
+              </a:ln>
+            </p:spPr>
+            <p:style>
+              <a:lnRef idx="2">
+                <a:schemeClr val="accent1">
+                  <a:shade val="50000"/>
+                </a:schemeClr>
+              </a:lnRef>
+              <a:fillRef idx="1">
+                <a:schemeClr val="accent1"/>
+              </a:fillRef>
+              <a:effectRef idx="0">
+                <a:schemeClr val="accent1"/>
+              </a:effectRef>
+              <a:fontRef idx="minor">
+                <a:schemeClr val="lt1"/>
+              </a:fontRef>
+            </p:style>
+            <p:txBody>
+              <a:bodyPr rtlCol="0" anchor="ctr"/>
+              <a:lstStyle/>
+              <a:p>
+                <a:pPr algn="ctr"/>
+                <a:endParaRPr kumimoji="1" lang="ja-JP" altLang="en-US" sz="1400"/>
+              </a:p>
+            </p:txBody>
+          </p:sp>
+          <p:grpSp>
+            <p:nvGrpSpPr>
+              <p:cNvPr id="43" name="グループ化 42">
+                <a:extLst>
+                  <a:ext uri="{FF2B5EF4-FFF2-40B4-BE49-F238E27FC236}">
+                    <a16:creationId xmlns:a16="http://schemas.microsoft.com/office/drawing/2014/main" id="{F79545D0-B85D-4A45-B41F-BE495556F9AB}"/>
+                  </a:ext>
+                </a:extLst>
+              </p:cNvPr>
+              <p:cNvGrpSpPr/>
+              <p:nvPr/>
+            </p:nvGrpSpPr>
+            <p:grpSpPr>
+              <a:xfrm>
+                <a:off x="2945322" y="2878644"/>
+                <a:ext cx="1120589" cy="1326777"/>
+                <a:chOff x="3774140" y="1452282"/>
+                <a:chExt cx="1120589" cy="1326777"/>
+              </a:xfrm>
+            </p:grpSpPr>
+            <p:sp>
+              <p:nvSpPr>
+                <p:cNvPr id="40" name="円弧 39">
+                  <a:extLst>
+                    <a:ext uri="{FF2B5EF4-FFF2-40B4-BE49-F238E27FC236}">
+                      <a16:creationId xmlns:a16="http://schemas.microsoft.com/office/drawing/2014/main" id="{86D38046-C761-3646-B461-1E3CFB7C8B8A}"/>
+                    </a:ext>
+                  </a:extLst>
+                </p:cNvPr>
+                <p:cNvSpPr/>
+                <p:nvPr/>
+              </p:nvSpPr>
+              <p:spPr>
+                <a:xfrm>
+                  <a:off x="3774140" y="1452282"/>
+                  <a:ext cx="815789" cy="1326777"/>
+                </a:xfrm>
+                <a:prstGeom prst="arc">
+                  <a:avLst>
+                    <a:gd name="adj1" fmla="val 6718735"/>
+                    <a:gd name="adj2" fmla="val 14974613"/>
+                  </a:avLst>
+                </a:prstGeom>
+              </p:spPr>
+              <p:style>
+                <a:lnRef idx="1">
+                  <a:schemeClr val="accent1"/>
+                </a:lnRef>
+                <a:fillRef idx="0">
+                  <a:schemeClr val="accent1"/>
+                </a:fillRef>
+                <a:effectRef idx="0">
+                  <a:schemeClr val="accent1"/>
+                </a:effectRef>
+                <a:fontRef idx="minor">
+                  <a:schemeClr val="tx1"/>
+                </a:fontRef>
+              </p:style>
+              <p:txBody>
+                <a:bodyPr rtlCol="0" anchor="ctr"/>
+                <a:lstStyle/>
+                <a:p>
+                  <a:pPr algn="ctr"/>
+                  <a:endParaRPr kumimoji="1" lang="ja-JP" altLang="en-US" sz="1400"/>
+                </a:p>
+              </p:txBody>
+            </p:sp>
+            <p:sp>
+              <p:nvSpPr>
+                <p:cNvPr id="41" name="円弧 40">
+                  <a:extLst>
+                    <a:ext uri="{FF2B5EF4-FFF2-40B4-BE49-F238E27FC236}">
+                      <a16:creationId xmlns:a16="http://schemas.microsoft.com/office/drawing/2014/main" id="{A164673C-EF62-E240-87CC-4F300A58BF9F}"/>
+                    </a:ext>
+                  </a:extLst>
+                </p:cNvPr>
+                <p:cNvSpPr/>
+                <p:nvPr/>
+              </p:nvSpPr>
+              <p:spPr>
+                <a:xfrm>
+                  <a:off x="3926540" y="1600200"/>
+                  <a:ext cx="815789" cy="1030941"/>
+                </a:xfrm>
+                <a:prstGeom prst="arc">
+                  <a:avLst>
+                    <a:gd name="adj1" fmla="val 6718735"/>
+                    <a:gd name="adj2" fmla="val 14974613"/>
+                  </a:avLst>
+                </a:prstGeom>
+              </p:spPr>
+              <p:style>
+                <a:lnRef idx="1">
+                  <a:schemeClr val="accent1"/>
+                </a:lnRef>
+                <a:fillRef idx="0">
+                  <a:schemeClr val="accent1"/>
+                </a:fillRef>
+                <a:effectRef idx="0">
+                  <a:schemeClr val="accent1"/>
+                </a:effectRef>
+                <a:fontRef idx="minor">
+                  <a:schemeClr val="tx1"/>
+                </a:fontRef>
+              </p:style>
+              <p:txBody>
+                <a:bodyPr rtlCol="0" anchor="ctr"/>
+                <a:lstStyle/>
+                <a:p>
+                  <a:pPr algn="ctr"/>
+                  <a:endParaRPr kumimoji="1" lang="ja-JP" altLang="en-US" sz="1400"/>
+                </a:p>
+              </p:txBody>
+            </p:sp>
+            <p:sp>
+              <p:nvSpPr>
+                <p:cNvPr id="42" name="円弧 41">
+                  <a:extLst>
+                    <a:ext uri="{FF2B5EF4-FFF2-40B4-BE49-F238E27FC236}">
+                      <a16:creationId xmlns:a16="http://schemas.microsoft.com/office/drawing/2014/main" id="{ED505722-AB6D-3E47-BA49-B4536F823129}"/>
+                    </a:ext>
+                  </a:extLst>
+                </p:cNvPr>
+                <p:cNvSpPr/>
+                <p:nvPr/>
+              </p:nvSpPr>
+              <p:spPr>
+                <a:xfrm>
+                  <a:off x="4078940" y="1698811"/>
+                  <a:ext cx="815789" cy="833718"/>
+                </a:xfrm>
+                <a:prstGeom prst="arc">
+                  <a:avLst>
+                    <a:gd name="adj1" fmla="val 6718735"/>
+                    <a:gd name="adj2" fmla="val 14974613"/>
+                  </a:avLst>
+                </a:prstGeom>
+              </p:spPr>
+              <p:style>
+                <a:lnRef idx="1">
+                  <a:schemeClr val="accent1"/>
+                </a:lnRef>
+                <a:fillRef idx="0">
+                  <a:schemeClr val="accent1"/>
+                </a:fillRef>
+                <a:effectRef idx="0">
+                  <a:schemeClr val="accent1"/>
+                </a:effectRef>
+                <a:fontRef idx="minor">
+                  <a:schemeClr val="tx1"/>
+                </a:fontRef>
+              </p:style>
+              <p:txBody>
+                <a:bodyPr rtlCol="0" anchor="ctr"/>
+                <a:lstStyle/>
+                <a:p>
+                  <a:pPr algn="ctr"/>
+                  <a:endParaRPr kumimoji="1" lang="ja-JP" altLang="en-US" sz="1400"/>
+                </a:p>
+              </p:txBody>
+            </p:sp>
+          </p:grpSp>
+          <p:sp>
+            <p:nvSpPr>
+              <p:cNvPr id="46" name="正方形/長方形 45">
+                <a:extLst>
+                  <a:ext uri="{FF2B5EF4-FFF2-40B4-BE49-F238E27FC236}">
+                    <a16:creationId xmlns:a16="http://schemas.microsoft.com/office/drawing/2014/main" id="{C487CA86-E873-A643-BF93-B2317374DD71}"/>
+                  </a:ext>
+                </a:extLst>
+              </p:cNvPr>
+              <p:cNvSpPr/>
+              <p:nvPr/>
+            </p:nvSpPr>
+            <p:spPr>
+              <a:xfrm>
+                <a:off x="3778087" y="3905103"/>
+                <a:ext cx="733737" cy="127032"/>
+              </a:xfrm>
+              <a:prstGeom prst="rect">
+                <a:avLst/>
+              </a:prstGeom>
+              <a:solidFill>
+                <a:schemeClr val="bg1"/>
+              </a:solidFill>
+            </p:spPr>
+            <p:style>
+              <a:lnRef idx="2">
+                <a:schemeClr val="accent1">
+                  <a:shade val="50000"/>
+                </a:schemeClr>
+              </a:lnRef>
+              <a:fillRef idx="1">
+                <a:schemeClr val="accent1"/>
+              </a:fillRef>
+              <a:effectRef idx="0">
+                <a:schemeClr val="accent1"/>
+              </a:effectRef>
+              <a:fontRef idx="minor">
+                <a:schemeClr val="lt1"/>
+              </a:fontRef>
+            </p:style>
+            <p:txBody>
+              <a:bodyPr rtlCol="0" anchor="ctr"/>
+              <a:lstStyle/>
+              <a:p>
+                <a:pPr algn="ctr"/>
+                <a:endParaRPr kumimoji="1" lang="ja-JP" altLang="en-US" sz="1400"/>
+              </a:p>
+            </p:txBody>
+          </p:sp>
+          <p:sp>
+            <p:nvSpPr>
+              <p:cNvPr id="48" name="片側の 2 つの角を切り取った四角形 47">
+                <a:extLst>
+                  <a:ext uri="{FF2B5EF4-FFF2-40B4-BE49-F238E27FC236}">
+                    <a16:creationId xmlns:a16="http://schemas.microsoft.com/office/drawing/2014/main" id="{B7396866-22A4-3940-B9CC-491AE9F74EBD}"/>
+                  </a:ext>
+                </a:extLst>
+              </p:cNvPr>
+              <p:cNvSpPr/>
+              <p:nvPr/>
+            </p:nvSpPr>
+            <p:spPr>
+              <a:xfrm rot="16200000" flipH="1" flipV="1">
+                <a:off x="3628818" y="4010056"/>
+                <a:ext cx="592737" cy="648205"/>
+              </a:xfrm>
+              <a:prstGeom prst="snip2SameRect">
+                <a:avLst/>
+              </a:prstGeom>
+              <a:solidFill>
+                <a:schemeClr val="bg1"/>
+              </a:solidFill>
+              <a:ln w="12700">
+                <a:solidFill>
+                  <a:schemeClr val="tx1"/>
+                </a:solidFill>
+              </a:ln>
+            </p:spPr>
+            <p:style>
+              <a:lnRef idx="2">
+                <a:schemeClr val="accent1">
+                  <a:shade val="50000"/>
+                </a:schemeClr>
+              </a:lnRef>
+              <a:fillRef idx="1">
+                <a:schemeClr val="accent1"/>
+              </a:fillRef>
+              <a:effectRef idx="0">
+                <a:schemeClr val="accent1"/>
+              </a:effectRef>
+              <a:fontRef idx="minor">
+                <a:schemeClr val="lt1"/>
+              </a:fontRef>
+            </p:style>
+            <p:txBody>
+              <a:bodyPr rtlCol="0" anchor="ctr"/>
+              <a:lstStyle/>
+              <a:p>
+                <a:pPr algn="ctr"/>
+                <a:endParaRPr kumimoji="1" lang="ja-JP" altLang="en-US" sz="1400"/>
+              </a:p>
+            </p:txBody>
+          </p:sp>
+          <p:sp>
+            <p:nvSpPr>
+              <p:cNvPr id="2" name="正方形/長方形 1">
+                <a:extLst>
+                  <a:ext uri="{FF2B5EF4-FFF2-40B4-BE49-F238E27FC236}">
+                    <a16:creationId xmlns:a16="http://schemas.microsoft.com/office/drawing/2014/main" id="{EE90CA31-ECB3-6F42-A33C-9F63AD466C8B}"/>
+                  </a:ext>
+                </a:extLst>
+              </p:cNvPr>
+              <p:cNvSpPr/>
+              <p:nvPr/>
+            </p:nvSpPr>
+            <p:spPr>
+              <a:xfrm>
+                <a:off x="3077263" y="2792258"/>
+                <a:ext cx="1417777" cy="436418"/>
+              </a:xfrm>
+              <a:prstGeom prst="rect">
+                <a:avLst/>
+              </a:prstGeom>
+              <a:noFill/>
+              <a:ln>
+                <a:noFill/>
+              </a:ln>
+            </p:spPr>
+            <p:style>
+              <a:lnRef idx="2">
+                <a:schemeClr val="accent1">
+                  <a:shade val="50000"/>
+                </a:schemeClr>
+              </a:lnRef>
+              <a:fillRef idx="1">
+                <a:schemeClr val="accent1"/>
+              </a:fillRef>
+              <a:effectRef idx="0">
+                <a:schemeClr val="accent1"/>
+              </a:effectRef>
+              <a:fontRef idx="minor">
+                <a:schemeClr val="lt1"/>
+              </a:fontRef>
+            </p:style>
+            <p:txBody>
+              <a:bodyPr rtlCol="0" anchor="ctr"/>
+              <a:lstStyle/>
+              <a:p>
+                <a:pPr algn="ctr"/>
+                <a:r>
+                  <a:rPr kumimoji="1" lang="ja-JP" altLang="en-US" sz="1100">
+                    <a:solidFill>
+                      <a:schemeClr val="tx1"/>
+                    </a:solidFill>
+                  </a:rPr>
+                  <a:t>超音波</a:t>
+                </a:r>
+                <a:endParaRPr kumimoji="1" lang="en-US" altLang="ja-JP" sz="1100" dirty="0">
+                  <a:solidFill>
+                    <a:schemeClr val="tx1"/>
+                  </a:solidFill>
+                </a:endParaRPr>
+              </a:p>
+              <a:p>
+                <a:pPr algn="ctr"/>
+                <a:r>
+                  <a:rPr kumimoji="1" lang="ja-JP" altLang="en-US" sz="1100">
+                    <a:solidFill>
+                      <a:schemeClr val="tx1"/>
+                    </a:solidFill>
+                  </a:rPr>
+                  <a:t>センサ</a:t>
+                </a:r>
+              </a:p>
+            </p:txBody>
+          </p:sp>
+          <p:sp>
+            <p:nvSpPr>
+              <p:cNvPr id="54" name="正方形/長方形 53">
+                <a:extLst>
+                  <a:ext uri="{FF2B5EF4-FFF2-40B4-BE49-F238E27FC236}">
+                    <a16:creationId xmlns:a16="http://schemas.microsoft.com/office/drawing/2014/main" id="{95670154-72F6-9540-9AD7-28E7B4A18965}"/>
+                  </a:ext>
+                </a:extLst>
+              </p:cNvPr>
+              <p:cNvSpPr/>
+              <p:nvPr/>
+            </p:nvSpPr>
+            <p:spPr>
+              <a:xfrm>
+                <a:off x="3018956" y="4648766"/>
+                <a:ext cx="1534391" cy="436418"/>
+              </a:xfrm>
+              <a:prstGeom prst="rect">
+                <a:avLst/>
+              </a:prstGeom>
+              <a:noFill/>
+              <a:ln>
+                <a:noFill/>
+              </a:ln>
+            </p:spPr>
+            <p:style>
+              <a:lnRef idx="2">
+                <a:schemeClr val="accent1">
+                  <a:shade val="50000"/>
+                </a:schemeClr>
+              </a:lnRef>
+              <a:fillRef idx="1">
+                <a:schemeClr val="accent1"/>
+              </a:fillRef>
+              <a:effectRef idx="0">
+                <a:schemeClr val="accent1"/>
+              </a:effectRef>
+              <a:fontRef idx="minor">
+                <a:schemeClr val="lt1"/>
+              </a:fontRef>
+            </p:style>
+            <p:txBody>
+              <a:bodyPr rtlCol="0" anchor="ctr"/>
+              <a:lstStyle/>
+              <a:p>
+                <a:pPr algn="ctr"/>
+                <a:r>
+                  <a:rPr kumimoji="1" lang="ja-JP" altLang="en-US" sz="1100">
+                    <a:solidFill>
+                      <a:schemeClr val="tx1"/>
+                    </a:solidFill>
+                  </a:rPr>
+                  <a:t>ジャイロ</a:t>
+                </a:r>
+                <a:endParaRPr kumimoji="1" lang="en-US" altLang="ja-JP" sz="1100" dirty="0">
+                  <a:solidFill>
+                    <a:schemeClr val="tx1"/>
+                  </a:solidFill>
+                </a:endParaRPr>
+              </a:p>
+              <a:p>
+                <a:pPr algn="ctr"/>
+                <a:r>
+                  <a:rPr kumimoji="1" lang="ja-JP" altLang="en-US" sz="1100">
+                    <a:solidFill>
+                      <a:schemeClr val="tx1"/>
+                    </a:solidFill>
+                  </a:rPr>
+                  <a:t>センサ</a:t>
+                </a:r>
+              </a:p>
+            </p:txBody>
+          </p:sp>
+        </p:grpSp>
+        <p:sp>
+          <p:nvSpPr>
+            <p:cNvPr id="55" name="正方形/長方形 54">
+              <a:extLst>
+                <a:ext uri="{FF2B5EF4-FFF2-40B4-BE49-F238E27FC236}">
+                  <a16:creationId xmlns:a16="http://schemas.microsoft.com/office/drawing/2014/main" id="{C482E7DA-297C-7344-AC5A-D4FB1344E8D4}"/>
+                </a:ext>
+              </a:extLst>
+            </p:cNvPr>
+            <p:cNvSpPr/>
+            <p:nvPr/>
+          </p:nvSpPr>
+          <p:spPr>
+            <a:xfrm>
+              <a:off x="3337473" y="6021288"/>
+              <a:ext cx="1534391" cy="436418"/>
+            </a:xfrm>
+            <a:prstGeom prst="rect">
+              <a:avLst/>
+            </a:prstGeom>
+            <a:noFill/>
+            <a:ln>
+              <a:noFill/>
+            </a:ln>
+          </p:spPr>
+          <p:style>
+            <a:lnRef idx="2">
+              <a:schemeClr val="accent1">
+                <a:shade val="50000"/>
+              </a:schemeClr>
+            </a:lnRef>
+            <a:fillRef idx="1">
+              <a:schemeClr val="accent1"/>
+            </a:fillRef>
+            <a:effectRef idx="0">
+              <a:schemeClr val="accent1"/>
+            </a:effectRef>
+            <a:fontRef idx="minor">
+              <a:schemeClr val="lt1"/>
+            </a:fontRef>
+          </p:style>
+          <p:txBody>
+            <a:bodyPr rtlCol="0" anchor="ctr"/>
+            <a:lstStyle/>
+            <a:p>
+              <a:pPr algn="ctr"/>
+              <a:r>
+                <a:rPr kumimoji="1" lang="ja-JP" altLang="en-US" sz="1100">
+                  <a:solidFill>
+                    <a:schemeClr val="tx1"/>
+                  </a:solidFill>
+                </a:rPr>
+                <a:t>光センサ</a:t>
+              </a:r>
+            </a:p>
+          </p:txBody>
+        </p:sp>
+        <p:grpSp>
+          <p:nvGrpSpPr>
+            <p:cNvPr id="21" name="グループ化 20">
+              <a:extLst>
+                <a:ext uri="{FF2B5EF4-FFF2-40B4-BE49-F238E27FC236}">
+                  <a16:creationId xmlns:a16="http://schemas.microsoft.com/office/drawing/2014/main" id="{1AE5783F-2727-D344-9C41-72BC56ADC859}"/>
+                </a:ext>
+              </a:extLst>
+            </p:cNvPr>
+            <p:cNvGrpSpPr/>
+            <p:nvPr/>
+          </p:nvGrpSpPr>
+          <p:grpSpPr>
+            <a:xfrm>
+              <a:off x="4917218" y="4179080"/>
+              <a:ext cx="2412459" cy="2412459"/>
+              <a:chOff x="4917218" y="4179080"/>
+              <a:chExt cx="2412459" cy="2412459"/>
+            </a:xfrm>
+          </p:grpSpPr>
+          <p:grpSp>
+            <p:nvGrpSpPr>
+              <p:cNvPr id="18" name="グループ化 17">
+                <a:extLst>
+                  <a:ext uri="{FF2B5EF4-FFF2-40B4-BE49-F238E27FC236}">
+                    <a16:creationId xmlns:a16="http://schemas.microsoft.com/office/drawing/2014/main" id="{A19B65C5-22B9-CD48-9803-FDC51EA6206F}"/>
+                  </a:ext>
+                </a:extLst>
+              </p:cNvPr>
+              <p:cNvGrpSpPr/>
+              <p:nvPr/>
+            </p:nvGrpSpPr>
+            <p:grpSpPr>
+              <a:xfrm>
+                <a:off x="4917218" y="4179080"/>
+                <a:ext cx="2412459" cy="2412459"/>
+                <a:chOff x="3297677" y="3570051"/>
+                <a:chExt cx="2412459" cy="2412459"/>
+              </a:xfrm>
+              <a:solidFill>
+                <a:schemeClr val="bg1"/>
+              </a:solidFill>
+            </p:grpSpPr>
+            <p:sp>
+              <p:nvSpPr>
+                <p:cNvPr id="14" name="円/楕円 13">
+                  <a:extLst>
+                    <a:ext uri="{FF2B5EF4-FFF2-40B4-BE49-F238E27FC236}">
+                      <a16:creationId xmlns:a16="http://schemas.microsoft.com/office/drawing/2014/main" id="{95BC6E65-A6A6-DA4F-89B6-318AFFF06831}"/>
+                    </a:ext>
+                  </a:extLst>
+                </p:cNvPr>
+                <p:cNvSpPr/>
+                <p:nvPr/>
+              </p:nvSpPr>
+              <p:spPr>
+                <a:xfrm>
+                  <a:off x="4166681" y="4439055"/>
+                  <a:ext cx="674450" cy="674450"/>
+                </a:xfrm>
+                <a:prstGeom prst="ellipse">
+                  <a:avLst/>
+                </a:prstGeom>
+                <a:grpFill/>
+                <a:ln w="12700">
+                  <a:solidFill>
+                    <a:schemeClr val="tx1"/>
+                  </a:solidFill>
+                </a:ln>
+              </p:spPr>
+              <p:style>
+                <a:lnRef idx="2">
+                  <a:schemeClr val="accent1">
+                    <a:shade val="50000"/>
+                  </a:schemeClr>
+                </a:lnRef>
+                <a:fillRef idx="1">
+                  <a:schemeClr val="accent1"/>
+                </a:fillRef>
+                <a:effectRef idx="0">
+                  <a:schemeClr val="accent1"/>
+                </a:effectRef>
+                <a:fontRef idx="minor">
+                  <a:schemeClr val="lt1"/>
+                </a:fontRef>
+              </p:style>
+              <p:txBody>
+                <a:bodyPr rtlCol="0" anchor="ctr"/>
+                <a:lstStyle/>
+                <a:p>
+                  <a:pPr algn="ctr"/>
+                  <a:endParaRPr kumimoji="1" lang="ja-JP" altLang="en-US" sz="1400"/>
+                </a:p>
+              </p:txBody>
+            </p:sp>
+            <p:grpSp>
+              <p:nvGrpSpPr>
+                <p:cNvPr id="10" name="グループ化 9">
+                  <a:extLst>
+                    <a:ext uri="{FF2B5EF4-FFF2-40B4-BE49-F238E27FC236}">
+                      <a16:creationId xmlns:a16="http://schemas.microsoft.com/office/drawing/2014/main" id="{101C7940-1F2F-9B46-86F9-5B87F71BEC85}"/>
+                    </a:ext>
+                  </a:extLst>
+                </p:cNvPr>
+                <p:cNvGrpSpPr/>
+                <p:nvPr/>
+              </p:nvGrpSpPr>
+              <p:grpSpPr>
+                <a:xfrm>
+                  <a:off x="3297677" y="3570051"/>
+                  <a:ext cx="2412459" cy="2412459"/>
+                  <a:chOff x="3297677" y="3570051"/>
+                  <a:chExt cx="2412459" cy="2412459"/>
+                </a:xfrm>
+                <a:grpFill/>
+              </p:grpSpPr>
+              <p:sp>
+                <p:nvSpPr>
+                  <p:cNvPr id="5" name="円/楕円 4">
+                    <a:extLst>
+                      <a:ext uri="{FF2B5EF4-FFF2-40B4-BE49-F238E27FC236}">
+                        <a16:creationId xmlns:a16="http://schemas.microsoft.com/office/drawing/2014/main" id="{FC6F3BDA-439B-414C-B97A-9DD594111347}"/>
+                      </a:ext>
+                    </a:extLst>
+                  </p:cNvPr>
+                  <p:cNvSpPr/>
+                  <p:nvPr/>
+                </p:nvSpPr>
+                <p:spPr>
+                  <a:xfrm>
+                    <a:off x="3297677" y="3570051"/>
+                    <a:ext cx="2412459" cy="2412459"/>
+                  </a:xfrm>
+                  <a:prstGeom prst="ellipse">
+                    <a:avLst/>
+                  </a:prstGeom>
+                  <a:grpFill/>
+                  <a:ln w="12700">
+                    <a:solidFill>
+                      <a:schemeClr val="tx1"/>
+                    </a:solidFill>
+                  </a:ln>
+                </p:spPr>
+                <p:style>
+                  <a:lnRef idx="2">
+                    <a:schemeClr val="accent1">
+                      <a:shade val="50000"/>
+                    </a:schemeClr>
+                  </a:lnRef>
+                  <a:fillRef idx="1">
+                    <a:schemeClr val="accent1"/>
+                  </a:fillRef>
+                  <a:effectRef idx="0">
+                    <a:schemeClr val="accent1"/>
+                  </a:effectRef>
+                  <a:fontRef idx="minor">
+                    <a:schemeClr val="lt1"/>
+                  </a:fontRef>
+                </p:style>
+                <p:txBody>
+                  <a:bodyPr rtlCol="0" anchor="ctr"/>
+                  <a:lstStyle/>
+                  <a:p>
+                    <a:pPr algn="ctr"/>
+                    <a:endParaRPr kumimoji="1" lang="ja-JP" altLang="en-US" sz="1400"/>
+                  </a:p>
+                </p:txBody>
+              </p:sp>
+              <p:cxnSp>
+                <p:nvCxnSpPr>
+                  <p:cNvPr id="7" name="直線コネクタ 6">
+                    <a:extLst>
+                      <a:ext uri="{FF2B5EF4-FFF2-40B4-BE49-F238E27FC236}">
+                        <a16:creationId xmlns:a16="http://schemas.microsoft.com/office/drawing/2014/main" id="{A02EA583-404A-9E4B-A6B5-7EE81711ADFD}"/>
+                      </a:ext>
+                    </a:extLst>
+                  </p:cNvPr>
+                  <p:cNvCxnSpPr>
+                    <a:stCxn id="5" idx="2"/>
+                    <a:endCxn id="5" idx="6"/>
+                  </p:cNvCxnSpPr>
+                  <p:nvPr/>
+                </p:nvCxnSpPr>
+                <p:spPr>
+                  <a:xfrm>
+                    <a:off x="3297677" y="4776281"/>
+                    <a:ext cx="2412459" cy="0"/>
+                  </a:xfrm>
+                  <a:prstGeom prst="line">
+                    <a:avLst/>
+                  </a:prstGeom>
+                  <a:grpFill/>
+                  <a:ln w="12700">
+                    <a:solidFill>
+                      <a:schemeClr val="tx1"/>
+                    </a:solidFill>
+                  </a:ln>
+                </p:spPr>
+                <p:style>
+                  <a:lnRef idx="1">
+                    <a:schemeClr val="accent1"/>
+                  </a:lnRef>
+                  <a:fillRef idx="0">
+                    <a:schemeClr val="accent1"/>
+                  </a:fillRef>
+                  <a:effectRef idx="0">
+                    <a:schemeClr val="accent1"/>
+                  </a:effectRef>
+                  <a:fontRef idx="minor">
+                    <a:schemeClr val="tx1"/>
+                  </a:fontRef>
+                </p:style>
+              </p:cxnSp>
+              <p:cxnSp>
+                <p:nvCxnSpPr>
+                  <p:cNvPr id="9" name="直線コネクタ 8">
+                    <a:extLst>
+                      <a:ext uri="{FF2B5EF4-FFF2-40B4-BE49-F238E27FC236}">
+                        <a16:creationId xmlns:a16="http://schemas.microsoft.com/office/drawing/2014/main" id="{71EA019B-6F62-1647-B74E-7733CB3104E5}"/>
+                      </a:ext>
+                    </a:extLst>
+                  </p:cNvPr>
+                  <p:cNvCxnSpPr>
+                    <a:stCxn id="5" idx="4"/>
+                    <a:endCxn id="5" idx="0"/>
+                  </p:cNvCxnSpPr>
+                  <p:nvPr/>
+                </p:nvCxnSpPr>
+                <p:spPr>
+                  <a:xfrm flipV="1">
+                    <a:off x="4503907" y="3570051"/>
+                    <a:ext cx="0" cy="2412459"/>
+                  </a:xfrm>
+                  <a:prstGeom prst="line">
+                    <a:avLst/>
+                  </a:prstGeom>
+                  <a:grpFill/>
+                  <a:ln w="12700">
+                    <a:solidFill>
+                      <a:schemeClr val="tx1"/>
+                    </a:solidFill>
+                  </a:ln>
+                </p:spPr>
+                <p:style>
+                  <a:lnRef idx="1">
+                    <a:schemeClr val="accent1"/>
+                  </a:lnRef>
+                  <a:fillRef idx="0">
+                    <a:schemeClr val="accent1"/>
+                  </a:fillRef>
+                  <a:effectRef idx="0">
+                    <a:schemeClr val="accent1"/>
+                  </a:effectRef>
+                  <a:fontRef idx="minor">
+                    <a:schemeClr val="tx1"/>
+                  </a:fontRef>
+                </p:style>
+              </p:cxnSp>
+            </p:grpSp>
+          </p:grpSp>
+          <p:sp>
+            <p:nvSpPr>
+              <p:cNvPr id="77" name="円/楕円 76">
+                <a:extLst>
+                  <a:ext uri="{FF2B5EF4-FFF2-40B4-BE49-F238E27FC236}">
+                    <a16:creationId xmlns:a16="http://schemas.microsoft.com/office/drawing/2014/main" id="{DFD99CCE-3A47-B64F-81EA-DE50EB9DE10D}"/>
+                  </a:ext>
+                </a:extLst>
+              </p:cNvPr>
+              <p:cNvSpPr/>
+              <p:nvPr/>
+            </p:nvSpPr>
+            <p:spPr>
+              <a:xfrm>
+                <a:off x="5935234" y="5194885"/>
+                <a:ext cx="374072" cy="374072"/>
+              </a:xfrm>
+              <a:prstGeom prst="ellipse">
+                <a:avLst/>
+              </a:prstGeom>
+              <a:solidFill>
+                <a:schemeClr val="bg1">
+                  <a:lumMod val="95000"/>
+                </a:schemeClr>
+              </a:solidFill>
+              <a:ln>
+                <a:solidFill>
+                  <a:schemeClr val="tx1"/>
+                </a:solidFill>
+              </a:ln>
+            </p:spPr>
+            <p:style>
+              <a:lnRef idx="2">
+                <a:schemeClr val="accent1">
+                  <a:shade val="50000"/>
+                </a:schemeClr>
+              </a:lnRef>
+              <a:fillRef idx="1">
+                <a:schemeClr val="accent1"/>
+              </a:fillRef>
+              <a:effectRef idx="0">
+                <a:schemeClr val="accent1"/>
+              </a:effectRef>
+              <a:fontRef idx="minor">
+                <a:schemeClr val="lt1"/>
+              </a:fontRef>
+            </p:style>
+            <p:txBody>
+              <a:bodyPr rtlCol="0" anchor="ctr" anchorCtr="0"/>
+              <a:lstStyle/>
+              <a:p>
+                <a:pPr algn="ctr"/>
+                <a:r>
+                  <a:rPr kumimoji="1" lang="en-US" altLang="ja-JP" sz="1400" b="1" dirty="0">
+                    <a:solidFill>
+                      <a:schemeClr val="tx1"/>
+                    </a:solidFill>
+                  </a:rPr>
+                  <a:t>M</a:t>
+                </a:r>
+                <a:endParaRPr kumimoji="1" lang="ja-JP" altLang="en-US" sz="1400" b="1">
+                  <a:solidFill>
+                    <a:schemeClr val="tx1"/>
+                  </a:solidFill>
+                </a:endParaRPr>
+              </a:p>
+            </p:txBody>
+          </p:sp>
+        </p:grpSp>
+        <p:grpSp>
+          <p:nvGrpSpPr>
+            <p:cNvPr id="16" name="グループ化 15">
+              <a:extLst>
+                <a:ext uri="{FF2B5EF4-FFF2-40B4-BE49-F238E27FC236}">
+                  <a16:creationId xmlns:a16="http://schemas.microsoft.com/office/drawing/2014/main" id="{9CC7FF9A-C920-3647-ADDB-8E45ECAE1C4D}"/>
+                </a:ext>
+              </a:extLst>
+            </p:cNvPr>
+            <p:cNvGrpSpPr/>
+            <p:nvPr/>
+          </p:nvGrpSpPr>
+          <p:grpSpPr>
+            <a:xfrm>
+              <a:off x="7320136" y="4925535"/>
+              <a:ext cx="1607707" cy="1651603"/>
+              <a:chOff x="7320136" y="4925535"/>
+              <a:chExt cx="1607707" cy="1651603"/>
+            </a:xfrm>
+          </p:grpSpPr>
+          <p:grpSp>
+            <p:nvGrpSpPr>
+              <p:cNvPr id="49" name="グループ化 48">
+                <a:extLst>
+                  <a:ext uri="{FF2B5EF4-FFF2-40B4-BE49-F238E27FC236}">
+                    <a16:creationId xmlns:a16="http://schemas.microsoft.com/office/drawing/2014/main" id="{E2DE31E5-06AD-6F49-A568-0B7E55B925D3}"/>
+                  </a:ext>
+                </a:extLst>
+              </p:cNvPr>
+              <p:cNvGrpSpPr/>
+              <p:nvPr/>
+            </p:nvGrpSpPr>
+            <p:grpSpPr>
+              <a:xfrm>
+                <a:off x="8253393" y="4925535"/>
+                <a:ext cx="674450" cy="674450"/>
+                <a:chOff x="3385226" y="3429000"/>
+                <a:chExt cx="674450" cy="674450"/>
+              </a:xfrm>
+              <a:solidFill>
+                <a:schemeClr val="accent6">
+                  <a:lumMod val="20000"/>
+                  <a:lumOff val="80000"/>
+                </a:schemeClr>
+              </a:solidFill>
+            </p:grpSpPr>
+            <p:sp>
+              <p:nvSpPr>
+                <p:cNvPr id="50" name="円/楕円 49">
+                  <a:extLst>
+                    <a:ext uri="{FF2B5EF4-FFF2-40B4-BE49-F238E27FC236}">
+                      <a16:creationId xmlns:a16="http://schemas.microsoft.com/office/drawing/2014/main" id="{CB07BC6C-F1FD-484C-8FA0-49EB093AED70}"/>
+                    </a:ext>
+                  </a:extLst>
+                </p:cNvPr>
+                <p:cNvSpPr/>
+                <p:nvPr/>
+              </p:nvSpPr>
+              <p:spPr>
+                <a:xfrm>
+                  <a:off x="3385226" y="3429000"/>
+                  <a:ext cx="674450" cy="674450"/>
+                </a:xfrm>
+                <a:prstGeom prst="ellipse">
+                  <a:avLst/>
+                </a:prstGeom>
+                <a:grpFill/>
+                <a:ln w="12700">
+                  <a:solidFill>
+                    <a:schemeClr val="tx1"/>
+                  </a:solidFill>
+                </a:ln>
+              </p:spPr>
+              <p:style>
+                <a:lnRef idx="2">
+                  <a:schemeClr val="accent1">
+                    <a:shade val="50000"/>
+                  </a:schemeClr>
+                </a:lnRef>
+                <a:fillRef idx="1">
+                  <a:schemeClr val="accent1"/>
+                </a:fillRef>
+                <a:effectRef idx="0">
+                  <a:schemeClr val="accent1"/>
+                </a:effectRef>
+                <a:fontRef idx="minor">
+                  <a:schemeClr val="lt1"/>
+                </a:fontRef>
+              </p:style>
+              <p:txBody>
+                <a:bodyPr rtlCol="0" anchor="ctr"/>
+                <a:lstStyle/>
+                <a:p>
+                  <a:pPr algn="ctr"/>
+                  <a:endParaRPr kumimoji="1" lang="ja-JP" altLang="en-US" sz="1400"/>
+                </a:p>
+              </p:txBody>
+            </p:sp>
+            <p:cxnSp>
+              <p:nvCxnSpPr>
+                <p:cNvPr id="51" name="直線コネクタ 50">
+                  <a:extLst>
+                    <a:ext uri="{FF2B5EF4-FFF2-40B4-BE49-F238E27FC236}">
+                      <a16:creationId xmlns:a16="http://schemas.microsoft.com/office/drawing/2014/main" id="{ABC6D782-BE7F-C245-8D32-AB9CBD827AAB}"/>
+                    </a:ext>
+                  </a:extLst>
+                </p:cNvPr>
+                <p:cNvCxnSpPr>
+                  <a:stCxn id="50" idx="6"/>
+                  <a:endCxn id="50" idx="2"/>
+                </p:cNvCxnSpPr>
+                <p:nvPr/>
+              </p:nvCxnSpPr>
+              <p:spPr>
+                <a:xfrm flipH="1">
+                  <a:off x="3385226" y="3766225"/>
+                  <a:ext cx="674450" cy="0"/>
+                </a:xfrm>
+                <a:prstGeom prst="line">
+                  <a:avLst/>
+                </a:prstGeom>
+                <a:grpFill/>
+                <a:ln w="12700">
+                  <a:solidFill>
+                    <a:schemeClr val="tx1"/>
+                  </a:solidFill>
+                </a:ln>
+              </p:spPr>
+              <p:style>
+                <a:lnRef idx="1">
+                  <a:schemeClr val="accent1"/>
+                </a:lnRef>
+                <a:fillRef idx="0">
+                  <a:schemeClr val="accent1"/>
+                </a:fillRef>
+                <a:effectRef idx="0">
+                  <a:schemeClr val="accent1"/>
+                </a:effectRef>
+                <a:fontRef idx="minor">
+                  <a:schemeClr val="tx1"/>
+                </a:fontRef>
+              </p:style>
+            </p:cxnSp>
+            <p:cxnSp>
+              <p:nvCxnSpPr>
+                <p:cNvPr id="52" name="直線コネクタ 51">
+                  <a:extLst>
+                    <a:ext uri="{FF2B5EF4-FFF2-40B4-BE49-F238E27FC236}">
+                      <a16:creationId xmlns:a16="http://schemas.microsoft.com/office/drawing/2014/main" id="{74D4EFDB-2EDC-E945-9102-FF205236DD78}"/>
+                    </a:ext>
+                  </a:extLst>
+                </p:cNvPr>
+                <p:cNvCxnSpPr>
+                  <a:endCxn id="50" idx="0"/>
+                </p:cNvCxnSpPr>
+                <p:nvPr/>
+              </p:nvCxnSpPr>
+              <p:spPr>
+                <a:xfrm flipV="1">
+                  <a:off x="3715966" y="3429000"/>
+                  <a:ext cx="6485" cy="666345"/>
+                </a:xfrm>
+                <a:prstGeom prst="line">
+                  <a:avLst/>
+                </a:prstGeom>
+                <a:grpFill/>
+                <a:ln w="12700">
+                  <a:solidFill>
+                    <a:schemeClr val="tx1"/>
+                  </a:solidFill>
+                </a:ln>
+              </p:spPr>
+              <p:style>
+                <a:lnRef idx="1">
+                  <a:schemeClr val="accent1"/>
+                </a:lnRef>
+                <a:fillRef idx="0">
+                  <a:schemeClr val="accent1"/>
+                </a:fillRef>
+                <a:effectRef idx="0">
+                  <a:schemeClr val="accent1"/>
+                </a:effectRef>
+                <a:fontRef idx="minor">
+                  <a:schemeClr val="tx1"/>
+                </a:fontRef>
+              </p:style>
+            </p:cxnSp>
+          </p:grpSp>
+          <p:sp>
+            <p:nvSpPr>
+              <p:cNvPr id="60" name="正方形/長方形 59">
+                <a:extLst>
+                  <a:ext uri="{FF2B5EF4-FFF2-40B4-BE49-F238E27FC236}">
+                    <a16:creationId xmlns:a16="http://schemas.microsoft.com/office/drawing/2014/main" id="{484EB7E4-4029-7A4D-879E-B7D88DD2DA1B}"/>
+                  </a:ext>
+                </a:extLst>
+              </p:cNvPr>
+              <p:cNvSpPr/>
+              <p:nvPr/>
+            </p:nvSpPr>
+            <p:spPr>
+              <a:xfrm>
+                <a:off x="7320136" y="5441005"/>
+                <a:ext cx="1125866" cy="161365"/>
+              </a:xfrm>
+              <a:prstGeom prst="rect">
+                <a:avLst/>
+              </a:prstGeom>
+              <a:solidFill>
+                <a:schemeClr val="accent6">
+                  <a:lumMod val="20000"/>
+                  <a:lumOff val="80000"/>
+                </a:schemeClr>
+              </a:solidFill>
+              <a:ln w="12700">
+                <a:solidFill>
+                  <a:schemeClr val="tx1"/>
+                </a:solidFill>
+              </a:ln>
+            </p:spPr>
+            <p:style>
+              <a:lnRef idx="2">
+                <a:schemeClr val="accent1">
+                  <a:shade val="50000"/>
+                </a:schemeClr>
+              </a:lnRef>
+              <a:fillRef idx="1">
+                <a:schemeClr val="accent1"/>
+              </a:fillRef>
+              <a:effectRef idx="0">
+                <a:schemeClr val="accent1"/>
+              </a:effectRef>
+              <a:fontRef idx="minor">
+                <a:schemeClr val="lt1"/>
+              </a:fontRef>
+            </p:style>
+            <p:txBody>
+              <a:bodyPr rtlCol="0" anchor="ctr"/>
+              <a:lstStyle/>
+              <a:p>
+                <a:pPr algn="ctr"/>
+                <a:endParaRPr kumimoji="1" lang="ja-JP" altLang="en-US" sz="1400"/>
+              </a:p>
+            </p:txBody>
+          </p:sp>
+          <p:grpSp>
+            <p:nvGrpSpPr>
+              <p:cNvPr id="66" name="グループ化 65">
+                <a:extLst>
+                  <a:ext uri="{FF2B5EF4-FFF2-40B4-BE49-F238E27FC236}">
+                    <a16:creationId xmlns:a16="http://schemas.microsoft.com/office/drawing/2014/main" id="{584A2695-63B3-F84D-8157-BADBC276CC8A}"/>
+                  </a:ext>
+                </a:extLst>
+              </p:cNvPr>
+              <p:cNvGrpSpPr/>
+              <p:nvPr/>
+            </p:nvGrpSpPr>
+            <p:grpSpPr>
+              <a:xfrm>
+                <a:off x="7545844" y="5602370"/>
+                <a:ext cx="674450" cy="974768"/>
+                <a:chOff x="6585635" y="4993341"/>
+                <a:chExt cx="674450" cy="974768"/>
+              </a:xfrm>
+            </p:grpSpPr>
+            <p:grpSp>
+              <p:nvGrpSpPr>
+                <p:cNvPr id="61" name="グループ化 60">
+                  <a:extLst>
+                    <a:ext uri="{FF2B5EF4-FFF2-40B4-BE49-F238E27FC236}">
+                      <a16:creationId xmlns:a16="http://schemas.microsoft.com/office/drawing/2014/main" id="{13ABB243-0EE3-6449-B162-4D1737DBF78B}"/>
+                    </a:ext>
+                  </a:extLst>
+                </p:cNvPr>
+                <p:cNvGrpSpPr/>
+                <p:nvPr/>
+              </p:nvGrpSpPr>
+              <p:grpSpPr>
+                <a:xfrm>
+                  <a:off x="6585635" y="5293659"/>
+                  <a:ext cx="674450" cy="674450"/>
+                  <a:chOff x="3385226" y="3429000"/>
+                  <a:chExt cx="674450" cy="674450"/>
+                </a:xfrm>
+                <a:solidFill>
+                  <a:schemeClr val="accent6">
+                    <a:lumMod val="20000"/>
+                    <a:lumOff val="80000"/>
+                  </a:schemeClr>
+                </a:solidFill>
+              </p:grpSpPr>
+              <p:sp>
+                <p:nvSpPr>
+                  <p:cNvPr id="62" name="円/楕円 61">
+                    <a:extLst>
+                      <a:ext uri="{FF2B5EF4-FFF2-40B4-BE49-F238E27FC236}">
+                        <a16:creationId xmlns:a16="http://schemas.microsoft.com/office/drawing/2014/main" id="{CBAA3278-E88D-9648-9780-A971C0C07152}"/>
+                      </a:ext>
+                    </a:extLst>
+                  </p:cNvPr>
+                  <p:cNvSpPr/>
+                  <p:nvPr/>
+                </p:nvSpPr>
+                <p:spPr>
+                  <a:xfrm>
+                    <a:off x="3385226" y="3429000"/>
+                    <a:ext cx="674450" cy="674450"/>
+                  </a:xfrm>
+                  <a:prstGeom prst="ellipse">
+                    <a:avLst/>
+                  </a:prstGeom>
+                  <a:grpFill/>
+                  <a:ln w="12700">
+                    <a:solidFill>
+                      <a:schemeClr val="tx1"/>
+                    </a:solidFill>
+                  </a:ln>
+                </p:spPr>
+                <p:style>
+                  <a:lnRef idx="2">
+                    <a:schemeClr val="accent1">
+                      <a:shade val="50000"/>
+                    </a:schemeClr>
+                  </a:lnRef>
+                  <a:fillRef idx="1">
+                    <a:schemeClr val="accent1"/>
+                  </a:fillRef>
+                  <a:effectRef idx="0">
+                    <a:schemeClr val="accent1"/>
+                  </a:effectRef>
+                  <a:fontRef idx="minor">
+                    <a:schemeClr val="lt1"/>
+                  </a:fontRef>
+                </p:style>
+                <p:txBody>
+                  <a:bodyPr rtlCol="0" anchor="ctr"/>
+                  <a:lstStyle/>
+                  <a:p>
+                    <a:pPr algn="ctr"/>
+                    <a:endParaRPr kumimoji="1" lang="ja-JP" altLang="en-US" sz="1400"/>
+                  </a:p>
+                </p:txBody>
+              </p:sp>
+              <p:cxnSp>
+                <p:nvCxnSpPr>
+                  <p:cNvPr id="63" name="直線コネクタ 62">
+                    <a:extLst>
+                      <a:ext uri="{FF2B5EF4-FFF2-40B4-BE49-F238E27FC236}">
+                        <a16:creationId xmlns:a16="http://schemas.microsoft.com/office/drawing/2014/main" id="{9E5F0E71-BEEE-D94D-9AC7-420D6A526C09}"/>
+                      </a:ext>
+                    </a:extLst>
+                  </p:cNvPr>
+                  <p:cNvCxnSpPr>
+                    <a:stCxn id="62" idx="6"/>
+                    <a:endCxn id="62" idx="2"/>
+                  </p:cNvCxnSpPr>
+                  <p:nvPr/>
+                </p:nvCxnSpPr>
+                <p:spPr>
+                  <a:xfrm flipH="1">
+                    <a:off x="3385226" y="3766225"/>
+                    <a:ext cx="674450" cy="0"/>
+                  </a:xfrm>
+                  <a:prstGeom prst="line">
+                    <a:avLst/>
+                  </a:prstGeom>
+                  <a:grpFill/>
+                  <a:ln w="12700">
+                    <a:solidFill>
+                      <a:schemeClr val="tx1"/>
+                    </a:solidFill>
+                  </a:ln>
+                </p:spPr>
+                <p:style>
+                  <a:lnRef idx="1">
+                    <a:schemeClr val="accent1"/>
+                  </a:lnRef>
+                  <a:fillRef idx="0">
+                    <a:schemeClr val="accent1"/>
+                  </a:fillRef>
+                  <a:effectRef idx="0">
+                    <a:schemeClr val="accent1"/>
+                  </a:effectRef>
+                  <a:fontRef idx="minor">
+                    <a:schemeClr val="tx1"/>
+                  </a:fontRef>
+                </p:style>
+              </p:cxnSp>
+              <p:cxnSp>
+                <p:nvCxnSpPr>
+                  <p:cNvPr id="64" name="直線コネクタ 63">
+                    <a:extLst>
+                      <a:ext uri="{FF2B5EF4-FFF2-40B4-BE49-F238E27FC236}">
+                        <a16:creationId xmlns:a16="http://schemas.microsoft.com/office/drawing/2014/main" id="{87363DFF-DE64-6549-B31E-770E70ED8452}"/>
+                      </a:ext>
+                    </a:extLst>
+                  </p:cNvPr>
+                  <p:cNvCxnSpPr>
+                    <a:endCxn id="62" idx="0"/>
+                  </p:cNvCxnSpPr>
+                  <p:nvPr/>
+                </p:nvCxnSpPr>
+                <p:spPr>
+                  <a:xfrm flipV="1">
+                    <a:off x="3715966" y="3429000"/>
+                    <a:ext cx="6485" cy="666345"/>
+                  </a:xfrm>
+                  <a:prstGeom prst="line">
+                    <a:avLst/>
+                  </a:prstGeom>
+                  <a:grpFill/>
+                  <a:ln w="12700">
+                    <a:solidFill>
+                      <a:schemeClr val="tx1"/>
+                    </a:solidFill>
+                  </a:ln>
+                </p:spPr>
+                <p:style>
+                  <a:lnRef idx="1">
+                    <a:schemeClr val="accent1"/>
+                  </a:lnRef>
+                  <a:fillRef idx="0">
+                    <a:schemeClr val="accent1"/>
+                  </a:fillRef>
+                  <a:effectRef idx="0">
+                    <a:schemeClr val="accent1"/>
+                  </a:effectRef>
+                  <a:fontRef idx="minor">
+                    <a:schemeClr val="tx1"/>
+                  </a:fontRef>
+                </p:style>
+              </p:cxnSp>
+            </p:grpSp>
+            <p:sp>
+              <p:nvSpPr>
+                <p:cNvPr id="65" name="正方形/長方形 64">
+                  <a:extLst>
+                    <a:ext uri="{FF2B5EF4-FFF2-40B4-BE49-F238E27FC236}">
+                      <a16:creationId xmlns:a16="http://schemas.microsoft.com/office/drawing/2014/main" id="{6B1B71B7-BEB8-C44B-9119-0D075BA00B82}"/>
+                    </a:ext>
+                  </a:extLst>
+                </p:cNvPr>
+                <p:cNvSpPr/>
+                <p:nvPr/>
+              </p:nvSpPr>
+              <p:spPr>
+                <a:xfrm rot="16200000">
+                  <a:off x="6609095" y="5233147"/>
+                  <a:ext cx="627530" cy="147918"/>
+                </a:xfrm>
+                <a:prstGeom prst="rect">
+                  <a:avLst/>
+                </a:prstGeom>
+                <a:solidFill>
+                  <a:schemeClr val="accent6">
+                    <a:lumMod val="20000"/>
+                    <a:lumOff val="80000"/>
+                  </a:schemeClr>
+                </a:solidFill>
+                <a:ln w="12700">
+                  <a:solidFill>
+                    <a:schemeClr val="tx1"/>
+                  </a:solidFill>
+                </a:ln>
+              </p:spPr>
+              <p:style>
+                <a:lnRef idx="2">
+                  <a:schemeClr val="accent1">
+                    <a:shade val="50000"/>
+                  </a:schemeClr>
+                </a:lnRef>
+                <a:fillRef idx="1">
+                  <a:schemeClr val="accent1"/>
+                </a:fillRef>
+                <a:effectRef idx="0">
+                  <a:schemeClr val="accent1"/>
+                </a:effectRef>
+                <a:fontRef idx="minor">
+                  <a:schemeClr val="lt1"/>
+                </a:fontRef>
+              </p:style>
+              <p:txBody>
+                <a:bodyPr rtlCol="0" anchor="ctr"/>
+                <a:lstStyle/>
+                <a:p>
+                  <a:pPr algn="ctr"/>
+                  <a:endParaRPr kumimoji="1" lang="ja-JP" altLang="en-US" sz="1400"/>
+                </a:p>
+              </p:txBody>
+            </p:sp>
+          </p:grpSp>
+          <p:sp>
+            <p:nvSpPr>
+              <p:cNvPr id="78" name="円/楕円 77">
+                <a:extLst>
+                  <a:ext uri="{FF2B5EF4-FFF2-40B4-BE49-F238E27FC236}">
+                    <a16:creationId xmlns:a16="http://schemas.microsoft.com/office/drawing/2014/main" id="{DC063852-142C-D043-AE10-2308FBE9EE1A}"/>
+                  </a:ext>
+                </a:extLst>
+              </p:cNvPr>
+              <p:cNvSpPr/>
+              <p:nvPr/>
+            </p:nvSpPr>
+            <p:spPr>
+              <a:xfrm>
+                <a:off x="8394140" y="5063266"/>
+                <a:ext cx="374072" cy="374072"/>
+              </a:xfrm>
+              <a:prstGeom prst="ellipse">
+                <a:avLst/>
+              </a:prstGeom>
+              <a:solidFill>
+                <a:schemeClr val="bg1">
+                  <a:lumMod val="95000"/>
+                </a:schemeClr>
+              </a:solidFill>
+              <a:ln>
+                <a:solidFill>
+                  <a:schemeClr val="tx1"/>
+                </a:solidFill>
+              </a:ln>
+            </p:spPr>
+            <p:style>
+              <a:lnRef idx="2">
+                <a:schemeClr val="accent1">
+                  <a:shade val="50000"/>
+                </a:schemeClr>
+              </a:lnRef>
+              <a:fillRef idx="1">
+                <a:schemeClr val="accent1"/>
+              </a:fillRef>
+              <a:effectRef idx="0">
+                <a:schemeClr val="accent1"/>
+              </a:effectRef>
+              <a:fontRef idx="minor">
+                <a:schemeClr val="lt1"/>
+              </a:fontRef>
+            </p:style>
+            <p:txBody>
+              <a:bodyPr rtlCol="0" anchor="ctr" anchorCtr="0"/>
+              <a:lstStyle/>
+              <a:p>
+                <a:pPr algn="ctr"/>
+                <a:r>
+                  <a:rPr kumimoji="1" lang="en-US" altLang="ja-JP" sz="1400" b="1" dirty="0">
+                    <a:solidFill>
+                      <a:schemeClr val="tx1"/>
+                    </a:solidFill>
+                  </a:rPr>
+                  <a:t>M</a:t>
+                </a:r>
+                <a:endParaRPr kumimoji="1" lang="ja-JP" altLang="en-US" sz="1400" b="1">
+                  <a:solidFill>
+                    <a:schemeClr val="tx1"/>
+                  </a:solidFill>
+                </a:endParaRPr>
+              </a:p>
+            </p:txBody>
+          </p:sp>
+        </p:grpSp>
+        <p:sp>
+          <p:nvSpPr>
+            <p:cNvPr id="3" name="正方形/長方形 2">
+              <a:extLst>
+                <a:ext uri="{FF2B5EF4-FFF2-40B4-BE49-F238E27FC236}">
+                  <a16:creationId xmlns:a16="http://schemas.microsoft.com/office/drawing/2014/main" id="{D5728361-9A62-244E-B49F-E11536010A27}"/>
+                </a:ext>
+              </a:extLst>
+            </p:cNvPr>
+            <p:cNvSpPr/>
+            <p:nvPr/>
+          </p:nvSpPr>
+          <p:spPr>
+            <a:xfrm>
+              <a:off x="5303912" y="2996952"/>
+              <a:ext cx="1728192" cy="792088"/>
+            </a:xfrm>
+            <a:prstGeom prst="rect">
+              <a:avLst/>
+            </a:prstGeom>
+            <a:solidFill>
+              <a:schemeClr val="bg1"/>
+            </a:solidFill>
+            <a:ln w="12700">
+              <a:solidFill>
+                <a:schemeClr val="tx1"/>
+              </a:solidFill>
+            </a:ln>
+          </p:spPr>
+          <p:style>
+            <a:lnRef idx="2">
+              <a:schemeClr val="accent1">
+                <a:shade val="50000"/>
+              </a:schemeClr>
+            </a:lnRef>
+            <a:fillRef idx="1">
+              <a:schemeClr val="accent1"/>
+            </a:fillRef>
+            <a:effectRef idx="0">
+              <a:schemeClr val="accent1"/>
+            </a:effectRef>
+            <a:fontRef idx="minor">
+              <a:schemeClr val="lt1"/>
+            </a:fontRef>
+          </p:style>
+          <p:txBody>
+            <a:bodyPr rtlCol="0" anchor="ctr"/>
+            <a:lstStyle/>
+            <a:p>
+              <a:pPr algn="ctr"/>
+              <a:r>
+                <a:rPr kumimoji="1" lang="en-US" altLang="ja-JP" sz="1400" dirty="0">
+                  <a:solidFill>
+                    <a:schemeClr val="tx1"/>
+                  </a:solidFill>
+                </a:rPr>
+                <a:t>CPU</a:t>
+              </a:r>
+              <a:endParaRPr kumimoji="1" lang="ja-JP" altLang="en-US" sz="1400">
+                <a:solidFill>
+                  <a:schemeClr val="tx1"/>
+                </a:solidFill>
+              </a:endParaRPr>
+            </a:p>
+          </p:txBody>
+        </p:sp>
+        <p:sp>
+          <p:nvSpPr>
+            <p:cNvPr id="26" name="正方形/長方形 25">
+              <a:extLst>
+                <a:ext uri="{FF2B5EF4-FFF2-40B4-BE49-F238E27FC236}">
+                  <a16:creationId xmlns:a16="http://schemas.microsoft.com/office/drawing/2014/main" id="{898E71A5-5EF7-7F49-8E15-E4F3CEE85774}"/>
+                </a:ext>
+              </a:extLst>
+            </p:cNvPr>
+            <p:cNvSpPr/>
+            <p:nvPr/>
+          </p:nvSpPr>
+          <p:spPr>
+            <a:xfrm rot="16200000">
+              <a:off x="6672064" y="3429000"/>
+              <a:ext cx="1728192" cy="288032"/>
+            </a:xfrm>
+            <a:prstGeom prst="rect">
+              <a:avLst/>
+            </a:prstGeom>
+            <a:solidFill>
+              <a:schemeClr val="bg1">
+                <a:lumMod val="95000"/>
+              </a:schemeClr>
+            </a:solidFill>
+            <a:ln w="12700">
+              <a:solidFill>
+                <a:schemeClr val="tx1"/>
+              </a:solidFill>
+            </a:ln>
+          </p:spPr>
+          <p:style>
+            <a:lnRef idx="2">
+              <a:schemeClr val="accent1">
+                <a:shade val="50000"/>
+              </a:schemeClr>
+            </a:lnRef>
+            <a:fillRef idx="1">
+              <a:schemeClr val="accent1"/>
+            </a:fillRef>
+            <a:effectRef idx="0">
+              <a:schemeClr val="accent1"/>
+            </a:effectRef>
+            <a:fontRef idx="minor">
+              <a:schemeClr val="lt1"/>
+            </a:fontRef>
+          </p:style>
+          <p:txBody>
+            <a:bodyPr rtlCol="0" anchor="ctr"/>
+            <a:lstStyle/>
+            <a:p>
+              <a:pPr algn="ctr"/>
+              <a:r>
+                <a:rPr kumimoji="1" lang="ja-JP" altLang="en-US" sz="1100">
+                  <a:solidFill>
+                    <a:schemeClr val="tx1"/>
+                  </a:solidFill>
+                </a:rPr>
+                <a:t>乾電池</a:t>
+              </a:r>
+            </a:p>
+          </p:txBody>
+        </p:sp>
+        <p:grpSp>
+          <p:nvGrpSpPr>
+            <p:cNvPr id="19" name="グループ化 18">
+              <a:extLst>
+                <a:ext uri="{FF2B5EF4-FFF2-40B4-BE49-F238E27FC236}">
+                  <a16:creationId xmlns:a16="http://schemas.microsoft.com/office/drawing/2014/main" id="{B81FAFE3-C618-8141-B123-D229E95E20B9}"/>
+                </a:ext>
+              </a:extLst>
+            </p:cNvPr>
+            <p:cNvGrpSpPr/>
+            <p:nvPr/>
+          </p:nvGrpSpPr>
+          <p:grpSpPr>
+            <a:xfrm>
+              <a:off x="3647728" y="4038029"/>
+              <a:ext cx="2031489" cy="2631331"/>
+              <a:chOff x="3647728" y="4038029"/>
+              <a:chExt cx="2031489" cy="2631331"/>
+            </a:xfrm>
+          </p:grpSpPr>
+          <p:sp>
+            <p:nvSpPr>
+              <p:cNvPr id="20" name="片側の 2 つの角を切り取った四角形 19">
+                <a:extLst>
+                  <a:ext uri="{FF2B5EF4-FFF2-40B4-BE49-F238E27FC236}">
+                    <a16:creationId xmlns:a16="http://schemas.microsoft.com/office/drawing/2014/main" id="{994F6E10-0C0B-E74E-B5BF-07DA3D7A11CF}"/>
+                  </a:ext>
+                </a:extLst>
+              </p:cNvPr>
+              <p:cNvSpPr/>
+              <p:nvPr/>
+            </p:nvSpPr>
+            <p:spPr>
+              <a:xfrm flipV="1">
+                <a:off x="4382847" y="5404764"/>
+                <a:ext cx="592737" cy="648205"/>
+              </a:xfrm>
+              <a:prstGeom prst="snip2SameRect">
+                <a:avLst/>
+              </a:prstGeom>
+              <a:solidFill>
+                <a:schemeClr val="accent1">
+                  <a:lumMod val="20000"/>
+                  <a:lumOff val="80000"/>
+                </a:schemeClr>
+              </a:solidFill>
+              <a:ln w="12700">
+                <a:solidFill>
+                  <a:schemeClr val="tx1"/>
+                </a:solidFill>
+              </a:ln>
+            </p:spPr>
+            <p:style>
+              <a:lnRef idx="2">
+                <a:schemeClr val="accent1">
+                  <a:shade val="50000"/>
+                </a:schemeClr>
+              </a:lnRef>
+              <a:fillRef idx="1">
+                <a:schemeClr val="accent1"/>
+              </a:fillRef>
+              <a:effectRef idx="0">
+                <a:schemeClr val="accent1"/>
+              </a:effectRef>
+              <a:fontRef idx="minor">
+                <a:schemeClr val="lt1"/>
+              </a:fontRef>
+            </p:style>
+            <p:txBody>
+              <a:bodyPr rtlCol="0" anchor="ctr"/>
+              <a:lstStyle/>
+              <a:p>
+                <a:pPr algn="ctr"/>
+                <a:endParaRPr kumimoji="1" lang="ja-JP" altLang="en-US" sz="1400"/>
+              </a:p>
+            </p:txBody>
+          </p:sp>
+          <p:grpSp>
+            <p:nvGrpSpPr>
+              <p:cNvPr id="29" name="グループ化 28">
+                <a:extLst>
+                  <a:ext uri="{FF2B5EF4-FFF2-40B4-BE49-F238E27FC236}">
+                    <a16:creationId xmlns:a16="http://schemas.microsoft.com/office/drawing/2014/main" id="{11B7519D-3544-574E-AB7E-85005C12F179}"/>
+                  </a:ext>
+                </a:extLst>
+              </p:cNvPr>
+              <p:cNvGrpSpPr/>
+              <p:nvPr/>
+            </p:nvGrpSpPr>
+            <p:grpSpPr>
+              <a:xfrm>
+                <a:off x="4232844" y="6062697"/>
+                <a:ext cx="898381" cy="606663"/>
+                <a:chOff x="4096544" y="1776264"/>
+                <a:chExt cx="576064" cy="504056"/>
+              </a:xfrm>
+            </p:grpSpPr>
+            <p:sp>
+              <p:nvSpPr>
+                <p:cNvPr id="30" name="三角形 29">
+                  <a:extLst>
+                    <a:ext uri="{FF2B5EF4-FFF2-40B4-BE49-F238E27FC236}">
+                      <a16:creationId xmlns:a16="http://schemas.microsoft.com/office/drawing/2014/main" id="{1EC59E7F-8481-B448-B4D0-2EFB82D94EE8}"/>
+                    </a:ext>
+                  </a:extLst>
+                </p:cNvPr>
+                <p:cNvSpPr/>
+                <p:nvPr/>
+              </p:nvSpPr>
+              <p:spPr>
+                <a:xfrm>
+                  <a:off x="4096544" y="1776264"/>
+                  <a:ext cx="576064" cy="360040"/>
+                </a:xfrm>
+                <a:prstGeom prst="triangle">
+                  <a:avLst/>
+                </a:prstGeom>
+                <a:solidFill>
+                  <a:schemeClr val="bg1"/>
+                </a:solidFill>
+              </p:spPr>
+              <p:style>
+                <a:lnRef idx="2">
+                  <a:schemeClr val="accent1">
+                    <a:shade val="50000"/>
+                  </a:schemeClr>
+                </a:lnRef>
+                <a:fillRef idx="1">
+                  <a:schemeClr val="accent1"/>
+                </a:fillRef>
+                <a:effectRef idx="0">
+                  <a:schemeClr val="accent1"/>
+                </a:effectRef>
+                <a:fontRef idx="minor">
+                  <a:schemeClr val="lt1"/>
+                </a:fontRef>
+              </p:style>
+              <p:txBody>
+                <a:bodyPr rtlCol="0" anchor="ctr"/>
+                <a:lstStyle/>
+                <a:p>
+                  <a:pPr algn="ctr"/>
+                  <a:endParaRPr kumimoji="1" lang="ja-JP" altLang="en-US" sz="1400"/>
+                </a:p>
+              </p:txBody>
+            </p:sp>
+            <p:sp>
+              <p:nvSpPr>
+                <p:cNvPr id="31" name="円/楕円 30">
+                  <a:extLst>
+                    <a:ext uri="{FF2B5EF4-FFF2-40B4-BE49-F238E27FC236}">
+                      <a16:creationId xmlns:a16="http://schemas.microsoft.com/office/drawing/2014/main" id="{FA9B417D-32DE-D549-9368-AD00CDC881B6}"/>
+                    </a:ext>
+                  </a:extLst>
+                </p:cNvPr>
+                <p:cNvSpPr/>
+                <p:nvPr/>
+              </p:nvSpPr>
+              <p:spPr>
+                <a:xfrm>
+                  <a:off x="4096544" y="2064296"/>
+                  <a:ext cx="576064" cy="216024"/>
+                </a:xfrm>
+                <a:prstGeom prst="ellipse">
+                  <a:avLst/>
+                </a:prstGeom>
+              </p:spPr>
+              <p:style>
+                <a:lnRef idx="2">
+                  <a:schemeClr val="accent1">
+                    <a:shade val="50000"/>
+                  </a:schemeClr>
+                </a:lnRef>
+                <a:fillRef idx="1">
+                  <a:schemeClr val="accent1"/>
+                </a:fillRef>
+                <a:effectRef idx="0">
+                  <a:schemeClr val="accent1"/>
+                </a:effectRef>
+                <a:fontRef idx="minor">
+                  <a:schemeClr val="lt1"/>
+                </a:fontRef>
+              </p:style>
+              <p:txBody>
+                <a:bodyPr rtlCol="0" anchor="ctr"/>
+                <a:lstStyle/>
+                <a:p>
+                  <a:pPr algn="ctr"/>
+                  <a:endParaRPr kumimoji="1" lang="ja-JP" altLang="en-US" sz="1400"/>
+                </a:p>
+              </p:txBody>
+            </p:sp>
+          </p:grpSp>
+          <p:grpSp>
+            <p:nvGrpSpPr>
+              <p:cNvPr id="38" name="グループ化 37">
+                <a:extLst>
+                  <a:ext uri="{FF2B5EF4-FFF2-40B4-BE49-F238E27FC236}">
+                    <a16:creationId xmlns:a16="http://schemas.microsoft.com/office/drawing/2014/main" id="{AB0C279A-ECDD-B44B-9384-4375A465EB70}"/>
+                  </a:ext>
+                </a:extLst>
+              </p:cNvPr>
+              <p:cNvGrpSpPr/>
+              <p:nvPr/>
+            </p:nvGrpSpPr>
+            <p:grpSpPr>
+              <a:xfrm>
+                <a:off x="5004767" y="4038029"/>
+                <a:ext cx="674450" cy="674450"/>
+                <a:chOff x="3385226" y="3429000"/>
+                <a:chExt cx="674450" cy="674450"/>
+              </a:xfrm>
+              <a:solidFill>
+                <a:schemeClr val="accent1">
+                  <a:lumMod val="20000"/>
+                  <a:lumOff val="80000"/>
+                </a:schemeClr>
+              </a:solidFill>
+            </p:grpSpPr>
+            <p:sp>
+              <p:nvSpPr>
+                <p:cNvPr id="17" name="円/楕円 16">
+                  <a:extLst>
+                    <a:ext uri="{FF2B5EF4-FFF2-40B4-BE49-F238E27FC236}">
+                      <a16:creationId xmlns:a16="http://schemas.microsoft.com/office/drawing/2014/main" id="{C16068F6-A4D1-EC4B-90FC-8043BEBD199F}"/>
+                    </a:ext>
+                  </a:extLst>
+                </p:cNvPr>
+                <p:cNvSpPr/>
+                <p:nvPr/>
+              </p:nvSpPr>
+              <p:spPr>
+                <a:xfrm>
+                  <a:off x="3385226" y="3429000"/>
+                  <a:ext cx="674450" cy="674450"/>
+                </a:xfrm>
+                <a:prstGeom prst="ellipse">
+                  <a:avLst/>
+                </a:prstGeom>
+                <a:grpFill/>
+                <a:ln w="12700">
+                  <a:solidFill>
+                    <a:schemeClr val="tx1"/>
+                  </a:solidFill>
+                </a:ln>
+              </p:spPr>
+              <p:style>
+                <a:lnRef idx="2">
+                  <a:schemeClr val="accent1">
+                    <a:shade val="50000"/>
+                  </a:schemeClr>
+                </a:lnRef>
+                <a:fillRef idx="1">
+                  <a:schemeClr val="accent1"/>
+                </a:fillRef>
+                <a:effectRef idx="0">
+                  <a:schemeClr val="accent1"/>
+                </a:effectRef>
+                <a:fontRef idx="minor">
+                  <a:schemeClr val="lt1"/>
+                </a:fontRef>
+              </p:style>
+              <p:txBody>
+                <a:bodyPr rtlCol="0" anchor="ctr"/>
+                <a:lstStyle/>
+                <a:p>
+                  <a:pPr algn="ctr"/>
+                  <a:endParaRPr kumimoji="1" lang="ja-JP" altLang="en-US" sz="1400"/>
+                </a:p>
+              </p:txBody>
+            </p:sp>
+            <p:cxnSp>
+              <p:nvCxnSpPr>
+                <p:cNvPr id="35" name="直線コネクタ 34">
+                  <a:extLst>
+                    <a:ext uri="{FF2B5EF4-FFF2-40B4-BE49-F238E27FC236}">
+                      <a16:creationId xmlns:a16="http://schemas.microsoft.com/office/drawing/2014/main" id="{47055E78-8374-0342-8953-D075EBACBCB5}"/>
+                    </a:ext>
+                  </a:extLst>
+                </p:cNvPr>
+                <p:cNvCxnSpPr>
+                  <a:stCxn id="17" idx="6"/>
+                  <a:endCxn id="17" idx="2"/>
+                </p:cNvCxnSpPr>
+                <p:nvPr/>
+              </p:nvCxnSpPr>
+              <p:spPr>
+                <a:xfrm flipH="1">
+                  <a:off x="3385226" y="3766225"/>
+                  <a:ext cx="674450" cy="0"/>
+                </a:xfrm>
+                <a:prstGeom prst="line">
+                  <a:avLst/>
+                </a:prstGeom>
+                <a:grpFill/>
+                <a:ln w="12700">
+                  <a:solidFill>
+                    <a:schemeClr val="tx1"/>
+                  </a:solidFill>
+                </a:ln>
+              </p:spPr>
+              <p:style>
+                <a:lnRef idx="1">
+                  <a:schemeClr val="accent1"/>
+                </a:lnRef>
+                <a:fillRef idx="0">
+                  <a:schemeClr val="accent1"/>
+                </a:fillRef>
+                <a:effectRef idx="0">
+                  <a:schemeClr val="accent1"/>
+                </a:effectRef>
+                <a:fontRef idx="minor">
+                  <a:schemeClr val="tx1"/>
+                </a:fontRef>
+              </p:style>
+            </p:cxnSp>
+            <p:cxnSp>
+              <p:nvCxnSpPr>
+                <p:cNvPr id="37" name="直線コネクタ 36">
+                  <a:extLst>
+                    <a:ext uri="{FF2B5EF4-FFF2-40B4-BE49-F238E27FC236}">
+                      <a16:creationId xmlns:a16="http://schemas.microsoft.com/office/drawing/2014/main" id="{E20BA8D3-03D0-C64F-97AC-A90F2A6FFD64}"/>
+                    </a:ext>
+                  </a:extLst>
+                </p:cNvPr>
+                <p:cNvCxnSpPr>
+                  <a:endCxn id="17" idx="0"/>
+                </p:cNvCxnSpPr>
+                <p:nvPr/>
+              </p:nvCxnSpPr>
+              <p:spPr>
+                <a:xfrm flipV="1">
+                  <a:off x="3715966" y="3429000"/>
+                  <a:ext cx="6485" cy="666345"/>
+                </a:xfrm>
+                <a:prstGeom prst="line">
+                  <a:avLst/>
+                </a:prstGeom>
+                <a:grpFill/>
+                <a:ln w="12700">
+                  <a:solidFill>
+                    <a:schemeClr val="tx1"/>
+                  </a:solidFill>
+                </a:ln>
+              </p:spPr>
+              <p:style>
+                <a:lnRef idx="1">
+                  <a:schemeClr val="accent1"/>
+                </a:lnRef>
+                <a:fillRef idx="0">
+                  <a:schemeClr val="accent1"/>
+                </a:fillRef>
+                <a:effectRef idx="0">
+                  <a:schemeClr val="accent1"/>
+                </a:effectRef>
+                <a:fontRef idx="minor">
+                  <a:schemeClr val="tx1"/>
+                </a:fontRef>
+              </p:style>
+            </p:cxnSp>
+          </p:grpSp>
+          <p:sp>
+            <p:nvSpPr>
+              <p:cNvPr id="32" name="L 字 31">
+                <a:extLst>
+                  <a:ext uri="{FF2B5EF4-FFF2-40B4-BE49-F238E27FC236}">
+                    <a16:creationId xmlns:a16="http://schemas.microsoft.com/office/drawing/2014/main" id="{32488DE0-CAB9-6746-9A76-087E0ACBFD80}"/>
+                  </a:ext>
+                </a:extLst>
+              </p:cNvPr>
+              <p:cNvSpPr/>
+              <p:nvPr/>
+            </p:nvSpPr>
+            <p:spPr>
+              <a:xfrm flipH="1">
+                <a:off x="3647728" y="4489415"/>
+                <a:ext cx="1763311" cy="1381328"/>
+              </a:xfrm>
+              <a:prstGeom prst="corner">
+                <a:avLst>
+                  <a:gd name="adj1" fmla="val 9883"/>
+                  <a:gd name="adj2" fmla="val 10345"/>
+                </a:avLst>
+              </a:prstGeom>
+              <a:solidFill>
+                <a:schemeClr val="accent1">
+                  <a:lumMod val="20000"/>
+                  <a:lumOff val="80000"/>
+                </a:schemeClr>
+              </a:solidFill>
+              <a:ln>
+                <a:solidFill>
+                  <a:schemeClr val="tx1"/>
+                </a:solidFill>
+              </a:ln>
+            </p:spPr>
+            <p:style>
+              <a:lnRef idx="2">
+                <a:schemeClr val="accent1">
+                  <a:shade val="50000"/>
+                </a:schemeClr>
+              </a:lnRef>
+              <a:fillRef idx="1">
+                <a:schemeClr val="accent1"/>
+              </a:fillRef>
+              <a:effectRef idx="0">
+                <a:schemeClr val="accent1"/>
+              </a:effectRef>
+              <a:fontRef idx="minor">
+                <a:schemeClr val="lt1"/>
+              </a:fontRef>
+            </p:style>
+            <p:txBody>
+              <a:bodyPr rtlCol="0" anchor="ctr"/>
+              <a:lstStyle/>
+              <a:p>
+                <a:pPr algn="ctr"/>
+                <a:endParaRPr kumimoji="1" lang="ja-JP" altLang="en-US" sz="1400"/>
+              </a:p>
+            </p:txBody>
+          </p:sp>
+          <p:sp>
+            <p:nvSpPr>
+              <p:cNvPr id="11" name="円/楕円 10">
+                <a:extLst>
+                  <a:ext uri="{FF2B5EF4-FFF2-40B4-BE49-F238E27FC236}">
+                    <a16:creationId xmlns:a16="http://schemas.microsoft.com/office/drawing/2014/main" id="{20C8B133-7CA1-E54E-BC86-D253FA2E9B8F}"/>
+                  </a:ext>
+                </a:extLst>
+              </p:cNvPr>
+              <p:cNvSpPr/>
+              <p:nvPr/>
+            </p:nvSpPr>
+            <p:spPr>
+              <a:xfrm>
+                <a:off x="5152451" y="4183503"/>
+                <a:ext cx="374072" cy="374072"/>
+              </a:xfrm>
+              <a:prstGeom prst="ellipse">
+                <a:avLst/>
+              </a:prstGeom>
+              <a:solidFill>
+                <a:schemeClr val="bg1">
+                  <a:lumMod val="95000"/>
+                </a:schemeClr>
+              </a:solidFill>
+              <a:ln>
+                <a:solidFill>
+                  <a:schemeClr val="tx1"/>
+                </a:solidFill>
+              </a:ln>
+            </p:spPr>
+            <p:style>
+              <a:lnRef idx="2">
+                <a:schemeClr val="accent1">
+                  <a:shade val="50000"/>
+                </a:schemeClr>
+              </a:lnRef>
+              <a:fillRef idx="1">
+                <a:schemeClr val="accent1"/>
+              </a:fillRef>
+              <a:effectRef idx="0">
+                <a:schemeClr val="accent1"/>
+              </a:effectRef>
+              <a:fontRef idx="minor">
+                <a:schemeClr val="lt1"/>
+              </a:fontRef>
+            </p:style>
+            <p:txBody>
+              <a:bodyPr rtlCol="0" anchor="ctr" anchorCtr="0"/>
+              <a:lstStyle/>
+              <a:p>
+                <a:pPr algn="ctr"/>
+                <a:r>
+                  <a:rPr kumimoji="1" lang="en-US" altLang="ja-JP" sz="1400" b="1" dirty="0">
+                    <a:solidFill>
+                      <a:schemeClr val="tx1"/>
+                    </a:solidFill>
+                  </a:rPr>
+                  <a:t>M</a:t>
+                </a:r>
+                <a:endParaRPr kumimoji="1" lang="ja-JP" altLang="en-US" sz="1400" b="1">
+                  <a:solidFill>
+                    <a:schemeClr val="tx1"/>
+                  </a:solidFill>
+                </a:endParaRPr>
+              </a:p>
+            </p:txBody>
+          </p:sp>
+        </p:grpSp>
+      </p:grpSp>
+      <p:sp>
+        <p:nvSpPr>
+          <p:cNvPr id="110" name="正方形/長方形 109">
+            <a:extLst>
+              <a:ext uri="{FF2B5EF4-FFF2-40B4-BE49-F238E27FC236}">
+                <a16:creationId xmlns:a16="http://schemas.microsoft.com/office/drawing/2014/main" id="{D1544926-A4EC-DC40-BF40-1B98D4501B7C}"/>
+              </a:ext>
+            </a:extLst>
+          </p:cNvPr>
+          <p:cNvSpPr/>
+          <p:nvPr/>
+        </p:nvSpPr>
+        <p:spPr>
+          <a:xfrm>
+            <a:off x="4943872" y="728700"/>
+            <a:ext cx="1728192" cy="1152128"/>
+          </a:xfrm>
+          <a:prstGeom prst="rect">
+            <a:avLst/>
+          </a:prstGeom>
+          <a:solidFill>
+            <a:schemeClr val="bg1"/>
+          </a:solidFill>
+          <a:ln w="19050">
+            <a:solidFill>
+              <a:schemeClr val="tx1"/>
+            </a:solidFill>
+          </a:ln>
+        </p:spPr>
+        <p:style>
+          <a:lnRef idx="2">
+            <a:schemeClr val="accent1">
+              <a:shade val="50000"/>
+            </a:schemeClr>
+          </a:lnRef>
+          <a:fillRef idx="1">
+            <a:schemeClr val="accent1"/>
+          </a:fillRef>
+          <a:effectRef idx="0">
+            <a:schemeClr val="accent1"/>
+          </a:effectRef>
+          <a:fontRef idx="minor">
+            <a:schemeClr val="lt1"/>
+          </a:fontRef>
+        </p:style>
+        <p:txBody>
+          <a:bodyPr rtlCol="0" anchor="t" anchorCtr="0"/>
+          <a:lstStyle/>
+          <a:p>
+            <a:pPr algn="ctr"/>
+            <a:r>
+              <a:rPr kumimoji="1" lang="en-US" altLang="ja-JP" dirty="0">
+                <a:solidFill>
+                  <a:schemeClr val="tx1"/>
+                </a:solidFill>
+              </a:rPr>
+              <a:t>PC</a:t>
+            </a:r>
+            <a:endParaRPr kumimoji="1" lang="ja-JP" altLang="en-US">
+              <a:solidFill>
+                <a:schemeClr val="tx1"/>
+              </a:solidFill>
+            </a:endParaRPr>
+          </a:p>
+        </p:txBody>
+      </p:sp>
+      <p:sp>
+        <p:nvSpPr>
+          <p:cNvPr id="113" name="正方形/長方形 112">
+            <a:extLst>
+              <a:ext uri="{FF2B5EF4-FFF2-40B4-BE49-F238E27FC236}">
+                <a16:creationId xmlns:a16="http://schemas.microsoft.com/office/drawing/2014/main" id="{EE78B526-DC67-FC44-A75F-379D2DFFA32A}"/>
+              </a:ext>
+            </a:extLst>
+          </p:cNvPr>
+          <p:cNvSpPr/>
+          <p:nvPr/>
+        </p:nvSpPr>
+        <p:spPr>
+          <a:xfrm rot="16200000">
+            <a:off x="1163452" y="1088741"/>
+            <a:ext cx="1080120" cy="432048"/>
+          </a:xfrm>
+          <a:prstGeom prst="rect">
+            <a:avLst/>
+          </a:prstGeom>
+          <a:solidFill>
+            <a:schemeClr val="bg1"/>
+          </a:solidFill>
+          <a:ln w="19050">
+            <a:solidFill>
+              <a:schemeClr val="tx1"/>
+            </a:solidFill>
+          </a:ln>
+        </p:spPr>
+        <p:style>
+          <a:lnRef idx="2">
+            <a:schemeClr val="accent1">
+              <a:shade val="50000"/>
+            </a:schemeClr>
+          </a:lnRef>
+          <a:fillRef idx="1">
+            <a:schemeClr val="accent1"/>
+          </a:fillRef>
+          <a:effectRef idx="0">
+            <a:schemeClr val="accent1"/>
+          </a:effectRef>
+          <a:fontRef idx="minor">
+            <a:schemeClr val="lt1"/>
+          </a:fontRef>
+        </p:style>
+        <p:txBody>
+          <a:bodyPr rtlCol="0" anchor="ctr" anchorCtr="0"/>
+          <a:lstStyle/>
+          <a:p>
+            <a:pPr algn="ctr"/>
+            <a:r>
+              <a:rPr kumimoji="1" lang="en-US" altLang="ja-JP" dirty="0">
+                <a:solidFill>
+                  <a:schemeClr val="tx1"/>
+                </a:solidFill>
+              </a:rPr>
+              <a:t>Camera</a:t>
+            </a:r>
+            <a:endParaRPr kumimoji="1" lang="ja-JP" altLang="en-US">
+              <a:solidFill>
+                <a:schemeClr val="tx1"/>
+              </a:solidFill>
+            </a:endParaRPr>
+          </a:p>
+        </p:txBody>
+      </p:sp>
+      <p:sp>
+        <p:nvSpPr>
+          <p:cNvPr id="114" name="正方形/長方形 113">
+            <a:extLst>
+              <a:ext uri="{FF2B5EF4-FFF2-40B4-BE49-F238E27FC236}">
+                <a16:creationId xmlns:a16="http://schemas.microsoft.com/office/drawing/2014/main" id="{3D3E2455-AA7B-2249-B36A-33EC01546CCE}"/>
+              </a:ext>
+            </a:extLst>
+          </p:cNvPr>
+          <p:cNvSpPr/>
+          <p:nvPr/>
+        </p:nvSpPr>
+        <p:spPr>
+          <a:xfrm rot="16200000">
+            <a:off x="1955540" y="1088740"/>
+            <a:ext cx="1080120" cy="432048"/>
+          </a:xfrm>
+          <a:prstGeom prst="rect">
+            <a:avLst/>
+          </a:prstGeom>
+          <a:solidFill>
+            <a:schemeClr val="bg1"/>
+          </a:solidFill>
+          <a:ln w="19050">
+            <a:solidFill>
+              <a:schemeClr val="tx1"/>
+            </a:solidFill>
+          </a:ln>
+        </p:spPr>
+        <p:style>
+          <a:lnRef idx="2">
+            <a:schemeClr val="accent1">
+              <a:shade val="50000"/>
+            </a:schemeClr>
+          </a:lnRef>
+          <a:fillRef idx="1">
+            <a:schemeClr val="accent1"/>
+          </a:fillRef>
+          <a:effectRef idx="0">
+            <a:schemeClr val="accent1"/>
+          </a:effectRef>
+          <a:fontRef idx="minor">
+            <a:schemeClr val="lt1"/>
+          </a:fontRef>
+        </p:style>
+        <p:txBody>
+          <a:bodyPr rtlCol="0" anchor="ctr" anchorCtr="0"/>
+          <a:lstStyle/>
+          <a:p>
+            <a:pPr algn="ctr"/>
+            <a:r>
+              <a:rPr kumimoji="1" lang="en-US" altLang="ja-JP" sz="1400" dirty="0">
+                <a:solidFill>
+                  <a:schemeClr val="tx1"/>
+                </a:solidFill>
+              </a:rPr>
+              <a:t>Raspberry Pi3</a:t>
+            </a:r>
+            <a:endParaRPr kumimoji="1" lang="ja-JP" altLang="en-US" sz="1400">
+              <a:solidFill>
+                <a:schemeClr val="tx1"/>
+              </a:solidFill>
+            </a:endParaRPr>
+          </a:p>
+        </p:txBody>
+      </p:sp>
+      <p:cxnSp>
+        <p:nvCxnSpPr>
+          <p:cNvPr id="115" name="直線コネクタ 114">
+            <a:extLst>
+              <a:ext uri="{FF2B5EF4-FFF2-40B4-BE49-F238E27FC236}">
+                <a16:creationId xmlns:a16="http://schemas.microsoft.com/office/drawing/2014/main" id="{840AF35B-9D24-3C42-A936-735977996F33}"/>
+              </a:ext>
+            </a:extLst>
+          </p:cNvPr>
+          <p:cNvCxnSpPr>
+            <a:cxnSpLocks/>
+          </p:cNvCxnSpPr>
+          <p:nvPr/>
+        </p:nvCxnSpPr>
+        <p:spPr>
+          <a:xfrm flipV="1">
+            <a:off x="1919536" y="1304764"/>
+            <a:ext cx="360040" cy="1"/>
+          </a:xfrm>
+          <a:prstGeom prst="line">
+            <a:avLst/>
+          </a:prstGeom>
+          <a:ln w="19050">
+            <a:solidFill>
+              <a:srgbClr val="FF0000"/>
+            </a:solidFill>
+            <a:headEnd type="none" w="sm" len="sm"/>
+            <a:tailEnd type="triangle" w="sm" len="sm"/>
           </a:ln>
         </p:spPr>
         <p:style>
@@ -5485,21 +10941,13 @@
             <a:schemeClr val="tx1"/>
           </a:fontRef>
         </p:style>
-        <p:txBody>
-          <a:bodyPr rtlCol="0" anchor="ctr"/>
-          <a:lstStyle/>
-          <a:p>
-            <a:pPr algn="ctr"/>
-            <a:endParaRPr kumimoji="1" lang="ja-JP" altLang="en-US"/>
-          </a:p>
-        </p:txBody>
-      </p:sp>
+      </p:cxnSp>
       <p:sp>
         <p:nvSpPr>
-          <p:cNvPr id="71" name="円弧 70">
+          <p:cNvPr id="116" name="正方形/長方形 115">
             <a:extLst>
               <a:ext uri="{FF2B5EF4-FFF2-40B4-BE49-F238E27FC236}">
-                <a16:creationId xmlns:a16="http://schemas.microsoft.com/office/drawing/2014/main" id="{688202EF-CA42-B947-82D0-DD58D83DCCE1}"/>
+                <a16:creationId xmlns:a16="http://schemas.microsoft.com/office/drawing/2014/main" id="{48F90EAF-9E58-834F-9A43-520409ED83B1}"/>
               </a:ext>
             </a:extLst>
           </p:cNvPr>
@@ -5507,19 +10955,82 @@
           <p:nvPr/>
         </p:nvSpPr>
         <p:spPr>
-          <a:xfrm>
-            <a:off x="3980330" y="4249274"/>
-            <a:ext cx="1075762" cy="1075762"/>
+          <a:xfrm rot="16200000">
+            <a:off x="2963652" y="1088741"/>
+            <a:ext cx="1080120" cy="432048"/>
           </a:xfrm>
-          <a:prstGeom prst="arc">
-            <a:avLst>
-              <a:gd name="adj1" fmla="val 3731962"/>
-              <a:gd name="adj2" fmla="val 2834782"/>
-            </a:avLst>
+          <a:prstGeom prst="rect">
+            <a:avLst/>
           </a:prstGeom>
-          <a:ln>
-            <a:headEnd type="triangle" w="med" len="med"/>
-            <a:tailEnd type="triangle" w="med" len="med"/>
+          <a:solidFill>
+            <a:schemeClr val="bg1"/>
+          </a:solidFill>
+          <a:ln w="19050">
+            <a:solidFill>
+              <a:schemeClr val="tx1"/>
+            </a:solidFill>
+          </a:ln>
+        </p:spPr>
+        <p:style>
+          <a:lnRef idx="2">
+            <a:schemeClr val="accent1">
+              <a:shade val="50000"/>
+            </a:schemeClr>
+          </a:lnRef>
+          <a:fillRef idx="1">
+            <a:schemeClr val="accent1"/>
+          </a:fillRef>
+          <a:effectRef idx="0">
+            <a:schemeClr val="accent1"/>
+          </a:effectRef>
+          <a:fontRef idx="minor">
+            <a:schemeClr val="lt1"/>
+          </a:fontRef>
+        </p:style>
+        <p:txBody>
+          <a:bodyPr rtlCol="0" anchor="ctr" anchorCtr="0"/>
+          <a:lstStyle/>
+          <a:p>
+            <a:pPr algn="ctr"/>
+            <a:r>
+              <a:rPr kumimoji="1" lang="ja-JP" altLang="en-US" sz="1400">
+                <a:solidFill>
+                  <a:schemeClr val="tx1"/>
+                </a:solidFill>
+              </a:rPr>
+              <a:t>ルーター</a:t>
+            </a:r>
+          </a:p>
+        </p:txBody>
+      </p:sp>
+      <p:cxnSp>
+        <p:nvCxnSpPr>
+          <p:cNvPr id="118" name="直線コネクタ 117">
+            <a:extLst>
+              <a:ext uri="{FF2B5EF4-FFF2-40B4-BE49-F238E27FC236}">
+                <a16:creationId xmlns:a16="http://schemas.microsoft.com/office/drawing/2014/main" id="{27C9FAB1-9CB6-EB40-844E-DE3B5B9838D9}"/>
+              </a:ext>
+            </a:extLst>
+          </p:cNvPr>
+          <p:cNvCxnSpPr>
+            <a:cxnSpLocks/>
+          </p:cNvCxnSpPr>
+          <p:nvPr/>
+        </p:nvCxnSpPr>
+        <p:spPr>
+          <a:xfrm flipV="1">
+            <a:off x="3719736" y="1304764"/>
+            <a:ext cx="1224136" cy="1"/>
+          </a:xfrm>
+          <a:prstGeom prst="line">
+            <a:avLst/>
+          </a:prstGeom>
+          <a:ln w="19050">
+            <a:solidFill>
+              <a:srgbClr val="FF0000"/>
+            </a:solidFill>
+            <a:headEnd type="none" w="sm" len="sm"/>
+            <a:tailEnd type="triangle" w="sm" len="sm"/>
           </a:ln>
         </p:spPr>
         <p:style>
@@ -5536,19 +11047,11 @@
             <a:schemeClr val="tx1"/>
           </a:fontRef>
         </p:style>
-        <p:txBody>
-          <a:bodyPr rtlCol="0" anchor="ctr"/>
-          <a:lstStyle/>
-          <a:p>
-            <a:pPr algn="ctr"/>
-            <a:endParaRPr kumimoji="1" lang="ja-JP" altLang="en-US"/>
-          </a:p>
-        </p:txBody>
-      </p:sp>
+      </p:cxnSp>
     </p:spTree>
     <p:extLst>
       <p:ext uri="{BB962C8B-B14F-4D97-AF65-F5344CB8AC3E}">
-        <p14:creationId xmlns:p14="http://schemas.microsoft.com/office/powerpoint/2010/main" val="165515719"/>
+        <p14:creationId xmlns:p14="http://schemas.microsoft.com/office/powerpoint/2010/main" val="1972453480"/>
       </p:ext>
     </p:extLst>
   </p:cSld>
@@ -5558,7 +11061,7 @@
 </p:sld>
 </file>
 
-<file path=ppt/slides/slide3.xml><?xml version="1.0" encoding="utf-8"?>
+<file path=ppt/slides/slide5.xml><?xml version="1.0" encoding="utf-8"?>
 <p:sld xmlns:a="http://schemas.openxmlformats.org/drawingml/2006/main" xmlns:r="http://schemas.openxmlformats.org/officeDocument/2006/relationships" xmlns:p="http://schemas.openxmlformats.org/presentationml/2006/main">
   <p:cSld>
     <p:spTree>
@@ -5646,7 +11149,7 @@
 </p:sld>
 </file>
 
-<file path=ppt/slides/slide4.xml><?xml version="1.0" encoding="utf-8"?>
+<file path=ppt/slides/slide6.xml><?xml version="1.0" encoding="utf-8"?>
 <p:sld xmlns:a="http://schemas.openxmlformats.org/drawingml/2006/main" xmlns:r="http://schemas.openxmlformats.org/officeDocument/2006/relationships" xmlns:p="http://schemas.openxmlformats.org/presentationml/2006/main">
   <p:cSld>
     <p:spTree>
@@ -5991,7 +11494,46 @@
       </a:bgFillStyleLst>
     </a:fmtScheme>
   </a:themeElements>
-  <a:objectDefaults/>
+  <a:objectDefaults>
+    <a:spDef>
+      <a:spPr>
+        <a:solidFill>
+          <a:schemeClr val="bg1"/>
+        </a:solidFill>
+        <a:ln w="19050">
+          <a:solidFill>
+            <a:schemeClr val="tx1"/>
+          </a:solidFill>
+        </a:ln>
+      </a:spPr>
+      <a:bodyPr rtlCol="0" anchor="t" anchorCtr="0"/>
+      <a:lstStyle>
+        <a:defPPr algn="ctr">
+          <a:defRPr kumimoji="1" dirty="0" smtClean="0">
+            <a:solidFill>
+              <a:schemeClr val="tx1"/>
+            </a:solidFill>
+          </a:defRPr>
+        </a:defPPr>
+      </a:lstStyle>
+      <a:style>
+        <a:lnRef idx="2">
+          <a:schemeClr val="accent1">
+            <a:shade val="50000"/>
+          </a:schemeClr>
+        </a:lnRef>
+        <a:fillRef idx="1">
+          <a:schemeClr val="accent1"/>
+        </a:fillRef>
+        <a:effectRef idx="0">
+          <a:schemeClr val="accent1"/>
+        </a:effectRef>
+        <a:fontRef idx="minor">
+          <a:schemeClr val="lt1"/>
+        </a:fontRef>
+      </a:style>
+    </a:spDef>
+  </a:objectDefaults>
   <a:extraClrSchemeLst/>
   <a:extLst>
     <a:ext uri="{05A4C25C-085E-4340-85A3-A5531E510DB2}">

--- a/Documents/hirojiren_scenario.pptx
+++ b/Documents/hirojiren_scenario.pptx
@@ -6,11 +6,10 @@
   </p:sldMasterIdLst>
   <p:sldIdLst>
     <p:sldId id="256" r:id="rId2"/>
-    <p:sldId id="260" r:id="rId3"/>
-    <p:sldId id="261" r:id="rId4"/>
-    <p:sldId id="262" r:id="rId5"/>
-    <p:sldId id="258" r:id="rId6"/>
-    <p:sldId id="259" r:id="rId7"/>
+    <p:sldId id="261" r:id="rId3"/>
+    <p:sldId id="262" r:id="rId4"/>
+    <p:sldId id="258" r:id="rId5"/>
+    <p:sldId id="259" r:id="rId6"/>
   </p:sldIdLst>
   <p:sldSz cx="12192000" cy="6858000"/>
   <p:notesSz cx="6858000" cy="9144000"/>
@@ -3704,431 +3703,6 @@
 </file>
 
 <file path=ppt/slides/slide2.xml><?xml version="1.0" encoding="utf-8"?>
-<p:sld xmlns:a="http://schemas.openxmlformats.org/drawingml/2006/main" xmlns:r="http://schemas.openxmlformats.org/officeDocument/2006/relationships" xmlns:p="http://schemas.openxmlformats.org/presentationml/2006/main">
-  <p:cSld>
-    <p:spTree>
-      <p:nvGrpSpPr>
-        <p:cNvPr id="1" name=""/>
-        <p:cNvGrpSpPr/>
-        <p:nvPr/>
-      </p:nvGrpSpPr>
-      <p:grpSpPr>
-        <a:xfrm>
-          <a:off x="0" y="0"/>
-          <a:ext cx="0" cy="0"/>
-          <a:chOff x="0" y="0"/>
-          <a:chExt cx="0" cy="0"/>
-        </a:xfrm>
-      </p:grpSpPr>
-      <p:sp>
-        <p:nvSpPr>
-          <p:cNvPr id="4" name="正方形/長方形 3">
-            <a:extLst>
-              <a:ext uri="{FF2B5EF4-FFF2-40B4-BE49-F238E27FC236}">
-                <a16:creationId xmlns:a16="http://schemas.microsoft.com/office/drawing/2014/main" id="{7696FBF1-E71C-DE46-8DD1-AF96809E1A10}"/>
-              </a:ext>
-            </a:extLst>
-          </p:cNvPr>
-          <p:cNvSpPr/>
-          <p:nvPr/>
-        </p:nvSpPr>
-        <p:spPr>
-          <a:xfrm>
-            <a:off x="0" y="0"/>
-            <a:ext cx="12192000" cy="448235"/>
-          </a:xfrm>
-          <a:prstGeom prst="rect">
-            <a:avLst/>
-          </a:prstGeom>
-          <a:solidFill>
-            <a:schemeClr val="accent1">
-              <a:lumMod val="20000"/>
-              <a:lumOff val="80000"/>
-            </a:schemeClr>
-          </a:solidFill>
-          <a:ln>
-            <a:noFill/>
-          </a:ln>
-        </p:spPr>
-        <p:style>
-          <a:lnRef idx="2">
-            <a:schemeClr val="accent1">
-              <a:shade val="50000"/>
-            </a:schemeClr>
-          </a:lnRef>
-          <a:fillRef idx="1">
-            <a:schemeClr val="accent1"/>
-          </a:fillRef>
-          <a:effectRef idx="0">
-            <a:schemeClr val="accent1"/>
-          </a:effectRef>
-          <a:fontRef idx="minor">
-            <a:schemeClr val="lt1"/>
-          </a:fontRef>
-        </p:style>
-        <p:txBody>
-          <a:bodyPr rtlCol="0" anchor="ctr"/>
-          <a:lstStyle/>
-          <a:p>
-            <a:r>
-              <a:rPr lang="ja-JP" altLang="en-US">
-                <a:solidFill>
-                  <a:schemeClr val="tx1"/>
-                </a:solidFill>
-              </a:rPr>
-              <a:t>システム</a:t>
-            </a:r>
-            <a:r>
-              <a:rPr kumimoji="1" lang="ja-JP" altLang="en-US">
-                <a:solidFill>
-                  <a:schemeClr val="tx1"/>
-                </a:solidFill>
-              </a:rPr>
-              <a:t>図</a:t>
-            </a:r>
-          </a:p>
-        </p:txBody>
-      </p:sp>
-      <p:sp>
-        <p:nvSpPr>
-          <p:cNvPr id="5" name="円/楕円 4">
-            <a:extLst>
-              <a:ext uri="{FF2B5EF4-FFF2-40B4-BE49-F238E27FC236}">
-                <a16:creationId xmlns:a16="http://schemas.microsoft.com/office/drawing/2014/main" id="{FBFF14A7-C899-7942-B56E-9B504B7EB22B}"/>
-              </a:ext>
-            </a:extLst>
-          </p:cNvPr>
-          <p:cNvSpPr/>
-          <p:nvPr/>
-        </p:nvSpPr>
-        <p:spPr>
-          <a:xfrm>
-            <a:off x="6802244" y="2302726"/>
-            <a:ext cx="1126274" cy="1126274"/>
-          </a:xfrm>
-          <a:prstGeom prst="ellipse">
-            <a:avLst/>
-          </a:prstGeom>
-          <a:noFill/>
-          <a:ln w="38100">
-            <a:solidFill>
-              <a:schemeClr val="tx1"/>
-            </a:solidFill>
-          </a:ln>
-        </p:spPr>
-        <p:style>
-          <a:lnRef idx="2">
-            <a:schemeClr val="accent1">
-              <a:shade val="50000"/>
-            </a:schemeClr>
-          </a:lnRef>
-          <a:fillRef idx="1">
-            <a:schemeClr val="accent1"/>
-          </a:fillRef>
-          <a:effectRef idx="0">
-            <a:schemeClr val="accent1"/>
-          </a:effectRef>
-          <a:fontRef idx="minor">
-            <a:schemeClr val="lt1"/>
-          </a:fontRef>
-        </p:style>
-        <p:txBody>
-          <a:bodyPr rtlCol="0" anchor="ctr"/>
-          <a:lstStyle/>
-          <a:p>
-            <a:pPr algn="ctr"/>
-            <a:endParaRPr kumimoji="1" lang="ja-JP" altLang="en-US"/>
-          </a:p>
-        </p:txBody>
-      </p:sp>
-      <p:cxnSp>
-        <p:nvCxnSpPr>
-          <p:cNvPr id="8" name="直線コネクタ 7">
-            <a:extLst>
-              <a:ext uri="{FF2B5EF4-FFF2-40B4-BE49-F238E27FC236}">
-                <a16:creationId xmlns:a16="http://schemas.microsoft.com/office/drawing/2014/main" id="{4053D133-3000-3F43-92C8-42B467B4AF68}"/>
-              </a:ext>
-            </a:extLst>
-          </p:cNvPr>
-          <p:cNvCxnSpPr>
-            <a:stCxn id="5" idx="2"/>
-            <a:endCxn id="5" idx="6"/>
-          </p:cNvCxnSpPr>
-          <p:nvPr/>
-        </p:nvCxnSpPr>
-        <p:spPr>
-          <a:xfrm>
-            <a:off x="6802244" y="2865863"/>
-            <a:ext cx="1126274" cy="0"/>
-          </a:xfrm>
-          <a:prstGeom prst="line">
-            <a:avLst/>
-          </a:prstGeom>
-          <a:ln>
-            <a:solidFill>
-              <a:schemeClr val="tx1"/>
-            </a:solidFill>
-          </a:ln>
-        </p:spPr>
-        <p:style>
-          <a:lnRef idx="1">
-            <a:schemeClr val="accent1"/>
-          </a:lnRef>
-          <a:fillRef idx="0">
-            <a:schemeClr val="accent1"/>
-          </a:fillRef>
-          <a:effectRef idx="0">
-            <a:schemeClr val="accent1"/>
-          </a:effectRef>
-          <a:fontRef idx="minor">
-            <a:schemeClr val="tx1"/>
-          </a:fontRef>
-        </p:style>
-      </p:cxnSp>
-      <p:cxnSp>
-        <p:nvCxnSpPr>
-          <p:cNvPr id="10" name="直線コネクタ 9">
-            <a:extLst>
-              <a:ext uri="{FF2B5EF4-FFF2-40B4-BE49-F238E27FC236}">
-                <a16:creationId xmlns:a16="http://schemas.microsoft.com/office/drawing/2014/main" id="{B4729976-47C2-3448-9FCC-D56C0B04A319}"/>
-              </a:ext>
-            </a:extLst>
-          </p:cNvPr>
-          <p:cNvCxnSpPr>
-            <a:stCxn id="5" idx="0"/>
-            <a:endCxn id="5" idx="4"/>
-          </p:cNvCxnSpPr>
-          <p:nvPr/>
-        </p:nvCxnSpPr>
-        <p:spPr>
-          <a:xfrm>
-            <a:off x="7365381" y="2302726"/>
-            <a:ext cx="0" cy="1126274"/>
-          </a:xfrm>
-          <a:prstGeom prst="line">
-            <a:avLst/>
-          </a:prstGeom>
-          <a:ln>
-            <a:solidFill>
-              <a:schemeClr val="tx1"/>
-            </a:solidFill>
-          </a:ln>
-        </p:spPr>
-        <p:style>
-          <a:lnRef idx="1">
-            <a:schemeClr val="accent1"/>
-          </a:lnRef>
-          <a:fillRef idx="0">
-            <a:schemeClr val="accent1"/>
-          </a:fillRef>
-          <a:effectRef idx="0">
-            <a:schemeClr val="accent1"/>
-          </a:effectRef>
-          <a:fontRef idx="minor">
-            <a:schemeClr val="tx1"/>
-          </a:fontRef>
-        </p:style>
-      </p:cxnSp>
-      <p:sp>
-        <p:nvSpPr>
-          <p:cNvPr id="12" name="円/楕円 11">
-            <a:extLst>
-              <a:ext uri="{FF2B5EF4-FFF2-40B4-BE49-F238E27FC236}">
-                <a16:creationId xmlns:a16="http://schemas.microsoft.com/office/drawing/2014/main" id="{3F117031-87D1-9E46-AEB7-BF7D63EF37CD}"/>
-              </a:ext>
-            </a:extLst>
-          </p:cNvPr>
-          <p:cNvSpPr/>
-          <p:nvPr/>
-        </p:nvSpPr>
-        <p:spPr>
-          <a:xfrm>
-            <a:off x="8382000" y="2798955"/>
-            <a:ext cx="630045" cy="630045"/>
-          </a:xfrm>
-          <a:prstGeom prst="ellipse">
-            <a:avLst/>
-          </a:prstGeom>
-          <a:noFill/>
-          <a:ln w="38100">
-            <a:solidFill>
-              <a:schemeClr val="tx1"/>
-            </a:solidFill>
-          </a:ln>
-        </p:spPr>
-        <p:style>
-          <a:lnRef idx="2">
-            <a:schemeClr val="accent1">
-              <a:shade val="50000"/>
-            </a:schemeClr>
-          </a:lnRef>
-          <a:fillRef idx="1">
-            <a:schemeClr val="accent1"/>
-          </a:fillRef>
-          <a:effectRef idx="0">
-            <a:schemeClr val="accent1"/>
-          </a:effectRef>
-          <a:fontRef idx="minor">
-            <a:schemeClr val="lt1"/>
-          </a:fontRef>
-        </p:style>
-        <p:txBody>
-          <a:bodyPr rtlCol="0" anchor="ctr"/>
-          <a:lstStyle/>
-          <a:p>
-            <a:pPr algn="ctr"/>
-            <a:endParaRPr kumimoji="1" lang="ja-JP" altLang="en-US"/>
-          </a:p>
-        </p:txBody>
-      </p:sp>
-      <p:cxnSp>
-        <p:nvCxnSpPr>
-          <p:cNvPr id="13" name="直線コネクタ 12">
-            <a:extLst>
-              <a:ext uri="{FF2B5EF4-FFF2-40B4-BE49-F238E27FC236}">
-                <a16:creationId xmlns:a16="http://schemas.microsoft.com/office/drawing/2014/main" id="{112A9367-5A8E-1945-ACD9-B57DD46B157D}"/>
-              </a:ext>
-            </a:extLst>
-          </p:cNvPr>
-          <p:cNvCxnSpPr>
-            <a:stCxn id="12" idx="2"/>
-            <a:endCxn id="12" idx="6"/>
-          </p:cNvCxnSpPr>
-          <p:nvPr/>
-        </p:nvCxnSpPr>
-        <p:spPr>
-          <a:xfrm>
-            <a:off x="8382000" y="3113978"/>
-            <a:ext cx="630045" cy="0"/>
-          </a:xfrm>
-          <a:prstGeom prst="line">
-            <a:avLst/>
-          </a:prstGeom>
-          <a:ln>
-            <a:solidFill>
-              <a:schemeClr val="tx1"/>
-            </a:solidFill>
-          </a:ln>
-        </p:spPr>
-        <p:style>
-          <a:lnRef idx="1">
-            <a:schemeClr val="accent1"/>
-          </a:lnRef>
-          <a:fillRef idx="0">
-            <a:schemeClr val="accent1"/>
-          </a:fillRef>
-          <a:effectRef idx="0">
-            <a:schemeClr val="accent1"/>
-          </a:effectRef>
-          <a:fontRef idx="minor">
-            <a:schemeClr val="tx1"/>
-          </a:fontRef>
-        </p:style>
-      </p:cxnSp>
-      <p:cxnSp>
-        <p:nvCxnSpPr>
-          <p:cNvPr id="14" name="直線コネクタ 13">
-            <a:extLst>
-              <a:ext uri="{FF2B5EF4-FFF2-40B4-BE49-F238E27FC236}">
-                <a16:creationId xmlns:a16="http://schemas.microsoft.com/office/drawing/2014/main" id="{D7FB8429-3533-5D46-B23B-887FFF9F8FEA}"/>
-              </a:ext>
-            </a:extLst>
-          </p:cNvPr>
-          <p:cNvCxnSpPr>
-            <a:stCxn id="12" idx="0"/>
-            <a:endCxn id="12" idx="4"/>
-          </p:cNvCxnSpPr>
-          <p:nvPr/>
-        </p:nvCxnSpPr>
-        <p:spPr>
-          <a:xfrm>
-            <a:off x="8697023" y="2798955"/>
-            <a:ext cx="0" cy="630045"/>
-          </a:xfrm>
-          <a:prstGeom prst="line">
-            <a:avLst/>
-          </a:prstGeom>
-          <a:ln>
-            <a:solidFill>
-              <a:schemeClr val="tx1"/>
-            </a:solidFill>
-          </a:ln>
-        </p:spPr>
-        <p:style>
-          <a:lnRef idx="1">
-            <a:schemeClr val="accent1"/>
-          </a:lnRef>
-          <a:fillRef idx="0">
-            <a:schemeClr val="accent1"/>
-          </a:fillRef>
-          <a:effectRef idx="0">
-            <a:schemeClr val="accent1"/>
-          </a:effectRef>
-          <a:fontRef idx="minor">
-            <a:schemeClr val="tx1"/>
-          </a:fontRef>
-        </p:style>
-      </p:cxnSp>
-      <p:sp>
-        <p:nvSpPr>
-          <p:cNvPr id="15" name="正方形/長方形 14">
-            <a:extLst>
-              <a:ext uri="{FF2B5EF4-FFF2-40B4-BE49-F238E27FC236}">
-                <a16:creationId xmlns:a16="http://schemas.microsoft.com/office/drawing/2014/main" id="{7797DFC9-EB99-374F-8F1A-8EE90E70D78E}"/>
-              </a:ext>
-            </a:extLst>
-          </p:cNvPr>
-          <p:cNvSpPr/>
-          <p:nvPr/>
-        </p:nvSpPr>
-        <p:spPr>
-          <a:xfrm>
-            <a:off x="5177481" y="2125362"/>
-            <a:ext cx="852616" cy="852616"/>
-          </a:xfrm>
-          <a:prstGeom prst="rect">
-            <a:avLst/>
-          </a:prstGeom>
-        </p:spPr>
-        <p:style>
-          <a:lnRef idx="2">
-            <a:schemeClr val="accent1">
-              <a:shade val="50000"/>
-            </a:schemeClr>
-          </a:lnRef>
-          <a:fillRef idx="1">
-            <a:schemeClr val="accent1"/>
-          </a:fillRef>
-          <a:effectRef idx="0">
-            <a:schemeClr val="accent1"/>
-          </a:effectRef>
-          <a:fontRef idx="minor">
-            <a:schemeClr val="lt1"/>
-          </a:fontRef>
-        </p:style>
-        <p:txBody>
-          <a:bodyPr rtlCol="0" anchor="ctr"/>
-          <a:lstStyle/>
-          <a:p>
-            <a:pPr algn="ctr"/>
-            <a:endParaRPr kumimoji="1" lang="ja-JP" altLang="en-US"/>
-          </a:p>
-        </p:txBody>
-      </p:sp>
-    </p:spTree>
-    <p:extLst>
-      <p:ext uri="{BB962C8B-B14F-4D97-AF65-F5344CB8AC3E}">
-        <p14:creationId xmlns:p14="http://schemas.microsoft.com/office/powerpoint/2010/main" val="727737186"/>
-      </p:ext>
-    </p:extLst>
-  </p:cSld>
-  <p:clrMapOvr>
-    <a:masterClrMapping/>
-  </p:clrMapOvr>
-</p:sld>
-</file>
-
-<file path=ppt/slides/slide3.xml><?xml version="1.0" encoding="utf-8"?>
 <p:sld xmlns:a="http://schemas.openxmlformats.org/drawingml/2006/main" xmlns:r="http://schemas.openxmlformats.org/officeDocument/2006/relationships" xmlns:p="http://schemas.openxmlformats.org/presentationml/2006/main">
   <p:cSld>
     <p:spTree>
@@ -8391,7 +7965,7 @@
 </p:sld>
 </file>
 
-<file path=ppt/slides/slide4.xml><?xml version="1.0" encoding="utf-8"?>
+<file path=ppt/slides/slide3.xml><?xml version="1.0" encoding="utf-8"?>
 <p:sld xmlns:a="http://schemas.openxmlformats.org/drawingml/2006/main" xmlns:r="http://schemas.openxmlformats.org/officeDocument/2006/relationships" xmlns:p="http://schemas.openxmlformats.org/presentationml/2006/main">
   <p:cSld>
     <p:spTree>
@@ -8408,51 +7982,244 @@
           <a:chExt cx="0" cy="0"/>
         </a:xfrm>
       </p:grpSpPr>
-      <p:cxnSp>
-        <p:nvCxnSpPr>
-          <p:cNvPr id="12" name="直線コネクタ 11">
+      <p:grpSp>
+        <p:nvGrpSpPr>
+          <p:cNvPr id="175" name="グループ化 174">
             <a:extLst>
               <a:ext uri="{FF2B5EF4-FFF2-40B4-BE49-F238E27FC236}">
-                <a16:creationId xmlns:a16="http://schemas.microsoft.com/office/drawing/2014/main" id="{5A4A64E8-5D1E-7244-9DD0-09862EF77525}"/>
+                <a16:creationId xmlns:a16="http://schemas.microsoft.com/office/drawing/2014/main" id="{093EE6D3-71AD-D54E-8193-FADD5501B058}"/>
               </a:ext>
             </a:extLst>
           </p:cNvPr>
-          <p:cNvCxnSpPr>
-            <a:cxnSpLocks/>
-          </p:cNvCxnSpPr>
+          <p:cNvGrpSpPr/>
           <p:nvPr/>
-        </p:nvCxnSpPr>
-        <p:spPr>
+        </p:nvGrpSpPr>
+        <p:grpSpPr>
           <a:xfrm>
-            <a:off x="407368" y="6601266"/>
-            <a:ext cx="10584887" cy="0"/>
+            <a:off x="191344" y="5949280"/>
+            <a:ext cx="11881320" cy="161365"/>
+            <a:chOff x="191344" y="5949280"/>
+            <a:chExt cx="11881320" cy="161365"/>
           </a:xfrm>
-          <a:prstGeom prst="line">
-            <a:avLst/>
-          </a:prstGeom>
-          <a:ln w="38100">
+        </p:grpSpPr>
+        <p:sp>
+          <p:nvSpPr>
+            <p:cNvPr id="168" name="正方形/長方形 167">
+              <a:extLst>
+                <a:ext uri="{FF2B5EF4-FFF2-40B4-BE49-F238E27FC236}">
+                  <a16:creationId xmlns:a16="http://schemas.microsoft.com/office/drawing/2014/main" id="{FFA485B0-3448-2547-A590-8CB2E2947E58}"/>
+                </a:ext>
+              </a:extLst>
+            </p:cNvPr>
+            <p:cNvSpPr/>
+            <p:nvPr/>
+          </p:nvSpPr>
+          <p:spPr>
+            <a:xfrm>
+              <a:off x="4151784" y="5949280"/>
+              <a:ext cx="7920880" cy="161365"/>
+            </a:xfrm>
+            <a:prstGeom prst="rect">
+              <a:avLst/>
+            </a:prstGeom>
             <a:solidFill>
               <a:schemeClr val="bg1">
                 <a:lumMod val="50000"/>
               </a:schemeClr>
             </a:solidFill>
+            <a:ln w="12700">
+              <a:noFill/>
+            </a:ln>
+          </p:spPr>
+          <p:style>
+            <a:lnRef idx="2">
+              <a:schemeClr val="accent1">
+                <a:shade val="50000"/>
+              </a:schemeClr>
+            </a:lnRef>
+            <a:fillRef idx="1">
+              <a:schemeClr val="accent1"/>
+            </a:fillRef>
+            <a:effectRef idx="0">
+              <a:schemeClr val="accent1"/>
+            </a:effectRef>
+            <a:fontRef idx="minor">
+              <a:schemeClr val="lt1"/>
+            </a:fontRef>
+          </p:style>
+          <p:txBody>
+            <a:bodyPr rtlCol="0" anchor="ctr"/>
+            <a:lstStyle/>
+            <a:p>
+              <a:pPr algn="ctr"/>
+              <a:endParaRPr kumimoji="1" lang="ja-JP" altLang="en-US"/>
+            </a:p>
+          </p:txBody>
+        </p:sp>
+        <p:sp>
+          <p:nvSpPr>
+            <p:cNvPr id="170" name="正方形/長方形 169">
+              <a:extLst>
+                <a:ext uri="{FF2B5EF4-FFF2-40B4-BE49-F238E27FC236}">
+                  <a16:creationId xmlns:a16="http://schemas.microsoft.com/office/drawing/2014/main" id="{E9DBDD4B-A4A4-8349-AC6F-A524AF5C7B91}"/>
+                </a:ext>
+              </a:extLst>
+            </p:cNvPr>
+            <p:cNvSpPr/>
+            <p:nvPr/>
+          </p:nvSpPr>
+          <p:spPr>
+            <a:xfrm>
+              <a:off x="191344" y="5949280"/>
+              <a:ext cx="2448272" cy="161365"/>
+            </a:xfrm>
+            <a:prstGeom prst="rect">
+              <a:avLst/>
+            </a:prstGeom>
+            <a:solidFill>
+              <a:schemeClr val="bg1">
+                <a:lumMod val="50000"/>
+              </a:schemeClr>
+            </a:solidFill>
+            <a:ln w="12700">
+              <a:noFill/>
+            </a:ln>
+          </p:spPr>
+          <p:style>
+            <a:lnRef idx="2">
+              <a:schemeClr val="accent1">
+                <a:shade val="50000"/>
+              </a:schemeClr>
+            </a:lnRef>
+            <a:fillRef idx="1">
+              <a:schemeClr val="accent1"/>
+            </a:fillRef>
+            <a:effectRef idx="0">
+              <a:schemeClr val="accent1"/>
+            </a:effectRef>
+            <a:fontRef idx="minor">
+              <a:schemeClr val="lt1"/>
+            </a:fontRef>
+          </p:style>
+          <p:txBody>
+            <a:bodyPr rtlCol="0" anchor="ctr"/>
+            <a:lstStyle/>
+            <a:p>
+              <a:pPr algn="ctr"/>
+              <a:endParaRPr kumimoji="1" lang="ja-JP" altLang="en-US"/>
+            </a:p>
+          </p:txBody>
+        </p:sp>
+        <p:sp>
+          <p:nvSpPr>
+            <p:cNvPr id="171" name="正方形/長方形 170">
+              <a:extLst>
+                <a:ext uri="{FF2B5EF4-FFF2-40B4-BE49-F238E27FC236}">
+                  <a16:creationId xmlns:a16="http://schemas.microsoft.com/office/drawing/2014/main" id="{A935E969-F0E8-8F45-AC47-9E7B8F701D3B}"/>
+                </a:ext>
+              </a:extLst>
+            </p:cNvPr>
+            <p:cNvSpPr/>
+            <p:nvPr/>
+          </p:nvSpPr>
+          <p:spPr>
+            <a:xfrm>
+              <a:off x="2639616" y="5949280"/>
+              <a:ext cx="1512168" cy="161365"/>
+            </a:xfrm>
+            <a:prstGeom prst="rect">
+              <a:avLst/>
+            </a:prstGeom>
+            <a:solidFill>
+              <a:schemeClr val="bg1">
+                <a:lumMod val="75000"/>
+              </a:schemeClr>
+            </a:solidFill>
+            <a:ln w="12700">
+              <a:noFill/>
+            </a:ln>
+          </p:spPr>
+          <p:style>
+            <a:lnRef idx="2">
+              <a:schemeClr val="accent1">
+                <a:shade val="50000"/>
+              </a:schemeClr>
+            </a:lnRef>
+            <a:fillRef idx="1">
+              <a:schemeClr val="accent1"/>
+            </a:fillRef>
+            <a:effectRef idx="0">
+              <a:schemeClr val="accent1"/>
+            </a:effectRef>
+            <a:fontRef idx="minor">
+              <a:schemeClr val="lt1"/>
+            </a:fontRef>
+          </p:style>
+          <p:txBody>
+            <a:bodyPr rtlCol="0" anchor="ctr"/>
+            <a:lstStyle/>
+            <a:p>
+              <a:pPr algn="ctr"/>
+              <a:endParaRPr kumimoji="1" lang="ja-JP" altLang="en-US"/>
+            </a:p>
+          </p:txBody>
+        </p:sp>
+      </p:grpSp>
+      <p:sp>
+        <p:nvSpPr>
+          <p:cNvPr id="176" name="正方形/長方形 175">
+            <a:extLst>
+              <a:ext uri="{FF2B5EF4-FFF2-40B4-BE49-F238E27FC236}">
+                <a16:creationId xmlns:a16="http://schemas.microsoft.com/office/drawing/2014/main" id="{38E8BDB4-9F49-2E4E-9B14-47CE47C6E4DE}"/>
+              </a:ext>
+            </a:extLst>
+          </p:cNvPr>
+          <p:cNvSpPr/>
+          <p:nvPr/>
+        </p:nvSpPr>
+        <p:spPr>
+          <a:xfrm>
+            <a:off x="191344" y="4879195"/>
+            <a:ext cx="11881320" cy="638037"/>
+          </a:xfrm>
+          <a:prstGeom prst="rect">
+            <a:avLst/>
+          </a:prstGeom>
+          <a:solidFill>
+            <a:schemeClr val="accent6">
+              <a:lumMod val="60000"/>
+              <a:lumOff val="40000"/>
+            </a:schemeClr>
+          </a:solidFill>
+          <a:ln w="12700">
+            <a:noFill/>
           </a:ln>
         </p:spPr>
         <p:style>
-          <a:lnRef idx="1">
-            <a:schemeClr val="accent1"/>
+          <a:lnRef idx="2">
+            <a:schemeClr val="accent1">
+              <a:shade val="50000"/>
+            </a:schemeClr>
           </a:lnRef>
-          <a:fillRef idx="0">
+          <a:fillRef idx="1">
             <a:schemeClr val="accent1"/>
           </a:fillRef>
           <a:effectRef idx="0">
             <a:schemeClr val="accent1"/>
           </a:effectRef>
           <a:fontRef idx="minor">
-            <a:schemeClr val="tx1"/>
+            <a:schemeClr val="lt1"/>
           </a:fontRef>
         </p:style>
-      </p:cxnSp>
+        <p:txBody>
+          <a:bodyPr rtlCol="0" anchor="ctr"/>
+          <a:lstStyle/>
+          <a:p>
+            <a:pPr algn="ctr"/>
+            <a:endParaRPr kumimoji="1" lang="ja-JP" altLang="en-US"/>
+          </a:p>
+        </p:txBody>
+      </p:sp>
       <p:sp>
         <p:nvSpPr>
           <p:cNvPr id="68" name="正方形/長方形 67">
@@ -8528,7 +8295,7 @@
         </p:nvGrpSpPr>
         <p:grpSpPr>
           <a:xfrm>
-            <a:off x="3910674" y="4149080"/>
+            <a:off x="8083108" y="3501008"/>
             <a:ext cx="3557508" cy="2520280"/>
             <a:chOff x="3337473" y="2708920"/>
             <a:chExt cx="5590370" cy="3960440"/>
@@ -10713,8 +10480,8 @@
         </p:nvSpPr>
         <p:spPr>
           <a:xfrm>
-            <a:off x="4943872" y="728700"/>
-            <a:ext cx="1728192" cy="1152128"/>
+            <a:off x="9116306" y="728700"/>
+            <a:ext cx="1728192" cy="1548172"/>
           </a:xfrm>
           <a:prstGeom prst="rect">
             <a:avLst/>
@@ -10779,7 +10546,7 @@
         </p:nvSpPr>
         <p:spPr>
           <a:xfrm rot="16200000">
-            <a:off x="1163452" y="1088741"/>
+            <a:off x="5047854" y="1088740"/>
             <a:ext cx="1080120" cy="432048"/>
           </a:xfrm>
           <a:prstGeom prst="rect">
@@ -10845,7 +10612,7 @@
         </p:nvSpPr>
         <p:spPr>
           <a:xfrm rot="16200000">
-            <a:off x="1955540" y="1088740"/>
+            <a:off x="5839942" y="1088740"/>
             <a:ext cx="1080120" cy="432048"/>
           </a:xfrm>
           <a:prstGeom prst="rect">
@@ -10913,7 +10680,7 @@
         </p:nvCxnSpPr>
         <p:spPr>
           <a:xfrm flipV="1">
-            <a:off x="1919536" y="1304764"/>
+            <a:off x="5803938" y="1304764"/>
             <a:ext cx="360040" cy="1"/>
           </a:xfrm>
           <a:prstGeom prst="line">
@@ -10956,7 +10723,7 @@
         </p:nvSpPr>
         <p:spPr>
           <a:xfrm rot="16200000">
-            <a:off x="2963652" y="1088741"/>
+            <a:off x="7136086" y="1088740"/>
             <a:ext cx="1080120" cy="432048"/>
           </a:xfrm>
           <a:prstGeom prst="rect">
@@ -11019,7 +10786,7 @@
         </p:nvCxnSpPr>
         <p:spPr>
           <a:xfrm flipV="1">
-            <a:off x="3719736" y="1304764"/>
+            <a:off x="7892170" y="1304764"/>
             <a:ext cx="1224136" cy="1"/>
           </a:xfrm>
           <a:prstGeom prst="line">
@@ -11048,6 +10815,4226 @@
           </a:fontRef>
         </p:style>
       </p:cxnSp>
+      <p:sp>
+        <p:nvSpPr>
+          <p:cNvPr id="119" name="正方形/長方形 118">
+            <a:extLst>
+              <a:ext uri="{FF2B5EF4-FFF2-40B4-BE49-F238E27FC236}">
+                <a16:creationId xmlns:a16="http://schemas.microsoft.com/office/drawing/2014/main" id="{FF68817B-313A-5146-B402-B8A568554646}"/>
+              </a:ext>
+            </a:extLst>
+          </p:cNvPr>
+          <p:cNvSpPr/>
+          <p:nvPr/>
+        </p:nvSpPr>
+        <p:spPr>
+          <a:xfrm>
+            <a:off x="9404338" y="1772816"/>
+            <a:ext cx="1152128" cy="432048"/>
+          </a:xfrm>
+          <a:prstGeom prst="rect">
+            <a:avLst/>
+          </a:prstGeom>
+          <a:solidFill>
+            <a:schemeClr val="bg1"/>
+          </a:solidFill>
+          <a:ln w="19050">
+            <a:solidFill>
+              <a:schemeClr val="tx1"/>
+            </a:solidFill>
+          </a:ln>
+        </p:spPr>
+        <p:style>
+          <a:lnRef idx="2">
+            <a:schemeClr val="accent1">
+              <a:shade val="50000"/>
+            </a:schemeClr>
+          </a:lnRef>
+          <a:fillRef idx="1">
+            <a:schemeClr val="accent1"/>
+          </a:fillRef>
+          <a:effectRef idx="0">
+            <a:schemeClr val="accent1"/>
+          </a:effectRef>
+          <a:fontRef idx="minor">
+            <a:schemeClr val="lt1"/>
+          </a:fontRef>
+        </p:style>
+        <p:txBody>
+          <a:bodyPr rtlCol="0" anchor="ctr" anchorCtr="0"/>
+          <a:lstStyle/>
+          <a:p>
+            <a:pPr algn="ctr"/>
+            <a:r>
+              <a:rPr kumimoji="1" lang="en-US" altLang="ja-JP" sz="1600" dirty="0" err="1">
+                <a:solidFill>
+                  <a:schemeClr val="tx1"/>
+                </a:solidFill>
+              </a:rPr>
+              <a:t>bluetooth</a:t>
+            </a:r>
+            <a:endParaRPr kumimoji="1" lang="ja-JP" altLang="en-US" sz="1600">
+              <a:solidFill>
+                <a:schemeClr val="tx1"/>
+              </a:solidFill>
+            </a:endParaRPr>
+          </a:p>
+        </p:txBody>
+      </p:sp>
+      <p:cxnSp>
+        <p:nvCxnSpPr>
+          <p:cNvPr id="120" name="直線コネクタ 119">
+            <a:extLst>
+              <a:ext uri="{FF2B5EF4-FFF2-40B4-BE49-F238E27FC236}">
+                <a16:creationId xmlns:a16="http://schemas.microsoft.com/office/drawing/2014/main" id="{82897C1D-51D6-E743-96DF-19AF31C1C700}"/>
+              </a:ext>
+            </a:extLst>
+          </p:cNvPr>
+          <p:cNvCxnSpPr>
+            <a:cxnSpLocks/>
+            <a:stCxn id="119" idx="2"/>
+          </p:cNvCxnSpPr>
+          <p:nvPr/>
+        </p:nvCxnSpPr>
+        <p:spPr>
+          <a:xfrm>
+            <a:off x="9980402" y="2204864"/>
+            <a:ext cx="0" cy="1440160"/>
+          </a:xfrm>
+          <a:prstGeom prst="line">
+            <a:avLst/>
+          </a:prstGeom>
+          <a:ln w="19050">
+            <a:solidFill>
+              <a:srgbClr val="FF0000"/>
+            </a:solidFill>
+            <a:headEnd type="none" w="sm" len="sm"/>
+            <a:tailEnd type="triangle" w="sm" len="sm"/>
+          </a:ln>
+        </p:spPr>
+        <p:style>
+          <a:lnRef idx="1">
+            <a:schemeClr val="accent1"/>
+          </a:lnRef>
+          <a:fillRef idx="0">
+            <a:schemeClr val="accent1"/>
+          </a:fillRef>
+          <a:effectRef idx="0">
+            <a:schemeClr val="accent1"/>
+          </a:effectRef>
+          <a:fontRef idx="minor">
+            <a:schemeClr val="tx1"/>
+          </a:fontRef>
+        </p:style>
+      </p:cxnSp>
+      <p:sp>
+        <p:nvSpPr>
+          <p:cNvPr id="122" name="正方形/長方形 121">
+            <a:extLst>
+              <a:ext uri="{FF2B5EF4-FFF2-40B4-BE49-F238E27FC236}">
+                <a16:creationId xmlns:a16="http://schemas.microsoft.com/office/drawing/2014/main" id="{3EEB0EFF-915F-AB41-992C-EBAAFFF44A14}"/>
+              </a:ext>
+            </a:extLst>
+          </p:cNvPr>
+          <p:cNvSpPr/>
+          <p:nvPr/>
+        </p:nvSpPr>
+        <p:spPr>
+          <a:xfrm>
+            <a:off x="9404338" y="1124744"/>
+            <a:ext cx="1152128" cy="576064"/>
+          </a:xfrm>
+          <a:prstGeom prst="rect">
+            <a:avLst/>
+          </a:prstGeom>
+          <a:solidFill>
+            <a:schemeClr val="bg1"/>
+          </a:solidFill>
+          <a:ln w="19050">
+            <a:solidFill>
+              <a:schemeClr val="tx1"/>
+            </a:solidFill>
+          </a:ln>
+        </p:spPr>
+        <p:style>
+          <a:lnRef idx="2">
+            <a:schemeClr val="accent1">
+              <a:shade val="50000"/>
+            </a:schemeClr>
+          </a:lnRef>
+          <a:fillRef idx="1">
+            <a:schemeClr val="accent1"/>
+          </a:fillRef>
+          <a:effectRef idx="0">
+            <a:schemeClr val="accent1"/>
+          </a:effectRef>
+          <a:fontRef idx="minor">
+            <a:schemeClr val="lt1"/>
+          </a:fontRef>
+        </p:style>
+        <p:txBody>
+          <a:bodyPr rtlCol="0" anchor="ctr" anchorCtr="0"/>
+          <a:lstStyle/>
+          <a:p>
+            <a:pPr algn="ctr"/>
+            <a:r>
+              <a:rPr kumimoji="1" lang="ja-JP" altLang="en-US" sz="1600">
+                <a:solidFill>
+                  <a:schemeClr val="tx1"/>
+                </a:solidFill>
+              </a:rPr>
+              <a:t>画像処理</a:t>
+            </a:r>
+          </a:p>
+        </p:txBody>
+      </p:sp>
+      <p:pic>
+        <p:nvPicPr>
+          <p:cNvPr id="123" name="図 122">
+            <a:extLst>
+              <a:ext uri="{FF2B5EF4-FFF2-40B4-BE49-F238E27FC236}">
+                <a16:creationId xmlns:a16="http://schemas.microsoft.com/office/drawing/2014/main" id="{7B301D61-4485-D84D-AE9D-277FCD5309E3}"/>
+              </a:ext>
+            </a:extLst>
+          </p:cNvPr>
+          <p:cNvPicPr>
+            <a:picLocks noChangeAspect="1"/>
+          </p:cNvPicPr>
+          <p:nvPr/>
+        </p:nvPicPr>
+        <p:blipFill rotWithShape="1">
+          <a:blip r:embed="rId2"/>
+          <a:srcRect l="1235" t="6230" r="41012" b="2106"/>
+          <a:stretch/>
+        </p:blipFill>
+        <p:spPr>
+          <a:xfrm>
+            <a:off x="7964178" y="620688"/>
+            <a:ext cx="899267" cy="504056"/>
+          </a:xfrm>
+          <a:prstGeom prst="rect">
+            <a:avLst/>
+          </a:prstGeom>
+          <a:ln w="19050">
+            <a:solidFill>
+              <a:schemeClr val="tx1"/>
+            </a:solidFill>
+          </a:ln>
+        </p:spPr>
+      </p:pic>
+      <p:cxnSp>
+        <p:nvCxnSpPr>
+          <p:cNvPr id="124" name="直線コネクタ 123">
+            <a:extLst>
+              <a:ext uri="{FF2B5EF4-FFF2-40B4-BE49-F238E27FC236}">
+                <a16:creationId xmlns:a16="http://schemas.microsoft.com/office/drawing/2014/main" id="{2B64A74E-7F7C-4642-9BC0-918292D8F644}"/>
+              </a:ext>
+            </a:extLst>
+          </p:cNvPr>
+          <p:cNvCxnSpPr>
+            <a:cxnSpLocks/>
+          </p:cNvCxnSpPr>
+          <p:nvPr/>
+        </p:nvCxnSpPr>
+        <p:spPr>
+          <a:xfrm>
+            <a:off x="6596026" y="1304764"/>
+            <a:ext cx="864096" cy="0"/>
+          </a:xfrm>
+          <a:prstGeom prst="line">
+            <a:avLst/>
+          </a:prstGeom>
+          <a:ln w="19050">
+            <a:solidFill>
+              <a:srgbClr val="FF0000"/>
+            </a:solidFill>
+            <a:headEnd type="none" w="sm" len="sm"/>
+            <a:tailEnd type="triangle" w="sm" len="sm"/>
+          </a:ln>
+        </p:spPr>
+        <p:style>
+          <a:lnRef idx="1">
+            <a:schemeClr val="accent1"/>
+          </a:lnRef>
+          <a:fillRef idx="0">
+            <a:schemeClr val="accent1"/>
+          </a:fillRef>
+          <a:effectRef idx="0">
+            <a:schemeClr val="accent1"/>
+          </a:effectRef>
+          <a:fontRef idx="minor">
+            <a:schemeClr val="tx1"/>
+          </a:fontRef>
+        </p:style>
+      </p:cxnSp>
+      <p:sp>
+        <p:nvSpPr>
+          <p:cNvPr id="126" name="三角形 125">
+            <a:extLst>
+              <a:ext uri="{FF2B5EF4-FFF2-40B4-BE49-F238E27FC236}">
+                <a16:creationId xmlns:a16="http://schemas.microsoft.com/office/drawing/2014/main" id="{6821ACB9-6A2E-7B46-B255-60F701521C82}"/>
+              </a:ext>
+            </a:extLst>
+          </p:cNvPr>
+          <p:cNvSpPr/>
+          <p:nvPr/>
+        </p:nvSpPr>
+        <p:spPr>
+          <a:xfrm rot="5400000">
+            <a:off x="4543873" y="770843"/>
+            <a:ext cx="571697" cy="1067844"/>
+          </a:xfrm>
+          <a:prstGeom prst="triangle">
+            <a:avLst/>
+          </a:prstGeom>
+          <a:solidFill>
+            <a:schemeClr val="bg1"/>
+          </a:solidFill>
+        </p:spPr>
+        <p:style>
+          <a:lnRef idx="2">
+            <a:schemeClr val="accent1">
+              <a:shade val="50000"/>
+            </a:schemeClr>
+          </a:lnRef>
+          <a:fillRef idx="1">
+            <a:schemeClr val="accent1"/>
+          </a:fillRef>
+          <a:effectRef idx="0">
+            <a:schemeClr val="accent1"/>
+          </a:effectRef>
+          <a:fontRef idx="minor">
+            <a:schemeClr val="lt1"/>
+          </a:fontRef>
+        </p:style>
+        <p:txBody>
+          <a:bodyPr rtlCol="0" anchor="ctr"/>
+          <a:lstStyle/>
+          <a:p>
+            <a:pPr algn="ctr"/>
+            <a:endParaRPr kumimoji="1" lang="ja-JP" altLang="en-US" sz="1400"/>
+          </a:p>
+        </p:txBody>
+      </p:sp>
+      <p:grpSp>
+        <p:nvGrpSpPr>
+          <p:cNvPr id="129" name="グループ化 128">
+            <a:extLst>
+              <a:ext uri="{FF2B5EF4-FFF2-40B4-BE49-F238E27FC236}">
+                <a16:creationId xmlns:a16="http://schemas.microsoft.com/office/drawing/2014/main" id="{D4B3800E-7049-484E-AB30-D0932D90665B}"/>
+              </a:ext>
+            </a:extLst>
+          </p:cNvPr>
+          <p:cNvGrpSpPr/>
+          <p:nvPr/>
+        </p:nvGrpSpPr>
+        <p:grpSpPr>
+          <a:xfrm>
+            <a:off x="551384" y="548680"/>
+            <a:ext cx="2592288" cy="2592288"/>
+            <a:chOff x="4799856" y="2276872"/>
+            <a:chExt cx="4320480" cy="4320480"/>
+          </a:xfrm>
+        </p:grpSpPr>
+        <p:sp>
+          <p:nvSpPr>
+            <p:cNvPr id="130" name="正方形/長方形 129">
+              <a:extLst>
+                <a:ext uri="{FF2B5EF4-FFF2-40B4-BE49-F238E27FC236}">
+                  <a16:creationId xmlns:a16="http://schemas.microsoft.com/office/drawing/2014/main" id="{CE9FFB64-EFAE-2447-B1A2-2446A6FB37E3}"/>
+                </a:ext>
+              </a:extLst>
+            </p:cNvPr>
+            <p:cNvSpPr/>
+            <p:nvPr/>
+          </p:nvSpPr>
+          <p:spPr>
+            <a:xfrm>
+              <a:off x="5015880" y="2492896"/>
+              <a:ext cx="1296144" cy="1296144"/>
+            </a:xfrm>
+            <a:prstGeom prst="rect">
+              <a:avLst/>
+            </a:prstGeom>
+            <a:solidFill>
+              <a:schemeClr val="bg1"/>
+            </a:solidFill>
+            <a:ln w="38100">
+              <a:solidFill>
+                <a:schemeClr val="tx1"/>
+              </a:solidFill>
+            </a:ln>
+          </p:spPr>
+          <p:style>
+            <a:lnRef idx="2">
+              <a:schemeClr val="accent1">
+                <a:shade val="50000"/>
+              </a:schemeClr>
+            </a:lnRef>
+            <a:fillRef idx="1">
+              <a:schemeClr val="accent1"/>
+            </a:fillRef>
+            <a:effectRef idx="0">
+              <a:schemeClr val="accent1"/>
+            </a:effectRef>
+            <a:fontRef idx="minor">
+              <a:schemeClr val="lt1"/>
+            </a:fontRef>
+          </p:style>
+          <p:txBody>
+            <a:bodyPr rot="0" spcFirstLastPara="0" vertOverflow="overflow" horzOverflow="overflow" vert="horz" wrap="square" lIns="91440" tIns="45720" rIns="91440" bIns="45720" numCol="1" spcCol="0" rtlCol="0" fromWordArt="0" anchor="ctr" anchorCtr="0" forceAA="0" compatLnSpc="1">
+              <a:prstTxWarp prst="textNoShape">
+                <a:avLst/>
+              </a:prstTxWarp>
+              <a:noAutofit/>
+            </a:bodyPr>
+            <a:lstStyle/>
+            <a:p>
+              <a:pPr algn="ctr"/>
+              <a:r>
+                <a:rPr kumimoji="1" lang="en-US" altLang="ja-JP" dirty="0">
+                  <a:solidFill>
+                    <a:schemeClr val="tx1"/>
+                  </a:solidFill>
+                </a:rPr>
+                <a:t>1</a:t>
+              </a:r>
+              <a:endParaRPr kumimoji="1" lang="ja-JP" altLang="en-US" dirty="0" err="1">
+                <a:solidFill>
+                  <a:schemeClr val="tx1"/>
+                </a:solidFill>
+              </a:endParaRPr>
+            </a:p>
+          </p:txBody>
+        </p:sp>
+        <p:sp>
+          <p:nvSpPr>
+            <p:cNvPr id="131" name="円/楕円 130">
+              <a:extLst>
+                <a:ext uri="{FF2B5EF4-FFF2-40B4-BE49-F238E27FC236}">
+                  <a16:creationId xmlns:a16="http://schemas.microsoft.com/office/drawing/2014/main" id="{0F64A0DB-3368-0443-A8B8-9546C43F76BE}"/>
+                </a:ext>
+              </a:extLst>
+            </p:cNvPr>
+            <p:cNvSpPr/>
+            <p:nvPr/>
+          </p:nvSpPr>
+          <p:spPr>
+            <a:xfrm>
+              <a:off x="5303912" y="2780928"/>
+              <a:ext cx="720080" cy="720080"/>
+            </a:xfrm>
+            <a:prstGeom prst="ellipse">
+              <a:avLst/>
+            </a:prstGeom>
+            <a:noFill/>
+            <a:ln w="76200">
+              <a:solidFill>
+                <a:srgbClr val="FF0000"/>
+              </a:solidFill>
+            </a:ln>
+          </p:spPr>
+          <p:style>
+            <a:lnRef idx="2">
+              <a:schemeClr val="accent1">
+                <a:shade val="50000"/>
+              </a:schemeClr>
+            </a:lnRef>
+            <a:fillRef idx="1">
+              <a:schemeClr val="accent1"/>
+            </a:fillRef>
+            <a:effectRef idx="0">
+              <a:schemeClr val="accent1"/>
+            </a:effectRef>
+            <a:fontRef idx="minor">
+              <a:schemeClr val="lt1"/>
+            </a:fontRef>
+          </p:style>
+          <p:txBody>
+            <a:bodyPr rot="0" spcFirstLastPara="0" vertOverflow="overflow" horzOverflow="overflow" vert="horz" wrap="square" lIns="91440" tIns="45720" rIns="91440" bIns="45720" numCol="1" spcCol="0" rtlCol="0" fromWordArt="0" anchor="t" anchorCtr="0" forceAA="0" compatLnSpc="1">
+              <a:prstTxWarp prst="textNoShape">
+                <a:avLst/>
+              </a:prstTxWarp>
+              <a:noAutofit/>
+            </a:bodyPr>
+            <a:lstStyle/>
+            <a:p>
+              <a:pPr algn="ctr"/>
+              <a:endParaRPr kumimoji="1" lang="ja-JP" altLang="en-US" dirty="0" err="1">
+                <a:solidFill>
+                  <a:schemeClr val="tx1"/>
+                </a:solidFill>
+              </a:endParaRPr>
+            </a:p>
+          </p:txBody>
+        </p:sp>
+        <p:sp>
+          <p:nvSpPr>
+            <p:cNvPr id="132" name="円/楕円 131">
+              <a:extLst>
+                <a:ext uri="{FF2B5EF4-FFF2-40B4-BE49-F238E27FC236}">
+                  <a16:creationId xmlns:a16="http://schemas.microsoft.com/office/drawing/2014/main" id="{A7EE8DA5-3385-1B49-B977-A737FDBA6560}"/>
+                </a:ext>
+              </a:extLst>
+            </p:cNvPr>
+            <p:cNvSpPr/>
+            <p:nvPr/>
+          </p:nvSpPr>
+          <p:spPr>
+            <a:xfrm>
+              <a:off x="4799856" y="2276872"/>
+              <a:ext cx="423664" cy="423664"/>
+            </a:xfrm>
+            <a:prstGeom prst="ellipse">
+              <a:avLst/>
+            </a:prstGeom>
+            <a:solidFill>
+              <a:schemeClr val="bg1"/>
+            </a:solidFill>
+            <a:ln w="76200">
+              <a:solidFill>
+                <a:schemeClr val="accent5"/>
+              </a:solidFill>
+            </a:ln>
+          </p:spPr>
+          <p:style>
+            <a:lnRef idx="2">
+              <a:schemeClr val="accent1">
+                <a:shade val="50000"/>
+              </a:schemeClr>
+            </a:lnRef>
+            <a:fillRef idx="1">
+              <a:schemeClr val="accent1"/>
+            </a:fillRef>
+            <a:effectRef idx="0">
+              <a:schemeClr val="accent1"/>
+            </a:effectRef>
+            <a:fontRef idx="minor">
+              <a:schemeClr val="lt1"/>
+            </a:fontRef>
+          </p:style>
+          <p:txBody>
+            <a:bodyPr rot="0" spcFirstLastPara="0" vertOverflow="overflow" horzOverflow="overflow" vert="horz" wrap="square" lIns="91440" tIns="45720" rIns="91440" bIns="45720" numCol="1" spcCol="0" rtlCol="0" fromWordArt="0" anchor="t" anchorCtr="0" forceAA="0" compatLnSpc="1">
+              <a:prstTxWarp prst="textNoShape">
+                <a:avLst/>
+              </a:prstTxWarp>
+              <a:noAutofit/>
+            </a:bodyPr>
+            <a:lstStyle/>
+            <a:p>
+              <a:pPr algn="ctr"/>
+              <a:endParaRPr kumimoji="1" lang="ja-JP" altLang="en-US" dirty="0" err="1">
+                <a:solidFill>
+                  <a:schemeClr val="tx1"/>
+                </a:solidFill>
+              </a:endParaRPr>
+            </a:p>
+          </p:txBody>
+        </p:sp>
+        <p:sp>
+          <p:nvSpPr>
+            <p:cNvPr id="133" name="正方形/長方形 132">
+              <a:extLst>
+                <a:ext uri="{FF2B5EF4-FFF2-40B4-BE49-F238E27FC236}">
+                  <a16:creationId xmlns:a16="http://schemas.microsoft.com/office/drawing/2014/main" id="{0BCCE592-016F-D74C-A248-EFE476D581CC}"/>
+                </a:ext>
+              </a:extLst>
+            </p:cNvPr>
+            <p:cNvSpPr/>
+            <p:nvPr/>
+          </p:nvSpPr>
+          <p:spPr>
+            <a:xfrm>
+              <a:off x="6312024" y="2492896"/>
+              <a:ext cx="1296144" cy="1296144"/>
+            </a:xfrm>
+            <a:prstGeom prst="rect">
+              <a:avLst/>
+            </a:prstGeom>
+            <a:solidFill>
+              <a:schemeClr val="bg1"/>
+            </a:solidFill>
+            <a:ln w="38100">
+              <a:solidFill>
+                <a:schemeClr val="tx1"/>
+              </a:solidFill>
+            </a:ln>
+          </p:spPr>
+          <p:style>
+            <a:lnRef idx="2">
+              <a:schemeClr val="accent1">
+                <a:shade val="50000"/>
+              </a:schemeClr>
+            </a:lnRef>
+            <a:fillRef idx="1">
+              <a:schemeClr val="accent1"/>
+            </a:fillRef>
+            <a:effectRef idx="0">
+              <a:schemeClr val="accent1"/>
+            </a:effectRef>
+            <a:fontRef idx="minor">
+              <a:schemeClr val="lt1"/>
+            </a:fontRef>
+          </p:style>
+          <p:txBody>
+            <a:bodyPr rot="0" spcFirstLastPara="0" vertOverflow="overflow" horzOverflow="overflow" vert="horz" wrap="square" lIns="91440" tIns="45720" rIns="91440" bIns="45720" numCol="1" spcCol="0" rtlCol="0" fromWordArt="0" anchor="ctr" anchorCtr="0" forceAA="0" compatLnSpc="1">
+              <a:prstTxWarp prst="textNoShape">
+                <a:avLst/>
+              </a:prstTxWarp>
+              <a:noAutofit/>
+            </a:bodyPr>
+            <a:lstStyle/>
+            <a:p>
+              <a:pPr algn="ctr"/>
+              <a:r>
+                <a:rPr kumimoji="1" lang="en-US" altLang="ja-JP" dirty="0">
+                  <a:solidFill>
+                    <a:schemeClr val="tx1"/>
+                  </a:solidFill>
+                </a:rPr>
+                <a:t>2</a:t>
+              </a:r>
+              <a:endParaRPr kumimoji="1" lang="ja-JP" altLang="en-US" dirty="0" err="1">
+                <a:solidFill>
+                  <a:schemeClr val="tx1"/>
+                </a:solidFill>
+              </a:endParaRPr>
+            </a:p>
+          </p:txBody>
+        </p:sp>
+        <p:sp>
+          <p:nvSpPr>
+            <p:cNvPr id="134" name="円/楕円 133">
+              <a:extLst>
+                <a:ext uri="{FF2B5EF4-FFF2-40B4-BE49-F238E27FC236}">
+                  <a16:creationId xmlns:a16="http://schemas.microsoft.com/office/drawing/2014/main" id="{2B5E5B70-D1BD-0E49-989E-C1A479456EBB}"/>
+                </a:ext>
+              </a:extLst>
+            </p:cNvPr>
+            <p:cNvSpPr/>
+            <p:nvPr/>
+          </p:nvSpPr>
+          <p:spPr>
+            <a:xfrm>
+              <a:off x="6600056" y="2780928"/>
+              <a:ext cx="720080" cy="720080"/>
+            </a:xfrm>
+            <a:prstGeom prst="ellipse">
+              <a:avLst/>
+            </a:prstGeom>
+            <a:noFill/>
+            <a:ln w="76200">
+              <a:solidFill>
+                <a:schemeClr val="accent6"/>
+              </a:solidFill>
+            </a:ln>
+          </p:spPr>
+          <p:style>
+            <a:lnRef idx="2">
+              <a:schemeClr val="accent1">
+                <a:shade val="50000"/>
+              </a:schemeClr>
+            </a:lnRef>
+            <a:fillRef idx="1">
+              <a:schemeClr val="accent1"/>
+            </a:fillRef>
+            <a:effectRef idx="0">
+              <a:schemeClr val="accent1"/>
+            </a:effectRef>
+            <a:fontRef idx="minor">
+              <a:schemeClr val="lt1"/>
+            </a:fontRef>
+          </p:style>
+          <p:txBody>
+            <a:bodyPr rot="0" spcFirstLastPara="0" vertOverflow="overflow" horzOverflow="overflow" vert="horz" wrap="square" lIns="91440" tIns="45720" rIns="91440" bIns="45720" numCol="1" spcCol="0" rtlCol="0" fromWordArt="0" anchor="t" anchorCtr="0" forceAA="0" compatLnSpc="1">
+              <a:prstTxWarp prst="textNoShape">
+                <a:avLst/>
+              </a:prstTxWarp>
+              <a:noAutofit/>
+            </a:bodyPr>
+            <a:lstStyle/>
+            <a:p>
+              <a:pPr algn="ctr"/>
+              <a:endParaRPr kumimoji="1" lang="ja-JP" altLang="en-US" dirty="0" err="1">
+                <a:solidFill>
+                  <a:schemeClr val="tx1"/>
+                </a:solidFill>
+              </a:endParaRPr>
+            </a:p>
+          </p:txBody>
+        </p:sp>
+        <p:sp>
+          <p:nvSpPr>
+            <p:cNvPr id="135" name="円/楕円 134">
+              <a:extLst>
+                <a:ext uri="{FF2B5EF4-FFF2-40B4-BE49-F238E27FC236}">
+                  <a16:creationId xmlns:a16="http://schemas.microsoft.com/office/drawing/2014/main" id="{6C947F51-0353-E345-85EB-F81A3A25FEA0}"/>
+                </a:ext>
+              </a:extLst>
+            </p:cNvPr>
+            <p:cNvSpPr/>
+            <p:nvPr/>
+          </p:nvSpPr>
+          <p:spPr>
+            <a:xfrm>
+              <a:off x="6096000" y="2276872"/>
+              <a:ext cx="423664" cy="423664"/>
+            </a:xfrm>
+            <a:prstGeom prst="ellipse">
+              <a:avLst/>
+            </a:prstGeom>
+            <a:solidFill>
+              <a:schemeClr val="bg1"/>
+            </a:solidFill>
+            <a:ln w="76200">
+              <a:solidFill>
+                <a:schemeClr val="accent5"/>
+              </a:solidFill>
+            </a:ln>
+          </p:spPr>
+          <p:style>
+            <a:lnRef idx="2">
+              <a:schemeClr val="accent1">
+                <a:shade val="50000"/>
+              </a:schemeClr>
+            </a:lnRef>
+            <a:fillRef idx="1">
+              <a:schemeClr val="accent1"/>
+            </a:fillRef>
+            <a:effectRef idx="0">
+              <a:schemeClr val="accent1"/>
+            </a:effectRef>
+            <a:fontRef idx="minor">
+              <a:schemeClr val="lt1"/>
+            </a:fontRef>
+          </p:style>
+          <p:txBody>
+            <a:bodyPr rot="0" spcFirstLastPara="0" vertOverflow="overflow" horzOverflow="overflow" vert="horz" wrap="square" lIns="91440" tIns="45720" rIns="91440" bIns="45720" numCol="1" spcCol="0" rtlCol="0" fromWordArt="0" anchor="t" anchorCtr="0" forceAA="0" compatLnSpc="1">
+              <a:prstTxWarp prst="textNoShape">
+                <a:avLst/>
+              </a:prstTxWarp>
+              <a:noAutofit/>
+            </a:bodyPr>
+            <a:lstStyle/>
+            <a:p>
+              <a:pPr algn="ctr"/>
+              <a:endParaRPr kumimoji="1" lang="ja-JP" altLang="en-US" dirty="0" err="1">
+                <a:solidFill>
+                  <a:schemeClr val="tx1"/>
+                </a:solidFill>
+              </a:endParaRPr>
+            </a:p>
+          </p:txBody>
+        </p:sp>
+        <p:sp>
+          <p:nvSpPr>
+            <p:cNvPr id="136" name="正方形/長方形 135">
+              <a:extLst>
+                <a:ext uri="{FF2B5EF4-FFF2-40B4-BE49-F238E27FC236}">
+                  <a16:creationId xmlns:a16="http://schemas.microsoft.com/office/drawing/2014/main" id="{6704E502-3E9F-6942-92B4-EAED78ABA2CC}"/>
+                </a:ext>
+              </a:extLst>
+            </p:cNvPr>
+            <p:cNvSpPr/>
+            <p:nvPr/>
+          </p:nvSpPr>
+          <p:spPr>
+            <a:xfrm>
+              <a:off x="7608168" y="2492896"/>
+              <a:ext cx="1296144" cy="1296144"/>
+            </a:xfrm>
+            <a:prstGeom prst="rect">
+              <a:avLst/>
+            </a:prstGeom>
+            <a:solidFill>
+              <a:schemeClr val="bg1"/>
+            </a:solidFill>
+            <a:ln w="38100">
+              <a:solidFill>
+                <a:schemeClr val="tx1"/>
+              </a:solidFill>
+            </a:ln>
+          </p:spPr>
+          <p:style>
+            <a:lnRef idx="2">
+              <a:schemeClr val="accent1">
+                <a:shade val="50000"/>
+              </a:schemeClr>
+            </a:lnRef>
+            <a:fillRef idx="1">
+              <a:schemeClr val="accent1"/>
+            </a:fillRef>
+            <a:effectRef idx="0">
+              <a:schemeClr val="accent1"/>
+            </a:effectRef>
+            <a:fontRef idx="minor">
+              <a:schemeClr val="lt1"/>
+            </a:fontRef>
+          </p:style>
+          <p:txBody>
+            <a:bodyPr rot="0" spcFirstLastPara="0" vertOverflow="overflow" horzOverflow="overflow" vert="horz" wrap="square" lIns="91440" tIns="45720" rIns="91440" bIns="45720" numCol="1" spcCol="0" rtlCol="0" fromWordArt="0" anchor="ctr" anchorCtr="0" forceAA="0" compatLnSpc="1">
+              <a:prstTxWarp prst="textNoShape">
+                <a:avLst/>
+              </a:prstTxWarp>
+              <a:noAutofit/>
+            </a:bodyPr>
+            <a:lstStyle/>
+            <a:p>
+              <a:pPr algn="ctr"/>
+              <a:r>
+                <a:rPr lang="en-US" altLang="ja-JP" dirty="0">
+                  <a:solidFill>
+                    <a:schemeClr val="tx1"/>
+                  </a:solidFill>
+                </a:rPr>
+                <a:t>3</a:t>
+              </a:r>
+              <a:endParaRPr kumimoji="1" lang="ja-JP" altLang="en-US" dirty="0" err="1">
+                <a:solidFill>
+                  <a:schemeClr val="tx1"/>
+                </a:solidFill>
+              </a:endParaRPr>
+            </a:p>
+          </p:txBody>
+        </p:sp>
+        <p:sp>
+          <p:nvSpPr>
+            <p:cNvPr id="137" name="円/楕円 136">
+              <a:extLst>
+                <a:ext uri="{FF2B5EF4-FFF2-40B4-BE49-F238E27FC236}">
+                  <a16:creationId xmlns:a16="http://schemas.microsoft.com/office/drawing/2014/main" id="{307F1953-5DEC-0E42-A73B-F798456B088F}"/>
+                </a:ext>
+              </a:extLst>
+            </p:cNvPr>
+            <p:cNvSpPr/>
+            <p:nvPr/>
+          </p:nvSpPr>
+          <p:spPr>
+            <a:xfrm>
+              <a:off x="7896200" y="2780928"/>
+              <a:ext cx="720080" cy="720080"/>
+            </a:xfrm>
+            <a:prstGeom prst="ellipse">
+              <a:avLst/>
+            </a:prstGeom>
+            <a:noFill/>
+            <a:ln w="76200">
+              <a:solidFill>
+                <a:srgbClr val="FFFF00"/>
+              </a:solidFill>
+            </a:ln>
+          </p:spPr>
+          <p:style>
+            <a:lnRef idx="2">
+              <a:schemeClr val="accent1">
+                <a:shade val="50000"/>
+              </a:schemeClr>
+            </a:lnRef>
+            <a:fillRef idx="1">
+              <a:schemeClr val="accent1"/>
+            </a:fillRef>
+            <a:effectRef idx="0">
+              <a:schemeClr val="accent1"/>
+            </a:effectRef>
+            <a:fontRef idx="minor">
+              <a:schemeClr val="lt1"/>
+            </a:fontRef>
+          </p:style>
+          <p:txBody>
+            <a:bodyPr rot="0" spcFirstLastPara="0" vertOverflow="overflow" horzOverflow="overflow" vert="horz" wrap="square" lIns="91440" tIns="45720" rIns="91440" bIns="45720" numCol="1" spcCol="0" rtlCol="0" fromWordArt="0" anchor="t" anchorCtr="0" forceAA="0" compatLnSpc="1">
+              <a:prstTxWarp prst="textNoShape">
+                <a:avLst/>
+              </a:prstTxWarp>
+              <a:noAutofit/>
+            </a:bodyPr>
+            <a:lstStyle/>
+            <a:p>
+              <a:pPr algn="ctr"/>
+              <a:endParaRPr kumimoji="1" lang="ja-JP" altLang="en-US" dirty="0" err="1">
+                <a:solidFill>
+                  <a:schemeClr val="tx1"/>
+                </a:solidFill>
+              </a:endParaRPr>
+            </a:p>
+          </p:txBody>
+        </p:sp>
+        <p:sp>
+          <p:nvSpPr>
+            <p:cNvPr id="138" name="円/楕円 137">
+              <a:extLst>
+                <a:ext uri="{FF2B5EF4-FFF2-40B4-BE49-F238E27FC236}">
+                  <a16:creationId xmlns:a16="http://schemas.microsoft.com/office/drawing/2014/main" id="{F2D02C92-BD06-2446-B47E-D8E22571ACC5}"/>
+                </a:ext>
+              </a:extLst>
+            </p:cNvPr>
+            <p:cNvSpPr/>
+            <p:nvPr/>
+          </p:nvSpPr>
+          <p:spPr>
+            <a:xfrm>
+              <a:off x="7392144" y="2276872"/>
+              <a:ext cx="423664" cy="423664"/>
+            </a:xfrm>
+            <a:prstGeom prst="ellipse">
+              <a:avLst/>
+            </a:prstGeom>
+            <a:solidFill>
+              <a:schemeClr val="bg1"/>
+            </a:solidFill>
+            <a:ln w="76200">
+              <a:solidFill>
+                <a:srgbClr val="FF0000"/>
+              </a:solidFill>
+            </a:ln>
+          </p:spPr>
+          <p:style>
+            <a:lnRef idx="2">
+              <a:schemeClr val="accent1">
+                <a:shade val="50000"/>
+              </a:schemeClr>
+            </a:lnRef>
+            <a:fillRef idx="1">
+              <a:schemeClr val="accent1"/>
+            </a:fillRef>
+            <a:effectRef idx="0">
+              <a:schemeClr val="accent1"/>
+            </a:effectRef>
+            <a:fontRef idx="minor">
+              <a:schemeClr val="lt1"/>
+            </a:fontRef>
+          </p:style>
+          <p:txBody>
+            <a:bodyPr rot="0" spcFirstLastPara="0" vertOverflow="overflow" horzOverflow="overflow" vert="horz" wrap="square" lIns="91440" tIns="45720" rIns="91440" bIns="45720" numCol="1" spcCol="0" rtlCol="0" fromWordArt="0" anchor="t" anchorCtr="0" forceAA="0" compatLnSpc="1">
+              <a:prstTxWarp prst="textNoShape">
+                <a:avLst/>
+              </a:prstTxWarp>
+              <a:noAutofit/>
+            </a:bodyPr>
+            <a:lstStyle/>
+            <a:p>
+              <a:pPr algn="ctr"/>
+              <a:endParaRPr kumimoji="1" lang="ja-JP" altLang="en-US" dirty="0" err="1">
+                <a:solidFill>
+                  <a:schemeClr val="tx1"/>
+                </a:solidFill>
+              </a:endParaRPr>
+            </a:p>
+          </p:txBody>
+        </p:sp>
+        <p:sp>
+          <p:nvSpPr>
+            <p:cNvPr id="139" name="円/楕円 138">
+              <a:extLst>
+                <a:ext uri="{FF2B5EF4-FFF2-40B4-BE49-F238E27FC236}">
+                  <a16:creationId xmlns:a16="http://schemas.microsoft.com/office/drawing/2014/main" id="{34568705-20F3-C443-8C31-488C350188E4}"/>
+                </a:ext>
+              </a:extLst>
+            </p:cNvPr>
+            <p:cNvSpPr/>
+            <p:nvPr/>
+          </p:nvSpPr>
+          <p:spPr>
+            <a:xfrm>
+              <a:off x="8696672" y="2276872"/>
+              <a:ext cx="423664" cy="423664"/>
+            </a:xfrm>
+            <a:prstGeom prst="ellipse">
+              <a:avLst/>
+            </a:prstGeom>
+            <a:solidFill>
+              <a:schemeClr val="bg1"/>
+            </a:solidFill>
+            <a:ln w="76200">
+              <a:solidFill>
+                <a:srgbClr val="FF0000"/>
+              </a:solidFill>
+            </a:ln>
+          </p:spPr>
+          <p:style>
+            <a:lnRef idx="2">
+              <a:schemeClr val="accent1">
+                <a:shade val="50000"/>
+              </a:schemeClr>
+            </a:lnRef>
+            <a:fillRef idx="1">
+              <a:schemeClr val="accent1"/>
+            </a:fillRef>
+            <a:effectRef idx="0">
+              <a:schemeClr val="accent1"/>
+            </a:effectRef>
+            <a:fontRef idx="minor">
+              <a:schemeClr val="lt1"/>
+            </a:fontRef>
+          </p:style>
+          <p:txBody>
+            <a:bodyPr rot="0" spcFirstLastPara="0" vertOverflow="overflow" horzOverflow="overflow" vert="horz" wrap="square" lIns="91440" tIns="45720" rIns="91440" bIns="45720" numCol="1" spcCol="0" rtlCol="0" fromWordArt="0" anchor="t" anchorCtr="0" forceAA="0" compatLnSpc="1">
+              <a:prstTxWarp prst="textNoShape">
+                <a:avLst/>
+              </a:prstTxWarp>
+              <a:noAutofit/>
+            </a:bodyPr>
+            <a:lstStyle/>
+            <a:p>
+              <a:pPr algn="ctr"/>
+              <a:endParaRPr kumimoji="1" lang="ja-JP" altLang="en-US" dirty="0" err="1">
+                <a:solidFill>
+                  <a:schemeClr val="tx1"/>
+                </a:solidFill>
+              </a:endParaRPr>
+            </a:p>
+          </p:txBody>
+        </p:sp>
+        <p:sp>
+          <p:nvSpPr>
+            <p:cNvPr id="140" name="正方形/長方形 139">
+              <a:extLst>
+                <a:ext uri="{FF2B5EF4-FFF2-40B4-BE49-F238E27FC236}">
+                  <a16:creationId xmlns:a16="http://schemas.microsoft.com/office/drawing/2014/main" id="{720C238B-49C6-CE49-BD76-D6A8A5C02DDC}"/>
+                </a:ext>
+              </a:extLst>
+            </p:cNvPr>
+            <p:cNvSpPr/>
+            <p:nvPr/>
+          </p:nvSpPr>
+          <p:spPr>
+            <a:xfrm>
+              <a:off x="5015880" y="3789040"/>
+              <a:ext cx="1296144" cy="1296144"/>
+            </a:xfrm>
+            <a:prstGeom prst="rect">
+              <a:avLst/>
+            </a:prstGeom>
+            <a:solidFill>
+              <a:schemeClr val="bg1"/>
+            </a:solidFill>
+            <a:ln w="38100">
+              <a:solidFill>
+                <a:schemeClr val="tx1"/>
+              </a:solidFill>
+            </a:ln>
+          </p:spPr>
+          <p:style>
+            <a:lnRef idx="2">
+              <a:schemeClr val="accent1">
+                <a:shade val="50000"/>
+              </a:schemeClr>
+            </a:lnRef>
+            <a:fillRef idx="1">
+              <a:schemeClr val="accent1"/>
+            </a:fillRef>
+            <a:effectRef idx="0">
+              <a:schemeClr val="accent1"/>
+            </a:effectRef>
+            <a:fontRef idx="minor">
+              <a:schemeClr val="lt1"/>
+            </a:fontRef>
+          </p:style>
+          <p:txBody>
+            <a:bodyPr rot="0" spcFirstLastPara="0" vertOverflow="overflow" horzOverflow="overflow" vert="horz" wrap="square" lIns="91440" tIns="45720" rIns="91440" bIns="45720" numCol="1" spcCol="0" rtlCol="0" fromWordArt="0" anchor="ctr" anchorCtr="0" forceAA="0" compatLnSpc="1">
+              <a:prstTxWarp prst="textNoShape">
+                <a:avLst/>
+              </a:prstTxWarp>
+              <a:noAutofit/>
+            </a:bodyPr>
+            <a:lstStyle/>
+            <a:p>
+              <a:pPr algn="ctr"/>
+              <a:r>
+                <a:rPr kumimoji="1" lang="en-US" altLang="ja-JP" dirty="0">
+                  <a:solidFill>
+                    <a:schemeClr val="tx1"/>
+                  </a:solidFill>
+                </a:rPr>
+                <a:t>4</a:t>
+              </a:r>
+              <a:endParaRPr kumimoji="1" lang="ja-JP" altLang="en-US" dirty="0" err="1">
+                <a:solidFill>
+                  <a:schemeClr val="tx1"/>
+                </a:solidFill>
+              </a:endParaRPr>
+            </a:p>
+          </p:txBody>
+        </p:sp>
+        <p:sp>
+          <p:nvSpPr>
+            <p:cNvPr id="141" name="円/楕円 140">
+              <a:extLst>
+                <a:ext uri="{FF2B5EF4-FFF2-40B4-BE49-F238E27FC236}">
+                  <a16:creationId xmlns:a16="http://schemas.microsoft.com/office/drawing/2014/main" id="{FC23D566-0CED-FC4A-8050-31FBA0794FEA}"/>
+                </a:ext>
+              </a:extLst>
+            </p:cNvPr>
+            <p:cNvSpPr/>
+            <p:nvPr/>
+          </p:nvSpPr>
+          <p:spPr>
+            <a:xfrm>
+              <a:off x="5303912" y="4077072"/>
+              <a:ext cx="720080" cy="720080"/>
+            </a:xfrm>
+            <a:prstGeom prst="ellipse">
+              <a:avLst/>
+            </a:prstGeom>
+            <a:noFill/>
+            <a:ln w="76200">
+              <a:solidFill>
+                <a:srgbClr val="FFFF00"/>
+              </a:solidFill>
+            </a:ln>
+          </p:spPr>
+          <p:style>
+            <a:lnRef idx="2">
+              <a:schemeClr val="accent1">
+                <a:shade val="50000"/>
+              </a:schemeClr>
+            </a:lnRef>
+            <a:fillRef idx="1">
+              <a:schemeClr val="accent1"/>
+            </a:fillRef>
+            <a:effectRef idx="0">
+              <a:schemeClr val="accent1"/>
+            </a:effectRef>
+            <a:fontRef idx="minor">
+              <a:schemeClr val="lt1"/>
+            </a:fontRef>
+          </p:style>
+          <p:txBody>
+            <a:bodyPr rot="0" spcFirstLastPara="0" vertOverflow="overflow" horzOverflow="overflow" vert="horz" wrap="square" lIns="91440" tIns="45720" rIns="91440" bIns="45720" numCol="1" spcCol="0" rtlCol="0" fromWordArt="0" anchor="t" anchorCtr="0" forceAA="0" compatLnSpc="1">
+              <a:prstTxWarp prst="textNoShape">
+                <a:avLst/>
+              </a:prstTxWarp>
+              <a:noAutofit/>
+            </a:bodyPr>
+            <a:lstStyle/>
+            <a:p>
+              <a:pPr algn="ctr"/>
+              <a:endParaRPr kumimoji="1" lang="ja-JP" altLang="en-US" dirty="0" err="1">
+                <a:solidFill>
+                  <a:schemeClr val="tx1"/>
+                </a:solidFill>
+              </a:endParaRPr>
+            </a:p>
+          </p:txBody>
+        </p:sp>
+        <p:sp>
+          <p:nvSpPr>
+            <p:cNvPr id="142" name="円/楕円 141">
+              <a:extLst>
+                <a:ext uri="{FF2B5EF4-FFF2-40B4-BE49-F238E27FC236}">
+                  <a16:creationId xmlns:a16="http://schemas.microsoft.com/office/drawing/2014/main" id="{79B05D15-21D9-E646-9DA8-4F4A8AEB2471}"/>
+                </a:ext>
+              </a:extLst>
+            </p:cNvPr>
+            <p:cNvSpPr/>
+            <p:nvPr/>
+          </p:nvSpPr>
+          <p:spPr>
+            <a:xfrm>
+              <a:off x="4799856" y="3573016"/>
+              <a:ext cx="423664" cy="423664"/>
+            </a:xfrm>
+            <a:prstGeom prst="ellipse">
+              <a:avLst/>
+            </a:prstGeom>
+            <a:solidFill>
+              <a:schemeClr val="bg1"/>
+            </a:solidFill>
+            <a:ln w="76200">
+              <a:solidFill>
+                <a:schemeClr val="accent5"/>
+              </a:solidFill>
+            </a:ln>
+          </p:spPr>
+          <p:style>
+            <a:lnRef idx="2">
+              <a:schemeClr val="accent1">
+                <a:shade val="50000"/>
+              </a:schemeClr>
+            </a:lnRef>
+            <a:fillRef idx="1">
+              <a:schemeClr val="accent1"/>
+            </a:fillRef>
+            <a:effectRef idx="0">
+              <a:schemeClr val="accent1"/>
+            </a:effectRef>
+            <a:fontRef idx="minor">
+              <a:schemeClr val="lt1"/>
+            </a:fontRef>
+          </p:style>
+          <p:txBody>
+            <a:bodyPr rot="0" spcFirstLastPara="0" vertOverflow="overflow" horzOverflow="overflow" vert="horz" wrap="square" lIns="91440" tIns="45720" rIns="91440" bIns="45720" numCol="1" spcCol="0" rtlCol="0" fromWordArt="0" anchor="t" anchorCtr="0" forceAA="0" compatLnSpc="1">
+              <a:prstTxWarp prst="textNoShape">
+                <a:avLst/>
+              </a:prstTxWarp>
+              <a:noAutofit/>
+            </a:bodyPr>
+            <a:lstStyle/>
+            <a:p>
+              <a:pPr algn="ctr"/>
+              <a:endParaRPr kumimoji="1" lang="ja-JP" altLang="en-US" dirty="0" err="1">
+                <a:solidFill>
+                  <a:schemeClr val="tx1"/>
+                </a:solidFill>
+              </a:endParaRPr>
+            </a:p>
+          </p:txBody>
+        </p:sp>
+        <p:sp>
+          <p:nvSpPr>
+            <p:cNvPr id="143" name="正方形/長方形 142">
+              <a:extLst>
+                <a:ext uri="{FF2B5EF4-FFF2-40B4-BE49-F238E27FC236}">
+                  <a16:creationId xmlns:a16="http://schemas.microsoft.com/office/drawing/2014/main" id="{F2170D68-A937-0749-B047-74930AABB37F}"/>
+                </a:ext>
+              </a:extLst>
+            </p:cNvPr>
+            <p:cNvSpPr/>
+            <p:nvPr/>
+          </p:nvSpPr>
+          <p:spPr>
+            <a:xfrm>
+              <a:off x="6312024" y="3789040"/>
+              <a:ext cx="1296144" cy="1296144"/>
+            </a:xfrm>
+            <a:prstGeom prst="rect">
+              <a:avLst/>
+            </a:prstGeom>
+            <a:solidFill>
+              <a:schemeClr val="bg1"/>
+            </a:solidFill>
+            <a:ln w="38100">
+              <a:solidFill>
+                <a:schemeClr val="tx1"/>
+              </a:solidFill>
+            </a:ln>
+          </p:spPr>
+          <p:style>
+            <a:lnRef idx="2">
+              <a:schemeClr val="accent1">
+                <a:shade val="50000"/>
+              </a:schemeClr>
+            </a:lnRef>
+            <a:fillRef idx="1">
+              <a:schemeClr val="accent1"/>
+            </a:fillRef>
+            <a:effectRef idx="0">
+              <a:schemeClr val="accent1"/>
+            </a:effectRef>
+            <a:fontRef idx="minor">
+              <a:schemeClr val="lt1"/>
+            </a:fontRef>
+          </p:style>
+          <p:txBody>
+            <a:bodyPr rot="0" spcFirstLastPara="0" vertOverflow="overflow" horzOverflow="overflow" vert="horz" wrap="square" lIns="91440" tIns="45720" rIns="91440" bIns="45720" numCol="1" spcCol="0" rtlCol="0" fromWordArt="0" anchor="ctr" anchorCtr="0" forceAA="0" compatLnSpc="1">
+              <a:prstTxWarp prst="textNoShape">
+                <a:avLst/>
+              </a:prstTxWarp>
+              <a:noAutofit/>
+            </a:bodyPr>
+            <a:lstStyle/>
+            <a:p>
+              <a:pPr algn="ctr"/>
+              <a:r>
+                <a:rPr kumimoji="1" lang="en-US" altLang="ja-JP" dirty="0">
+                  <a:solidFill>
+                    <a:schemeClr val="tx1"/>
+                  </a:solidFill>
+                </a:rPr>
+                <a:t>5</a:t>
+              </a:r>
+              <a:endParaRPr kumimoji="1" lang="ja-JP" altLang="en-US" dirty="0" err="1">
+                <a:solidFill>
+                  <a:schemeClr val="tx1"/>
+                </a:solidFill>
+              </a:endParaRPr>
+            </a:p>
+          </p:txBody>
+        </p:sp>
+        <p:sp>
+          <p:nvSpPr>
+            <p:cNvPr id="144" name="円/楕円 143">
+              <a:extLst>
+                <a:ext uri="{FF2B5EF4-FFF2-40B4-BE49-F238E27FC236}">
+                  <a16:creationId xmlns:a16="http://schemas.microsoft.com/office/drawing/2014/main" id="{5C722028-6FC3-0947-BA54-7C7F0922DFD4}"/>
+                </a:ext>
+              </a:extLst>
+            </p:cNvPr>
+            <p:cNvSpPr/>
+            <p:nvPr/>
+          </p:nvSpPr>
+          <p:spPr>
+            <a:xfrm>
+              <a:off x="6600056" y="4077072"/>
+              <a:ext cx="720080" cy="720080"/>
+            </a:xfrm>
+            <a:prstGeom prst="ellipse">
+              <a:avLst/>
+            </a:prstGeom>
+            <a:noFill/>
+            <a:ln w="76200">
+              <a:solidFill>
+                <a:schemeClr val="bg1">
+                  <a:lumMod val="75000"/>
+                </a:schemeClr>
+              </a:solidFill>
+            </a:ln>
+          </p:spPr>
+          <p:style>
+            <a:lnRef idx="2">
+              <a:schemeClr val="accent1">
+                <a:shade val="50000"/>
+              </a:schemeClr>
+            </a:lnRef>
+            <a:fillRef idx="1">
+              <a:schemeClr val="accent1"/>
+            </a:fillRef>
+            <a:effectRef idx="0">
+              <a:schemeClr val="accent1"/>
+            </a:effectRef>
+            <a:fontRef idx="minor">
+              <a:schemeClr val="lt1"/>
+            </a:fontRef>
+          </p:style>
+          <p:txBody>
+            <a:bodyPr rot="0" spcFirstLastPara="0" vertOverflow="overflow" horzOverflow="overflow" vert="horz" wrap="square" lIns="91440" tIns="45720" rIns="91440" bIns="45720" numCol="1" spcCol="0" rtlCol="0" fromWordArt="0" anchor="t" anchorCtr="0" forceAA="0" compatLnSpc="1">
+              <a:prstTxWarp prst="textNoShape">
+                <a:avLst/>
+              </a:prstTxWarp>
+              <a:noAutofit/>
+            </a:bodyPr>
+            <a:lstStyle/>
+            <a:p>
+              <a:pPr algn="ctr"/>
+              <a:endParaRPr kumimoji="1" lang="ja-JP" altLang="en-US" dirty="0" err="1">
+                <a:solidFill>
+                  <a:schemeClr val="tx1"/>
+                </a:solidFill>
+              </a:endParaRPr>
+            </a:p>
+          </p:txBody>
+        </p:sp>
+        <p:sp>
+          <p:nvSpPr>
+            <p:cNvPr id="145" name="円/楕円 144">
+              <a:extLst>
+                <a:ext uri="{FF2B5EF4-FFF2-40B4-BE49-F238E27FC236}">
+                  <a16:creationId xmlns:a16="http://schemas.microsoft.com/office/drawing/2014/main" id="{01A1153E-D014-3C45-9C00-4681EDDF9942}"/>
+                </a:ext>
+              </a:extLst>
+            </p:cNvPr>
+            <p:cNvSpPr/>
+            <p:nvPr/>
+          </p:nvSpPr>
+          <p:spPr>
+            <a:xfrm>
+              <a:off x="6096000" y="3573016"/>
+              <a:ext cx="423664" cy="423664"/>
+            </a:xfrm>
+            <a:prstGeom prst="ellipse">
+              <a:avLst/>
+            </a:prstGeom>
+            <a:solidFill>
+              <a:schemeClr val="bg1"/>
+            </a:solidFill>
+            <a:ln w="76200">
+              <a:solidFill>
+                <a:schemeClr val="accent5"/>
+              </a:solidFill>
+            </a:ln>
+          </p:spPr>
+          <p:style>
+            <a:lnRef idx="2">
+              <a:schemeClr val="accent1">
+                <a:shade val="50000"/>
+              </a:schemeClr>
+            </a:lnRef>
+            <a:fillRef idx="1">
+              <a:schemeClr val="accent1"/>
+            </a:fillRef>
+            <a:effectRef idx="0">
+              <a:schemeClr val="accent1"/>
+            </a:effectRef>
+            <a:fontRef idx="minor">
+              <a:schemeClr val="lt1"/>
+            </a:fontRef>
+          </p:style>
+          <p:txBody>
+            <a:bodyPr rot="0" spcFirstLastPara="0" vertOverflow="overflow" horzOverflow="overflow" vert="horz" wrap="square" lIns="91440" tIns="45720" rIns="91440" bIns="45720" numCol="1" spcCol="0" rtlCol="0" fromWordArt="0" anchor="t" anchorCtr="0" forceAA="0" compatLnSpc="1">
+              <a:prstTxWarp prst="textNoShape">
+                <a:avLst/>
+              </a:prstTxWarp>
+              <a:noAutofit/>
+            </a:bodyPr>
+            <a:lstStyle/>
+            <a:p>
+              <a:pPr algn="ctr"/>
+              <a:endParaRPr kumimoji="1" lang="ja-JP" altLang="en-US" dirty="0" err="1">
+                <a:solidFill>
+                  <a:schemeClr val="tx1"/>
+                </a:solidFill>
+              </a:endParaRPr>
+            </a:p>
+          </p:txBody>
+        </p:sp>
+        <p:sp>
+          <p:nvSpPr>
+            <p:cNvPr id="146" name="正方形/長方形 145">
+              <a:extLst>
+                <a:ext uri="{FF2B5EF4-FFF2-40B4-BE49-F238E27FC236}">
+                  <a16:creationId xmlns:a16="http://schemas.microsoft.com/office/drawing/2014/main" id="{86933EC2-4455-FE42-8717-D769566A0AF6}"/>
+                </a:ext>
+              </a:extLst>
+            </p:cNvPr>
+            <p:cNvSpPr/>
+            <p:nvPr/>
+          </p:nvSpPr>
+          <p:spPr>
+            <a:xfrm>
+              <a:off x="7608168" y="3789040"/>
+              <a:ext cx="1296144" cy="1296144"/>
+            </a:xfrm>
+            <a:prstGeom prst="rect">
+              <a:avLst/>
+            </a:prstGeom>
+            <a:solidFill>
+              <a:schemeClr val="bg1"/>
+            </a:solidFill>
+            <a:ln w="38100">
+              <a:solidFill>
+                <a:schemeClr val="tx1"/>
+              </a:solidFill>
+            </a:ln>
+          </p:spPr>
+          <p:style>
+            <a:lnRef idx="2">
+              <a:schemeClr val="accent1">
+                <a:shade val="50000"/>
+              </a:schemeClr>
+            </a:lnRef>
+            <a:fillRef idx="1">
+              <a:schemeClr val="accent1"/>
+            </a:fillRef>
+            <a:effectRef idx="0">
+              <a:schemeClr val="accent1"/>
+            </a:effectRef>
+            <a:fontRef idx="minor">
+              <a:schemeClr val="lt1"/>
+            </a:fontRef>
+          </p:style>
+          <p:txBody>
+            <a:bodyPr rot="0" spcFirstLastPara="0" vertOverflow="overflow" horzOverflow="overflow" vert="horz" wrap="square" lIns="91440" tIns="45720" rIns="91440" bIns="45720" numCol="1" spcCol="0" rtlCol="0" fromWordArt="0" anchor="ctr" anchorCtr="0" forceAA="0" compatLnSpc="1">
+              <a:prstTxWarp prst="textNoShape">
+                <a:avLst/>
+              </a:prstTxWarp>
+              <a:noAutofit/>
+            </a:bodyPr>
+            <a:lstStyle/>
+            <a:p>
+              <a:pPr algn="ctr"/>
+              <a:r>
+                <a:rPr lang="en-US" altLang="ja-JP" dirty="0">
+                  <a:solidFill>
+                    <a:schemeClr val="tx1"/>
+                  </a:solidFill>
+                </a:rPr>
+                <a:t>6</a:t>
+              </a:r>
+              <a:endParaRPr kumimoji="1" lang="ja-JP" altLang="en-US" dirty="0" err="1">
+                <a:solidFill>
+                  <a:schemeClr val="tx1"/>
+                </a:solidFill>
+              </a:endParaRPr>
+            </a:p>
+          </p:txBody>
+        </p:sp>
+        <p:sp>
+          <p:nvSpPr>
+            <p:cNvPr id="147" name="円/楕円 146">
+              <a:extLst>
+                <a:ext uri="{FF2B5EF4-FFF2-40B4-BE49-F238E27FC236}">
+                  <a16:creationId xmlns:a16="http://schemas.microsoft.com/office/drawing/2014/main" id="{DB0D31D5-07AB-2249-9751-FAF826FF5C7B}"/>
+                </a:ext>
+              </a:extLst>
+            </p:cNvPr>
+            <p:cNvSpPr/>
+            <p:nvPr/>
+          </p:nvSpPr>
+          <p:spPr>
+            <a:xfrm>
+              <a:off x="7896200" y="4077072"/>
+              <a:ext cx="720080" cy="720080"/>
+            </a:xfrm>
+            <a:prstGeom prst="ellipse">
+              <a:avLst/>
+            </a:prstGeom>
+            <a:noFill/>
+            <a:ln w="76200">
+              <a:solidFill>
+                <a:schemeClr val="accent5"/>
+              </a:solidFill>
+            </a:ln>
+          </p:spPr>
+          <p:style>
+            <a:lnRef idx="2">
+              <a:schemeClr val="accent1">
+                <a:shade val="50000"/>
+              </a:schemeClr>
+            </a:lnRef>
+            <a:fillRef idx="1">
+              <a:schemeClr val="accent1"/>
+            </a:fillRef>
+            <a:effectRef idx="0">
+              <a:schemeClr val="accent1"/>
+            </a:effectRef>
+            <a:fontRef idx="minor">
+              <a:schemeClr val="lt1"/>
+            </a:fontRef>
+          </p:style>
+          <p:txBody>
+            <a:bodyPr rot="0" spcFirstLastPara="0" vertOverflow="overflow" horzOverflow="overflow" vert="horz" wrap="square" lIns="91440" tIns="45720" rIns="91440" bIns="45720" numCol="1" spcCol="0" rtlCol="0" fromWordArt="0" anchor="t" anchorCtr="0" forceAA="0" compatLnSpc="1">
+              <a:prstTxWarp prst="textNoShape">
+                <a:avLst/>
+              </a:prstTxWarp>
+              <a:noAutofit/>
+            </a:bodyPr>
+            <a:lstStyle/>
+            <a:p>
+              <a:pPr algn="ctr"/>
+              <a:endParaRPr kumimoji="1" lang="ja-JP" altLang="en-US" dirty="0" err="1">
+                <a:solidFill>
+                  <a:schemeClr val="tx1"/>
+                </a:solidFill>
+              </a:endParaRPr>
+            </a:p>
+          </p:txBody>
+        </p:sp>
+        <p:sp>
+          <p:nvSpPr>
+            <p:cNvPr id="148" name="円/楕円 147">
+              <a:extLst>
+                <a:ext uri="{FF2B5EF4-FFF2-40B4-BE49-F238E27FC236}">
+                  <a16:creationId xmlns:a16="http://schemas.microsoft.com/office/drawing/2014/main" id="{2D563338-10CD-0C42-901C-B586DF6080B5}"/>
+                </a:ext>
+              </a:extLst>
+            </p:cNvPr>
+            <p:cNvSpPr/>
+            <p:nvPr/>
+          </p:nvSpPr>
+          <p:spPr>
+            <a:xfrm>
+              <a:off x="7392144" y="3573016"/>
+              <a:ext cx="423664" cy="423664"/>
+            </a:xfrm>
+            <a:prstGeom prst="ellipse">
+              <a:avLst/>
+            </a:prstGeom>
+            <a:solidFill>
+              <a:schemeClr val="bg1"/>
+            </a:solidFill>
+            <a:ln w="76200">
+              <a:solidFill>
+                <a:srgbClr val="FF0000"/>
+              </a:solidFill>
+            </a:ln>
+          </p:spPr>
+          <p:style>
+            <a:lnRef idx="2">
+              <a:schemeClr val="accent1">
+                <a:shade val="50000"/>
+              </a:schemeClr>
+            </a:lnRef>
+            <a:fillRef idx="1">
+              <a:schemeClr val="accent1"/>
+            </a:fillRef>
+            <a:effectRef idx="0">
+              <a:schemeClr val="accent1"/>
+            </a:effectRef>
+            <a:fontRef idx="minor">
+              <a:schemeClr val="lt1"/>
+            </a:fontRef>
+          </p:style>
+          <p:txBody>
+            <a:bodyPr rot="0" spcFirstLastPara="0" vertOverflow="overflow" horzOverflow="overflow" vert="horz" wrap="square" lIns="91440" tIns="45720" rIns="91440" bIns="45720" numCol="1" spcCol="0" rtlCol="0" fromWordArt="0" anchor="t" anchorCtr="0" forceAA="0" compatLnSpc="1">
+              <a:prstTxWarp prst="textNoShape">
+                <a:avLst/>
+              </a:prstTxWarp>
+              <a:noAutofit/>
+            </a:bodyPr>
+            <a:lstStyle/>
+            <a:p>
+              <a:pPr algn="ctr"/>
+              <a:endParaRPr kumimoji="1" lang="ja-JP" altLang="en-US" dirty="0" err="1">
+                <a:solidFill>
+                  <a:schemeClr val="tx1"/>
+                </a:solidFill>
+              </a:endParaRPr>
+            </a:p>
+          </p:txBody>
+        </p:sp>
+        <p:sp>
+          <p:nvSpPr>
+            <p:cNvPr id="149" name="円/楕円 148">
+              <a:extLst>
+                <a:ext uri="{FF2B5EF4-FFF2-40B4-BE49-F238E27FC236}">
+                  <a16:creationId xmlns:a16="http://schemas.microsoft.com/office/drawing/2014/main" id="{F4022BD0-903F-5244-82AC-A81C9E5EE38D}"/>
+                </a:ext>
+              </a:extLst>
+            </p:cNvPr>
+            <p:cNvSpPr/>
+            <p:nvPr/>
+          </p:nvSpPr>
+          <p:spPr>
+            <a:xfrm>
+              <a:off x="8696672" y="3573016"/>
+              <a:ext cx="423664" cy="423664"/>
+            </a:xfrm>
+            <a:prstGeom prst="ellipse">
+              <a:avLst/>
+            </a:prstGeom>
+            <a:solidFill>
+              <a:schemeClr val="bg1"/>
+            </a:solidFill>
+            <a:ln w="76200">
+              <a:solidFill>
+                <a:srgbClr val="FF0000"/>
+              </a:solidFill>
+            </a:ln>
+          </p:spPr>
+          <p:style>
+            <a:lnRef idx="2">
+              <a:schemeClr val="accent1">
+                <a:shade val="50000"/>
+              </a:schemeClr>
+            </a:lnRef>
+            <a:fillRef idx="1">
+              <a:schemeClr val="accent1"/>
+            </a:fillRef>
+            <a:effectRef idx="0">
+              <a:schemeClr val="accent1"/>
+            </a:effectRef>
+            <a:fontRef idx="minor">
+              <a:schemeClr val="lt1"/>
+            </a:fontRef>
+          </p:style>
+          <p:txBody>
+            <a:bodyPr rot="0" spcFirstLastPara="0" vertOverflow="overflow" horzOverflow="overflow" vert="horz" wrap="square" lIns="91440" tIns="45720" rIns="91440" bIns="45720" numCol="1" spcCol="0" rtlCol="0" fromWordArt="0" anchor="t" anchorCtr="0" forceAA="0" compatLnSpc="1">
+              <a:prstTxWarp prst="textNoShape">
+                <a:avLst/>
+              </a:prstTxWarp>
+              <a:noAutofit/>
+            </a:bodyPr>
+            <a:lstStyle/>
+            <a:p>
+              <a:pPr algn="ctr"/>
+              <a:endParaRPr kumimoji="1" lang="ja-JP" altLang="en-US" dirty="0" err="1">
+                <a:solidFill>
+                  <a:schemeClr val="tx1"/>
+                </a:solidFill>
+              </a:endParaRPr>
+            </a:p>
+          </p:txBody>
+        </p:sp>
+        <p:sp>
+          <p:nvSpPr>
+            <p:cNvPr id="150" name="正方形/長方形 149">
+              <a:extLst>
+                <a:ext uri="{FF2B5EF4-FFF2-40B4-BE49-F238E27FC236}">
+                  <a16:creationId xmlns:a16="http://schemas.microsoft.com/office/drawing/2014/main" id="{2556500F-EBFF-D648-9B34-041289827C7A}"/>
+                </a:ext>
+              </a:extLst>
+            </p:cNvPr>
+            <p:cNvSpPr/>
+            <p:nvPr/>
+          </p:nvSpPr>
+          <p:spPr>
+            <a:xfrm>
+              <a:off x="5015880" y="5085184"/>
+              <a:ext cx="1296144" cy="1296144"/>
+            </a:xfrm>
+            <a:prstGeom prst="rect">
+              <a:avLst/>
+            </a:prstGeom>
+            <a:solidFill>
+              <a:schemeClr val="bg1"/>
+            </a:solidFill>
+            <a:ln w="38100">
+              <a:solidFill>
+                <a:schemeClr val="tx1"/>
+              </a:solidFill>
+            </a:ln>
+          </p:spPr>
+          <p:style>
+            <a:lnRef idx="2">
+              <a:schemeClr val="accent1">
+                <a:shade val="50000"/>
+              </a:schemeClr>
+            </a:lnRef>
+            <a:fillRef idx="1">
+              <a:schemeClr val="accent1"/>
+            </a:fillRef>
+            <a:effectRef idx="0">
+              <a:schemeClr val="accent1"/>
+            </a:effectRef>
+            <a:fontRef idx="minor">
+              <a:schemeClr val="lt1"/>
+            </a:fontRef>
+          </p:style>
+          <p:txBody>
+            <a:bodyPr rot="0" spcFirstLastPara="0" vertOverflow="overflow" horzOverflow="overflow" vert="horz" wrap="square" lIns="91440" tIns="45720" rIns="91440" bIns="45720" numCol="1" spcCol="0" rtlCol="0" fromWordArt="0" anchor="ctr" anchorCtr="0" forceAA="0" compatLnSpc="1">
+              <a:prstTxWarp prst="textNoShape">
+                <a:avLst/>
+              </a:prstTxWarp>
+              <a:noAutofit/>
+            </a:bodyPr>
+            <a:lstStyle/>
+            <a:p>
+              <a:pPr algn="ctr"/>
+              <a:r>
+                <a:rPr kumimoji="1" lang="en-US" altLang="ja-JP" dirty="0">
+                  <a:solidFill>
+                    <a:schemeClr val="tx1"/>
+                  </a:solidFill>
+                </a:rPr>
+                <a:t>7</a:t>
+              </a:r>
+              <a:endParaRPr kumimoji="1" lang="ja-JP" altLang="en-US" dirty="0" err="1">
+                <a:solidFill>
+                  <a:schemeClr val="tx1"/>
+                </a:solidFill>
+              </a:endParaRPr>
+            </a:p>
+          </p:txBody>
+        </p:sp>
+        <p:sp>
+          <p:nvSpPr>
+            <p:cNvPr id="151" name="円/楕円 150">
+              <a:extLst>
+                <a:ext uri="{FF2B5EF4-FFF2-40B4-BE49-F238E27FC236}">
+                  <a16:creationId xmlns:a16="http://schemas.microsoft.com/office/drawing/2014/main" id="{547E77C1-304C-4A44-BEED-C371866F42C3}"/>
+                </a:ext>
+              </a:extLst>
+            </p:cNvPr>
+            <p:cNvSpPr/>
+            <p:nvPr/>
+          </p:nvSpPr>
+          <p:spPr>
+            <a:xfrm>
+              <a:off x="5303912" y="5373216"/>
+              <a:ext cx="720080" cy="720080"/>
+            </a:xfrm>
+            <a:prstGeom prst="ellipse">
+              <a:avLst/>
+            </a:prstGeom>
+            <a:noFill/>
+            <a:ln w="76200">
+              <a:solidFill>
+                <a:schemeClr val="accent5"/>
+              </a:solidFill>
+            </a:ln>
+          </p:spPr>
+          <p:style>
+            <a:lnRef idx="2">
+              <a:schemeClr val="accent1">
+                <a:shade val="50000"/>
+              </a:schemeClr>
+            </a:lnRef>
+            <a:fillRef idx="1">
+              <a:schemeClr val="accent1"/>
+            </a:fillRef>
+            <a:effectRef idx="0">
+              <a:schemeClr val="accent1"/>
+            </a:effectRef>
+            <a:fontRef idx="minor">
+              <a:schemeClr val="lt1"/>
+            </a:fontRef>
+          </p:style>
+          <p:txBody>
+            <a:bodyPr rot="0" spcFirstLastPara="0" vertOverflow="overflow" horzOverflow="overflow" vert="horz" wrap="square" lIns="91440" tIns="45720" rIns="91440" bIns="45720" numCol="1" spcCol="0" rtlCol="0" fromWordArt="0" anchor="t" anchorCtr="0" forceAA="0" compatLnSpc="1">
+              <a:prstTxWarp prst="textNoShape">
+                <a:avLst/>
+              </a:prstTxWarp>
+              <a:noAutofit/>
+            </a:bodyPr>
+            <a:lstStyle/>
+            <a:p>
+              <a:pPr algn="ctr"/>
+              <a:endParaRPr kumimoji="1" lang="ja-JP" altLang="en-US" dirty="0" err="1">
+                <a:solidFill>
+                  <a:schemeClr val="tx1"/>
+                </a:solidFill>
+              </a:endParaRPr>
+            </a:p>
+          </p:txBody>
+        </p:sp>
+        <p:sp>
+          <p:nvSpPr>
+            <p:cNvPr id="152" name="円/楕円 151">
+              <a:extLst>
+                <a:ext uri="{FF2B5EF4-FFF2-40B4-BE49-F238E27FC236}">
+                  <a16:creationId xmlns:a16="http://schemas.microsoft.com/office/drawing/2014/main" id="{CA4A2981-D90A-034B-AF8F-C708B2437F49}"/>
+                </a:ext>
+              </a:extLst>
+            </p:cNvPr>
+            <p:cNvSpPr/>
+            <p:nvPr/>
+          </p:nvSpPr>
+          <p:spPr>
+            <a:xfrm>
+              <a:off x="4799856" y="4869160"/>
+              <a:ext cx="423664" cy="423664"/>
+            </a:xfrm>
+            <a:prstGeom prst="ellipse">
+              <a:avLst/>
+            </a:prstGeom>
+            <a:solidFill>
+              <a:schemeClr val="bg1"/>
+            </a:solidFill>
+            <a:ln w="76200">
+              <a:solidFill>
+                <a:schemeClr val="accent6"/>
+              </a:solidFill>
+            </a:ln>
+          </p:spPr>
+          <p:style>
+            <a:lnRef idx="2">
+              <a:schemeClr val="accent1">
+                <a:shade val="50000"/>
+              </a:schemeClr>
+            </a:lnRef>
+            <a:fillRef idx="1">
+              <a:schemeClr val="accent1"/>
+            </a:fillRef>
+            <a:effectRef idx="0">
+              <a:schemeClr val="accent1"/>
+            </a:effectRef>
+            <a:fontRef idx="minor">
+              <a:schemeClr val="lt1"/>
+            </a:fontRef>
+          </p:style>
+          <p:txBody>
+            <a:bodyPr rot="0" spcFirstLastPara="0" vertOverflow="overflow" horzOverflow="overflow" vert="horz" wrap="square" lIns="91440" tIns="45720" rIns="91440" bIns="45720" numCol="1" spcCol="0" rtlCol="0" fromWordArt="0" anchor="t" anchorCtr="0" forceAA="0" compatLnSpc="1">
+              <a:prstTxWarp prst="textNoShape">
+                <a:avLst/>
+              </a:prstTxWarp>
+              <a:noAutofit/>
+            </a:bodyPr>
+            <a:lstStyle/>
+            <a:p>
+              <a:pPr algn="ctr"/>
+              <a:endParaRPr kumimoji="1" lang="ja-JP" altLang="en-US" dirty="0" err="1">
+                <a:solidFill>
+                  <a:schemeClr val="tx1"/>
+                </a:solidFill>
+              </a:endParaRPr>
+            </a:p>
+          </p:txBody>
+        </p:sp>
+        <p:sp>
+          <p:nvSpPr>
+            <p:cNvPr id="153" name="正方形/長方形 152">
+              <a:extLst>
+                <a:ext uri="{FF2B5EF4-FFF2-40B4-BE49-F238E27FC236}">
+                  <a16:creationId xmlns:a16="http://schemas.microsoft.com/office/drawing/2014/main" id="{4CEF22F1-3D2C-9C4C-996A-82BB4C23B253}"/>
+                </a:ext>
+              </a:extLst>
+            </p:cNvPr>
+            <p:cNvSpPr/>
+            <p:nvPr/>
+          </p:nvSpPr>
+          <p:spPr>
+            <a:xfrm>
+              <a:off x="6312024" y="5085184"/>
+              <a:ext cx="1296144" cy="1296144"/>
+            </a:xfrm>
+            <a:prstGeom prst="rect">
+              <a:avLst/>
+            </a:prstGeom>
+            <a:solidFill>
+              <a:schemeClr val="bg1"/>
+            </a:solidFill>
+            <a:ln w="38100">
+              <a:solidFill>
+                <a:schemeClr val="tx1"/>
+              </a:solidFill>
+            </a:ln>
+          </p:spPr>
+          <p:style>
+            <a:lnRef idx="2">
+              <a:schemeClr val="accent1">
+                <a:shade val="50000"/>
+              </a:schemeClr>
+            </a:lnRef>
+            <a:fillRef idx="1">
+              <a:schemeClr val="accent1"/>
+            </a:fillRef>
+            <a:effectRef idx="0">
+              <a:schemeClr val="accent1"/>
+            </a:effectRef>
+            <a:fontRef idx="minor">
+              <a:schemeClr val="lt1"/>
+            </a:fontRef>
+          </p:style>
+          <p:txBody>
+            <a:bodyPr rot="0" spcFirstLastPara="0" vertOverflow="overflow" horzOverflow="overflow" vert="horz" wrap="square" lIns="91440" tIns="45720" rIns="91440" bIns="45720" numCol="1" spcCol="0" rtlCol="0" fromWordArt="0" anchor="ctr" anchorCtr="0" forceAA="0" compatLnSpc="1">
+              <a:prstTxWarp prst="textNoShape">
+                <a:avLst/>
+              </a:prstTxWarp>
+              <a:noAutofit/>
+            </a:bodyPr>
+            <a:lstStyle/>
+            <a:p>
+              <a:pPr algn="ctr"/>
+              <a:r>
+                <a:rPr kumimoji="1" lang="en-US" altLang="ja-JP" dirty="0">
+                  <a:solidFill>
+                    <a:schemeClr val="tx1"/>
+                  </a:solidFill>
+                </a:rPr>
+                <a:t>8</a:t>
+              </a:r>
+              <a:endParaRPr kumimoji="1" lang="ja-JP" altLang="en-US" dirty="0" err="1">
+                <a:solidFill>
+                  <a:schemeClr val="tx1"/>
+                </a:solidFill>
+              </a:endParaRPr>
+            </a:p>
+          </p:txBody>
+        </p:sp>
+        <p:sp>
+          <p:nvSpPr>
+            <p:cNvPr id="154" name="円/楕円 153">
+              <a:extLst>
+                <a:ext uri="{FF2B5EF4-FFF2-40B4-BE49-F238E27FC236}">
+                  <a16:creationId xmlns:a16="http://schemas.microsoft.com/office/drawing/2014/main" id="{6A61F0DA-7E88-4E46-9B28-660D26478F22}"/>
+                </a:ext>
+              </a:extLst>
+            </p:cNvPr>
+            <p:cNvSpPr/>
+            <p:nvPr/>
+          </p:nvSpPr>
+          <p:spPr>
+            <a:xfrm>
+              <a:off x="6600056" y="5373216"/>
+              <a:ext cx="720080" cy="720080"/>
+            </a:xfrm>
+            <a:prstGeom prst="ellipse">
+              <a:avLst/>
+            </a:prstGeom>
+            <a:noFill/>
+            <a:ln w="76200">
+              <a:solidFill>
+                <a:srgbClr val="FF0000"/>
+              </a:solidFill>
+            </a:ln>
+          </p:spPr>
+          <p:style>
+            <a:lnRef idx="2">
+              <a:schemeClr val="accent1">
+                <a:shade val="50000"/>
+              </a:schemeClr>
+            </a:lnRef>
+            <a:fillRef idx="1">
+              <a:schemeClr val="accent1"/>
+            </a:fillRef>
+            <a:effectRef idx="0">
+              <a:schemeClr val="accent1"/>
+            </a:effectRef>
+            <a:fontRef idx="minor">
+              <a:schemeClr val="lt1"/>
+            </a:fontRef>
+          </p:style>
+          <p:txBody>
+            <a:bodyPr rot="0" spcFirstLastPara="0" vertOverflow="overflow" horzOverflow="overflow" vert="horz" wrap="square" lIns="91440" tIns="45720" rIns="91440" bIns="45720" numCol="1" spcCol="0" rtlCol="0" fromWordArt="0" anchor="t" anchorCtr="0" forceAA="0" compatLnSpc="1">
+              <a:prstTxWarp prst="textNoShape">
+                <a:avLst/>
+              </a:prstTxWarp>
+              <a:noAutofit/>
+            </a:bodyPr>
+            <a:lstStyle/>
+            <a:p>
+              <a:pPr algn="ctr"/>
+              <a:endParaRPr kumimoji="1" lang="ja-JP" altLang="en-US" dirty="0" err="1">
+                <a:solidFill>
+                  <a:schemeClr val="tx1"/>
+                </a:solidFill>
+              </a:endParaRPr>
+            </a:p>
+          </p:txBody>
+        </p:sp>
+        <p:sp>
+          <p:nvSpPr>
+            <p:cNvPr id="155" name="円/楕円 154">
+              <a:extLst>
+                <a:ext uri="{FF2B5EF4-FFF2-40B4-BE49-F238E27FC236}">
+                  <a16:creationId xmlns:a16="http://schemas.microsoft.com/office/drawing/2014/main" id="{C250285D-C058-DB4D-B1C4-EFEDBDF153A2}"/>
+                </a:ext>
+              </a:extLst>
+            </p:cNvPr>
+            <p:cNvSpPr/>
+            <p:nvPr/>
+          </p:nvSpPr>
+          <p:spPr>
+            <a:xfrm>
+              <a:off x="6096000" y="4869160"/>
+              <a:ext cx="423664" cy="423664"/>
+            </a:xfrm>
+            <a:prstGeom prst="ellipse">
+              <a:avLst/>
+            </a:prstGeom>
+            <a:solidFill>
+              <a:schemeClr val="bg1"/>
+            </a:solidFill>
+            <a:ln w="76200">
+              <a:solidFill>
+                <a:schemeClr val="accent6"/>
+              </a:solidFill>
+            </a:ln>
+          </p:spPr>
+          <p:style>
+            <a:lnRef idx="2">
+              <a:schemeClr val="accent1">
+                <a:shade val="50000"/>
+              </a:schemeClr>
+            </a:lnRef>
+            <a:fillRef idx="1">
+              <a:schemeClr val="accent1"/>
+            </a:fillRef>
+            <a:effectRef idx="0">
+              <a:schemeClr val="accent1"/>
+            </a:effectRef>
+            <a:fontRef idx="minor">
+              <a:schemeClr val="lt1"/>
+            </a:fontRef>
+          </p:style>
+          <p:txBody>
+            <a:bodyPr rot="0" spcFirstLastPara="0" vertOverflow="overflow" horzOverflow="overflow" vert="horz" wrap="square" lIns="91440" tIns="45720" rIns="91440" bIns="45720" numCol="1" spcCol="0" rtlCol="0" fromWordArt="0" anchor="t" anchorCtr="0" forceAA="0" compatLnSpc="1">
+              <a:prstTxWarp prst="textNoShape">
+                <a:avLst/>
+              </a:prstTxWarp>
+              <a:noAutofit/>
+            </a:bodyPr>
+            <a:lstStyle/>
+            <a:p>
+              <a:pPr algn="ctr"/>
+              <a:endParaRPr kumimoji="1" lang="ja-JP" altLang="en-US" dirty="0" err="1">
+                <a:solidFill>
+                  <a:schemeClr val="tx1"/>
+                </a:solidFill>
+              </a:endParaRPr>
+            </a:p>
+          </p:txBody>
+        </p:sp>
+        <p:sp>
+          <p:nvSpPr>
+            <p:cNvPr id="156" name="正方形/長方形 155">
+              <a:extLst>
+                <a:ext uri="{FF2B5EF4-FFF2-40B4-BE49-F238E27FC236}">
+                  <a16:creationId xmlns:a16="http://schemas.microsoft.com/office/drawing/2014/main" id="{0A3C2AD2-BB32-A44F-8DE8-B8720A355E48}"/>
+                </a:ext>
+              </a:extLst>
+            </p:cNvPr>
+            <p:cNvSpPr/>
+            <p:nvPr/>
+          </p:nvSpPr>
+          <p:spPr>
+            <a:xfrm>
+              <a:off x="7608168" y="5085184"/>
+              <a:ext cx="1296144" cy="1296144"/>
+            </a:xfrm>
+            <a:prstGeom prst="rect">
+              <a:avLst/>
+            </a:prstGeom>
+            <a:solidFill>
+              <a:schemeClr val="bg1"/>
+            </a:solidFill>
+            <a:ln w="38100">
+              <a:solidFill>
+                <a:schemeClr val="tx1"/>
+              </a:solidFill>
+            </a:ln>
+          </p:spPr>
+          <p:style>
+            <a:lnRef idx="2">
+              <a:schemeClr val="accent1">
+                <a:shade val="50000"/>
+              </a:schemeClr>
+            </a:lnRef>
+            <a:fillRef idx="1">
+              <a:schemeClr val="accent1"/>
+            </a:fillRef>
+            <a:effectRef idx="0">
+              <a:schemeClr val="accent1"/>
+            </a:effectRef>
+            <a:fontRef idx="minor">
+              <a:schemeClr val="lt1"/>
+            </a:fontRef>
+          </p:style>
+          <p:txBody>
+            <a:bodyPr rot="0" spcFirstLastPara="0" vertOverflow="overflow" horzOverflow="overflow" vert="horz" wrap="square" lIns="91440" tIns="45720" rIns="91440" bIns="45720" numCol="1" spcCol="0" rtlCol="0" fromWordArt="0" anchor="ctr" anchorCtr="0" forceAA="0" compatLnSpc="1">
+              <a:prstTxWarp prst="textNoShape">
+                <a:avLst/>
+              </a:prstTxWarp>
+              <a:noAutofit/>
+            </a:bodyPr>
+            <a:lstStyle/>
+            <a:p>
+              <a:pPr algn="ctr"/>
+              <a:r>
+                <a:rPr lang="en-US" altLang="ja-JP" dirty="0">
+                  <a:solidFill>
+                    <a:schemeClr val="tx1"/>
+                  </a:solidFill>
+                </a:rPr>
+                <a:t>9</a:t>
+              </a:r>
+              <a:endParaRPr kumimoji="1" lang="ja-JP" altLang="en-US" dirty="0" err="1">
+                <a:solidFill>
+                  <a:schemeClr val="tx1"/>
+                </a:solidFill>
+              </a:endParaRPr>
+            </a:p>
+          </p:txBody>
+        </p:sp>
+        <p:sp>
+          <p:nvSpPr>
+            <p:cNvPr id="157" name="円/楕円 156">
+              <a:extLst>
+                <a:ext uri="{FF2B5EF4-FFF2-40B4-BE49-F238E27FC236}">
+                  <a16:creationId xmlns:a16="http://schemas.microsoft.com/office/drawing/2014/main" id="{73D8A404-7D1B-C64F-ADCC-342B28B69294}"/>
+                </a:ext>
+              </a:extLst>
+            </p:cNvPr>
+            <p:cNvSpPr/>
+            <p:nvPr/>
+          </p:nvSpPr>
+          <p:spPr>
+            <a:xfrm>
+              <a:off x="7896200" y="5373216"/>
+              <a:ext cx="720080" cy="720080"/>
+            </a:xfrm>
+            <a:prstGeom prst="ellipse">
+              <a:avLst/>
+            </a:prstGeom>
+            <a:noFill/>
+            <a:ln w="76200">
+              <a:solidFill>
+                <a:schemeClr val="accent6"/>
+              </a:solidFill>
+            </a:ln>
+          </p:spPr>
+          <p:style>
+            <a:lnRef idx="2">
+              <a:schemeClr val="accent1">
+                <a:shade val="50000"/>
+              </a:schemeClr>
+            </a:lnRef>
+            <a:fillRef idx="1">
+              <a:schemeClr val="accent1"/>
+            </a:fillRef>
+            <a:effectRef idx="0">
+              <a:schemeClr val="accent1"/>
+            </a:effectRef>
+            <a:fontRef idx="minor">
+              <a:schemeClr val="lt1"/>
+            </a:fontRef>
+          </p:style>
+          <p:txBody>
+            <a:bodyPr rot="0" spcFirstLastPara="0" vertOverflow="overflow" horzOverflow="overflow" vert="horz" wrap="square" lIns="91440" tIns="45720" rIns="91440" bIns="45720" numCol="1" spcCol="0" rtlCol="0" fromWordArt="0" anchor="t" anchorCtr="0" forceAA="0" compatLnSpc="1">
+              <a:prstTxWarp prst="textNoShape">
+                <a:avLst/>
+              </a:prstTxWarp>
+              <a:noAutofit/>
+            </a:bodyPr>
+            <a:lstStyle/>
+            <a:p>
+              <a:pPr algn="ctr"/>
+              <a:endParaRPr kumimoji="1" lang="ja-JP" altLang="en-US" dirty="0" err="1">
+                <a:solidFill>
+                  <a:schemeClr val="tx1"/>
+                </a:solidFill>
+              </a:endParaRPr>
+            </a:p>
+          </p:txBody>
+        </p:sp>
+        <p:sp>
+          <p:nvSpPr>
+            <p:cNvPr id="158" name="円/楕円 157">
+              <a:extLst>
+                <a:ext uri="{FF2B5EF4-FFF2-40B4-BE49-F238E27FC236}">
+                  <a16:creationId xmlns:a16="http://schemas.microsoft.com/office/drawing/2014/main" id="{CCE602D6-0B1C-B246-B79A-13D681989C71}"/>
+                </a:ext>
+              </a:extLst>
+            </p:cNvPr>
+            <p:cNvSpPr/>
+            <p:nvPr/>
+          </p:nvSpPr>
+          <p:spPr>
+            <a:xfrm>
+              <a:off x="7392144" y="4869160"/>
+              <a:ext cx="423664" cy="423664"/>
+            </a:xfrm>
+            <a:prstGeom prst="ellipse">
+              <a:avLst/>
+            </a:prstGeom>
+            <a:solidFill>
+              <a:schemeClr val="bg1"/>
+            </a:solidFill>
+            <a:ln w="76200">
+              <a:solidFill>
+                <a:srgbClr val="FFFF00"/>
+              </a:solidFill>
+            </a:ln>
+          </p:spPr>
+          <p:style>
+            <a:lnRef idx="2">
+              <a:schemeClr val="accent1">
+                <a:shade val="50000"/>
+              </a:schemeClr>
+            </a:lnRef>
+            <a:fillRef idx="1">
+              <a:schemeClr val="accent1"/>
+            </a:fillRef>
+            <a:effectRef idx="0">
+              <a:schemeClr val="accent1"/>
+            </a:effectRef>
+            <a:fontRef idx="minor">
+              <a:schemeClr val="lt1"/>
+            </a:fontRef>
+          </p:style>
+          <p:txBody>
+            <a:bodyPr rot="0" spcFirstLastPara="0" vertOverflow="overflow" horzOverflow="overflow" vert="horz" wrap="square" lIns="91440" tIns="45720" rIns="91440" bIns="45720" numCol="1" spcCol="0" rtlCol="0" fromWordArt="0" anchor="t" anchorCtr="0" forceAA="0" compatLnSpc="1">
+              <a:prstTxWarp prst="textNoShape">
+                <a:avLst/>
+              </a:prstTxWarp>
+              <a:noAutofit/>
+            </a:bodyPr>
+            <a:lstStyle/>
+            <a:p>
+              <a:pPr algn="ctr"/>
+              <a:endParaRPr kumimoji="1" lang="ja-JP" altLang="en-US" dirty="0" err="1">
+                <a:solidFill>
+                  <a:schemeClr val="tx1"/>
+                </a:solidFill>
+              </a:endParaRPr>
+            </a:p>
+          </p:txBody>
+        </p:sp>
+        <p:sp>
+          <p:nvSpPr>
+            <p:cNvPr id="159" name="円/楕円 158">
+              <a:extLst>
+                <a:ext uri="{FF2B5EF4-FFF2-40B4-BE49-F238E27FC236}">
+                  <a16:creationId xmlns:a16="http://schemas.microsoft.com/office/drawing/2014/main" id="{78DB2958-70F1-294A-829F-7199A4259F3F}"/>
+                </a:ext>
+              </a:extLst>
+            </p:cNvPr>
+            <p:cNvSpPr/>
+            <p:nvPr/>
+          </p:nvSpPr>
+          <p:spPr>
+            <a:xfrm>
+              <a:off x="8696672" y="4869160"/>
+              <a:ext cx="423664" cy="423664"/>
+            </a:xfrm>
+            <a:prstGeom prst="ellipse">
+              <a:avLst/>
+            </a:prstGeom>
+            <a:solidFill>
+              <a:schemeClr val="bg1"/>
+            </a:solidFill>
+            <a:ln w="76200">
+              <a:solidFill>
+                <a:srgbClr val="FFFF00"/>
+              </a:solidFill>
+            </a:ln>
+          </p:spPr>
+          <p:style>
+            <a:lnRef idx="2">
+              <a:schemeClr val="accent1">
+                <a:shade val="50000"/>
+              </a:schemeClr>
+            </a:lnRef>
+            <a:fillRef idx="1">
+              <a:schemeClr val="accent1"/>
+            </a:fillRef>
+            <a:effectRef idx="0">
+              <a:schemeClr val="accent1"/>
+            </a:effectRef>
+            <a:fontRef idx="minor">
+              <a:schemeClr val="lt1"/>
+            </a:fontRef>
+          </p:style>
+          <p:txBody>
+            <a:bodyPr rot="0" spcFirstLastPara="0" vertOverflow="overflow" horzOverflow="overflow" vert="horz" wrap="square" lIns="91440" tIns="45720" rIns="91440" bIns="45720" numCol="1" spcCol="0" rtlCol="0" fromWordArt="0" anchor="t" anchorCtr="0" forceAA="0" compatLnSpc="1">
+              <a:prstTxWarp prst="textNoShape">
+                <a:avLst/>
+              </a:prstTxWarp>
+              <a:noAutofit/>
+            </a:bodyPr>
+            <a:lstStyle/>
+            <a:p>
+              <a:pPr algn="ctr"/>
+              <a:endParaRPr kumimoji="1" lang="ja-JP" altLang="en-US" dirty="0" err="1">
+                <a:solidFill>
+                  <a:schemeClr val="tx1"/>
+                </a:solidFill>
+              </a:endParaRPr>
+            </a:p>
+          </p:txBody>
+        </p:sp>
+        <p:sp>
+          <p:nvSpPr>
+            <p:cNvPr id="160" name="円/楕円 159">
+              <a:extLst>
+                <a:ext uri="{FF2B5EF4-FFF2-40B4-BE49-F238E27FC236}">
+                  <a16:creationId xmlns:a16="http://schemas.microsoft.com/office/drawing/2014/main" id="{A9333243-3622-A44A-A67C-6AEA09296F22}"/>
+                </a:ext>
+              </a:extLst>
+            </p:cNvPr>
+            <p:cNvSpPr/>
+            <p:nvPr/>
+          </p:nvSpPr>
+          <p:spPr>
+            <a:xfrm>
+              <a:off x="4799856" y="6173688"/>
+              <a:ext cx="423664" cy="423664"/>
+            </a:xfrm>
+            <a:prstGeom prst="ellipse">
+              <a:avLst/>
+            </a:prstGeom>
+            <a:solidFill>
+              <a:schemeClr val="bg1"/>
+            </a:solidFill>
+            <a:ln w="76200">
+              <a:solidFill>
+                <a:schemeClr val="accent6"/>
+              </a:solidFill>
+            </a:ln>
+          </p:spPr>
+          <p:style>
+            <a:lnRef idx="2">
+              <a:schemeClr val="accent1">
+                <a:shade val="50000"/>
+              </a:schemeClr>
+            </a:lnRef>
+            <a:fillRef idx="1">
+              <a:schemeClr val="accent1"/>
+            </a:fillRef>
+            <a:effectRef idx="0">
+              <a:schemeClr val="accent1"/>
+            </a:effectRef>
+            <a:fontRef idx="minor">
+              <a:schemeClr val="lt1"/>
+            </a:fontRef>
+          </p:style>
+          <p:txBody>
+            <a:bodyPr rot="0" spcFirstLastPara="0" vertOverflow="overflow" horzOverflow="overflow" vert="horz" wrap="square" lIns="91440" tIns="45720" rIns="91440" bIns="45720" numCol="1" spcCol="0" rtlCol="0" fromWordArt="0" anchor="t" anchorCtr="0" forceAA="0" compatLnSpc="1">
+              <a:prstTxWarp prst="textNoShape">
+                <a:avLst/>
+              </a:prstTxWarp>
+              <a:noAutofit/>
+            </a:bodyPr>
+            <a:lstStyle/>
+            <a:p>
+              <a:pPr algn="ctr"/>
+              <a:endParaRPr kumimoji="1" lang="ja-JP" altLang="en-US" dirty="0" err="1">
+                <a:solidFill>
+                  <a:schemeClr val="tx1"/>
+                </a:solidFill>
+              </a:endParaRPr>
+            </a:p>
+          </p:txBody>
+        </p:sp>
+        <p:sp>
+          <p:nvSpPr>
+            <p:cNvPr id="161" name="円/楕円 160">
+              <a:extLst>
+                <a:ext uri="{FF2B5EF4-FFF2-40B4-BE49-F238E27FC236}">
+                  <a16:creationId xmlns:a16="http://schemas.microsoft.com/office/drawing/2014/main" id="{580D4848-9EB5-834F-A9B0-489A43754148}"/>
+                </a:ext>
+              </a:extLst>
+            </p:cNvPr>
+            <p:cNvSpPr/>
+            <p:nvPr/>
+          </p:nvSpPr>
+          <p:spPr>
+            <a:xfrm>
+              <a:off x="6096000" y="6173688"/>
+              <a:ext cx="423664" cy="423664"/>
+            </a:xfrm>
+            <a:prstGeom prst="ellipse">
+              <a:avLst/>
+            </a:prstGeom>
+            <a:solidFill>
+              <a:schemeClr val="bg1"/>
+            </a:solidFill>
+            <a:ln w="76200">
+              <a:solidFill>
+                <a:schemeClr val="accent6"/>
+              </a:solidFill>
+            </a:ln>
+          </p:spPr>
+          <p:style>
+            <a:lnRef idx="2">
+              <a:schemeClr val="accent1">
+                <a:shade val="50000"/>
+              </a:schemeClr>
+            </a:lnRef>
+            <a:fillRef idx="1">
+              <a:schemeClr val="accent1"/>
+            </a:fillRef>
+            <a:effectRef idx="0">
+              <a:schemeClr val="accent1"/>
+            </a:effectRef>
+            <a:fontRef idx="minor">
+              <a:schemeClr val="lt1"/>
+            </a:fontRef>
+          </p:style>
+          <p:txBody>
+            <a:bodyPr rot="0" spcFirstLastPara="0" vertOverflow="overflow" horzOverflow="overflow" vert="horz" wrap="square" lIns="91440" tIns="45720" rIns="91440" bIns="45720" numCol="1" spcCol="0" rtlCol="0" fromWordArt="0" anchor="t" anchorCtr="0" forceAA="0" compatLnSpc="1">
+              <a:prstTxWarp prst="textNoShape">
+                <a:avLst/>
+              </a:prstTxWarp>
+              <a:noAutofit/>
+            </a:bodyPr>
+            <a:lstStyle/>
+            <a:p>
+              <a:pPr algn="ctr"/>
+              <a:endParaRPr kumimoji="1" lang="ja-JP" altLang="en-US" dirty="0" err="1">
+                <a:solidFill>
+                  <a:schemeClr val="tx1"/>
+                </a:solidFill>
+              </a:endParaRPr>
+            </a:p>
+          </p:txBody>
+        </p:sp>
+        <p:sp>
+          <p:nvSpPr>
+            <p:cNvPr id="162" name="円/楕円 161">
+              <a:extLst>
+                <a:ext uri="{FF2B5EF4-FFF2-40B4-BE49-F238E27FC236}">
+                  <a16:creationId xmlns:a16="http://schemas.microsoft.com/office/drawing/2014/main" id="{2EF79D9C-DDFD-7342-BAEF-6E2D0FDDF816}"/>
+                </a:ext>
+              </a:extLst>
+            </p:cNvPr>
+            <p:cNvSpPr/>
+            <p:nvPr/>
+          </p:nvSpPr>
+          <p:spPr>
+            <a:xfrm>
+              <a:off x="7392144" y="6173688"/>
+              <a:ext cx="423664" cy="423664"/>
+            </a:xfrm>
+            <a:prstGeom prst="ellipse">
+              <a:avLst/>
+            </a:prstGeom>
+            <a:solidFill>
+              <a:schemeClr val="bg1"/>
+            </a:solidFill>
+            <a:ln w="76200">
+              <a:solidFill>
+                <a:srgbClr val="FFFF00"/>
+              </a:solidFill>
+            </a:ln>
+          </p:spPr>
+          <p:style>
+            <a:lnRef idx="2">
+              <a:schemeClr val="accent1">
+                <a:shade val="50000"/>
+              </a:schemeClr>
+            </a:lnRef>
+            <a:fillRef idx="1">
+              <a:schemeClr val="accent1"/>
+            </a:fillRef>
+            <a:effectRef idx="0">
+              <a:schemeClr val="accent1"/>
+            </a:effectRef>
+            <a:fontRef idx="minor">
+              <a:schemeClr val="lt1"/>
+            </a:fontRef>
+          </p:style>
+          <p:txBody>
+            <a:bodyPr rot="0" spcFirstLastPara="0" vertOverflow="overflow" horzOverflow="overflow" vert="horz" wrap="square" lIns="91440" tIns="45720" rIns="91440" bIns="45720" numCol="1" spcCol="0" rtlCol="0" fromWordArt="0" anchor="t" anchorCtr="0" forceAA="0" compatLnSpc="1">
+              <a:prstTxWarp prst="textNoShape">
+                <a:avLst/>
+              </a:prstTxWarp>
+              <a:noAutofit/>
+            </a:bodyPr>
+            <a:lstStyle/>
+            <a:p>
+              <a:pPr algn="ctr"/>
+              <a:endParaRPr kumimoji="1" lang="ja-JP" altLang="en-US" dirty="0" err="1">
+                <a:solidFill>
+                  <a:schemeClr val="tx1"/>
+                </a:solidFill>
+              </a:endParaRPr>
+            </a:p>
+          </p:txBody>
+        </p:sp>
+        <p:sp>
+          <p:nvSpPr>
+            <p:cNvPr id="163" name="円/楕円 162">
+              <a:extLst>
+                <a:ext uri="{FF2B5EF4-FFF2-40B4-BE49-F238E27FC236}">
+                  <a16:creationId xmlns:a16="http://schemas.microsoft.com/office/drawing/2014/main" id="{B4BE831F-DFEF-C64A-8BD4-C49FA2484A6F}"/>
+                </a:ext>
+              </a:extLst>
+            </p:cNvPr>
+            <p:cNvSpPr/>
+            <p:nvPr/>
+          </p:nvSpPr>
+          <p:spPr>
+            <a:xfrm>
+              <a:off x="8696672" y="6173688"/>
+              <a:ext cx="423664" cy="423664"/>
+            </a:xfrm>
+            <a:prstGeom prst="ellipse">
+              <a:avLst/>
+            </a:prstGeom>
+            <a:solidFill>
+              <a:schemeClr val="bg1"/>
+            </a:solidFill>
+            <a:ln w="76200">
+              <a:solidFill>
+                <a:srgbClr val="FFFF00"/>
+              </a:solidFill>
+            </a:ln>
+          </p:spPr>
+          <p:style>
+            <a:lnRef idx="2">
+              <a:schemeClr val="accent1">
+                <a:shade val="50000"/>
+              </a:schemeClr>
+            </a:lnRef>
+            <a:fillRef idx="1">
+              <a:schemeClr val="accent1"/>
+            </a:fillRef>
+            <a:effectRef idx="0">
+              <a:schemeClr val="accent1"/>
+            </a:effectRef>
+            <a:fontRef idx="minor">
+              <a:schemeClr val="lt1"/>
+            </a:fontRef>
+          </p:style>
+          <p:txBody>
+            <a:bodyPr rot="0" spcFirstLastPara="0" vertOverflow="overflow" horzOverflow="overflow" vert="horz" wrap="square" lIns="91440" tIns="45720" rIns="91440" bIns="45720" numCol="1" spcCol="0" rtlCol="0" fromWordArt="0" anchor="t" anchorCtr="0" forceAA="0" compatLnSpc="1">
+              <a:prstTxWarp prst="textNoShape">
+                <a:avLst/>
+              </a:prstTxWarp>
+              <a:noAutofit/>
+            </a:bodyPr>
+            <a:lstStyle/>
+            <a:p>
+              <a:pPr algn="ctr"/>
+              <a:endParaRPr kumimoji="1" lang="ja-JP" altLang="en-US" dirty="0" err="1">
+                <a:solidFill>
+                  <a:schemeClr val="tx1"/>
+                </a:solidFill>
+              </a:endParaRPr>
+            </a:p>
+          </p:txBody>
+        </p:sp>
+      </p:grpSp>
+      <p:grpSp>
+        <p:nvGrpSpPr>
+          <p:cNvPr id="172" name="グループ化 171">
+            <a:extLst>
+              <a:ext uri="{FF2B5EF4-FFF2-40B4-BE49-F238E27FC236}">
+                <a16:creationId xmlns:a16="http://schemas.microsoft.com/office/drawing/2014/main" id="{663C26FD-CE98-8C47-880C-7A8CD98C29A7}"/>
+              </a:ext>
+            </a:extLst>
+          </p:cNvPr>
+          <p:cNvGrpSpPr/>
+          <p:nvPr/>
+        </p:nvGrpSpPr>
+        <p:grpSpPr>
+          <a:xfrm>
+            <a:off x="3251685" y="1059552"/>
+            <a:ext cx="961674" cy="1433344"/>
+            <a:chOff x="3251684" y="1059552"/>
+            <a:chExt cx="1319443" cy="1966588"/>
+          </a:xfrm>
+        </p:grpSpPr>
+        <p:sp>
+          <p:nvSpPr>
+            <p:cNvPr id="59" name="円柱 58">
+              <a:extLst>
+                <a:ext uri="{FF2B5EF4-FFF2-40B4-BE49-F238E27FC236}">
+                  <a16:creationId xmlns:a16="http://schemas.microsoft.com/office/drawing/2014/main" id="{32C0B371-FB11-4F47-B221-FB7556EBAFD6}"/>
+                </a:ext>
+              </a:extLst>
+            </p:cNvPr>
+            <p:cNvSpPr/>
+            <p:nvPr/>
+          </p:nvSpPr>
+          <p:spPr>
+            <a:xfrm>
+              <a:off x="3251684" y="1311580"/>
+              <a:ext cx="563359" cy="749268"/>
+            </a:xfrm>
+            <a:prstGeom prst="can">
+              <a:avLst/>
+            </a:prstGeom>
+            <a:solidFill>
+              <a:srgbClr val="FFFF00"/>
+            </a:solidFill>
+            <a:ln w="19050">
+              <a:solidFill>
+                <a:schemeClr val="tx1"/>
+              </a:solidFill>
+            </a:ln>
+          </p:spPr>
+          <p:style>
+            <a:lnRef idx="2">
+              <a:schemeClr val="accent1">
+                <a:shade val="50000"/>
+              </a:schemeClr>
+            </a:lnRef>
+            <a:fillRef idx="1">
+              <a:schemeClr val="accent1"/>
+            </a:fillRef>
+            <a:effectRef idx="0">
+              <a:schemeClr val="accent1"/>
+            </a:effectRef>
+            <a:fontRef idx="minor">
+              <a:schemeClr val="lt1"/>
+            </a:fontRef>
+          </p:style>
+          <p:txBody>
+            <a:bodyPr rot="0" spcFirstLastPara="0" vertOverflow="overflow" horzOverflow="overflow" vert="horz" wrap="square" lIns="91440" tIns="45720" rIns="91440" bIns="45720" numCol="1" spcCol="0" rtlCol="0" fromWordArt="0" anchor="t" anchorCtr="0" forceAA="0" compatLnSpc="1">
+              <a:prstTxWarp prst="textNoShape">
+                <a:avLst/>
+              </a:prstTxWarp>
+              <a:noAutofit/>
+            </a:bodyPr>
+            <a:lstStyle/>
+            <a:p>
+              <a:pPr algn="ctr"/>
+              <a:endParaRPr kumimoji="1" lang="ja-JP" altLang="en-US" dirty="0" err="1">
+                <a:solidFill>
+                  <a:schemeClr val="tx1"/>
+                </a:solidFill>
+              </a:endParaRPr>
+            </a:p>
+          </p:txBody>
+        </p:sp>
+        <p:sp>
+          <p:nvSpPr>
+            <p:cNvPr id="164" name="円柱 163">
+              <a:extLst>
+                <a:ext uri="{FF2B5EF4-FFF2-40B4-BE49-F238E27FC236}">
+                  <a16:creationId xmlns:a16="http://schemas.microsoft.com/office/drawing/2014/main" id="{560CA088-3A90-8243-9B0D-07011E8753AE}"/>
+                </a:ext>
+              </a:extLst>
+            </p:cNvPr>
+            <p:cNvSpPr/>
+            <p:nvPr/>
+          </p:nvSpPr>
+          <p:spPr>
+            <a:xfrm>
+              <a:off x="3251684" y="2276872"/>
+              <a:ext cx="563359" cy="749268"/>
+            </a:xfrm>
+            <a:prstGeom prst="can">
+              <a:avLst/>
+            </a:prstGeom>
+            <a:solidFill>
+              <a:schemeClr val="accent5"/>
+            </a:solidFill>
+            <a:ln w="19050">
+              <a:solidFill>
+                <a:schemeClr val="tx1"/>
+              </a:solidFill>
+            </a:ln>
+          </p:spPr>
+          <p:style>
+            <a:lnRef idx="2">
+              <a:schemeClr val="accent1">
+                <a:shade val="50000"/>
+              </a:schemeClr>
+            </a:lnRef>
+            <a:fillRef idx="1">
+              <a:schemeClr val="accent1"/>
+            </a:fillRef>
+            <a:effectRef idx="0">
+              <a:schemeClr val="accent1"/>
+            </a:effectRef>
+            <a:fontRef idx="minor">
+              <a:schemeClr val="lt1"/>
+            </a:fontRef>
+          </p:style>
+          <p:txBody>
+            <a:bodyPr rot="0" spcFirstLastPara="0" vertOverflow="overflow" horzOverflow="overflow" vert="horz" wrap="square" lIns="91440" tIns="45720" rIns="91440" bIns="45720" numCol="1" spcCol="0" rtlCol="0" fromWordArt="0" anchor="t" anchorCtr="0" forceAA="0" compatLnSpc="1">
+              <a:prstTxWarp prst="textNoShape">
+                <a:avLst/>
+              </a:prstTxWarp>
+              <a:noAutofit/>
+            </a:bodyPr>
+            <a:lstStyle/>
+            <a:p>
+              <a:pPr algn="ctr"/>
+              <a:endParaRPr kumimoji="1" lang="ja-JP" altLang="en-US" dirty="0" err="1">
+                <a:solidFill>
+                  <a:schemeClr val="tx1"/>
+                </a:solidFill>
+              </a:endParaRPr>
+            </a:p>
+          </p:txBody>
+        </p:sp>
+        <p:sp>
+          <p:nvSpPr>
+            <p:cNvPr id="165" name="円柱 164">
+              <a:extLst>
+                <a:ext uri="{FF2B5EF4-FFF2-40B4-BE49-F238E27FC236}">
+                  <a16:creationId xmlns:a16="http://schemas.microsoft.com/office/drawing/2014/main" id="{FCB09909-68BF-5049-9AEC-FDB623C6FD07}"/>
+                </a:ext>
+              </a:extLst>
+            </p:cNvPr>
+            <p:cNvSpPr/>
+            <p:nvPr/>
+          </p:nvSpPr>
+          <p:spPr>
+            <a:xfrm>
+              <a:off x="4007768" y="2024844"/>
+              <a:ext cx="563359" cy="749268"/>
+            </a:xfrm>
+            <a:prstGeom prst="can">
+              <a:avLst/>
+            </a:prstGeom>
+            <a:solidFill>
+              <a:schemeClr val="accent6"/>
+            </a:solidFill>
+            <a:ln w="19050">
+              <a:solidFill>
+                <a:schemeClr val="tx1"/>
+              </a:solidFill>
+            </a:ln>
+          </p:spPr>
+          <p:style>
+            <a:lnRef idx="2">
+              <a:schemeClr val="accent1">
+                <a:shade val="50000"/>
+              </a:schemeClr>
+            </a:lnRef>
+            <a:fillRef idx="1">
+              <a:schemeClr val="accent1"/>
+            </a:fillRef>
+            <a:effectRef idx="0">
+              <a:schemeClr val="accent1"/>
+            </a:effectRef>
+            <a:fontRef idx="minor">
+              <a:schemeClr val="lt1"/>
+            </a:fontRef>
+          </p:style>
+          <p:txBody>
+            <a:bodyPr rot="0" spcFirstLastPara="0" vertOverflow="overflow" horzOverflow="overflow" vert="horz" wrap="square" lIns="91440" tIns="45720" rIns="91440" bIns="45720" numCol="1" spcCol="0" rtlCol="0" fromWordArt="0" anchor="t" anchorCtr="0" forceAA="0" compatLnSpc="1">
+              <a:prstTxWarp prst="textNoShape">
+                <a:avLst/>
+              </a:prstTxWarp>
+              <a:noAutofit/>
+            </a:bodyPr>
+            <a:lstStyle/>
+            <a:p>
+              <a:pPr algn="ctr"/>
+              <a:endParaRPr kumimoji="1" lang="ja-JP" altLang="en-US" dirty="0" err="1">
+                <a:solidFill>
+                  <a:schemeClr val="tx1"/>
+                </a:solidFill>
+              </a:endParaRPr>
+            </a:p>
+          </p:txBody>
+        </p:sp>
+        <p:sp>
+          <p:nvSpPr>
+            <p:cNvPr id="166" name="円柱 165">
+              <a:extLst>
+                <a:ext uri="{FF2B5EF4-FFF2-40B4-BE49-F238E27FC236}">
+                  <a16:creationId xmlns:a16="http://schemas.microsoft.com/office/drawing/2014/main" id="{C3A5158C-5ECA-E043-888B-CF6E776C10B2}"/>
+                </a:ext>
+              </a:extLst>
+            </p:cNvPr>
+            <p:cNvSpPr/>
+            <p:nvPr/>
+          </p:nvSpPr>
+          <p:spPr>
+            <a:xfrm>
+              <a:off x="4007768" y="1059552"/>
+              <a:ext cx="563359" cy="749268"/>
+            </a:xfrm>
+            <a:prstGeom prst="can">
+              <a:avLst/>
+            </a:prstGeom>
+            <a:solidFill>
+              <a:srgbClr val="FF0000"/>
+            </a:solidFill>
+            <a:ln w="19050">
+              <a:solidFill>
+                <a:schemeClr val="tx1"/>
+              </a:solidFill>
+            </a:ln>
+          </p:spPr>
+          <p:style>
+            <a:lnRef idx="2">
+              <a:schemeClr val="accent1">
+                <a:shade val="50000"/>
+              </a:schemeClr>
+            </a:lnRef>
+            <a:fillRef idx="1">
+              <a:schemeClr val="accent1"/>
+            </a:fillRef>
+            <a:effectRef idx="0">
+              <a:schemeClr val="accent1"/>
+            </a:effectRef>
+            <a:fontRef idx="minor">
+              <a:schemeClr val="lt1"/>
+            </a:fontRef>
+          </p:style>
+          <p:txBody>
+            <a:bodyPr rot="0" spcFirstLastPara="0" vertOverflow="overflow" horzOverflow="overflow" vert="horz" wrap="square" lIns="91440" tIns="45720" rIns="91440" bIns="45720" numCol="1" spcCol="0" rtlCol="0" fromWordArt="0" anchor="t" anchorCtr="0" forceAA="0" compatLnSpc="1">
+              <a:prstTxWarp prst="textNoShape">
+                <a:avLst/>
+              </a:prstTxWarp>
+              <a:noAutofit/>
+            </a:bodyPr>
+            <a:lstStyle/>
+            <a:p>
+              <a:pPr algn="ctr"/>
+              <a:endParaRPr kumimoji="1" lang="ja-JP" altLang="en-US" dirty="0" err="1">
+                <a:solidFill>
+                  <a:schemeClr val="tx1"/>
+                </a:solidFill>
+              </a:endParaRPr>
+            </a:p>
+          </p:txBody>
+        </p:sp>
+      </p:grpSp>
+      <p:sp>
+        <p:nvSpPr>
+          <p:cNvPr id="174" name="正方形/長方形 173">
+            <a:extLst>
+              <a:ext uri="{FF2B5EF4-FFF2-40B4-BE49-F238E27FC236}">
+                <a16:creationId xmlns:a16="http://schemas.microsoft.com/office/drawing/2014/main" id="{847BEF8D-07C6-764A-AA8D-4F623FAB2F3B}"/>
+              </a:ext>
+            </a:extLst>
+          </p:cNvPr>
+          <p:cNvSpPr/>
+          <p:nvPr/>
+        </p:nvSpPr>
+        <p:spPr>
+          <a:xfrm>
+            <a:off x="191344" y="6507995"/>
+            <a:ext cx="11881320" cy="350005"/>
+          </a:xfrm>
+          <a:prstGeom prst="rect">
+            <a:avLst/>
+          </a:prstGeom>
+          <a:solidFill>
+            <a:schemeClr val="accent6">
+              <a:lumMod val="60000"/>
+              <a:lumOff val="40000"/>
+            </a:schemeClr>
+          </a:solidFill>
+          <a:ln w="12700">
+            <a:noFill/>
+          </a:ln>
+        </p:spPr>
+        <p:style>
+          <a:lnRef idx="2">
+            <a:schemeClr val="accent1">
+              <a:shade val="50000"/>
+            </a:schemeClr>
+          </a:lnRef>
+          <a:fillRef idx="1">
+            <a:schemeClr val="accent1"/>
+          </a:fillRef>
+          <a:effectRef idx="0">
+            <a:schemeClr val="accent1"/>
+          </a:effectRef>
+          <a:fontRef idx="minor">
+            <a:schemeClr val="lt1"/>
+          </a:fontRef>
+        </p:style>
+        <p:txBody>
+          <a:bodyPr rtlCol="0" anchor="ctr"/>
+          <a:lstStyle/>
+          <a:p>
+            <a:pPr algn="ctr"/>
+            <a:endParaRPr kumimoji="1" lang="ja-JP" altLang="en-US"/>
+          </a:p>
+        </p:txBody>
+      </p:sp>
+      <p:sp>
+        <p:nvSpPr>
+          <p:cNvPr id="177" name="直方体 176">
+            <a:extLst>
+              <a:ext uri="{FF2B5EF4-FFF2-40B4-BE49-F238E27FC236}">
+                <a16:creationId xmlns:a16="http://schemas.microsoft.com/office/drawing/2014/main" id="{E6FAE80A-5AA6-4C43-BDC4-09B6C2064A1A}"/>
+              </a:ext>
+            </a:extLst>
+          </p:cNvPr>
+          <p:cNvSpPr/>
+          <p:nvPr/>
+        </p:nvSpPr>
+        <p:spPr>
+          <a:xfrm>
+            <a:off x="6600056" y="4581128"/>
+            <a:ext cx="574438" cy="720080"/>
+          </a:xfrm>
+          <a:prstGeom prst="cube">
+            <a:avLst/>
+          </a:prstGeom>
+          <a:solidFill>
+            <a:schemeClr val="bg1">
+              <a:lumMod val="75000"/>
+            </a:schemeClr>
+          </a:solidFill>
+          <a:ln w="19050">
+            <a:solidFill>
+              <a:schemeClr val="tx1"/>
+            </a:solidFill>
+          </a:ln>
+        </p:spPr>
+        <p:style>
+          <a:lnRef idx="2">
+            <a:schemeClr val="accent1">
+              <a:shade val="50000"/>
+            </a:schemeClr>
+          </a:lnRef>
+          <a:fillRef idx="1">
+            <a:schemeClr val="accent1"/>
+          </a:fillRef>
+          <a:effectRef idx="0">
+            <a:schemeClr val="accent1"/>
+          </a:effectRef>
+          <a:fontRef idx="minor">
+            <a:schemeClr val="lt1"/>
+          </a:fontRef>
+        </p:style>
+        <p:txBody>
+          <a:bodyPr rot="0" spcFirstLastPara="0" vertOverflow="overflow" horzOverflow="overflow" vert="horz" wrap="square" lIns="91440" tIns="45720" rIns="91440" bIns="45720" numCol="1" spcCol="0" rtlCol="0" fromWordArt="0" anchor="t" anchorCtr="0" forceAA="0" compatLnSpc="1">
+            <a:prstTxWarp prst="textNoShape">
+              <a:avLst/>
+            </a:prstTxWarp>
+            <a:noAutofit/>
+          </a:bodyPr>
+          <a:lstStyle/>
+          <a:p>
+            <a:pPr algn="ctr"/>
+            <a:endParaRPr kumimoji="1" lang="ja-JP" altLang="en-US" dirty="0" err="1">
+              <a:solidFill>
+                <a:schemeClr val="tx1"/>
+              </a:solidFill>
+            </a:endParaRPr>
+          </a:p>
+        </p:txBody>
+      </p:sp>
+      <p:sp>
+        <p:nvSpPr>
+          <p:cNvPr id="178" name="正方形/長方形 177">
+            <a:extLst>
+              <a:ext uri="{FF2B5EF4-FFF2-40B4-BE49-F238E27FC236}">
+                <a16:creationId xmlns:a16="http://schemas.microsoft.com/office/drawing/2014/main" id="{74C51D47-C9C1-124A-9424-7907687AF5C2}"/>
+              </a:ext>
+            </a:extLst>
+          </p:cNvPr>
+          <p:cNvSpPr/>
+          <p:nvPr/>
+        </p:nvSpPr>
+        <p:spPr>
+          <a:xfrm>
+            <a:off x="6240016" y="4005064"/>
+            <a:ext cx="1222510" cy="436418"/>
+          </a:xfrm>
+          <a:prstGeom prst="rect">
+            <a:avLst/>
+          </a:prstGeom>
+          <a:noFill/>
+          <a:ln>
+            <a:noFill/>
+          </a:ln>
+        </p:spPr>
+        <p:style>
+          <a:lnRef idx="2">
+            <a:schemeClr val="accent1">
+              <a:shade val="50000"/>
+            </a:schemeClr>
+          </a:lnRef>
+          <a:fillRef idx="1">
+            <a:schemeClr val="accent1"/>
+          </a:fillRef>
+          <a:effectRef idx="0">
+            <a:schemeClr val="accent1"/>
+          </a:effectRef>
+          <a:fontRef idx="minor">
+            <a:schemeClr val="lt1"/>
+          </a:fontRef>
+        </p:style>
+        <p:txBody>
+          <a:bodyPr rtlCol="0" anchor="ctr"/>
+          <a:lstStyle/>
+          <a:p>
+            <a:pPr algn="ctr"/>
+            <a:r>
+              <a:rPr kumimoji="1" lang="ja-JP" altLang="en-US" sz="1400">
+                <a:solidFill>
+                  <a:schemeClr val="tx1"/>
+                </a:solidFill>
+              </a:rPr>
+              <a:t>コース外の</a:t>
+            </a:r>
+            <a:endParaRPr kumimoji="1" lang="en-US" altLang="ja-JP" sz="1400" dirty="0">
+              <a:solidFill>
+                <a:schemeClr val="tx1"/>
+              </a:solidFill>
+            </a:endParaRPr>
+          </a:p>
+          <a:p>
+            <a:pPr algn="ctr"/>
+            <a:r>
+              <a:rPr kumimoji="1" lang="ja-JP" altLang="en-US" sz="1400">
+                <a:solidFill>
+                  <a:schemeClr val="tx1"/>
+                </a:solidFill>
+              </a:rPr>
+              <a:t>障害物</a:t>
+            </a:r>
+          </a:p>
+        </p:txBody>
+      </p:sp>
+      <p:sp>
+        <p:nvSpPr>
+          <p:cNvPr id="179" name="スマイル 178">
+            <a:extLst>
+              <a:ext uri="{FF2B5EF4-FFF2-40B4-BE49-F238E27FC236}">
+                <a16:creationId xmlns:a16="http://schemas.microsoft.com/office/drawing/2014/main" id="{A4D934E4-35B8-924E-A2FE-F1DA42DEA486}"/>
+              </a:ext>
+            </a:extLst>
+          </p:cNvPr>
+          <p:cNvSpPr/>
+          <p:nvPr/>
+        </p:nvSpPr>
+        <p:spPr>
+          <a:xfrm>
+            <a:off x="11211272" y="476672"/>
+            <a:ext cx="576064" cy="576064"/>
+          </a:xfrm>
+          <a:prstGeom prst="smileyFace">
+            <a:avLst/>
+          </a:prstGeom>
+          <a:solidFill>
+            <a:schemeClr val="accent6">
+              <a:lumMod val="20000"/>
+              <a:lumOff val="80000"/>
+            </a:schemeClr>
+          </a:solidFill>
+          <a:ln w="19050">
+            <a:solidFill>
+              <a:schemeClr val="tx1"/>
+            </a:solidFill>
+          </a:ln>
+        </p:spPr>
+        <p:style>
+          <a:lnRef idx="2">
+            <a:schemeClr val="accent1">
+              <a:shade val="50000"/>
+            </a:schemeClr>
+          </a:lnRef>
+          <a:fillRef idx="1">
+            <a:schemeClr val="accent1"/>
+          </a:fillRef>
+          <a:effectRef idx="0">
+            <a:schemeClr val="accent1"/>
+          </a:effectRef>
+          <a:fontRef idx="minor">
+            <a:schemeClr val="lt1"/>
+          </a:fontRef>
+        </p:style>
+        <p:txBody>
+          <a:bodyPr rot="0" spcFirstLastPara="0" vertOverflow="overflow" horzOverflow="overflow" vert="horz" wrap="square" lIns="91440" tIns="45720" rIns="91440" bIns="45720" numCol="1" spcCol="0" rtlCol="0" fromWordArt="0" anchor="t" anchorCtr="0" forceAA="0" compatLnSpc="1">
+            <a:prstTxWarp prst="textNoShape">
+              <a:avLst/>
+            </a:prstTxWarp>
+            <a:noAutofit/>
+          </a:bodyPr>
+          <a:lstStyle/>
+          <a:p>
+            <a:pPr algn="ctr"/>
+            <a:endParaRPr kumimoji="1" lang="ja-JP" altLang="en-US" dirty="0" err="1">
+              <a:solidFill>
+                <a:schemeClr val="tx1"/>
+              </a:solidFill>
+            </a:endParaRPr>
+          </a:p>
+        </p:txBody>
+      </p:sp>
+      <p:sp>
+        <p:nvSpPr>
+          <p:cNvPr id="180" name="正方形/長方形 179">
+            <a:extLst>
+              <a:ext uri="{FF2B5EF4-FFF2-40B4-BE49-F238E27FC236}">
+                <a16:creationId xmlns:a16="http://schemas.microsoft.com/office/drawing/2014/main" id="{656EF5C8-B6BD-6E40-9929-9B6027BACD07}"/>
+              </a:ext>
+            </a:extLst>
+          </p:cNvPr>
+          <p:cNvSpPr/>
+          <p:nvPr/>
+        </p:nvSpPr>
+        <p:spPr>
+          <a:xfrm>
+            <a:off x="10920536" y="1124744"/>
+            <a:ext cx="1157536" cy="436418"/>
+          </a:xfrm>
+          <a:prstGeom prst="rect">
+            <a:avLst/>
+          </a:prstGeom>
+          <a:noFill/>
+          <a:ln>
+            <a:noFill/>
+          </a:ln>
+        </p:spPr>
+        <p:style>
+          <a:lnRef idx="2">
+            <a:schemeClr val="accent1">
+              <a:shade val="50000"/>
+            </a:schemeClr>
+          </a:lnRef>
+          <a:fillRef idx="1">
+            <a:schemeClr val="accent1"/>
+          </a:fillRef>
+          <a:effectRef idx="0">
+            <a:schemeClr val="accent1"/>
+          </a:effectRef>
+          <a:fontRef idx="minor">
+            <a:schemeClr val="lt1"/>
+          </a:fontRef>
+        </p:style>
+        <p:txBody>
+          <a:bodyPr rtlCol="0" anchor="ctr"/>
+          <a:lstStyle/>
+          <a:p>
+            <a:pPr algn="ctr"/>
+            <a:r>
+              <a:rPr lang="en-US" altLang="ja-JP" sz="1400" dirty="0">
+                <a:solidFill>
+                  <a:schemeClr val="tx1"/>
+                </a:solidFill>
+              </a:rPr>
+              <a:t>PC</a:t>
+            </a:r>
+            <a:r>
+              <a:rPr lang="ja-JP" altLang="en-US" sz="1400">
+                <a:solidFill>
+                  <a:schemeClr val="tx1"/>
+                </a:solidFill>
+              </a:rPr>
+              <a:t>操作者</a:t>
+            </a:r>
+            <a:endParaRPr kumimoji="1" lang="ja-JP" altLang="en-US" sz="1400">
+              <a:solidFill>
+                <a:schemeClr val="tx1"/>
+              </a:solidFill>
+            </a:endParaRPr>
+          </a:p>
+        </p:txBody>
+      </p:sp>
+      <p:sp>
+        <p:nvSpPr>
+          <p:cNvPr id="181" name="スマイル 180">
+            <a:extLst>
+              <a:ext uri="{FF2B5EF4-FFF2-40B4-BE49-F238E27FC236}">
+                <a16:creationId xmlns:a16="http://schemas.microsoft.com/office/drawing/2014/main" id="{4E30AD36-02C8-D248-9F07-9CC7A9B60679}"/>
+              </a:ext>
+            </a:extLst>
+          </p:cNvPr>
+          <p:cNvSpPr/>
+          <p:nvPr/>
+        </p:nvSpPr>
+        <p:spPr>
+          <a:xfrm>
+            <a:off x="11211272" y="2272502"/>
+            <a:ext cx="576064" cy="576064"/>
+          </a:xfrm>
+          <a:prstGeom prst="smileyFace">
+            <a:avLst/>
+          </a:prstGeom>
+          <a:solidFill>
+            <a:schemeClr val="accent6">
+              <a:lumMod val="20000"/>
+              <a:lumOff val="80000"/>
+            </a:schemeClr>
+          </a:solidFill>
+          <a:ln w="19050">
+            <a:solidFill>
+              <a:schemeClr val="tx1"/>
+            </a:solidFill>
+          </a:ln>
+        </p:spPr>
+        <p:style>
+          <a:lnRef idx="2">
+            <a:schemeClr val="accent1">
+              <a:shade val="50000"/>
+            </a:schemeClr>
+          </a:lnRef>
+          <a:fillRef idx="1">
+            <a:schemeClr val="accent1"/>
+          </a:fillRef>
+          <a:effectRef idx="0">
+            <a:schemeClr val="accent1"/>
+          </a:effectRef>
+          <a:fontRef idx="minor">
+            <a:schemeClr val="lt1"/>
+          </a:fontRef>
+        </p:style>
+        <p:txBody>
+          <a:bodyPr rot="0" spcFirstLastPara="0" vertOverflow="overflow" horzOverflow="overflow" vert="horz" wrap="square" lIns="91440" tIns="45720" rIns="91440" bIns="45720" numCol="1" spcCol="0" rtlCol="0" fromWordArt="0" anchor="t" anchorCtr="0" forceAA="0" compatLnSpc="1">
+            <a:prstTxWarp prst="textNoShape">
+              <a:avLst/>
+            </a:prstTxWarp>
+            <a:noAutofit/>
+          </a:bodyPr>
+          <a:lstStyle/>
+          <a:p>
+            <a:pPr algn="ctr"/>
+            <a:endParaRPr kumimoji="1" lang="ja-JP" altLang="en-US" dirty="0" err="1">
+              <a:solidFill>
+                <a:schemeClr val="tx1"/>
+              </a:solidFill>
+            </a:endParaRPr>
+          </a:p>
+        </p:txBody>
+      </p:sp>
+      <p:sp>
+        <p:nvSpPr>
+          <p:cNvPr id="182" name="正方形/長方形 181">
+            <a:extLst>
+              <a:ext uri="{FF2B5EF4-FFF2-40B4-BE49-F238E27FC236}">
+                <a16:creationId xmlns:a16="http://schemas.microsoft.com/office/drawing/2014/main" id="{5CFFDD21-7249-134D-9CA0-7C596189025C}"/>
+              </a:ext>
+            </a:extLst>
+          </p:cNvPr>
+          <p:cNvSpPr/>
+          <p:nvPr/>
+        </p:nvSpPr>
+        <p:spPr>
+          <a:xfrm>
+            <a:off x="10920536" y="2924944"/>
+            <a:ext cx="1157536" cy="436418"/>
+          </a:xfrm>
+          <a:prstGeom prst="rect">
+            <a:avLst/>
+          </a:prstGeom>
+          <a:noFill/>
+          <a:ln>
+            <a:noFill/>
+          </a:ln>
+        </p:spPr>
+        <p:style>
+          <a:lnRef idx="2">
+            <a:schemeClr val="accent1">
+              <a:shade val="50000"/>
+            </a:schemeClr>
+          </a:lnRef>
+          <a:fillRef idx="1">
+            <a:schemeClr val="accent1"/>
+          </a:fillRef>
+          <a:effectRef idx="0">
+            <a:schemeClr val="accent1"/>
+          </a:effectRef>
+          <a:fontRef idx="minor">
+            <a:schemeClr val="lt1"/>
+          </a:fontRef>
+        </p:style>
+        <p:txBody>
+          <a:bodyPr rtlCol="0" anchor="ctr"/>
+          <a:lstStyle/>
+          <a:p>
+            <a:pPr algn="ctr"/>
+            <a:r>
+              <a:rPr lang="ja-JP" altLang="en-US" sz="1400">
+                <a:solidFill>
+                  <a:schemeClr val="tx1"/>
+                </a:solidFill>
+              </a:rPr>
+              <a:t>走行体</a:t>
+            </a:r>
+            <a:endParaRPr lang="en-US" altLang="ja-JP" sz="1400" dirty="0">
+              <a:solidFill>
+                <a:schemeClr val="tx1"/>
+              </a:solidFill>
+            </a:endParaRPr>
+          </a:p>
+          <a:p>
+            <a:pPr algn="ctr"/>
+            <a:r>
+              <a:rPr lang="ja-JP" altLang="en-US" sz="1400">
+                <a:solidFill>
+                  <a:schemeClr val="tx1"/>
+                </a:solidFill>
+              </a:rPr>
+              <a:t>操作者</a:t>
+            </a:r>
+            <a:endParaRPr kumimoji="1" lang="ja-JP" altLang="en-US" sz="1400">
+              <a:solidFill>
+                <a:schemeClr val="tx1"/>
+              </a:solidFill>
+            </a:endParaRPr>
+          </a:p>
+        </p:txBody>
+      </p:sp>
+      <p:grpSp>
+        <p:nvGrpSpPr>
+          <p:cNvPr id="194" name="グループ化 193">
+            <a:extLst>
+              <a:ext uri="{FF2B5EF4-FFF2-40B4-BE49-F238E27FC236}">
+                <a16:creationId xmlns:a16="http://schemas.microsoft.com/office/drawing/2014/main" id="{C4A4D23D-29E8-9640-B664-F7E2128F9833}"/>
+              </a:ext>
+            </a:extLst>
+          </p:cNvPr>
+          <p:cNvGrpSpPr/>
+          <p:nvPr/>
+        </p:nvGrpSpPr>
+        <p:grpSpPr>
+          <a:xfrm>
+            <a:off x="4048298" y="3429000"/>
+            <a:ext cx="2439220" cy="3240360"/>
+            <a:chOff x="4048298" y="3429000"/>
+            <a:chExt cx="2439220" cy="3240360"/>
+          </a:xfrm>
+        </p:grpSpPr>
+        <p:sp>
+          <p:nvSpPr>
+            <p:cNvPr id="187" name="正方形/長方形 186">
+              <a:extLst>
+                <a:ext uri="{FF2B5EF4-FFF2-40B4-BE49-F238E27FC236}">
+                  <a16:creationId xmlns:a16="http://schemas.microsoft.com/office/drawing/2014/main" id="{8132EC50-7F3F-C74E-9717-BCC7032C1811}"/>
+                </a:ext>
+              </a:extLst>
+            </p:cNvPr>
+            <p:cNvSpPr/>
+            <p:nvPr/>
+          </p:nvSpPr>
+          <p:spPr>
+            <a:xfrm>
+              <a:off x="4908275" y="3429000"/>
+              <a:ext cx="719267" cy="288032"/>
+            </a:xfrm>
+            <a:prstGeom prst="rect">
+              <a:avLst/>
+            </a:prstGeom>
+            <a:noFill/>
+            <a:ln>
+              <a:noFill/>
+            </a:ln>
+          </p:spPr>
+          <p:style>
+            <a:lnRef idx="2">
+              <a:schemeClr val="accent1">
+                <a:shade val="50000"/>
+              </a:schemeClr>
+            </a:lnRef>
+            <a:fillRef idx="1">
+              <a:schemeClr val="accent1"/>
+            </a:fillRef>
+            <a:effectRef idx="0">
+              <a:schemeClr val="accent1"/>
+            </a:effectRef>
+            <a:fontRef idx="minor">
+              <a:schemeClr val="lt1"/>
+            </a:fontRef>
+          </p:style>
+          <p:txBody>
+            <a:bodyPr rtlCol="0" anchor="ctr"/>
+            <a:lstStyle/>
+            <a:p>
+              <a:pPr algn="ctr"/>
+              <a:r>
+                <a:rPr lang="ja-JP" altLang="en-US" sz="1400">
+                  <a:solidFill>
+                    <a:schemeClr val="tx1"/>
+                  </a:solidFill>
+                </a:rPr>
+                <a:t>照明</a:t>
+              </a:r>
+              <a:endParaRPr kumimoji="1" lang="ja-JP" altLang="en-US" sz="1400">
+                <a:solidFill>
+                  <a:schemeClr val="tx1"/>
+                </a:solidFill>
+              </a:endParaRPr>
+            </a:p>
+          </p:txBody>
+        </p:sp>
+        <p:grpSp>
+          <p:nvGrpSpPr>
+            <p:cNvPr id="193" name="グループ化 192">
+              <a:extLst>
+                <a:ext uri="{FF2B5EF4-FFF2-40B4-BE49-F238E27FC236}">
+                  <a16:creationId xmlns:a16="http://schemas.microsoft.com/office/drawing/2014/main" id="{911AC093-DD57-BA4B-A5A3-273FE0D4BFBD}"/>
+                </a:ext>
+              </a:extLst>
+            </p:cNvPr>
+            <p:cNvGrpSpPr/>
+            <p:nvPr/>
+          </p:nvGrpSpPr>
+          <p:grpSpPr>
+            <a:xfrm>
+              <a:off x="4048298" y="3789040"/>
+              <a:ext cx="2439220" cy="2880320"/>
+              <a:chOff x="4048298" y="3789040"/>
+              <a:chExt cx="2439220" cy="2880320"/>
+            </a:xfrm>
+          </p:grpSpPr>
+          <p:sp>
+            <p:nvSpPr>
+              <p:cNvPr id="184" name="円/楕円 183">
+                <a:extLst>
+                  <a:ext uri="{FF2B5EF4-FFF2-40B4-BE49-F238E27FC236}">
+                    <a16:creationId xmlns:a16="http://schemas.microsoft.com/office/drawing/2014/main" id="{834EF205-064A-6642-865A-4C186129DF3A}"/>
+                  </a:ext>
+                </a:extLst>
+              </p:cNvPr>
+              <p:cNvSpPr/>
+              <p:nvPr/>
+            </p:nvSpPr>
+            <p:spPr>
+              <a:xfrm>
+                <a:off x="4048298" y="5342358"/>
+                <a:ext cx="2439220" cy="1327002"/>
+              </a:xfrm>
+              <a:prstGeom prst="ellipse">
+                <a:avLst/>
+              </a:prstGeom>
+              <a:solidFill>
+                <a:srgbClr val="DEEBF7">
+                  <a:alpha val="14902"/>
+                </a:srgbClr>
+              </a:solidFill>
+            </p:spPr>
+            <p:style>
+              <a:lnRef idx="2">
+                <a:schemeClr val="accent1">
+                  <a:shade val="50000"/>
+                </a:schemeClr>
+              </a:lnRef>
+              <a:fillRef idx="1">
+                <a:schemeClr val="accent1"/>
+              </a:fillRef>
+              <a:effectRef idx="0">
+                <a:schemeClr val="accent1"/>
+              </a:effectRef>
+              <a:fontRef idx="minor">
+                <a:schemeClr val="lt1"/>
+              </a:fontRef>
+            </p:style>
+            <p:txBody>
+              <a:bodyPr rtlCol="0" anchor="ctr"/>
+              <a:lstStyle/>
+              <a:p>
+                <a:pPr algn="ctr"/>
+                <a:endParaRPr kumimoji="1" lang="ja-JP" altLang="en-US"/>
+              </a:p>
+            </p:txBody>
+          </p:sp>
+          <p:sp>
+            <p:nvSpPr>
+              <p:cNvPr id="186" name="星 7 185">
+                <a:extLst>
+                  <a:ext uri="{FF2B5EF4-FFF2-40B4-BE49-F238E27FC236}">
+                    <a16:creationId xmlns:a16="http://schemas.microsoft.com/office/drawing/2014/main" id="{EECD328D-6FC7-AD4D-8192-C2EE1A2BF4F8}"/>
+                  </a:ext>
+                </a:extLst>
+              </p:cNvPr>
+              <p:cNvSpPr/>
+              <p:nvPr/>
+            </p:nvSpPr>
+            <p:spPr>
+              <a:xfrm>
+                <a:off x="5056410" y="3789040"/>
+                <a:ext cx="432048" cy="432048"/>
+              </a:xfrm>
+              <a:prstGeom prst="star7">
+                <a:avLst/>
+              </a:prstGeom>
+              <a:solidFill>
+                <a:srgbClr val="DEEBF7">
+                  <a:alpha val="14902"/>
+                </a:srgbClr>
+              </a:solidFill>
+              <a:ln w="19050">
+                <a:solidFill>
+                  <a:schemeClr val="tx1"/>
+                </a:solidFill>
+              </a:ln>
+            </p:spPr>
+            <p:style>
+              <a:lnRef idx="2">
+                <a:schemeClr val="accent1">
+                  <a:shade val="50000"/>
+                </a:schemeClr>
+              </a:lnRef>
+              <a:fillRef idx="1">
+                <a:schemeClr val="accent1"/>
+              </a:fillRef>
+              <a:effectRef idx="0">
+                <a:schemeClr val="accent1"/>
+              </a:effectRef>
+              <a:fontRef idx="minor">
+                <a:schemeClr val="lt1"/>
+              </a:fontRef>
+            </p:style>
+            <p:txBody>
+              <a:bodyPr rot="0" spcFirstLastPara="0" vertOverflow="overflow" horzOverflow="overflow" vert="horz" wrap="square" lIns="91440" tIns="45720" rIns="91440" bIns="45720" numCol="1" spcCol="0" rtlCol="0" fromWordArt="0" anchor="t" anchorCtr="0" forceAA="0" compatLnSpc="1">
+                <a:prstTxWarp prst="textNoShape">
+                  <a:avLst/>
+                </a:prstTxWarp>
+                <a:noAutofit/>
+              </a:bodyPr>
+              <a:lstStyle/>
+              <a:p>
+                <a:pPr algn="ctr"/>
+                <a:endParaRPr kumimoji="1" lang="ja-JP" altLang="en-US" dirty="0" err="1">
+                  <a:solidFill>
+                    <a:schemeClr val="tx1"/>
+                  </a:solidFill>
+                </a:endParaRPr>
+              </a:p>
+            </p:txBody>
+          </p:sp>
+          <p:cxnSp>
+            <p:nvCxnSpPr>
+              <p:cNvPr id="189" name="直線コネクタ 188">
+                <a:extLst>
+                  <a:ext uri="{FF2B5EF4-FFF2-40B4-BE49-F238E27FC236}">
+                    <a16:creationId xmlns:a16="http://schemas.microsoft.com/office/drawing/2014/main" id="{C4C513DF-7254-8D48-B76B-CAFE86DA4009}"/>
+                  </a:ext>
+                </a:extLst>
+              </p:cNvPr>
+              <p:cNvCxnSpPr>
+                <a:stCxn id="184" idx="2"/>
+                <a:endCxn id="186" idx="3"/>
+              </p:cNvCxnSpPr>
+              <p:nvPr/>
+            </p:nvCxnSpPr>
+            <p:spPr>
+              <a:xfrm flipV="1">
+                <a:off x="4048298" y="4221090"/>
+                <a:ext cx="1127997" cy="1784769"/>
+              </a:xfrm>
+              <a:prstGeom prst="line">
+                <a:avLst/>
+              </a:prstGeom>
+            </p:spPr>
+            <p:style>
+              <a:lnRef idx="1">
+                <a:schemeClr val="accent1"/>
+              </a:lnRef>
+              <a:fillRef idx="0">
+                <a:schemeClr val="accent1"/>
+              </a:fillRef>
+              <a:effectRef idx="0">
+                <a:schemeClr val="accent1"/>
+              </a:effectRef>
+              <a:fontRef idx="minor">
+                <a:schemeClr val="tx1"/>
+              </a:fontRef>
+            </p:style>
+          </p:cxnSp>
+          <p:cxnSp>
+            <p:nvCxnSpPr>
+              <p:cNvPr id="191" name="直線コネクタ 190">
+                <a:extLst>
+                  <a:ext uri="{FF2B5EF4-FFF2-40B4-BE49-F238E27FC236}">
+                    <a16:creationId xmlns:a16="http://schemas.microsoft.com/office/drawing/2014/main" id="{CA9F8938-FEDC-A64E-9B93-01E49F17EF7D}"/>
+                  </a:ext>
+                </a:extLst>
+              </p:cNvPr>
+              <p:cNvCxnSpPr>
+                <a:stCxn id="184" idx="6"/>
+                <a:endCxn id="186" idx="2"/>
+              </p:cNvCxnSpPr>
+              <p:nvPr/>
+            </p:nvCxnSpPr>
+            <p:spPr>
+              <a:xfrm flipH="1" flipV="1">
+                <a:off x="5368573" y="4221090"/>
+                <a:ext cx="1118945" cy="1784769"/>
+              </a:xfrm>
+              <a:prstGeom prst="line">
+                <a:avLst/>
+              </a:prstGeom>
+            </p:spPr>
+            <p:style>
+              <a:lnRef idx="1">
+                <a:schemeClr val="accent1"/>
+              </a:lnRef>
+              <a:fillRef idx="0">
+                <a:schemeClr val="accent1"/>
+              </a:fillRef>
+              <a:effectRef idx="0">
+                <a:schemeClr val="accent1"/>
+              </a:effectRef>
+              <a:fontRef idx="minor">
+                <a:schemeClr val="tx1"/>
+              </a:fontRef>
+            </p:style>
+          </p:cxnSp>
+        </p:grpSp>
+      </p:grpSp>
+      <p:grpSp>
+        <p:nvGrpSpPr>
+          <p:cNvPr id="202" name="グループ化 201">
+            <a:extLst>
+              <a:ext uri="{FF2B5EF4-FFF2-40B4-BE49-F238E27FC236}">
+                <a16:creationId xmlns:a16="http://schemas.microsoft.com/office/drawing/2014/main" id="{19955324-E8F0-8E4A-A841-60BDF8D22E31}"/>
+              </a:ext>
+            </a:extLst>
+          </p:cNvPr>
+          <p:cNvGrpSpPr/>
+          <p:nvPr/>
+        </p:nvGrpSpPr>
+        <p:grpSpPr>
+          <a:xfrm>
+            <a:off x="407368" y="3429000"/>
+            <a:ext cx="2439220" cy="3240360"/>
+            <a:chOff x="407368" y="3429000"/>
+            <a:chExt cx="2439220" cy="3240360"/>
+          </a:xfrm>
+        </p:grpSpPr>
+        <p:sp>
+          <p:nvSpPr>
+            <p:cNvPr id="196" name="正方形/長方形 195">
+              <a:extLst>
+                <a:ext uri="{FF2B5EF4-FFF2-40B4-BE49-F238E27FC236}">
+                  <a16:creationId xmlns:a16="http://schemas.microsoft.com/office/drawing/2014/main" id="{EEEA3E9D-5672-754C-B025-C6F58EEDC1D1}"/>
+                </a:ext>
+              </a:extLst>
+            </p:cNvPr>
+            <p:cNvSpPr/>
+            <p:nvPr/>
+          </p:nvSpPr>
+          <p:spPr>
+            <a:xfrm>
+              <a:off x="1267345" y="3429000"/>
+              <a:ext cx="719267" cy="288032"/>
+            </a:xfrm>
+            <a:prstGeom prst="rect">
+              <a:avLst/>
+            </a:prstGeom>
+            <a:noFill/>
+            <a:ln>
+              <a:noFill/>
+            </a:ln>
+          </p:spPr>
+          <p:style>
+            <a:lnRef idx="2">
+              <a:schemeClr val="accent1">
+                <a:shade val="50000"/>
+              </a:schemeClr>
+            </a:lnRef>
+            <a:fillRef idx="1">
+              <a:schemeClr val="accent1"/>
+            </a:fillRef>
+            <a:effectRef idx="0">
+              <a:schemeClr val="accent1"/>
+            </a:effectRef>
+            <a:fontRef idx="minor">
+              <a:schemeClr val="lt1"/>
+            </a:fontRef>
+          </p:style>
+          <p:txBody>
+            <a:bodyPr rtlCol="0" anchor="ctr"/>
+            <a:lstStyle/>
+            <a:p>
+              <a:pPr algn="ctr"/>
+              <a:r>
+                <a:rPr lang="ja-JP" altLang="en-US" sz="1400">
+                  <a:solidFill>
+                    <a:schemeClr val="tx1"/>
+                  </a:solidFill>
+                </a:rPr>
+                <a:t>照明</a:t>
+              </a:r>
+              <a:endParaRPr kumimoji="1" lang="ja-JP" altLang="en-US" sz="1400">
+                <a:solidFill>
+                  <a:schemeClr val="tx1"/>
+                </a:solidFill>
+              </a:endParaRPr>
+            </a:p>
+          </p:txBody>
+        </p:sp>
+        <p:sp>
+          <p:nvSpPr>
+            <p:cNvPr id="198" name="円/楕円 197">
+              <a:extLst>
+                <a:ext uri="{FF2B5EF4-FFF2-40B4-BE49-F238E27FC236}">
+                  <a16:creationId xmlns:a16="http://schemas.microsoft.com/office/drawing/2014/main" id="{ABD107B4-4E93-A641-BF0F-FD20584F8755}"/>
+                </a:ext>
+              </a:extLst>
+            </p:cNvPr>
+            <p:cNvSpPr/>
+            <p:nvPr/>
+          </p:nvSpPr>
+          <p:spPr>
+            <a:xfrm>
+              <a:off x="407368" y="5342358"/>
+              <a:ext cx="2439220" cy="1327002"/>
+            </a:xfrm>
+            <a:prstGeom prst="ellipse">
+              <a:avLst/>
+            </a:prstGeom>
+            <a:solidFill>
+              <a:schemeClr val="accent4">
+                <a:lumMod val="20000"/>
+                <a:lumOff val="80000"/>
+                <a:alpha val="14902"/>
+              </a:schemeClr>
+            </a:solidFill>
+            <a:ln>
+              <a:solidFill>
+                <a:schemeClr val="accent2"/>
+              </a:solidFill>
+            </a:ln>
+          </p:spPr>
+          <p:style>
+            <a:lnRef idx="2">
+              <a:schemeClr val="accent1">
+                <a:shade val="50000"/>
+              </a:schemeClr>
+            </a:lnRef>
+            <a:fillRef idx="1">
+              <a:schemeClr val="accent1"/>
+            </a:fillRef>
+            <a:effectRef idx="0">
+              <a:schemeClr val="accent1"/>
+            </a:effectRef>
+            <a:fontRef idx="minor">
+              <a:schemeClr val="lt1"/>
+            </a:fontRef>
+          </p:style>
+          <p:txBody>
+            <a:bodyPr rtlCol="0" anchor="ctr"/>
+            <a:lstStyle/>
+            <a:p>
+              <a:pPr algn="ctr"/>
+              <a:endParaRPr kumimoji="1" lang="ja-JP" altLang="en-US"/>
+            </a:p>
+          </p:txBody>
+        </p:sp>
+        <p:sp>
+          <p:nvSpPr>
+            <p:cNvPr id="199" name="星 7 198">
+              <a:extLst>
+                <a:ext uri="{FF2B5EF4-FFF2-40B4-BE49-F238E27FC236}">
+                  <a16:creationId xmlns:a16="http://schemas.microsoft.com/office/drawing/2014/main" id="{6FFDA904-DC4A-BF46-A370-C2D03E277AFD}"/>
+                </a:ext>
+              </a:extLst>
+            </p:cNvPr>
+            <p:cNvSpPr/>
+            <p:nvPr/>
+          </p:nvSpPr>
+          <p:spPr>
+            <a:xfrm>
+              <a:off x="1415480" y="3789040"/>
+              <a:ext cx="432048" cy="432048"/>
+            </a:xfrm>
+            <a:prstGeom prst="star7">
+              <a:avLst/>
+            </a:prstGeom>
+            <a:solidFill>
+              <a:schemeClr val="accent4">
+                <a:lumMod val="20000"/>
+                <a:lumOff val="80000"/>
+                <a:alpha val="14902"/>
+              </a:schemeClr>
+            </a:solidFill>
+            <a:ln w="19050">
+              <a:solidFill>
+                <a:schemeClr val="tx1"/>
+              </a:solidFill>
+            </a:ln>
+          </p:spPr>
+          <p:style>
+            <a:lnRef idx="2">
+              <a:schemeClr val="accent1">
+                <a:shade val="50000"/>
+              </a:schemeClr>
+            </a:lnRef>
+            <a:fillRef idx="1">
+              <a:schemeClr val="accent1"/>
+            </a:fillRef>
+            <a:effectRef idx="0">
+              <a:schemeClr val="accent1"/>
+            </a:effectRef>
+            <a:fontRef idx="minor">
+              <a:schemeClr val="lt1"/>
+            </a:fontRef>
+          </p:style>
+          <p:txBody>
+            <a:bodyPr rot="0" spcFirstLastPara="0" vertOverflow="overflow" horzOverflow="overflow" vert="horz" wrap="square" lIns="91440" tIns="45720" rIns="91440" bIns="45720" numCol="1" spcCol="0" rtlCol="0" fromWordArt="0" anchor="t" anchorCtr="0" forceAA="0" compatLnSpc="1">
+              <a:prstTxWarp prst="textNoShape">
+                <a:avLst/>
+              </a:prstTxWarp>
+              <a:noAutofit/>
+            </a:bodyPr>
+            <a:lstStyle/>
+            <a:p>
+              <a:pPr algn="ctr"/>
+              <a:endParaRPr kumimoji="1" lang="ja-JP" altLang="en-US" dirty="0" err="1">
+                <a:solidFill>
+                  <a:schemeClr val="tx1"/>
+                </a:solidFill>
+              </a:endParaRPr>
+            </a:p>
+          </p:txBody>
+        </p:sp>
+        <p:cxnSp>
+          <p:nvCxnSpPr>
+            <p:cNvPr id="200" name="直線コネクタ 199">
+              <a:extLst>
+                <a:ext uri="{FF2B5EF4-FFF2-40B4-BE49-F238E27FC236}">
+                  <a16:creationId xmlns:a16="http://schemas.microsoft.com/office/drawing/2014/main" id="{34CAA238-56BF-1048-BD00-D3F41F132014}"/>
+                </a:ext>
+              </a:extLst>
+            </p:cNvPr>
+            <p:cNvCxnSpPr>
+              <a:stCxn id="198" idx="2"/>
+              <a:endCxn id="199" idx="3"/>
+            </p:cNvCxnSpPr>
+            <p:nvPr/>
+          </p:nvCxnSpPr>
+          <p:spPr>
+            <a:xfrm flipV="1">
+              <a:off x="407368" y="4221090"/>
+              <a:ext cx="1127997" cy="1784769"/>
+            </a:xfrm>
+            <a:prstGeom prst="line">
+              <a:avLst/>
+            </a:prstGeom>
+            <a:ln>
+              <a:solidFill>
+                <a:schemeClr val="accent2"/>
+              </a:solidFill>
+            </a:ln>
+          </p:spPr>
+          <p:style>
+            <a:lnRef idx="1">
+              <a:schemeClr val="accent1"/>
+            </a:lnRef>
+            <a:fillRef idx="0">
+              <a:schemeClr val="accent1"/>
+            </a:fillRef>
+            <a:effectRef idx="0">
+              <a:schemeClr val="accent1"/>
+            </a:effectRef>
+            <a:fontRef idx="minor">
+              <a:schemeClr val="tx1"/>
+            </a:fontRef>
+          </p:style>
+        </p:cxnSp>
+        <p:cxnSp>
+          <p:nvCxnSpPr>
+            <p:cNvPr id="201" name="直線コネクタ 200">
+              <a:extLst>
+                <a:ext uri="{FF2B5EF4-FFF2-40B4-BE49-F238E27FC236}">
+                  <a16:creationId xmlns:a16="http://schemas.microsoft.com/office/drawing/2014/main" id="{C783B02F-890C-DA47-AA9B-FDA8683B5831}"/>
+                </a:ext>
+              </a:extLst>
+            </p:cNvPr>
+            <p:cNvCxnSpPr>
+              <a:stCxn id="198" idx="6"/>
+              <a:endCxn id="199" idx="2"/>
+            </p:cNvCxnSpPr>
+            <p:nvPr/>
+          </p:nvCxnSpPr>
+          <p:spPr>
+            <a:xfrm flipH="1" flipV="1">
+              <a:off x="1727643" y="4221090"/>
+              <a:ext cx="1118945" cy="1784769"/>
+            </a:xfrm>
+            <a:prstGeom prst="line">
+              <a:avLst/>
+            </a:prstGeom>
+            <a:ln>
+              <a:solidFill>
+                <a:schemeClr val="accent2"/>
+              </a:solidFill>
+            </a:ln>
+          </p:spPr>
+          <p:style>
+            <a:lnRef idx="1">
+              <a:schemeClr val="accent1"/>
+            </a:lnRef>
+            <a:fillRef idx="0">
+              <a:schemeClr val="accent1"/>
+            </a:fillRef>
+            <a:effectRef idx="0">
+              <a:schemeClr val="accent1"/>
+            </a:effectRef>
+            <a:fontRef idx="minor">
+              <a:schemeClr val="tx1"/>
+            </a:fontRef>
+          </p:style>
+        </p:cxnSp>
+      </p:grpSp>
+      <p:sp>
+        <p:nvSpPr>
+          <p:cNvPr id="204" name="正方形/長方形 203">
+            <a:extLst>
+              <a:ext uri="{FF2B5EF4-FFF2-40B4-BE49-F238E27FC236}">
+                <a16:creationId xmlns:a16="http://schemas.microsoft.com/office/drawing/2014/main" id="{0FF69720-A931-AD48-BE0A-1AD07AC7F298}"/>
+              </a:ext>
+            </a:extLst>
+          </p:cNvPr>
+          <p:cNvSpPr/>
+          <p:nvPr/>
+        </p:nvSpPr>
+        <p:spPr>
+          <a:xfrm>
+            <a:off x="7680176" y="6165304"/>
+            <a:ext cx="1222510" cy="436418"/>
+          </a:xfrm>
+          <a:prstGeom prst="rect">
+            <a:avLst/>
+          </a:prstGeom>
+          <a:noFill/>
+          <a:ln>
+            <a:noFill/>
+          </a:ln>
+        </p:spPr>
+        <p:style>
+          <a:lnRef idx="2">
+            <a:schemeClr val="accent1">
+              <a:shade val="50000"/>
+            </a:schemeClr>
+          </a:lnRef>
+          <a:fillRef idx="1">
+            <a:schemeClr val="accent1"/>
+          </a:fillRef>
+          <a:effectRef idx="0">
+            <a:schemeClr val="accent1"/>
+          </a:effectRef>
+          <a:fontRef idx="minor">
+            <a:schemeClr val="lt1"/>
+          </a:fontRef>
+        </p:style>
+        <p:txBody>
+          <a:bodyPr rtlCol="0" anchor="ctr"/>
+          <a:lstStyle/>
+          <a:p>
+            <a:pPr algn="ctr"/>
+            <a:r>
+              <a:rPr kumimoji="1" lang="ja-JP" altLang="en-US" sz="1400">
+                <a:solidFill>
+                  <a:schemeClr val="tx1"/>
+                </a:solidFill>
+              </a:rPr>
+              <a:t>コース</a:t>
+            </a:r>
+          </a:p>
+        </p:txBody>
+      </p:sp>
+      <p:sp>
+        <p:nvSpPr>
+          <p:cNvPr id="205" name="正方形/長方形 204">
+            <a:extLst>
+              <a:ext uri="{FF2B5EF4-FFF2-40B4-BE49-F238E27FC236}">
+                <a16:creationId xmlns:a16="http://schemas.microsoft.com/office/drawing/2014/main" id="{9210A4B2-0202-D943-862B-74FD6C4EF43F}"/>
+              </a:ext>
+            </a:extLst>
+          </p:cNvPr>
+          <p:cNvSpPr/>
+          <p:nvPr/>
+        </p:nvSpPr>
+        <p:spPr>
+          <a:xfrm>
+            <a:off x="8832304" y="2996952"/>
+            <a:ext cx="1222510" cy="436418"/>
+          </a:xfrm>
+          <a:prstGeom prst="rect">
+            <a:avLst/>
+          </a:prstGeom>
+          <a:noFill/>
+          <a:ln>
+            <a:noFill/>
+          </a:ln>
+        </p:spPr>
+        <p:style>
+          <a:lnRef idx="2">
+            <a:schemeClr val="accent1">
+              <a:shade val="50000"/>
+            </a:schemeClr>
+          </a:lnRef>
+          <a:fillRef idx="1">
+            <a:schemeClr val="accent1"/>
+          </a:fillRef>
+          <a:effectRef idx="0">
+            <a:schemeClr val="accent1"/>
+          </a:effectRef>
+          <a:fontRef idx="minor">
+            <a:schemeClr val="lt1"/>
+          </a:fontRef>
+        </p:style>
+        <p:txBody>
+          <a:bodyPr rtlCol="0" anchor="ctr"/>
+          <a:lstStyle/>
+          <a:p>
+            <a:pPr algn="ctr"/>
+            <a:r>
+              <a:rPr kumimoji="1" lang="ja-JP" altLang="en-US" sz="1400">
+                <a:solidFill>
+                  <a:schemeClr val="tx1"/>
+                </a:solidFill>
+              </a:rPr>
+              <a:t>走行体</a:t>
+            </a:r>
+          </a:p>
+        </p:txBody>
+      </p:sp>
+      <p:sp>
+        <p:nvSpPr>
+          <p:cNvPr id="206" name="正方形/長方形 205">
+            <a:extLst>
+              <a:ext uri="{FF2B5EF4-FFF2-40B4-BE49-F238E27FC236}">
+                <a16:creationId xmlns:a16="http://schemas.microsoft.com/office/drawing/2014/main" id="{78CBF6E0-D10A-5C48-B6AA-368DEE2FBF31}"/>
+              </a:ext>
+            </a:extLst>
+          </p:cNvPr>
+          <p:cNvSpPr/>
+          <p:nvPr/>
+        </p:nvSpPr>
+        <p:spPr>
+          <a:xfrm>
+            <a:off x="2857266" y="5589240"/>
+            <a:ext cx="1222510" cy="436418"/>
+          </a:xfrm>
+          <a:prstGeom prst="rect">
+            <a:avLst/>
+          </a:prstGeom>
+          <a:noFill/>
+          <a:ln>
+            <a:noFill/>
+          </a:ln>
+        </p:spPr>
+        <p:style>
+          <a:lnRef idx="2">
+            <a:schemeClr val="accent1">
+              <a:shade val="50000"/>
+            </a:schemeClr>
+          </a:lnRef>
+          <a:fillRef idx="1">
+            <a:schemeClr val="accent1"/>
+          </a:fillRef>
+          <a:effectRef idx="0">
+            <a:schemeClr val="accent1"/>
+          </a:effectRef>
+          <a:fontRef idx="minor">
+            <a:schemeClr val="lt1"/>
+          </a:fontRef>
+        </p:style>
+        <p:txBody>
+          <a:bodyPr rtlCol="0" anchor="ctr"/>
+          <a:lstStyle/>
+          <a:p>
+            <a:pPr algn="ctr"/>
+            <a:r>
+              <a:rPr kumimoji="1" lang="ja-JP" altLang="en-US" sz="1400">
+                <a:solidFill>
+                  <a:schemeClr val="tx1"/>
+                </a:solidFill>
+              </a:rPr>
+              <a:t>灰色ライン</a:t>
+            </a:r>
+          </a:p>
+        </p:txBody>
+      </p:sp>
+      <p:sp>
+        <p:nvSpPr>
+          <p:cNvPr id="207" name="正方形/長方形 206">
+            <a:extLst>
+              <a:ext uri="{FF2B5EF4-FFF2-40B4-BE49-F238E27FC236}">
+                <a16:creationId xmlns:a16="http://schemas.microsoft.com/office/drawing/2014/main" id="{55387B46-D31F-3C45-A8AB-620D59E7A0D0}"/>
+              </a:ext>
+            </a:extLst>
+          </p:cNvPr>
+          <p:cNvSpPr/>
+          <p:nvPr/>
+        </p:nvSpPr>
+        <p:spPr>
+          <a:xfrm>
+            <a:off x="6457666" y="5589240"/>
+            <a:ext cx="1222510" cy="436418"/>
+          </a:xfrm>
+          <a:prstGeom prst="rect">
+            <a:avLst/>
+          </a:prstGeom>
+          <a:noFill/>
+          <a:ln>
+            <a:noFill/>
+          </a:ln>
+        </p:spPr>
+        <p:style>
+          <a:lnRef idx="2">
+            <a:schemeClr val="accent1">
+              <a:shade val="50000"/>
+            </a:schemeClr>
+          </a:lnRef>
+          <a:fillRef idx="1">
+            <a:schemeClr val="accent1"/>
+          </a:fillRef>
+          <a:effectRef idx="0">
+            <a:schemeClr val="accent1"/>
+          </a:effectRef>
+          <a:fontRef idx="minor">
+            <a:schemeClr val="lt1"/>
+          </a:fontRef>
+        </p:style>
+        <p:txBody>
+          <a:bodyPr rtlCol="0" anchor="ctr"/>
+          <a:lstStyle/>
+          <a:p>
+            <a:pPr algn="ctr"/>
+            <a:r>
+              <a:rPr lang="ja-JP" altLang="en-US" sz="1400">
+                <a:solidFill>
+                  <a:schemeClr val="tx1"/>
+                </a:solidFill>
+              </a:rPr>
+              <a:t>黒</a:t>
+            </a:r>
+            <a:r>
+              <a:rPr kumimoji="1" lang="ja-JP" altLang="en-US" sz="1400">
+                <a:solidFill>
+                  <a:schemeClr val="tx1"/>
+                </a:solidFill>
+              </a:rPr>
+              <a:t>色ライン</a:t>
+            </a:r>
+          </a:p>
+        </p:txBody>
+      </p:sp>
+      <p:sp>
+        <p:nvSpPr>
+          <p:cNvPr id="208" name="正方形/長方形 207">
+            <a:extLst>
+              <a:ext uri="{FF2B5EF4-FFF2-40B4-BE49-F238E27FC236}">
+                <a16:creationId xmlns:a16="http://schemas.microsoft.com/office/drawing/2014/main" id="{C14B7F6C-70B1-C44E-A2C0-DD1655E23599}"/>
+              </a:ext>
+            </a:extLst>
+          </p:cNvPr>
+          <p:cNvSpPr/>
+          <p:nvPr/>
+        </p:nvSpPr>
+        <p:spPr>
+          <a:xfrm>
+            <a:off x="2207568" y="3284984"/>
+            <a:ext cx="1944216" cy="288032"/>
+          </a:xfrm>
+          <a:prstGeom prst="rect">
+            <a:avLst/>
+          </a:prstGeom>
+          <a:noFill/>
+          <a:ln>
+            <a:noFill/>
+          </a:ln>
+        </p:spPr>
+        <p:style>
+          <a:lnRef idx="2">
+            <a:schemeClr val="accent1">
+              <a:shade val="50000"/>
+            </a:schemeClr>
+          </a:lnRef>
+          <a:fillRef idx="1">
+            <a:schemeClr val="accent1"/>
+          </a:fillRef>
+          <a:effectRef idx="0">
+            <a:schemeClr val="accent1"/>
+          </a:effectRef>
+          <a:fontRef idx="minor">
+            <a:schemeClr val="lt1"/>
+          </a:fontRef>
+        </p:style>
+        <p:txBody>
+          <a:bodyPr rtlCol="0" anchor="ctr"/>
+          <a:lstStyle/>
+          <a:p>
+            <a:pPr algn="ctr"/>
+            <a:r>
+              <a:rPr lang="ja-JP" altLang="en-US" sz="1400">
+                <a:solidFill>
+                  <a:schemeClr val="tx1"/>
+                </a:solidFill>
+              </a:rPr>
+              <a:t>ブロック並べエリア</a:t>
+            </a:r>
+            <a:endParaRPr kumimoji="1" lang="ja-JP" altLang="en-US" sz="1400">
+              <a:solidFill>
+                <a:schemeClr val="tx1"/>
+              </a:solidFill>
+            </a:endParaRPr>
+          </a:p>
+        </p:txBody>
+      </p:sp>
+      <p:sp>
+        <p:nvSpPr>
+          <p:cNvPr id="209" name="正方形/長方形 208">
+            <a:extLst>
+              <a:ext uri="{FF2B5EF4-FFF2-40B4-BE49-F238E27FC236}">
+                <a16:creationId xmlns:a16="http://schemas.microsoft.com/office/drawing/2014/main" id="{D4D4802C-2A8F-4542-8EFF-A933EE65CC02}"/>
+              </a:ext>
+            </a:extLst>
+          </p:cNvPr>
+          <p:cNvSpPr/>
+          <p:nvPr/>
+        </p:nvSpPr>
+        <p:spPr>
+          <a:xfrm>
+            <a:off x="3647728" y="2492896"/>
+            <a:ext cx="1152128" cy="288032"/>
+          </a:xfrm>
+          <a:prstGeom prst="rect">
+            <a:avLst/>
+          </a:prstGeom>
+          <a:noFill/>
+          <a:ln>
+            <a:noFill/>
+          </a:ln>
+        </p:spPr>
+        <p:style>
+          <a:lnRef idx="2">
+            <a:schemeClr val="accent1">
+              <a:shade val="50000"/>
+            </a:schemeClr>
+          </a:lnRef>
+          <a:fillRef idx="1">
+            <a:schemeClr val="accent1"/>
+          </a:fillRef>
+          <a:effectRef idx="0">
+            <a:schemeClr val="accent1"/>
+          </a:effectRef>
+          <a:fontRef idx="minor">
+            <a:schemeClr val="lt1"/>
+          </a:fontRef>
+        </p:style>
+        <p:txBody>
+          <a:bodyPr rtlCol="0" anchor="ctr"/>
+          <a:lstStyle/>
+          <a:p>
+            <a:pPr algn="ctr"/>
+            <a:r>
+              <a:rPr lang="ja-JP" altLang="en-US" sz="1400">
+                <a:solidFill>
+                  <a:schemeClr val="tx1"/>
+                </a:solidFill>
+              </a:rPr>
+              <a:t>ブロック</a:t>
+            </a:r>
+            <a:endParaRPr kumimoji="1" lang="ja-JP" altLang="en-US" sz="1400">
+              <a:solidFill>
+                <a:schemeClr val="tx1"/>
+              </a:solidFill>
+            </a:endParaRPr>
+          </a:p>
+        </p:txBody>
+      </p:sp>
     </p:spTree>
     <p:extLst>
       <p:ext uri="{BB962C8B-B14F-4D97-AF65-F5344CB8AC3E}">
@@ -11061,7 +15048,7 @@
 </p:sld>
 </file>
 
-<file path=ppt/slides/slide5.xml><?xml version="1.0" encoding="utf-8"?>
+<file path=ppt/slides/slide4.xml><?xml version="1.0" encoding="utf-8"?>
 <p:sld xmlns:a="http://schemas.openxmlformats.org/drawingml/2006/main" xmlns:r="http://schemas.openxmlformats.org/officeDocument/2006/relationships" xmlns:p="http://schemas.openxmlformats.org/presentationml/2006/main">
   <p:cSld>
     <p:spTree>
@@ -11149,7 +15136,7 @@
 </p:sld>
 </file>
 
-<file path=ppt/slides/slide6.xml><?xml version="1.0" encoding="utf-8"?>
+<file path=ppt/slides/slide5.xml><?xml version="1.0" encoding="utf-8"?>
 <p:sld xmlns:a="http://schemas.openxmlformats.org/drawingml/2006/main" xmlns:r="http://schemas.openxmlformats.org/officeDocument/2006/relationships" xmlns:p="http://schemas.openxmlformats.org/presentationml/2006/main">
   <p:cSld>
     <p:spTree>
@@ -11509,7 +15496,7 @@
       <a:bodyPr rtlCol="0" anchor="t" anchorCtr="0"/>
       <a:lstStyle>
         <a:defPPr algn="ctr">
-          <a:defRPr kumimoji="1" dirty="0" smtClean="0">
+          <a:defRPr kumimoji="1" dirty="0" err="1" smtClean="0">
             <a:solidFill>
               <a:schemeClr val="tx1"/>
             </a:solidFill>
